--- a/Demo.WebApi.pptx
+++ b/Demo.WebApi.pptx
@@ -28637,13 +28637,8 @@
             </a:r>
             <a:r>
               <a:rPr lang="en-US" sz="2800" dirty="0" smtClean="0"/>
-              <a:t>It’s </a:t>
-            </a:r>
-            <a:r>
-              <a:rPr lang="en-US" sz="2800" smtClean="0"/>
-              <a:t>the default</a:t>
-            </a:r>
-            <a:endParaRPr lang="en-US" sz="2800" dirty="0" smtClean="0"/>
+              <a:t>It’s the default</a:t>
+            </a:r>
           </a:p>
           <a:p>
             <a:r>

--- a/Demo.WebApi.pptx
+++ b/Demo.WebApi.pptx
@@ -21,14 +21,14 @@
     <p:sldId id="321" r:id="rId9"/>
     <p:sldId id="322" r:id="rId10"/>
     <p:sldId id="323" r:id="rId11"/>
-    <p:sldId id="324" r:id="rId12"/>
-    <p:sldId id="330" r:id="rId13"/>
-    <p:sldId id="326" r:id="rId14"/>
-    <p:sldId id="327" r:id="rId15"/>
-    <p:sldId id="328" r:id="rId16"/>
-    <p:sldId id="331" r:id="rId17"/>
-    <p:sldId id="332" r:id="rId18"/>
-    <p:sldId id="333" r:id="rId19"/>
+    <p:sldId id="326" r:id="rId12"/>
+    <p:sldId id="327" r:id="rId13"/>
+    <p:sldId id="328" r:id="rId14"/>
+    <p:sldId id="331" r:id="rId15"/>
+    <p:sldId id="332" r:id="rId16"/>
+    <p:sldId id="333" r:id="rId17"/>
+    <p:sldId id="336" r:id="rId18"/>
+    <p:sldId id="337" r:id="rId19"/>
     <p:sldId id="334" r:id="rId20"/>
     <p:sldId id="335" r:id="rId21"/>
   </p:sldIdLst>
@@ -244,7 +244,7 @@
           <a:p>
             <a:fld id="{744D7EC3-CD50-4DA5-B722-330229C0073D}" type="datetimeFigureOut">
               <a:rPr lang="en-US" smtClean="0"/>
-              <a:t>2/25/2013</a:t>
+              <a:t>3/11/2013</a:t>
             </a:fld>
             <a:endParaRPr lang="en-US"/>
           </a:p>
@@ -409,7 +409,7 @@
           <a:p>
             <a:fld id="{85BE0011-04E0-4F3F-BFCE-633C944A425A}" type="datetimeFigureOut">
               <a:rPr lang="en-US" smtClean="0"/>
-              <a:t>2/25/2013</a:t>
+              <a:t>3/11/2013</a:t>
             </a:fld>
             <a:endParaRPr lang="en-US"/>
           </a:p>
@@ -858,7 +858,7 @@
     </p:spTree>
     <p:extLst>
       <p:ext uri="{BB962C8B-B14F-4D97-AF65-F5344CB8AC3E}">
-        <p14:creationId xmlns:p14="http://schemas.microsoft.com/office/powerpoint/2010/main" val="3692701654"/>
+        <p14:creationId xmlns:p14="http://schemas.microsoft.com/office/powerpoint/2010/main" val="2201091621"/>
       </p:ext>
     </p:extLst>
   </p:cSld>
@@ -942,7 +942,7 @@
     </p:spTree>
     <p:extLst>
       <p:ext uri="{BB962C8B-B14F-4D97-AF65-F5344CB8AC3E}">
-        <p14:creationId xmlns:p14="http://schemas.microsoft.com/office/powerpoint/2010/main" val="2201091621"/>
+        <p14:creationId xmlns:p14="http://schemas.microsoft.com/office/powerpoint/2010/main" val="2016289632"/>
       </p:ext>
     </p:extLst>
   </p:cSld>
@@ -996,6 +996,10 @@
           <a:bodyPr/>
           <a:lstStyle/>
           <a:p>
+            <a:r>
+              <a:rPr lang="en-US" dirty="0" smtClean="0"/>
+              <a:t>http://www.asp.net/web-api/overview/extensibility/using-the-web-api-dependency-resolver</a:t>
+            </a:r>
             <a:endParaRPr lang="en-US" dirty="0"/>
           </a:p>
         </p:txBody>
@@ -1661,7 +1665,7 @@
     </p:spTree>
     <p:extLst>
       <p:ext uri="{BB962C8B-B14F-4D97-AF65-F5344CB8AC3E}">
-        <p14:creationId xmlns:p14="http://schemas.microsoft.com/office/powerpoint/2010/main" val="1892553819"/>
+        <p14:creationId xmlns:p14="http://schemas.microsoft.com/office/powerpoint/2010/main" val="2582844064"/>
       </p:ext>
     </p:extLst>
   </p:cSld>
@@ -1745,7 +1749,7 @@
     </p:spTree>
     <p:extLst>
       <p:ext uri="{BB962C8B-B14F-4D97-AF65-F5344CB8AC3E}">
-        <p14:creationId xmlns:p14="http://schemas.microsoft.com/office/powerpoint/2010/main" val="2582844064"/>
+        <p14:creationId xmlns:p14="http://schemas.microsoft.com/office/powerpoint/2010/main" val="3692701654"/>
       </p:ext>
     </p:extLst>
   </p:cSld>
@@ -2413,7 +2417,7 @@
             <a:fld id="{EFEED2B4-868F-4681-9E70-FF7ECCDC67D4}" type="datetimeFigureOut">
               <a:rPr lang="en-US" smtClean="0"/>
               <a:pPr/>
-              <a:t>2/25/2013</a:t>
+              <a:t>3/11/2013</a:t>
             </a:fld>
             <a:endParaRPr lang="en-US" dirty="0"/>
           </a:p>
@@ -2679,7 +2683,7 @@
           <a:p>
             <a:fld id="{EFEED2B4-868F-4681-9E70-FF7ECCDC67D4}" type="datetimeFigureOut">
               <a:rPr lang="en-US" smtClean="0"/>
-              <a:t>2/25/2013</a:t>
+              <a:t>3/11/2013</a:t>
             </a:fld>
             <a:endParaRPr lang="en-US"/>
           </a:p>
@@ -3389,7 +3393,7 @@
           <a:p>
             <a:fld id="{EFEED2B4-868F-4681-9E70-FF7ECCDC67D4}" type="datetimeFigureOut">
               <a:rPr lang="en-US" smtClean="0"/>
-              <a:t>2/25/2013</a:t>
+              <a:t>3/11/2013</a:t>
             </a:fld>
             <a:endParaRPr lang="en-US"/>
           </a:p>
@@ -3999,7 +4003,7 @@
             <a:fld id="{EFEED2B4-868F-4681-9E70-FF7ECCDC67D4}" type="datetimeFigureOut">
               <a:rPr lang="en-US" smtClean="0"/>
               <a:pPr/>
-              <a:t>2/25/2013</a:t>
+              <a:t>3/11/2013</a:t>
             </a:fld>
             <a:endParaRPr lang="en-US" dirty="0"/>
           </a:p>
@@ -4153,7 +4157,7 @@
           <a:p>
             <a:fld id="{EFEED2B4-868F-4681-9E70-FF7ECCDC67D4}" type="datetimeFigureOut">
               <a:rPr lang="en-US" smtClean="0"/>
-              <a:t>2/25/2013</a:t>
+              <a:t>3/11/2013</a:t>
             </a:fld>
             <a:endParaRPr lang="en-US"/>
           </a:p>
@@ -4672,7 +4676,7 @@
           <a:p>
             <a:fld id="{EFEED2B4-868F-4681-9E70-FF7ECCDC67D4}" type="datetimeFigureOut">
               <a:rPr lang="en-US" smtClean="0"/>
-              <a:t>2/25/2013</a:t>
+              <a:t>3/11/2013</a:t>
             </a:fld>
             <a:endParaRPr lang="en-US"/>
           </a:p>
@@ -5214,7 +5218,7 @@
           <a:p>
             <a:fld id="{EFEED2B4-868F-4681-9E70-FF7ECCDC67D4}" type="datetimeFigureOut">
               <a:rPr lang="en-US" smtClean="0"/>
-              <a:t>2/25/2013</a:t>
+              <a:t>3/11/2013</a:t>
             </a:fld>
             <a:endParaRPr lang="en-US"/>
           </a:p>
@@ -5782,7 +5786,7 @@
           <a:p>
             <a:fld id="{EFEED2B4-868F-4681-9E70-FF7ECCDC67D4}" type="datetimeFigureOut">
               <a:rPr lang="en-US" smtClean="0"/>
-              <a:t>2/25/2013</a:t>
+              <a:t>3/11/2013</a:t>
             </a:fld>
             <a:endParaRPr lang="en-US"/>
           </a:p>
@@ -6840,7 +6844,7 @@
             <a:fld id="{EFEED2B4-868F-4681-9E70-FF7ECCDC67D4}" type="datetimeFigureOut">
               <a:rPr lang="en-US" smtClean="0"/>
               <a:pPr/>
-              <a:t>2/25/2013</a:t>
+              <a:t>3/11/2013</a:t>
             </a:fld>
             <a:endParaRPr lang="en-US" dirty="0"/>
           </a:p>
@@ -7287,7 +7291,7 @@
           <a:p>
             <a:fld id="{EFEED2B4-868F-4681-9E70-FF7ECCDC67D4}" type="datetimeFigureOut">
               <a:rPr lang="en-US" smtClean="0"/>
-              <a:t>2/25/2013</a:t>
+              <a:t>3/11/2013</a:t>
             </a:fld>
             <a:endParaRPr lang="en-US"/>
           </a:p>
@@ -7672,7 +7676,7 @@
           <a:p>
             <a:fld id="{EFEED2B4-868F-4681-9E70-FF7ECCDC67D4}" type="datetimeFigureOut">
               <a:rPr lang="en-US" smtClean="0"/>
-              <a:t>2/25/2013</a:t>
+              <a:t>3/11/2013</a:t>
             </a:fld>
             <a:endParaRPr lang="en-US"/>
           </a:p>
@@ -8233,7 +8237,7 @@
           <a:p>
             <a:fld id="{EFEED2B4-868F-4681-9E70-FF7ECCDC67D4}" type="datetimeFigureOut">
               <a:rPr lang="en-US" smtClean="0"/>
-              <a:t>2/25/2013</a:t>
+              <a:t>3/11/2013</a:t>
             </a:fld>
             <a:endParaRPr lang="en-US"/>
           </a:p>
@@ -8350,7 +8354,7 @@
           <a:p>
             <a:fld id="{EFEED2B4-868F-4681-9E70-FF7ECCDC67D4}" type="datetimeFigureOut">
               <a:rPr lang="en-US" smtClean="0"/>
-              <a:t>2/25/2013</a:t>
+              <a:t>3/11/2013</a:t>
             </a:fld>
             <a:endParaRPr lang="en-US"/>
           </a:p>
@@ -9866,7 +9870,7 @@
           <a:p>
             <a:fld id="{EFEED2B4-868F-4681-9E70-FF7ECCDC67D4}" type="datetimeFigureOut">
               <a:rPr lang="en-US" smtClean="0"/>
-              <a:t>2/25/2013</a:t>
+              <a:t>3/11/2013</a:t>
             </a:fld>
             <a:endParaRPr lang="en-US"/>
           </a:p>
@@ -11028,7 +11032,7 @@
           <a:p>
             <a:fld id="{EFEED2B4-868F-4681-9E70-FF7ECCDC67D4}" type="datetimeFigureOut">
               <a:rPr lang="en-US" smtClean="0"/>
-              <a:t>2/25/2013</a:t>
+              <a:t>3/11/2013</a:t>
             </a:fld>
             <a:endParaRPr lang="en-US"/>
           </a:p>
@@ -11407,7 +11411,7 @@
             <a:fld id="{EFEED2B4-868F-4681-9E70-FF7ECCDC67D4}" type="datetimeFigureOut">
               <a:rPr lang="en-US" smtClean="0"/>
               <a:pPr/>
-              <a:t>2/25/2013</a:t>
+              <a:t>3/11/2013</a:t>
             </a:fld>
             <a:endParaRPr lang="en-US" dirty="0"/>
           </a:p>
@@ -11704,7 +11708,7 @@
             <a:fld id="{EFEED2B4-868F-4681-9E70-FF7ECCDC67D4}" type="datetimeFigureOut">
               <a:rPr lang="en-US" smtClean="0"/>
               <a:pPr/>
-              <a:t>2/25/2013</a:t>
+              <a:t>3/11/2013</a:t>
             </a:fld>
             <a:endParaRPr lang="en-US" dirty="0"/>
           </a:p>
@@ -12180,7 +12184,7 @@
             <a:fld id="{EFEED2B4-868F-4681-9E70-FF7ECCDC67D4}" type="datetimeFigureOut">
               <a:rPr lang="en-US" smtClean="0"/>
               <a:pPr/>
-              <a:t>2/25/2013</a:t>
+              <a:t>3/11/2013</a:t>
             </a:fld>
             <a:endParaRPr lang="en-US" dirty="0"/>
           </a:p>
@@ -12463,7 +12467,7 @@
           <a:p>
             <a:fld id="{EFEED2B4-868F-4681-9E70-FF7ECCDC67D4}" type="datetimeFigureOut">
               <a:rPr lang="en-US" smtClean="0"/>
-              <a:t>2/25/2013</a:t>
+              <a:t>3/11/2013</a:t>
             </a:fld>
             <a:endParaRPr lang="en-US"/>
           </a:p>
@@ -12677,7 +12681,7 @@
           <a:p>
             <a:fld id="{EFEED2B4-868F-4681-9E70-FF7ECCDC67D4}" type="datetimeFigureOut">
               <a:rPr lang="en-US" smtClean="0"/>
-              <a:t>2/25/2013</a:t>
+              <a:t>3/11/2013</a:t>
             </a:fld>
             <a:endParaRPr lang="en-US"/>
           </a:p>
@@ -13088,7 +13092,7 @@
           <a:p>
             <a:fld id="{EFEED2B4-868F-4681-9E70-FF7ECCDC67D4}" type="datetimeFigureOut">
               <a:rPr lang="en-US" smtClean="0"/>
-              <a:t>2/25/2013</a:t>
+              <a:t>3/11/2013</a:t>
             </a:fld>
             <a:endParaRPr lang="en-US"/>
           </a:p>
@@ -13364,7 +13368,7 @@
           <a:p>
             <a:fld id="{EFEED2B4-868F-4681-9E70-FF7ECCDC67D4}" type="datetimeFigureOut">
               <a:rPr lang="en-US" smtClean="0"/>
-              <a:t>2/25/2013</a:t>
+              <a:t>3/11/2013</a:t>
             </a:fld>
             <a:endParaRPr lang="en-US"/>
           </a:p>
@@ -13801,7 +13805,7 @@
           <a:p>
             <a:fld id="{EFEED2B4-868F-4681-9E70-FF7ECCDC67D4}" type="datetimeFigureOut">
               <a:rPr lang="en-US" smtClean="0"/>
-              <a:t>2/25/2013</a:t>
+              <a:t>3/11/2013</a:t>
             </a:fld>
             <a:endParaRPr lang="en-US"/>
           </a:p>
@@ -14022,7 +14026,7 @@
           <a:p>
             <a:fld id="{EFEED2B4-868F-4681-9E70-FF7ECCDC67D4}" type="datetimeFigureOut">
               <a:rPr lang="en-US" smtClean="0"/>
-              <a:t>2/25/2013</a:t>
+              <a:t>3/11/2013</a:t>
             </a:fld>
             <a:endParaRPr lang="en-US"/>
           </a:p>
@@ -14512,7 +14516,7 @@
           <a:p>
             <a:fld id="{EFEED2B4-868F-4681-9E70-FF7ECCDC67D4}" type="datetimeFigureOut">
               <a:rPr lang="en-US" smtClean="0"/>
-              <a:t>2/25/2013</a:t>
+              <a:t>3/11/2013</a:t>
             </a:fld>
             <a:endParaRPr lang="en-US"/>
           </a:p>
@@ -14666,7 +14670,7 @@
             <a:fld id="{EFEED2B4-868F-4681-9E70-FF7ECCDC67D4}" type="datetimeFigureOut">
               <a:rPr lang="en-US" smtClean="0"/>
               <a:pPr/>
-              <a:t>2/25/2013</a:t>
+              <a:t>3/11/2013</a:t>
             </a:fld>
             <a:endParaRPr lang="en-US" dirty="0"/>
           </a:p>
@@ -15159,7 +15163,7 @@
           <a:p>
             <a:fld id="{EFEED2B4-868F-4681-9E70-FF7ECCDC67D4}" type="datetimeFigureOut">
               <a:rPr lang="en-US" smtClean="0"/>
-              <a:t>2/25/2013</a:t>
+              <a:t>3/11/2013</a:t>
             </a:fld>
             <a:endParaRPr lang="en-US"/>
           </a:p>
@@ -15389,7 +15393,7 @@
           <a:p>
             <a:fld id="{EFEED2B4-868F-4681-9E70-FF7ECCDC67D4}" type="datetimeFigureOut">
               <a:rPr lang="en-US" smtClean="0"/>
-              <a:t>2/25/2013</a:t>
+              <a:t>3/11/2013</a:t>
             </a:fld>
             <a:endParaRPr lang="en-US"/>
           </a:p>
@@ -16101,7 +16105,7 @@
         <p:spPr>
           <a:xfrm>
             <a:off x="304800" y="1280279"/>
-            <a:ext cx="8001000" cy="4462760"/>
+            <a:ext cx="8001000" cy="4893647"/>
           </a:xfrm>
           <a:prstGeom prst="rect">
             <a:avLst/>
@@ -16157,7 +16161,14 @@
               <a:rPr lang="en-US" sz="2800" dirty="0" err="1" smtClean="0"/>
               <a:t>HttpConfiguration</a:t>
             </a:r>
-            <a:endParaRPr lang="en-US" sz="2800" dirty="0" smtClean="0"/>
+            <a:r>
+              <a:rPr lang="en-US" sz="2800" dirty="0"/>
+              <a:t> </a:t>
+            </a:r>
+            <a:r>
+              <a:rPr lang="en-US" sz="2800" dirty="0" smtClean="0"/>
+              <a:t>			(aka routes)</a:t>
+            </a:r>
           </a:p>
           <a:p>
             <a:r>
@@ -16851,15 +16862,33 @@
                                   </p:childTnLst>
                                 </p:cTn>
                               </p:par>
+                            </p:childTnLst>
+                          </p:cTn>
+                        </p:par>
+                      </p:childTnLst>
+                    </p:cTn>
+                  </p:par>
+                  <p:par>
+                    <p:cTn id="39" fill="hold">
+                      <p:stCondLst>
+                        <p:cond delay="indefinite"/>
+                      </p:stCondLst>
+                      <p:childTnLst>
+                        <p:par>
+                          <p:cTn id="40" fill="hold">
+                            <p:stCondLst>
+                              <p:cond delay="0"/>
+                            </p:stCondLst>
+                            <p:childTnLst>
                               <p:par>
-                                <p:cTn id="39" presetID="10" presetClass="entr" presetSubtype="0" fill="hold" nodeType="withEffect">
+                                <p:cTn id="41" presetID="10" presetClass="entr" presetSubtype="0" fill="hold" nodeType="clickEffect">
                                   <p:stCondLst>
                                     <p:cond delay="0"/>
                                   </p:stCondLst>
                                   <p:childTnLst>
                                     <p:set>
                                       <p:cBhvr>
-                                        <p:cTn id="40" dur="1" fill="hold">
+                                        <p:cTn id="42" dur="1" fill="hold">
                                           <p:stCondLst>
                                             <p:cond delay="0"/>
                                           </p:stCondLst>
@@ -16881,7 +16910,7 @@
                                     </p:set>
                                     <p:animEffect transition="in" filter="fade">
                                       <p:cBhvr>
-                                        <p:cTn id="41" dur="500"/>
+                                        <p:cTn id="43" dur="500"/>
                                         <p:tgtEl>
                                           <p:spTgt spid="2">
                                             <p:txEl>
@@ -17126,7 +17155,7 @@
         <p:spPr>
           <a:xfrm>
             <a:off x="228600" y="381000"/>
-            <a:ext cx="8077200" cy="5755422"/>
+            <a:ext cx="8077200" cy="5324535"/>
           </a:xfrm>
           <a:prstGeom prst="rect">
             <a:avLst/>
@@ -17233,15 +17262,22 @@
               <a:buChar char="•"/>
             </a:pPr>
             <a:r>
-              <a:rPr lang="en-US" sz="2800" u="sng" dirty="0">
+              <a:rPr lang="en-US" sz="2800" u="sng" dirty="0" smtClean="0">
                 <a:solidFill>
                   <a:schemeClr val="accent6">
                     <a:lumMod val="75000"/>
                   </a:schemeClr>
                 </a:solidFill>
               </a:rPr>
-              <a:t>Controllers</a:t>
-            </a:r>
+              <a:t>Actions</a:t>
+            </a:r>
+            <a:endParaRPr lang="en-US" sz="2800" u="sng" dirty="0">
+              <a:solidFill>
+                <a:schemeClr val="accent6">
+                  <a:lumMod val="75000"/>
+                </a:schemeClr>
+              </a:solidFill>
+            </a:endParaRPr>
           </a:p>
           <a:p>
             <a:pPr marL="742950" lvl="1" indent="-285750">
@@ -17250,7 +17286,7 @@
             </a:pPr>
             <a:r>
               <a:rPr lang="en-US" sz="2800" dirty="0"/>
-              <a:t>Actions</a:t>
+              <a:t>Routing</a:t>
             </a:r>
           </a:p>
           <a:p>
@@ -17260,7 +17296,7 @@
             </a:pPr>
             <a:r>
               <a:rPr lang="en-US" sz="2800" dirty="0"/>
-              <a:t>Routing</a:t>
+              <a:t>Filters</a:t>
             </a:r>
           </a:p>
           <a:p>
@@ -17270,17 +17306,7 @@
             </a:pPr>
             <a:r>
               <a:rPr lang="en-US" sz="2800" dirty="0"/>
-              <a:t>Filters</a:t>
-            </a:r>
-          </a:p>
-          <a:p>
-            <a:pPr marL="742950" lvl="1" indent="-285750">
-              <a:buFont typeface="Arial" panose="020B0604020202020204" pitchFamily="34" charset="0"/>
-              <a:buChar char="•"/>
-            </a:pPr>
-            <a:r>
-              <a:rPr lang="en-US" sz="2800" dirty="0"/>
-              <a:t>Extend It</a:t>
+              <a:t>Dependency Injection</a:t>
             </a:r>
           </a:p>
         </p:txBody>
@@ -17288,7 +17314,7 @@
     </p:spTree>
     <p:extLst>
       <p:ext uri="{BB962C8B-B14F-4D97-AF65-F5344CB8AC3E}">
-        <p14:creationId xmlns:p14="http://schemas.microsoft.com/office/powerpoint/2010/main" val="1302609708"/>
+        <p14:creationId xmlns:p14="http://schemas.microsoft.com/office/powerpoint/2010/main" val="1580647570"/>
       </p:ext>
     </p:extLst>
   </p:cSld>
@@ -17449,7 +17475,7 @@
                   <a:schemeClr val="bg1"/>
                 </a:solidFill>
               </a:rPr>
-              <a:t>Controllers</a:t>
+              <a:t>Actions</a:t>
             </a:r>
             <a:endParaRPr lang="en-US" sz="2400" b="1" dirty="0">
               <a:solidFill>
@@ -17635,7 +17661,7 @@
         <p:spPr>
           <a:xfrm>
             <a:off x="304800" y="1280279"/>
-            <a:ext cx="8001000" cy="1754326"/>
+            <a:ext cx="8001000" cy="4401205"/>
           </a:xfrm>
           <a:prstGeom prst="rect">
             <a:avLst/>
@@ -17648,1090 +17674,84 @@
           </a:bodyPr>
           <a:lstStyle/>
           <a:p>
-            <a:r>
-              <a:rPr lang="en-US" sz="3600" dirty="0" smtClean="0">
-                <a:solidFill>
-                  <a:schemeClr val="accent6">
-                    <a:lumMod val="75000"/>
-                  </a:schemeClr>
-                </a:solidFill>
-              </a:rPr>
-              <a:t>FILL THIS OUT</a:t>
-            </a:r>
-          </a:p>
-          <a:p>
-            <a:endParaRPr lang="en-US" sz="3600" dirty="0">
-              <a:solidFill>
-                <a:schemeClr val="accent6">
-                  <a:lumMod val="75000"/>
-                </a:schemeClr>
-              </a:solidFill>
-            </a:endParaRPr>
-          </a:p>
-          <a:p>
-            <a:r>
-              <a:rPr lang="en-US" sz="3600" dirty="0"/>
-              <a:t>Demo </a:t>
-            </a:r>
-            <a:r>
-              <a:rPr lang="en-US" sz="3600" dirty="0" smtClean="0"/>
-              <a:t>Time</a:t>
-            </a:r>
-            <a:endParaRPr lang="en-US" sz="3600" dirty="0"/>
-          </a:p>
-        </p:txBody>
-      </p:sp>
-    </p:spTree>
-    <p:extLst>
-      <p:ext uri="{BB962C8B-B14F-4D97-AF65-F5344CB8AC3E}">
-        <p14:creationId xmlns:p14="http://schemas.microsoft.com/office/powerpoint/2010/main" val="3148967269"/>
-      </p:ext>
-    </p:extLst>
-  </p:cSld>
-  <p:clrMapOvr>
-    <a:masterClrMapping/>
-  </p:clrMapOvr>
-  <p:transition spd="slow">
-    <p:wipe/>
-  </p:transition>
-  <p:timing>
-    <p:tnLst>
-      <p:par>
-        <p:cTn id="1" dur="indefinite" restart="never" nodeType="tmRoot">
-          <p:childTnLst>
-            <p:seq concurrent="1" nextAc="seek">
-              <p:cTn id="2" dur="indefinite" nodeType="mainSeq">
-                <p:childTnLst>
-                  <p:par>
-                    <p:cTn id="3" fill="hold">
-                      <p:stCondLst>
-                        <p:cond delay="indefinite"/>
-                        <p:cond evt="onBegin" delay="0">
-                          <p:tn val="2"/>
-                        </p:cond>
-                      </p:stCondLst>
-                      <p:childTnLst>
-                        <p:par>
-                          <p:cTn id="4" fill="hold">
-                            <p:stCondLst>
-                              <p:cond delay="0"/>
-                            </p:stCondLst>
-                            <p:childTnLst>
-                              <p:par>
-                                <p:cTn id="5" presetID="2" presetClass="entr" presetSubtype="8" fill="hold" grpId="0" nodeType="afterEffect">
-                                  <p:stCondLst>
-                                    <p:cond delay="100"/>
-                                  </p:stCondLst>
-                                  <p:childTnLst>
-                                    <p:set>
-                                      <p:cBhvr>
-                                        <p:cTn id="6" dur="1" fill="hold">
-                                          <p:stCondLst>
-                                            <p:cond delay="0"/>
-                                          </p:stCondLst>
-                                        </p:cTn>
-                                        <p:tgtEl>
-                                          <p:spTgt spid="15"/>
-                                        </p:tgtEl>
-                                        <p:attrNameLst>
-                                          <p:attrName>style.visibility</p:attrName>
-                                        </p:attrNameLst>
-                                      </p:cBhvr>
-                                      <p:to>
-                                        <p:strVal val="visible"/>
-                                      </p:to>
-                                    </p:set>
-                                    <p:anim calcmode="lin" valueType="num">
-                                      <p:cBhvr additive="base">
-                                        <p:cTn id="7" dur="500" fill="hold"/>
-                                        <p:tgtEl>
-                                          <p:spTgt spid="15"/>
-                                        </p:tgtEl>
-                                        <p:attrNameLst>
-                                          <p:attrName>ppt_x</p:attrName>
-                                        </p:attrNameLst>
-                                      </p:cBhvr>
-                                      <p:tavLst>
-                                        <p:tav tm="0">
-                                          <p:val>
-                                            <p:strVal val="0-#ppt_w/2"/>
-                                          </p:val>
-                                        </p:tav>
-                                        <p:tav tm="100000">
-                                          <p:val>
-                                            <p:strVal val="#ppt_x"/>
-                                          </p:val>
-                                        </p:tav>
-                                      </p:tavLst>
-                                    </p:anim>
-                                    <p:anim calcmode="lin" valueType="num">
-                                      <p:cBhvr additive="base">
-                                        <p:cTn id="8" dur="500" fill="hold"/>
-                                        <p:tgtEl>
-                                          <p:spTgt spid="15"/>
-                                        </p:tgtEl>
-                                        <p:attrNameLst>
-                                          <p:attrName>ppt_y</p:attrName>
-                                        </p:attrNameLst>
-                                      </p:cBhvr>
-                                      <p:tavLst>
-                                        <p:tav tm="0">
-                                          <p:val>
-                                            <p:strVal val="#ppt_y"/>
-                                          </p:val>
-                                        </p:tav>
-                                        <p:tav tm="100000">
-                                          <p:val>
-                                            <p:strVal val="#ppt_y"/>
-                                          </p:val>
-                                        </p:tav>
-                                      </p:tavLst>
-                                    </p:anim>
-                                  </p:childTnLst>
-                                </p:cTn>
-                              </p:par>
-                            </p:childTnLst>
-                          </p:cTn>
-                        </p:par>
-                        <p:par>
-                          <p:cTn id="9" fill="hold">
-                            <p:stCondLst>
-                              <p:cond delay="600"/>
-                            </p:stCondLst>
-                            <p:childTnLst>
-                              <p:par>
-                                <p:cTn id="10" presetID="10" presetClass="entr" presetSubtype="0" fill="hold" grpId="0" nodeType="afterEffect" nodePh="1">
-                                  <p:stCondLst>
-                                    <p:cond delay="0"/>
-                                  </p:stCondLst>
-                                  <p:endCondLst>
-                                    <p:cond evt="begin" delay="0">
-                                      <p:tn val="10"/>
-                                    </p:cond>
-                                  </p:endCondLst>
-                                  <p:childTnLst>
-                                    <p:set>
-                                      <p:cBhvr>
-                                        <p:cTn id="11" dur="1" fill="hold">
-                                          <p:stCondLst>
-                                            <p:cond delay="0"/>
-                                          </p:stCondLst>
-                                        </p:cTn>
-                                        <p:tgtEl>
-                                          <p:spTgt spid="4">
-                                            <p:txEl>
-                                              <p:pRg st="0" end="0"/>
-                                            </p:txEl>
-                                          </p:spTgt>
-                                        </p:tgtEl>
-                                        <p:attrNameLst>
-                                          <p:attrName>style.visibility</p:attrName>
-                                        </p:attrNameLst>
-                                      </p:cBhvr>
-                                      <p:to>
-                                        <p:strVal val="visible"/>
-                                      </p:to>
-                                    </p:set>
-                                    <p:animEffect transition="in" filter="fade">
-                                      <p:cBhvr>
-                                        <p:cTn id="12" dur="1000"/>
-                                        <p:tgtEl>
-                                          <p:spTgt spid="4">
-                                            <p:txEl>
-                                              <p:pRg st="0" end="0"/>
-                                            </p:txEl>
-                                          </p:spTgt>
-                                        </p:tgtEl>
-                                      </p:cBhvr>
-                                    </p:animEffect>
-                                  </p:childTnLst>
-                                </p:cTn>
-                              </p:par>
-                            </p:childTnLst>
-                          </p:cTn>
-                        </p:par>
-                      </p:childTnLst>
-                    </p:cTn>
-                  </p:par>
-                  <p:par>
-                    <p:cTn id="13" fill="hold">
-                      <p:stCondLst>
-                        <p:cond delay="indefinite"/>
-                      </p:stCondLst>
-                      <p:childTnLst>
-                        <p:par>
-                          <p:cTn id="14" fill="hold">
-                            <p:stCondLst>
-                              <p:cond delay="0"/>
-                            </p:stCondLst>
-                            <p:childTnLst>
-                              <p:par>
-                                <p:cTn id="15" presetID="10" presetClass="entr" presetSubtype="0" fill="hold" nodeType="clickEffect">
-                                  <p:stCondLst>
-                                    <p:cond delay="0"/>
-                                  </p:stCondLst>
-                                  <p:childTnLst>
-                                    <p:set>
-                                      <p:cBhvr>
-                                        <p:cTn id="16" dur="1" fill="hold">
-                                          <p:stCondLst>
-                                            <p:cond delay="0"/>
-                                          </p:stCondLst>
-                                        </p:cTn>
-                                        <p:tgtEl>
-                                          <p:spTgt spid="5">
-                                            <p:txEl>
-                                              <p:pRg st="0" end="0"/>
-                                            </p:txEl>
-                                          </p:spTgt>
-                                        </p:tgtEl>
-                                        <p:attrNameLst>
-                                          <p:attrName>style.visibility</p:attrName>
-                                        </p:attrNameLst>
-                                      </p:cBhvr>
-                                      <p:to>
-                                        <p:strVal val="visible"/>
-                                      </p:to>
-                                    </p:set>
-                                    <p:animEffect transition="in" filter="fade">
-                                      <p:cBhvr>
-                                        <p:cTn id="17" dur="500"/>
-                                        <p:tgtEl>
-                                          <p:spTgt spid="5">
-                                            <p:txEl>
-                                              <p:pRg st="0" end="0"/>
-                                            </p:txEl>
-                                          </p:spTgt>
-                                        </p:tgtEl>
-                                      </p:cBhvr>
-                                    </p:animEffect>
-                                  </p:childTnLst>
-                                </p:cTn>
-                              </p:par>
-                            </p:childTnLst>
-                          </p:cTn>
-                        </p:par>
-                      </p:childTnLst>
-                    </p:cTn>
-                  </p:par>
-                  <p:par>
-                    <p:cTn id="18" fill="hold">
-                      <p:stCondLst>
-                        <p:cond delay="indefinite"/>
-                      </p:stCondLst>
-                      <p:childTnLst>
-                        <p:par>
-                          <p:cTn id="19" fill="hold">
-                            <p:stCondLst>
-                              <p:cond delay="0"/>
-                            </p:stCondLst>
-                            <p:childTnLst>
-                              <p:par>
-                                <p:cTn id="20" presetID="10" presetClass="entr" presetSubtype="0" fill="hold" nodeType="clickEffect">
-                                  <p:stCondLst>
-                                    <p:cond delay="0"/>
-                                  </p:stCondLst>
-                                  <p:childTnLst>
-                                    <p:set>
-                                      <p:cBhvr>
-                                        <p:cTn id="21" dur="1" fill="hold">
-                                          <p:stCondLst>
-                                            <p:cond delay="0"/>
-                                          </p:stCondLst>
-                                        </p:cTn>
-                                        <p:tgtEl>
-                                          <p:spTgt spid="5">
-                                            <p:txEl>
-                                              <p:pRg st="2" end="2"/>
-                                            </p:txEl>
-                                          </p:spTgt>
-                                        </p:tgtEl>
-                                        <p:attrNameLst>
-                                          <p:attrName>style.visibility</p:attrName>
-                                        </p:attrNameLst>
-                                      </p:cBhvr>
-                                      <p:to>
-                                        <p:strVal val="visible"/>
-                                      </p:to>
-                                    </p:set>
-                                    <p:animEffect transition="in" filter="fade">
-                                      <p:cBhvr>
-                                        <p:cTn id="22" dur="500"/>
-                                        <p:tgtEl>
-                                          <p:spTgt spid="5">
-                                            <p:txEl>
-                                              <p:pRg st="2" end="2"/>
-                                            </p:txEl>
-                                          </p:spTgt>
-                                        </p:tgtEl>
-                                      </p:cBhvr>
-                                    </p:animEffect>
-                                  </p:childTnLst>
-                                </p:cTn>
-                              </p:par>
-                            </p:childTnLst>
-                          </p:cTn>
-                        </p:par>
-                      </p:childTnLst>
-                    </p:cTn>
-                  </p:par>
-                </p:childTnLst>
-              </p:cTn>
-              <p:prevCondLst>
-                <p:cond evt="onPrev" delay="0">
-                  <p:tgtEl>
-                    <p:sldTgt/>
-                  </p:tgtEl>
-                </p:cond>
-              </p:prevCondLst>
-              <p:nextCondLst>
-                <p:cond evt="onNext" delay="0">
-                  <p:tgtEl>
-                    <p:sldTgt/>
-                  </p:tgtEl>
-                </p:cond>
-              </p:nextCondLst>
-            </p:seq>
-          </p:childTnLst>
-        </p:cTn>
-      </p:par>
-    </p:tnLst>
-    <p:bldLst>
-      <p:bldP spid="15" grpId="0" animBg="1"/>
-      <p:bldP spid="4" grpId="0" build="p"/>
-    </p:bldLst>
-  </p:timing>
-</p:sld>
-</file>
-
-<file path=ppt/slides/slide13.xml><?xml version="1.0" encoding="utf-8"?>
-<p:sld xmlns:a="http://schemas.openxmlformats.org/drawingml/2006/main" xmlns:r="http://schemas.openxmlformats.org/officeDocument/2006/relationships" xmlns:p="http://schemas.openxmlformats.org/presentationml/2006/main">
-  <p:cSld>
-    <p:spTree>
-      <p:nvGrpSpPr>
-        <p:cNvPr id="1" name=""/>
-        <p:cNvGrpSpPr/>
-        <p:nvPr/>
-      </p:nvGrpSpPr>
-      <p:grpSpPr>
-        <a:xfrm>
-          <a:off x="0" y="0"/>
-          <a:ext cx="0" cy="0"/>
-          <a:chOff x="0" y="0"/>
-          <a:chExt cx="0" cy="0"/>
-        </a:xfrm>
-      </p:grpSpPr>
-      <p:sp>
-        <p:nvSpPr>
-          <p:cNvPr id="27" name="Text Placeholder 2"/>
-          <p:cNvSpPr txBox="1">
-            <a:spLocks/>
-          </p:cNvSpPr>
-          <p:nvPr/>
-        </p:nvSpPr>
-        <p:spPr>
-          <a:xfrm rot="5400000">
-            <a:off x="5682853" y="2939653"/>
-            <a:ext cx="6400800" cy="521494"/>
-          </a:xfrm>
-          <a:prstGeom prst="rect">
-            <a:avLst/>
-          </a:prstGeom>
-        </p:spPr>
-        <p:txBody>
-          <a:bodyPr>
-            <a:noAutofit/>
-          </a:bodyPr>
-          <a:lstStyle>
-            <a:lvl1pPr marL="342900" indent="-342900" algn="l" defTabSz="914400" rtl="0" eaLnBrk="1" latinLnBrk="0" hangingPunct="1">
-              <a:spcBef>
-                <a:spcPct val="20000"/>
-              </a:spcBef>
-              <a:buFont typeface="Arial" pitchFamily="34" charset="0"/>
-              <a:buChar char="•"/>
-              <a:defRPr sz="3200" kern="1200">
-                <a:solidFill>
-                  <a:schemeClr val="tx1"/>
-                </a:solidFill>
-                <a:latin typeface="+mn-lt"/>
-                <a:ea typeface="+mn-ea"/>
-                <a:cs typeface="+mn-cs"/>
-              </a:defRPr>
-            </a:lvl1pPr>
-            <a:lvl2pPr marL="742950" indent="-285750" algn="l" defTabSz="914400" rtl="0" eaLnBrk="1" latinLnBrk="0" hangingPunct="1">
-              <a:spcBef>
-                <a:spcPct val="20000"/>
-              </a:spcBef>
-              <a:buFont typeface="Arial" pitchFamily="34" charset="0"/>
-              <a:buChar char="–"/>
-              <a:defRPr sz="2800" kern="1200">
-                <a:solidFill>
-                  <a:schemeClr val="tx1"/>
-                </a:solidFill>
-                <a:latin typeface="+mn-lt"/>
-                <a:ea typeface="+mn-ea"/>
-                <a:cs typeface="+mn-cs"/>
-              </a:defRPr>
-            </a:lvl2pPr>
-            <a:lvl3pPr marL="1143000" indent="-228600" algn="l" defTabSz="914400" rtl="0" eaLnBrk="1" latinLnBrk="0" hangingPunct="1">
-              <a:spcBef>
-                <a:spcPct val="20000"/>
-              </a:spcBef>
-              <a:buFont typeface="Arial" pitchFamily="34" charset="0"/>
-              <a:buChar char="•"/>
-              <a:defRPr sz="2400" kern="1200">
-                <a:solidFill>
-                  <a:schemeClr val="tx1"/>
-                </a:solidFill>
-                <a:latin typeface="+mn-lt"/>
-                <a:ea typeface="+mn-ea"/>
-                <a:cs typeface="+mn-cs"/>
-              </a:defRPr>
-            </a:lvl3pPr>
-            <a:lvl4pPr marL="1600200" indent="-228600" algn="l" defTabSz="914400" rtl="0" eaLnBrk="1" latinLnBrk="0" hangingPunct="1">
-              <a:spcBef>
-                <a:spcPct val="20000"/>
-              </a:spcBef>
-              <a:buFont typeface="Arial" pitchFamily="34" charset="0"/>
-              <a:buChar char="–"/>
-              <a:defRPr sz="2000" kern="1200">
-                <a:solidFill>
-                  <a:schemeClr val="tx1"/>
-                </a:solidFill>
-                <a:latin typeface="+mn-lt"/>
-                <a:ea typeface="+mn-ea"/>
-                <a:cs typeface="+mn-cs"/>
-              </a:defRPr>
-            </a:lvl4pPr>
-            <a:lvl5pPr marL="2057400" indent="-228600" algn="l" defTabSz="914400" rtl="0" eaLnBrk="1" latinLnBrk="0" hangingPunct="1">
-              <a:spcBef>
-                <a:spcPct val="20000"/>
-              </a:spcBef>
-              <a:buFont typeface="Arial" pitchFamily="34" charset="0"/>
-              <a:buChar char="»"/>
-              <a:defRPr sz="2000" kern="1200">
-                <a:solidFill>
-                  <a:schemeClr val="tx1"/>
-                </a:solidFill>
-                <a:latin typeface="+mn-lt"/>
-                <a:ea typeface="+mn-ea"/>
-                <a:cs typeface="+mn-cs"/>
-              </a:defRPr>
-            </a:lvl5pPr>
-            <a:lvl6pPr marL="2514600" indent="-228600" algn="l" defTabSz="914400" rtl="0" eaLnBrk="1" latinLnBrk="0" hangingPunct="1">
-              <a:spcBef>
-                <a:spcPct val="20000"/>
-              </a:spcBef>
-              <a:buFont typeface="Arial" pitchFamily="34" charset="0"/>
-              <a:buChar char="•"/>
-              <a:defRPr sz="2000" kern="1200">
-                <a:solidFill>
-                  <a:schemeClr val="tx1"/>
-                </a:solidFill>
-                <a:latin typeface="+mn-lt"/>
-                <a:ea typeface="+mn-ea"/>
-                <a:cs typeface="+mn-cs"/>
-              </a:defRPr>
-            </a:lvl6pPr>
-            <a:lvl7pPr marL="2971800" indent="-228600" algn="l" defTabSz="914400" rtl="0" eaLnBrk="1" latinLnBrk="0" hangingPunct="1">
-              <a:spcBef>
-                <a:spcPct val="20000"/>
-              </a:spcBef>
-              <a:buFont typeface="Arial" pitchFamily="34" charset="0"/>
-              <a:buChar char="•"/>
-              <a:defRPr sz="2000" kern="1200">
-                <a:solidFill>
-                  <a:schemeClr val="tx1"/>
-                </a:solidFill>
-                <a:latin typeface="+mn-lt"/>
-                <a:ea typeface="+mn-ea"/>
-                <a:cs typeface="+mn-cs"/>
-              </a:defRPr>
-            </a:lvl7pPr>
-            <a:lvl8pPr marL="3429000" indent="-228600" algn="l" defTabSz="914400" rtl="0" eaLnBrk="1" latinLnBrk="0" hangingPunct="1">
-              <a:spcBef>
-                <a:spcPct val="20000"/>
-              </a:spcBef>
-              <a:buFont typeface="Arial" pitchFamily="34" charset="0"/>
-              <a:buChar char="•"/>
-              <a:defRPr sz="2000" kern="1200">
-                <a:solidFill>
-                  <a:schemeClr val="tx1"/>
-                </a:solidFill>
-                <a:latin typeface="+mn-lt"/>
-                <a:ea typeface="+mn-ea"/>
-                <a:cs typeface="+mn-cs"/>
-              </a:defRPr>
-            </a:lvl8pPr>
-            <a:lvl9pPr marL="3886200" indent="-228600" algn="l" defTabSz="914400" rtl="0" eaLnBrk="1" latinLnBrk="0" hangingPunct="1">
-              <a:spcBef>
-                <a:spcPct val="20000"/>
-              </a:spcBef>
-              <a:buFont typeface="Arial" pitchFamily="34" charset="0"/>
-              <a:buChar char="•"/>
-              <a:defRPr sz="2000" kern="1200">
-                <a:solidFill>
-                  <a:schemeClr val="tx1"/>
-                </a:solidFill>
-                <a:latin typeface="+mn-lt"/>
-                <a:ea typeface="+mn-ea"/>
-                <a:cs typeface="+mn-cs"/>
-              </a:defRPr>
-            </a:lvl9pPr>
-          </a:lstStyle>
-          <a:p>
-            <a:pPr>
-              <a:buFont typeface="Arial" pitchFamily="34" charset="0"/>
-              <a:buNone/>
-            </a:pPr>
-            <a:r>
-              <a:rPr lang="en-US" b="1" dirty="0" smtClean="0"/>
-              <a:t>Agenda</a:t>
-            </a:r>
-            <a:endParaRPr lang="en-US" b="1" dirty="0"/>
-          </a:p>
-        </p:txBody>
-      </p:sp>
-      <p:sp>
-        <p:nvSpPr>
-          <p:cNvPr id="2" name="TextBox 1"/>
-          <p:cNvSpPr txBox="1"/>
-          <p:nvPr/>
-        </p:nvSpPr>
-        <p:spPr>
-          <a:xfrm>
-            <a:off x="228600" y="381000"/>
-            <a:ext cx="8077200" cy="5755422"/>
-          </a:xfrm>
-          <a:prstGeom prst="rect">
-            <a:avLst/>
-          </a:prstGeom>
-          <a:noFill/>
-        </p:spPr>
-        <p:txBody>
-          <a:bodyPr wrap="square" rtlCol="0">
-            <a:spAutoFit/>
-          </a:bodyPr>
-          <a:lstStyle/>
-          <a:p>
-            <a:pPr marL="285750" indent="-285750">
+            <a:pPr marL="571500" indent="-571500">
               <a:buFont typeface="Arial" panose="020B0604020202020204" pitchFamily="34" charset="0"/>
               <a:buChar char="•"/>
             </a:pPr>
             <a:r>
-              <a:rPr lang="en-US" sz="3600" dirty="0"/>
-              <a:t>What is the </a:t>
-            </a:r>
-            <a:r>
-              <a:rPr lang="en-US" sz="3600" dirty="0" err="1"/>
-              <a:t>WebAPI</a:t>
-            </a:r>
-            <a:r>
-              <a:rPr lang="en-US" sz="3600" dirty="0"/>
-              <a:t>?</a:t>
-            </a:r>
-          </a:p>
-          <a:p>
-            <a:pPr marL="285750" indent="-285750">
+              <a:rPr lang="en-US" sz="3600" dirty="0" smtClean="0"/>
+              <a:t>Public </a:t>
+            </a:r>
+            <a:r>
+              <a:rPr lang="en-US" sz="3600" dirty="0" err="1" smtClean="0"/>
+              <a:t>Invokeable</a:t>
+            </a:r>
+            <a:r>
+              <a:rPr lang="en-US" sz="3600" dirty="0" smtClean="0"/>
+              <a:t> Methods</a:t>
+            </a:r>
+          </a:p>
+          <a:p>
+            <a:pPr marL="1028700" lvl="1" indent="-571500">
               <a:buFont typeface="Arial" panose="020B0604020202020204" pitchFamily="34" charset="0"/>
               <a:buChar char="•"/>
             </a:pPr>
-            <a:endParaRPr lang="en-US" dirty="0"/>
-          </a:p>
-          <a:p>
-            <a:pPr marL="285750" indent="-285750">
+            <a:r>
+              <a:rPr lang="en-US" sz="2800" dirty="0" smtClean="0"/>
+              <a:t>Get, Post, Put, Delete, </a:t>
+            </a:r>
+            <a:r>
+              <a:rPr lang="en-US" sz="2800" dirty="0" err="1" smtClean="0"/>
+              <a:t>etc</a:t>
+            </a:r>
+            <a:endParaRPr lang="en-US" sz="2800" dirty="0"/>
+          </a:p>
+          <a:p>
+            <a:pPr marL="571500" indent="-571500">
               <a:buFont typeface="Arial" panose="020B0604020202020204" pitchFamily="34" charset="0"/>
               <a:buChar char="•"/>
             </a:pPr>
             <a:r>
+              <a:rPr lang="en-US" sz="3600" dirty="0" smtClean="0"/>
+              <a:t>Convention </a:t>
+            </a:r>
+            <a:r>
               <a:rPr lang="en-US" sz="3600" dirty="0"/>
-              <a:t>How is this different from </a:t>
-            </a:r>
-          </a:p>
-          <a:p>
-            <a:pPr marL="742950" lvl="1" indent="-285750">
+              <a:t>or Attribute </a:t>
+            </a:r>
+            <a:r>
+              <a:rPr lang="en-US" sz="3600" dirty="0" smtClean="0"/>
+              <a:t>Based</a:t>
+            </a:r>
+          </a:p>
+          <a:p>
+            <a:pPr marL="571500" indent="-571500">
               <a:buFont typeface="Arial" panose="020B0604020202020204" pitchFamily="34" charset="0"/>
               <a:buChar char="•"/>
             </a:pPr>
             <a:r>
-              <a:rPr lang="en-US" sz="2800" dirty="0" err="1"/>
-              <a:t>Asp.Net</a:t>
-            </a:r>
-            <a:r>
-              <a:rPr lang="en-US" sz="2800" dirty="0"/>
-              <a:t> MVC</a:t>
-            </a:r>
-          </a:p>
-          <a:p>
-            <a:pPr marL="742950" lvl="1" indent="-285750">
+              <a:rPr lang="en-US" sz="3600" dirty="0" smtClean="0"/>
+              <a:t>Can return data</a:t>
+            </a:r>
+          </a:p>
+          <a:p>
+            <a:pPr marL="571500" indent="-571500">
               <a:buFont typeface="Arial" panose="020B0604020202020204" pitchFamily="34" charset="0"/>
               <a:buChar char="•"/>
             </a:pPr>
             <a:r>
-              <a:rPr lang="en-US" sz="2800" dirty="0"/>
-              <a:t>WCF</a:t>
-            </a:r>
-          </a:p>
-          <a:p>
-            <a:pPr lvl="1"/>
-            <a:endParaRPr lang="en-US" dirty="0"/>
-          </a:p>
-          <a:p>
-            <a:pPr marL="285750" indent="-285750">
+              <a:rPr lang="en-US" sz="3600" dirty="0" smtClean="0"/>
+              <a:t>Can have filters</a:t>
+            </a:r>
+          </a:p>
+          <a:p>
+            <a:pPr marL="571500" indent="-571500">
               <a:buFont typeface="Arial" panose="020B0604020202020204" pitchFamily="34" charset="0"/>
               <a:buChar char="•"/>
             </a:pPr>
             <a:r>
-              <a:rPr lang="en-US" sz="3600" dirty="0">
-                <a:solidFill>
-                  <a:schemeClr val="accent6">
-                    <a:lumMod val="75000"/>
-                  </a:schemeClr>
-                </a:solidFill>
-              </a:rPr>
-              <a:t>How do I?</a:t>
-            </a:r>
-          </a:p>
-          <a:p>
-            <a:pPr marL="742950" lvl="1" indent="-285750">
-              <a:buFont typeface="Arial" panose="020B0604020202020204" pitchFamily="34" charset="0"/>
-              <a:buChar char="•"/>
-            </a:pPr>
-            <a:r>
-              <a:rPr lang="en-US" sz="2800" dirty="0"/>
-              <a:t>Hosting Options</a:t>
-            </a:r>
-          </a:p>
-          <a:p>
-            <a:pPr marL="742950" lvl="1" indent="-285750">
-              <a:buFont typeface="Arial" panose="020B0604020202020204" pitchFamily="34" charset="0"/>
-              <a:buChar char="•"/>
-            </a:pPr>
-            <a:r>
-              <a:rPr lang="en-US" sz="2800" dirty="0"/>
-              <a:t>Controllers</a:t>
-            </a:r>
-          </a:p>
-          <a:p>
-            <a:pPr marL="742950" lvl="1" indent="-285750">
-              <a:buFont typeface="Arial" panose="020B0604020202020204" pitchFamily="34" charset="0"/>
-              <a:buChar char="•"/>
-            </a:pPr>
-            <a:r>
-              <a:rPr lang="en-US" sz="2800" u="sng" dirty="0">
-                <a:solidFill>
-                  <a:schemeClr val="accent6">
-                    <a:lumMod val="75000"/>
-                  </a:schemeClr>
-                </a:solidFill>
-              </a:rPr>
-              <a:t>Actions</a:t>
-            </a:r>
-          </a:p>
-          <a:p>
-            <a:pPr marL="742950" lvl="1" indent="-285750">
-              <a:buFont typeface="Arial" panose="020B0604020202020204" pitchFamily="34" charset="0"/>
-              <a:buChar char="•"/>
-            </a:pPr>
-            <a:r>
-              <a:rPr lang="en-US" sz="2800" dirty="0"/>
-              <a:t>Routing</a:t>
-            </a:r>
-          </a:p>
-          <a:p>
-            <a:pPr marL="742950" lvl="1" indent="-285750">
-              <a:buFont typeface="Arial" panose="020B0604020202020204" pitchFamily="34" charset="0"/>
-              <a:buChar char="•"/>
-            </a:pPr>
-            <a:r>
-              <a:rPr lang="en-US" sz="2800" dirty="0"/>
-              <a:t>Filters</a:t>
-            </a:r>
-          </a:p>
-          <a:p>
-            <a:pPr marL="742950" lvl="1" indent="-285750">
-              <a:buFont typeface="Arial" panose="020B0604020202020204" pitchFamily="34" charset="0"/>
-              <a:buChar char="•"/>
-            </a:pPr>
-            <a:r>
-              <a:rPr lang="en-US" sz="2800" dirty="0"/>
-              <a:t>Extend It</a:t>
-            </a:r>
-          </a:p>
-        </p:txBody>
-      </p:sp>
-    </p:spTree>
-    <p:extLst>
-      <p:ext uri="{BB962C8B-B14F-4D97-AF65-F5344CB8AC3E}">
-        <p14:creationId xmlns:p14="http://schemas.microsoft.com/office/powerpoint/2010/main" val="1580647570"/>
-      </p:ext>
-    </p:extLst>
-  </p:cSld>
-  <p:clrMapOvr>
-    <a:masterClrMapping/>
-  </p:clrMapOvr>
-  <p:transition spd="slow">
-    <p:wipe/>
-  </p:transition>
-  <p:timing>
-    <p:tnLst>
-      <p:par>
-        <p:cTn id="1" dur="indefinite" restart="never" nodeType="tmRoot">
-          <p:childTnLst>
-            <p:seq concurrent="1" nextAc="seek">
-              <p:cTn id="2" dur="indefinite" nodeType="mainSeq">
-                <p:childTnLst>
-                  <p:par>
-                    <p:cTn id="3" fill="hold">
-                      <p:stCondLst>
-                        <p:cond delay="indefinite"/>
-                        <p:cond evt="onBegin" delay="0">
-                          <p:tn val="2"/>
-                        </p:cond>
-                      </p:stCondLst>
-                      <p:childTnLst>
-                        <p:par>
-                          <p:cTn id="4" fill="hold">
-                            <p:stCondLst>
-                              <p:cond delay="0"/>
-                            </p:stCondLst>
-                            <p:childTnLst>
-                              <p:par>
-                                <p:cTn id="5" presetID="10" presetClass="entr" presetSubtype="0" fill="hold" grpId="0" nodeType="afterEffect">
-                                  <p:stCondLst>
-                                    <p:cond delay="0"/>
-                                  </p:stCondLst>
-                                  <p:childTnLst>
-                                    <p:set>
-                                      <p:cBhvr>
-                                        <p:cTn id="6" dur="1" fill="hold">
-                                          <p:stCondLst>
-                                            <p:cond delay="0"/>
-                                          </p:stCondLst>
-                                        </p:cTn>
-                                        <p:tgtEl>
-                                          <p:spTgt spid="27">
-                                            <p:txEl>
-                                              <p:pRg st="0" end="0"/>
-                                            </p:txEl>
-                                          </p:spTgt>
-                                        </p:tgtEl>
-                                        <p:attrNameLst>
-                                          <p:attrName>style.visibility</p:attrName>
-                                        </p:attrNameLst>
-                                      </p:cBhvr>
-                                      <p:to>
-                                        <p:strVal val="visible"/>
-                                      </p:to>
-                                    </p:set>
-                                    <p:animEffect transition="in" filter="fade">
-                                      <p:cBhvr>
-                                        <p:cTn id="7" dur="1000"/>
-                                        <p:tgtEl>
-                                          <p:spTgt spid="27">
-                                            <p:txEl>
-                                              <p:pRg st="0" end="0"/>
-                                            </p:txEl>
-                                          </p:spTgt>
-                                        </p:tgtEl>
-                                      </p:cBhvr>
-                                    </p:animEffect>
-                                  </p:childTnLst>
-                                </p:cTn>
-                              </p:par>
-                            </p:childTnLst>
-                          </p:cTn>
-                        </p:par>
-                      </p:childTnLst>
-                    </p:cTn>
-                  </p:par>
-                </p:childTnLst>
-              </p:cTn>
-              <p:prevCondLst>
-                <p:cond evt="onPrev" delay="0">
-                  <p:tgtEl>
-                    <p:sldTgt/>
-                  </p:tgtEl>
-                </p:cond>
-              </p:prevCondLst>
-              <p:nextCondLst>
-                <p:cond evt="onNext" delay="0">
-                  <p:tgtEl>
-                    <p:sldTgt/>
-                  </p:tgtEl>
-                </p:cond>
-              </p:nextCondLst>
-            </p:seq>
-          </p:childTnLst>
-        </p:cTn>
-      </p:par>
-    </p:tnLst>
-    <p:bldLst>
-      <p:bldP spid="27" grpId="0" build="p"/>
-    </p:bldLst>
-  </p:timing>
-</p:sld>
-</file>
-
-<file path=ppt/slides/slide14.xml><?xml version="1.0" encoding="utf-8"?>
-<p:sld xmlns:a="http://schemas.openxmlformats.org/drawingml/2006/main" xmlns:r="http://schemas.openxmlformats.org/officeDocument/2006/relationships" xmlns:p="http://schemas.openxmlformats.org/presentationml/2006/main">
-  <p:cSld>
-    <p:spTree>
-      <p:nvGrpSpPr>
-        <p:cNvPr id="1" name=""/>
-        <p:cNvGrpSpPr/>
-        <p:nvPr/>
-      </p:nvGrpSpPr>
-      <p:grpSpPr>
-        <a:xfrm>
-          <a:off x="0" y="0"/>
-          <a:ext cx="0" cy="0"/>
-          <a:chOff x="0" y="0"/>
-          <a:chExt cx="0" cy="0"/>
-        </a:xfrm>
-      </p:grpSpPr>
-      <p:sp>
-        <p:nvSpPr>
-          <p:cNvPr id="15" name="TextBox 14"/>
-          <p:cNvSpPr txBox="1"/>
-          <p:nvPr/>
-        </p:nvSpPr>
-        <p:spPr>
-          <a:xfrm>
-            <a:off x="0" y="533400"/>
-            <a:ext cx="4343400" cy="461665"/>
-          </a:xfrm>
-          <a:prstGeom prst="rect">
-            <a:avLst/>
-          </a:prstGeom>
-          <a:solidFill>
-            <a:schemeClr val="tx1">
-              <a:lumMod val="95000"/>
-              <a:lumOff val="5000"/>
-              <a:alpha val="55000"/>
-            </a:schemeClr>
-          </a:solidFill>
-        </p:spPr>
-        <p:txBody>
-          <a:bodyPr wrap="square" rtlCol="0" anchor="ctr" anchorCtr="0">
-            <a:normAutofit/>
-          </a:bodyPr>
-          <a:lstStyle/>
-          <a:p>
-            <a:r>
-              <a:rPr lang="en-US" sz="2400" dirty="0" smtClean="0">
-                <a:solidFill>
-                  <a:schemeClr val="bg1"/>
-                </a:solidFill>
-              </a:rPr>
-              <a:t>Actions</a:t>
-            </a:r>
-            <a:endParaRPr lang="en-US" sz="2400" b="1" dirty="0">
-              <a:solidFill>
-                <a:schemeClr val="bg1"/>
-              </a:solidFill>
-            </a:endParaRPr>
-          </a:p>
-        </p:txBody>
-      </p:sp>
-      <p:sp>
-        <p:nvSpPr>
-          <p:cNvPr id="4" name="Text Placeholder 2"/>
-          <p:cNvSpPr txBox="1">
-            <a:spLocks/>
-          </p:cNvSpPr>
-          <p:nvPr/>
-        </p:nvSpPr>
-        <p:spPr>
-          <a:xfrm rot="5400000">
-            <a:off x="5682853" y="2939653"/>
-            <a:ext cx="6400800" cy="521494"/>
-          </a:xfrm>
-          <a:prstGeom prst="rect">
-            <a:avLst/>
-          </a:prstGeom>
-        </p:spPr>
-        <p:txBody>
-          <a:bodyPr>
-            <a:noAutofit/>
-          </a:bodyPr>
-          <a:lstStyle>
-            <a:lvl1pPr marL="342900" indent="-342900" algn="l" defTabSz="914400" rtl="0" eaLnBrk="1" latinLnBrk="0" hangingPunct="1">
-              <a:spcBef>
-                <a:spcPct val="20000"/>
-              </a:spcBef>
-              <a:buFont typeface="Arial" pitchFamily="34" charset="0"/>
-              <a:buChar char="•"/>
-              <a:defRPr sz="3200" kern="1200">
-                <a:solidFill>
-                  <a:schemeClr val="tx1"/>
-                </a:solidFill>
-                <a:latin typeface="+mn-lt"/>
-                <a:ea typeface="+mn-ea"/>
-                <a:cs typeface="+mn-cs"/>
-              </a:defRPr>
-            </a:lvl1pPr>
-            <a:lvl2pPr marL="742950" indent="-285750" algn="l" defTabSz="914400" rtl="0" eaLnBrk="1" latinLnBrk="0" hangingPunct="1">
-              <a:spcBef>
-                <a:spcPct val="20000"/>
-              </a:spcBef>
-              <a:buFont typeface="Arial" pitchFamily="34" charset="0"/>
-              <a:buChar char="–"/>
-              <a:defRPr sz="2800" kern="1200">
-                <a:solidFill>
-                  <a:schemeClr val="tx1"/>
-                </a:solidFill>
-                <a:latin typeface="+mn-lt"/>
-                <a:ea typeface="+mn-ea"/>
-                <a:cs typeface="+mn-cs"/>
-              </a:defRPr>
-            </a:lvl2pPr>
-            <a:lvl3pPr marL="1143000" indent="-228600" algn="l" defTabSz="914400" rtl="0" eaLnBrk="1" latinLnBrk="0" hangingPunct="1">
-              <a:spcBef>
-                <a:spcPct val="20000"/>
-              </a:spcBef>
-              <a:buFont typeface="Arial" pitchFamily="34" charset="0"/>
-              <a:buChar char="•"/>
-              <a:defRPr sz="2400" kern="1200">
-                <a:solidFill>
-                  <a:schemeClr val="tx1"/>
-                </a:solidFill>
-                <a:latin typeface="+mn-lt"/>
-                <a:ea typeface="+mn-ea"/>
-                <a:cs typeface="+mn-cs"/>
-              </a:defRPr>
-            </a:lvl3pPr>
-            <a:lvl4pPr marL="1600200" indent="-228600" algn="l" defTabSz="914400" rtl="0" eaLnBrk="1" latinLnBrk="0" hangingPunct="1">
-              <a:spcBef>
-                <a:spcPct val="20000"/>
-              </a:spcBef>
-              <a:buFont typeface="Arial" pitchFamily="34" charset="0"/>
-              <a:buChar char="–"/>
-              <a:defRPr sz="2000" kern="1200">
-                <a:solidFill>
-                  <a:schemeClr val="tx1"/>
-                </a:solidFill>
-                <a:latin typeface="+mn-lt"/>
-                <a:ea typeface="+mn-ea"/>
-                <a:cs typeface="+mn-cs"/>
-              </a:defRPr>
-            </a:lvl4pPr>
-            <a:lvl5pPr marL="2057400" indent="-228600" algn="l" defTabSz="914400" rtl="0" eaLnBrk="1" latinLnBrk="0" hangingPunct="1">
-              <a:spcBef>
-                <a:spcPct val="20000"/>
-              </a:spcBef>
-              <a:buFont typeface="Arial" pitchFamily="34" charset="0"/>
-              <a:buChar char="»"/>
-              <a:defRPr sz="2000" kern="1200">
-                <a:solidFill>
-                  <a:schemeClr val="tx1"/>
-                </a:solidFill>
-                <a:latin typeface="+mn-lt"/>
-                <a:ea typeface="+mn-ea"/>
-                <a:cs typeface="+mn-cs"/>
-              </a:defRPr>
-            </a:lvl5pPr>
-            <a:lvl6pPr marL="2514600" indent="-228600" algn="l" defTabSz="914400" rtl="0" eaLnBrk="1" latinLnBrk="0" hangingPunct="1">
-              <a:spcBef>
-                <a:spcPct val="20000"/>
-              </a:spcBef>
-              <a:buFont typeface="Arial" pitchFamily="34" charset="0"/>
-              <a:buChar char="•"/>
-              <a:defRPr sz="2000" kern="1200">
-                <a:solidFill>
-                  <a:schemeClr val="tx1"/>
-                </a:solidFill>
-                <a:latin typeface="+mn-lt"/>
-                <a:ea typeface="+mn-ea"/>
-                <a:cs typeface="+mn-cs"/>
-              </a:defRPr>
-            </a:lvl6pPr>
-            <a:lvl7pPr marL="2971800" indent="-228600" algn="l" defTabSz="914400" rtl="0" eaLnBrk="1" latinLnBrk="0" hangingPunct="1">
-              <a:spcBef>
-                <a:spcPct val="20000"/>
-              </a:spcBef>
-              <a:buFont typeface="Arial" pitchFamily="34" charset="0"/>
-              <a:buChar char="•"/>
-              <a:defRPr sz="2000" kern="1200">
-                <a:solidFill>
-                  <a:schemeClr val="tx1"/>
-                </a:solidFill>
-                <a:latin typeface="+mn-lt"/>
-                <a:ea typeface="+mn-ea"/>
-                <a:cs typeface="+mn-cs"/>
-              </a:defRPr>
-            </a:lvl7pPr>
-            <a:lvl8pPr marL="3429000" indent="-228600" algn="l" defTabSz="914400" rtl="0" eaLnBrk="1" latinLnBrk="0" hangingPunct="1">
-              <a:spcBef>
-                <a:spcPct val="20000"/>
-              </a:spcBef>
-              <a:buFont typeface="Arial" pitchFamily="34" charset="0"/>
-              <a:buChar char="•"/>
-              <a:defRPr sz="2000" kern="1200">
-                <a:solidFill>
-                  <a:schemeClr val="tx1"/>
-                </a:solidFill>
-                <a:latin typeface="+mn-lt"/>
-                <a:ea typeface="+mn-ea"/>
-                <a:cs typeface="+mn-cs"/>
-              </a:defRPr>
-            </a:lvl8pPr>
-            <a:lvl9pPr marL="3886200" indent="-228600" algn="l" defTabSz="914400" rtl="0" eaLnBrk="1" latinLnBrk="0" hangingPunct="1">
-              <a:spcBef>
-                <a:spcPct val="20000"/>
-              </a:spcBef>
-              <a:buFont typeface="Arial" pitchFamily="34" charset="0"/>
-              <a:buChar char="•"/>
-              <a:defRPr sz="2000" kern="1200">
-                <a:solidFill>
-                  <a:schemeClr val="tx1"/>
-                </a:solidFill>
-                <a:latin typeface="+mn-lt"/>
-                <a:ea typeface="+mn-ea"/>
-                <a:cs typeface="+mn-cs"/>
-              </a:defRPr>
-            </a:lvl9pPr>
-          </a:lstStyle>
-          <a:p>
-            <a:pPr>
-              <a:buFont typeface="Arial" pitchFamily="34" charset="0"/>
-              <a:buNone/>
-            </a:pPr>
-            <a:endParaRPr lang="en-US" b="1" dirty="0"/>
-          </a:p>
-        </p:txBody>
-      </p:sp>
-      <p:sp>
-        <p:nvSpPr>
-          <p:cNvPr id="5" name="TextBox 4"/>
-          <p:cNvSpPr txBox="1"/>
-          <p:nvPr/>
-        </p:nvSpPr>
-        <p:spPr>
-          <a:xfrm>
-            <a:off x="304800" y="1280279"/>
-            <a:ext cx="8001000" cy="1754326"/>
-          </a:xfrm>
-          <a:prstGeom prst="rect">
-            <a:avLst/>
-          </a:prstGeom>
-          <a:noFill/>
-        </p:spPr>
-        <p:txBody>
-          <a:bodyPr wrap="square" rtlCol="0">
-            <a:spAutoFit/>
-          </a:bodyPr>
-          <a:lstStyle/>
-          <a:p>
-            <a:r>
-              <a:rPr lang="en-US" sz="3600" dirty="0" smtClean="0">
-                <a:solidFill>
-                  <a:schemeClr val="accent6">
-                    <a:lumMod val="75000"/>
-                  </a:schemeClr>
-                </a:solidFill>
-              </a:rPr>
-              <a:t>FILL THIS OUT</a:t>
+              <a:rPr lang="en-US" sz="3600" dirty="0" smtClean="0"/>
+              <a:t>Can be Named</a:t>
             </a:r>
           </a:p>
           <a:p>
@@ -18983,6 +18003,49 @@
                                   </p:childTnLst>
                                 </p:cTn>
                               </p:par>
+                              <p:par>
+                                <p:cTn id="18" presetID="10" presetClass="entr" presetSubtype="0" fill="hold" nodeType="withEffect">
+                                  <p:stCondLst>
+                                    <p:cond delay="0"/>
+                                  </p:stCondLst>
+                                  <p:childTnLst>
+                                    <p:set>
+                                      <p:cBhvr>
+                                        <p:cTn id="19" dur="1" fill="hold">
+                                          <p:stCondLst>
+                                            <p:cond delay="0"/>
+                                          </p:stCondLst>
+                                        </p:cTn>
+                                        <p:tgtEl>
+                                          <p:spTgt spid="5">
+                                            <p:txEl>
+                                              <p:pRg st="1" end="1"/>
+                                            </p:txEl>
+                                          </p:spTgt>
+                                        </p:tgtEl>
+                                        <p:attrNameLst>
+                                          <p:attrName>style.visibility</p:attrName>
+                                        </p:attrNameLst>
+                                      </p:cBhvr>
+                                      <p:to>
+                                        <p:strVal val="visible"/>
+                                      </p:to>
+                                    </p:set>
+                                    <p:animEffect transition="in" filter="fade">
+                                      <p:cBhvr>
+                                        <p:cTn id="20" dur="500"/>
+                                        <p:tgtEl>
+                                          <p:spTgt spid="5">
+                                            <p:txEl>
+                                              <p:pRg st="1" end="1"/>
+                                            </p:txEl>
+                                          </p:spTgt>
+                                        </p:tgtEl>
+                                      </p:cBhvr>
+                                    </p:animEffect>
+                                  </p:childTnLst>
+                                </p:cTn>
+                              </p:par>
                             </p:childTnLst>
                           </p:cTn>
                         </p:par>
@@ -18990,26 +18053,26 @@
                     </p:cTn>
                   </p:par>
                   <p:par>
-                    <p:cTn id="18" fill="hold">
+                    <p:cTn id="21" fill="hold">
                       <p:stCondLst>
                         <p:cond delay="indefinite"/>
                       </p:stCondLst>
                       <p:childTnLst>
                         <p:par>
-                          <p:cTn id="19" fill="hold">
+                          <p:cTn id="22" fill="hold">
                             <p:stCondLst>
                               <p:cond delay="0"/>
                             </p:stCondLst>
                             <p:childTnLst>
                               <p:par>
-                                <p:cTn id="20" presetID="10" presetClass="entr" presetSubtype="0" fill="hold" nodeType="clickEffect">
+                                <p:cTn id="23" presetID="10" presetClass="entr" presetSubtype="0" fill="hold" nodeType="clickEffect">
                                   <p:stCondLst>
                                     <p:cond delay="0"/>
                                   </p:stCondLst>
                                   <p:childTnLst>
                                     <p:set>
                                       <p:cBhvr>
-                                        <p:cTn id="21" dur="1" fill="hold">
+                                        <p:cTn id="24" dur="1" fill="hold">
                                           <p:stCondLst>
                                             <p:cond delay="0"/>
                                           </p:stCondLst>
@@ -19031,11 +18094,255 @@
                                     </p:set>
                                     <p:animEffect transition="in" filter="fade">
                                       <p:cBhvr>
-                                        <p:cTn id="22" dur="500"/>
+                                        <p:cTn id="25" dur="500"/>
                                         <p:tgtEl>
                                           <p:spTgt spid="5">
                                             <p:txEl>
                                               <p:pRg st="2" end="2"/>
+                                            </p:txEl>
+                                          </p:spTgt>
+                                        </p:tgtEl>
+                                      </p:cBhvr>
+                                    </p:animEffect>
+                                  </p:childTnLst>
+                                </p:cTn>
+                              </p:par>
+                            </p:childTnLst>
+                          </p:cTn>
+                        </p:par>
+                      </p:childTnLst>
+                    </p:cTn>
+                  </p:par>
+                  <p:par>
+                    <p:cTn id="26" fill="hold">
+                      <p:stCondLst>
+                        <p:cond delay="indefinite"/>
+                      </p:stCondLst>
+                      <p:childTnLst>
+                        <p:par>
+                          <p:cTn id="27" fill="hold">
+                            <p:stCondLst>
+                              <p:cond delay="0"/>
+                            </p:stCondLst>
+                            <p:childTnLst>
+                              <p:par>
+                                <p:cTn id="28" presetID="10" presetClass="entr" presetSubtype="0" fill="hold" nodeType="clickEffect">
+                                  <p:stCondLst>
+                                    <p:cond delay="0"/>
+                                  </p:stCondLst>
+                                  <p:childTnLst>
+                                    <p:set>
+                                      <p:cBhvr>
+                                        <p:cTn id="29" dur="1" fill="hold">
+                                          <p:stCondLst>
+                                            <p:cond delay="0"/>
+                                          </p:stCondLst>
+                                        </p:cTn>
+                                        <p:tgtEl>
+                                          <p:spTgt spid="5">
+                                            <p:txEl>
+                                              <p:pRg st="3" end="3"/>
+                                            </p:txEl>
+                                          </p:spTgt>
+                                        </p:tgtEl>
+                                        <p:attrNameLst>
+                                          <p:attrName>style.visibility</p:attrName>
+                                        </p:attrNameLst>
+                                      </p:cBhvr>
+                                      <p:to>
+                                        <p:strVal val="visible"/>
+                                      </p:to>
+                                    </p:set>
+                                    <p:animEffect transition="in" filter="fade">
+                                      <p:cBhvr>
+                                        <p:cTn id="30" dur="500"/>
+                                        <p:tgtEl>
+                                          <p:spTgt spid="5">
+                                            <p:txEl>
+                                              <p:pRg st="3" end="3"/>
+                                            </p:txEl>
+                                          </p:spTgt>
+                                        </p:tgtEl>
+                                      </p:cBhvr>
+                                    </p:animEffect>
+                                  </p:childTnLst>
+                                </p:cTn>
+                              </p:par>
+                            </p:childTnLst>
+                          </p:cTn>
+                        </p:par>
+                      </p:childTnLst>
+                    </p:cTn>
+                  </p:par>
+                  <p:par>
+                    <p:cTn id="31" fill="hold">
+                      <p:stCondLst>
+                        <p:cond delay="indefinite"/>
+                      </p:stCondLst>
+                      <p:childTnLst>
+                        <p:par>
+                          <p:cTn id="32" fill="hold">
+                            <p:stCondLst>
+                              <p:cond delay="0"/>
+                            </p:stCondLst>
+                            <p:childTnLst>
+                              <p:par>
+                                <p:cTn id="33" presetID="10" presetClass="entr" presetSubtype="0" fill="hold" nodeType="clickEffect">
+                                  <p:stCondLst>
+                                    <p:cond delay="0"/>
+                                  </p:stCondLst>
+                                  <p:childTnLst>
+                                    <p:set>
+                                      <p:cBhvr>
+                                        <p:cTn id="34" dur="1" fill="hold">
+                                          <p:stCondLst>
+                                            <p:cond delay="0"/>
+                                          </p:stCondLst>
+                                        </p:cTn>
+                                        <p:tgtEl>
+                                          <p:spTgt spid="5">
+                                            <p:txEl>
+                                              <p:pRg st="4" end="4"/>
+                                            </p:txEl>
+                                          </p:spTgt>
+                                        </p:tgtEl>
+                                        <p:attrNameLst>
+                                          <p:attrName>style.visibility</p:attrName>
+                                        </p:attrNameLst>
+                                      </p:cBhvr>
+                                      <p:to>
+                                        <p:strVal val="visible"/>
+                                      </p:to>
+                                    </p:set>
+                                    <p:animEffect transition="in" filter="fade">
+                                      <p:cBhvr>
+                                        <p:cTn id="35" dur="500"/>
+                                        <p:tgtEl>
+                                          <p:spTgt spid="5">
+                                            <p:txEl>
+                                              <p:pRg st="4" end="4"/>
+                                            </p:txEl>
+                                          </p:spTgt>
+                                        </p:tgtEl>
+                                      </p:cBhvr>
+                                    </p:animEffect>
+                                  </p:childTnLst>
+                                </p:cTn>
+                              </p:par>
+                            </p:childTnLst>
+                          </p:cTn>
+                        </p:par>
+                      </p:childTnLst>
+                    </p:cTn>
+                  </p:par>
+                  <p:par>
+                    <p:cTn id="36" fill="hold">
+                      <p:stCondLst>
+                        <p:cond delay="indefinite"/>
+                      </p:stCondLst>
+                      <p:childTnLst>
+                        <p:par>
+                          <p:cTn id="37" fill="hold">
+                            <p:stCondLst>
+                              <p:cond delay="0"/>
+                            </p:stCondLst>
+                            <p:childTnLst>
+                              <p:par>
+                                <p:cTn id="38" presetID="10" presetClass="entr" presetSubtype="0" fill="hold" nodeType="clickEffect">
+                                  <p:stCondLst>
+                                    <p:cond delay="0"/>
+                                  </p:stCondLst>
+                                  <p:childTnLst>
+                                    <p:set>
+                                      <p:cBhvr>
+                                        <p:cTn id="39" dur="1" fill="hold">
+                                          <p:stCondLst>
+                                            <p:cond delay="0"/>
+                                          </p:stCondLst>
+                                        </p:cTn>
+                                        <p:tgtEl>
+                                          <p:spTgt spid="5">
+                                            <p:txEl>
+                                              <p:pRg st="5" end="5"/>
+                                            </p:txEl>
+                                          </p:spTgt>
+                                        </p:tgtEl>
+                                        <p:attrNameLst>
+                                          <p:attrName>style.visibility</p:attrName>
+                                        </p:attrNameLst>
+                                      </p:cBhvr>
+                                      <p:to>
+                                        <p:strVal val="visible"/>
+                                      </p:to>
+                                    </p:set>
+                                    <p:animEffect transition="in" filter="fade">
+                                      <p:cBhvr>
+                                        <p:cTn id="40" dur="500"/>
+                                        <p:tgtEl>
+                                          <p:spTgt spid="5">
+                                            <p:txEl>
+                                              <p:pRg st="5" end="5"/>
+                                            </p:txEl>
+                                          </p:spTgt>
+                                        </p:tgtEl>
+                                      </p:cBhvr>
+                                    </p:animEffect>
+                                  </p:childTnLst>
+                                </p:cTn>
+                              </p:par>
+                            </p:childTnLst>
+                          </p:cTn>
+                        </p:par>
+                      </p:childTnLst>
+                    </p:cTn>
+                  </p:par>
+                  <p:par>
+                    <p:cTn id="41" fill="hold">
+                      <p:stCondLst>
+                        <p:cond delay="indefinite"/>
+                      </p:stCondLst>
+                      <p:childTnLst>
+                        <p:par>
+                          <p:cTn id="42" fill="hold">
+                            <p:stCondLst>
+                              <p:cond delay="0"/>
+                            </p:stCondLst>
+                            <p:childTnLst>
+                              <p:par>
+                                <p:cTn id="43" presetID="10" presetClass="entr" presetSubtype="0" fill="hold" nodeType="clickEffect">
+                                  <p:stCondLst>
+                                    <p:cond delay="0"/>
+                                  </p:stCondLst>
+                                  <p:childTnLst>
+                                    <p:set>
+                                      <p:cBhvr>
+                                        <p:cTn id="44" dur="1" fill="hold">
+                                          <p:stCondLst>
+                                            <p:cond delay="0"/>
+                                          </p:stCondLst>
+                                        </p:cTn>
+                                        <p:tgtEl>
+                                          <p:spTgt spid="5">
+                                            <p:txEl>
+                                              <p:pRg st="7" end="7"/>
+                                            </p:txEl>
+                                          </p:spTgt>
+                                        </p:tgtEl>
+                                        <p:attrNameLst>
+                                          <p:attrName>style.visibility</p:attrName>
+                                        </p:attrNameLst>
+                                      </p:cBhvr>
+                                      <p:to>
+                                        <p:strVal val="visible"/>
+                                      </p:to>
+                                    </p:set>
+                                    <p:animEffect transition="in" filter="fade">
+                                      <p:cBhvr>
+                                        <p:cTn id="45" dur="500"/>
+                                        <p:tgtEl>
+                                          <p:spTgt spid="5">
+                                            <p:txEl>
+                                              <p:pRg st="7" end="7"/>
                                             </p:txEl>
                                           </p:spTgt>
                                         </p:tgtEl>
@@ -19079,7 +18386,7 @@
 </p:sld>
 </file>
 
-<file path=ppt/slides/slide15.xml><?xml version="1.0" encoding="utf-8"?>
+<file path=ppt/slides/slide13.xml><?xml version="1.0" encoding="utf-8"?>
 <p:sld xmlns:a="http://schemas.openxmlformats.org/drawingml/2006/main" xmlns:r="http://schemas.openxmlformats.org/officeDocument/2006/relationships" xmlns:p="http://schemas.openxmlformats.org/presentationml/2006/main">
   <p:cSld>
     <p:spTree>
@@ -19383,9 +18690,10 @@
               <a:buChar char="•"/>
             </a:pPr>
             <a:r>
-              <a:rPr lang="en-US" sz="2800" dirty="0"/>
-              <a:t>Controllers</a:t>
-            </a:r>
+              <a:rPr lang="en-US" sz="2800" dirty="0" smtClean="0"/>
+              <a:t>Actions</a:t>
+            </a:r>
+            <a:endParaRPr lang="en-US" sz="2800" dirty="0"/>
           </a:p>
           <a:p>
             <a:pPr marL="742950" lvl="1" indent="-285750">
@@ -19393,9 +18701,22 @@
               <a:buChar char="•"/>
             </a:pPr>
             <a:r>
-              <a:rPr lang="en-US" sz="2800" dirty="0"/>
-              <a:t>Actions</a:t>
-            </a:r>
+              <a:rPr lang="en-US" sz="2800" u="sng" dirty="0" smtClean="0">
+                <a:solidFill>
+                  <a:schemeClr val="accent6">
+                    <a:lumMod val="75000"/>
+                  </a:schemeClr>
+                </a:solidFill>
+              </a:rPr>
+              <a:t>Routing</a:t>
+            </a:r>
+            <a:endParaRPr lang="en-US" sz="2800" u="sng" dirty="0">
+              <a:solidFill>
+                <a:schemeClr val="accent6">
+                  <a:lumMod val="75000"/>
+                </a:schemeClr>
+              </a:solidFill>
+            </a:endParaRPr>
           </a:p>
           <a:p>
             <a:pPr marL="742950" lvl="1" indent="-285750">
@@ -19403,14 +18724,8 @@
               <a:buChar char="•"/>
             </a:pPr>
             <a:r>
-              <a:rPr lang="en-US" sz="2800" u="sng" dirty="0">
-                <a:solidFill>
-                  <a:schemeClr val="accent6">
-                    <a:lumMod val="75000"/>
-                  </a:schemeClr>
-                </a:solidFill>
-              </a:rPr>
-              <a:t>Routing</a:t>
+              <a:rPr lang="en-US" sz="2800" dirty="0" smtClean="0"/>
+              <a:t>Filters</a:t>
             </a:r>
           </a:p>
           <a:p>
@@ -19420,7 +18735,7 @@
             </a:pPr>
             <a:r>
               <a:rPr lang="en-US" sz="2800" dirty="0"/>
-              <a:t>Filters</a:t>
+              <a:t>Model Binding</a:t>
             </a:r>
           </a:p>
           <a:p>
@@ -19430,7 +18745,7 @@
             </a:pPr>
             <a:r>
               <a:rPr lang="en-US" sz="2800" dirty="0"/>
-              <a:t>Extend It</a:t>
+              <a:t>Dependency Injection</a:t>
             </a:r>
           </a:p>
         </p:txBody>
@@ -19548,7 +18863,7 @@
 </p:sld>
 </file>
 
-<file path=ppt/slides/slide16.xml><?xml version="1.0" encoding="utf-8"?>
+<file path=ppt/slides/slide14.xml><?xml version="1.0" encoding="utf-8"?>
 <p:sld xmlns:a="http://schemas.openxmlformats.org/drawingml/2006/main" xmlns:r="http://schemas.openxmlformats.org/officeDocument/2006/relationships" xmlns:p="http://schemas.openxmlformats.org/presentationml/2006/main">
   <p:cSld>
     <p:spTree>
@@ -19785,7 +19100,7 @@
         <p:spPr>
           <a:xfrm>
             <a:off x="304800" y="1280279"/>
-            <a:ext cx="8001000" cy="1754326"/>
+            <a:ext cx="8001000" cy="5016758"/>
           </a:xfrm>
           <a:prstGeom prst="rect">
             <a:avLst/>
@@ -19798,16 +19113,89 @@
           </a:bodyPr>
           <a:lstStyle/>
           <a:p>
-            <a:r>
-              <a:rPr lang="en-US" sz="3600" dirty="0" smtClean="0">
-                <a:solidFill>
-                  <a:schemeClr val="accent6">
-                    <a:lumMod val="75000"/>
-                  </a:schemeClr>
-                </a:solidFill>
-              </a:rPr>
-              <a:t>FILL THIS OUT</a:t>
-            </a:r>
+            <a:pPr marL="571500" indent="-571500">
+              <a:buFont typeface="Arial" panose="020B0604020202020204" pitchFamily="34" charset="0"/>
+              <a:buChar char="•"/>
+            </a:pPr>
+            <a:r>
+              <a:rPr lang="en-US" sz="3600" dirty="0" smtClean="0"/>
+              <a:t>Instructions to find a Controller Action</a:t>
+            </a:r>
+          </a:p>
+          <a:p>
+            <a:pPr marL="571500" indent="-571500">
+              <a:buFont typeface="Arial" panose="020B0604020202020204" pitchFamily="34" charset="0"/>
+              <a:buChar char="•"/>
+            </a:pPr>
+            <a:r>
+              <a:rPr lang="en-US" sz="3600" dirty="0" smtClean="0"/>
+              <a:t>Have 3 components</a:t>
+            </a:r>
+          </a:p>
+          <a:p>
+            <a:pPr marL="1028700" lvl="1" indent="-571500">
+              <a:buFont typeface="Arial" panose="020B0604020202020204" pitchFamily="34" charset="0"/>
+              <a:buChar char="•"/>
+            </a:pPr>
+            <a:r>
+              <a:rPr lang="en-US" sz="2800" dirty="0" smtClean="0"/>
+              <a:t>Matching URI to route</a:t>
+            </a:r>
+          </a:p>
+          <a:p>
+            <a:pPr marL="1028700" lvl="1" indent="-571500">
+              <a:buFont typeface="Arial" panose="020B0604020202020204" pitchFamily="34" charset="0"/>
+              <a:buChar char="•"/>
+            </a:pPr>
+            <a:r>
+              <a:rPr lang="en-US" sz="2800" dirty="0" smtClean="0"/>
+              <a:t>Selecting Controller</a:t>
+            </a:r>
+          </a:p>
+          <a:p>
+            <a:pPr marL="1028700" lvl="1" indent="-571500">
+              <a:buFont typeface="Arial" panose="020B0604020202020204" pitchFamily="34" charset="0"/>
+              <a:buChar char="•"/>
+            </a:pPr>
+            <a:r>
+              <a:rPr lang="en-US" sz="2800" dirty="0" smtClean="0"/>
+              <a:t>Selecting Action</a:t>
+            </a:r>
+          </a:p>
+          <a:p>
+            <a:pPr marL="1028700" lvl="1" indent="-571500">
+              <a:buFont typeface="Arial" panose="020B0604020202020204" pitchFamily="34" charset="0"/>
+              <a:buChar char="•"/>
+            </a:pPr>
+            <a:r>
+              <a:rPr lang="en-US" sz="2800" dirty="0" err="1"/>
+              <a:t>a</a:t>
+            </a:r>
+            <a:r>
+              <a:rPr lang="en-US" sz="2800" dirty="0" err="1" smtClean="0"/>
+              <a:t>pi</a:t>
+            </a:r>
+            <a:r>
+              <a:rPr lang="en-US" sz="2800" dirty="0" smtClean="0"/>
+              <a:t>/{controller}/{action}/{parameter}</a:t>
+            </a:r>
+          </a:p>
+          <a:p>
+            <a:pPr marL="571500" indent="-571500">
+              <a:buFont typeface="Arial" panose="020B0604020202020204" pitchFamily="34" charset="0"/>
+              <a:buChar char="•"/>
+            </a:pPr>
+            <a:r>
+              <a:rPr lang="en-US" sz="3600" dirty="0" smtClean="0"/>
+              <a:t>Are selected in top-down order</a:t>
+            </a:r>
+          </a:p>
+          <a:p>
+            <a:pPr marL="571500" indent="-571500">
+              <a:buFont typeface="Arial" panose="020B0604020202020204" pitchFamily="34" charset="0"/>
+              <a:buChar char="•"/>
+            </a:pPr>
+            <a:endParaRPr lang="en-US" sz="2800" dirty="0"/>
           </a:p>
           <a:p>
             <a:endParaRPr lang="en-US" sz="3600" dirty="0">
@@ -20092,7 +19480,7 @@
                                         <p:tgtEl>
                                           <p:spTgt spid="5">
                                             <p:txEl>
-                                              <p:pRg st="2" end="2"/>
+                                              <p:pRg st="1" end="1"/>
                                             </p:txEl>
                                           </p:spTgt>
                                         </p:tgtEl>
@@ -20110,7 +19498,1434 @@
                                         <p:tgtEl>
                                           <p:spTgt spid="5">
                                             <p:txEl>
+                                              <p:pRg st="1" end="1"/>
+                                            </p:txEl>
+                                          </p:spTgt>
+                                        </p:tgtEl>
+                                      </p:cBhvr>
+                                    </p:animEffect>
+                                  </p:childTnLst>
+                                </p:cTn>
+                              </p:par>
+                            </p:childTnLst>
+                          </p:cTn>
+                        </p:par>
+                      </p:childTnLst>
+                    </p:cTn>
+                  </p:par>
+                  <p:par>
+                    <p:cTn id="23" fill="hold">
+                      <p:stCondLst>
+                        <p:cond delay="indefinite"/>
+                      </p:stCondLst>
+                      <p:childTnLst>
+                        <p:par>
+                          <p:cTn id="24" fill="hold">
+                            <p:stCondLst>
+                              <p:cond delay="0"/>
+                            </p:stCondLst>
+                            <p:childTnLst>
+                              <p:par>
+                                <p:cTn id="25" presetID="10" presetClass="entr" presetSubtype="0" fill="hold" nodeType="clickEffect">
+                                  <p:stCondLst>
+                                    <p:cond delay="0"/>
+                                  </p:stCondLst>
+                                  <p:childTnLst>
+                                    <p:set>
+                                      <p:cBhvr>
+                                        <p:cTn id="26" dur="1" fill="hold">
+                                          <p:stCondLst>
+                                            <p:cond delay="0"/>
+                                          </p:stCondLst>
+                                        </p:cTn>
+                                        <p:tgtEl>
+                                          <p:spTgt spid="5">
+                                            <p:txEl>
                                               <p:pRg st="2" end="2"/>
+                                            </p:txEl>
+                                          </p:spTgt>
+                                        </p:tgtEl>
+                                        <p:attrNameLst>
+                                          <p:attrName>style.visibility</p:attrName>
+                                        </p:attrNameLst>
+                                      </p:cBhvr>
+                                      <p:to>
+                                        <p:strVal val="visible"/>
+                                      </p:to>
+                                    </p:set>
+                                    <p:animEffect transition="in" filter="fade">
+                                      <p:cBhvr>
+                                        <p:cTn id="27" dur="500"/>
+                                        <p:tgtEl>
+                                          <p:spTgt spid="5">
+                                            <p:txEl>
+                                              <p:pRg st="2" end="2"/>
+                                            </p:txEl>
+                                          </p:spTgt>
+                                        </p:tgtEl>
+                                      </p:cBhvr>
+                                    </p:animEffect>
+                                  </p:childTnLst>
+                                </p:cTn>
+                              </p:par>
+                            </p:childTnLst>
+                          </p:cTn>
+                        </p:par>
+                      </p:childTnLst>
+                    </p:cTn>
+                  </p:par>
+                  <p:par>
+                    <p:cTn id="28" fill="hold">
+                      <p:stCondLst>
+                        <p:cond delay="indefinite"/>
+                      </p:stCondLst>
+                      <p:childTnLst>
+                        <p:par>
+                          <p:cTn id="29" fill="hold">
+                            <p:stCondLst>
+                              <p:cond delay="0"/>
+                            </p:stCondLst>
+                            <p:childTnLst>
+                              <p:par>
+                                <p:cTn id="30" presetID="10" presetClass="entr" presetSubtype="0" fill="hold" nodeType="clickEffect">
+                                  <p:stCondLst>
+                                    <p:cond delay="0"/>
+                                  </p:stCondLst>
+                                  <p:childTnLst>
+                                    <p:set>
+                                      <p:cBhvr>
+                                        <p:cTn id="31" dur="1" fill="hold">
+                                          <p:stCondLst>
+                                            <p:cond delay="0"/>
+                                          </p:stCondLst>
+                                        </p:cTn>
+                                        <p:tgtEl>
+                                          <p:spTgt spid="5">
+                                            <p:txEl>
+                                              <p:pRg st="3" end="3"/>
+                                            </p:txEl>
+                                          </p:spTgt>
+                                        </p:tgtEl>
+                                        <p:attrNameLst>
+                                          <p:attrName>style.visibility</p:attrName>
+                                        </p:attrNameLst>
+                                      </p:cBhvr>
+                                      <p:to>
+                                        <p:strVal val="visible"/>
+                                      </p:to>
+                                    </p:set>
+                                    <p:animEffect transition="in" filter="fade">
+                                      <p:cBhvr>
+                                        <p:cTn id="32" dur="500"/>
+                                        <p:tgtEl>
+                                          <p:spTgt spid="5">
+                                            <p:txEl>
+                                              <p:pRg st="3" end="3"/>
+                                            </p:txEl>
+                                          </p:spTgt>
+                                        </p:tgtEl>
+                                      </p:cBhvr>
+                                    </p:animEffect>
+                                  </p:childTnLst>
+                                </p:cTn>
+                              </p:par>
+                            </p:childTnLst>
+                          </p:cTn>
+                        </p:par>
+                      </p:childTnLst>
+                    </p:cTn>
+                  </p:par>
+                  <p:par>
+                    <p:cTn id="33" fill="hold">
+                      <p:stCondLst>
+                        <p:cond delay="indefinite"/>
+                      </p:stCondLst>
+                      <p:childTnLst>
+                        <p:par>
+                          <p:cTn id="34" fill="hold">
+                            <p:stCondLst>
+                              <p:cond delay="0"/>
+                            </p:stCondLst>
+                            <p:childTnLst>
+                              <p:par>
+                                <p:cTn id="35" presetID="10" presetClass="entr" presetSubtype="0" fill="hold" nodeType="clickEffect">
+                                  <p:stCondLst>
+                                    <p:cond delay="0"/>
+                                  </p:stCondLst>
+                                  <p:childTnLst>
+                                    <p:set>
+                                      <p:cBhvr>
+                                        <p:cTn id="36" dur="1" fill="hold">
+                                          <p:stCondLst>
+                                            <p:cond delay="0"/>
+                                          </p:stCondLst>
+                                        </p:cTn>
+                                        <p:tgtEl>
+                                          <p:spTgt spid="5">
+                                            <p:txEl>
+                                              <p:pRg st="4" end="4"/>
+                                            </p:txEl>
+                                          </p:spTgt>
+                                        </p:tgtEl>
+                                        <p:attrNameLst>
+                                          <p:attrName>style.visibility</p:attrName>
+                                        </p:attrNameLst>
+                                      </p:cBhvr>
+                                      <p:to>
+                                        <p:strVal val="visible"/>
+                                      </p:to>
+                                    </p:set>
+                                    <p:animEffect transition="in" filter="fade">
+                                      <p:cBhvr>
+                                        <p:cTn id="37" dur="500"/>
+                                        <p:tgtEl>
+                                          <p:spTgt spid="5">
+                                            <p:txEl>
+                                              <p:pRg st="4" end="4"/>
+                                            </p:txEl>
+                                          </p:spTgt>
+                                        </p:tgtEl>
+                                      </p:cBhvr>
+                                    </p:animEffect>
+                                  </p:childTnLst>
+                                </p:cTn>
+                              </p:par>
+                            </p:childTnLst>
+                          </p:cTn>
+                        </p:par>
+                      </p:childTnLst>
+                    </p:cTn>
+                  </p:par>
+                  <p:par>
+                    <p:cTn id="38" fill="hold">
+                      <p:stCondLst>
+                        <p:cond delay="indefinite"/>
+                      </p:stCondLst>
+                      <p:childTnLst>
+                        <p:par>
+                          <p:cTn id="39" fill="hold">
+                            <p:stCondLst>
+                              <p:cond delay="0"/>
+                            </p:stCondLst>
+                            <p:childTnLst>
+                              <p:par>
+                                <p:cTn id="40" presetID="10" presetClass="entr" presetSubtype="0" fill="hold" nodeType="clickEffect">
+                                  <p:stCondLst>
+                                    <p:cond delay="0"/>
+                                  </p:stCondLst>
+                                  <p:childTnLst>
+                                    <p:set>
+                                      <p:cBhvr>
+                                        <p:cTn id="41" dur="1" fill="hold">
+                                          <p:stCondLst>
+                                            <p:cond delay="0"/>
+                                          </p:stCondLst>
+                                        </p:cTn>
+                                        <p:tgtEl>
+                                          <p:spTgt spid="5">
+                                            <p:txEl>
+                                              <p:pRg st="5" end="5"/>
+                                            </p:txEl>
+                                          </p:spTgt>
+                                        </p:tgtEl>
+                                        <p:attrNameLst>
+                                          <p:attrName>style.visibility</p:attrName>
+                                        </p:attrNameLst>
+                                      </p:cBhvr>
+                                      <p:to>
+                                        <p:strVal val="visible"/>
+                                      </p:to>
+                                    </p:set>
+                                    <p:animEffect transition="in" filter="fade">
+                                      <p:cBhvr>
+                                        <p:cTn id="42" dur="500"/>
+                                        <p:tgtEl>
+                                          <p:spTgt spid="5">
+                                            <p:txEl>
+                                              <p:pRg st="5" end="5"/>
+                                            </p:txEl>
+                                          </p:spTgt>
+                                        </p:tgtEl>
+                                      </p:cBhvr>
+                                    </p:animEffect>
+                                  </p:childTnLst>
+                                </p:cTn>
+                              </p:par>
+                            </p:childTnLst>
+                          </p:cTn>
+                        </p:par>
+                      </p:childTnLst>
+                    </p:cTn>
+                  </p:par>
+                  <p:par>
+                    <p:cTn id="43" fill="hold">
+                      <p:stCondLst>
+                        <p:cond delay="indefinite"/>
+                      </p:stCondLst>
+                      <p:childTnLst>
+                        <p:par>
+                          <p:cTn id="44" fill="hold">
+                            <p:stCondLst>
+                              <p:cond delay="0"/>
+                            </p:stCondLst>
+                            <p:childTnLst>
+                              <p:par>
+                                <p:cTn id="45" presetID="10" presetClass="entr" presetSubtype="0" fill="hold" nodeType="clickEffect">
+                                  <p:stCondLst>
+                                    <p:cond delay="0"/>
+                                  </p:stCondLst>
+                                  <p:childTnLst>
+                                    <p:set>
+                                      <p:cBhvr>
+                                        <p:cTn id="46" dur="1" fill="hold">
+                                          <p:stCondLst>
+                                            <p:cond delay="0"/>
+                                          </p:stCondLst>
+                                        </p:cTn>
+                                        <p:tgtEl>
+                                          <p:spTgt spid="5">
+                                            <p:txEl>
+                                              <p:pRg st="6" end="6"/>
+                                            </p:txEl>
+                                          </p:spTgt>
+                                        </p:tgtEl>
+                                        <p:attrNameLst>
+                                          <p:attrName>style.visibility</p:attrName>
+                                        </p:attrNameLst>
+                                      </p:cBhvr>
+                                      <p:to>
+                                        <p:strVal val="visible"/>
+                                      </p:to>
+                                    </p:set>
+                                    <p:animEffect transition="in" filter="fade">
+                                      <p:cBhvr>
+                                        <p:cTn id="47" dur="500"/>
+                                        <p:tgtEl>
+                                          <p:spTgt spid="5">
+                                            <p:txEl>
+                                              <p:pRg st="6" end="6"/>
+                                            </p:txEl>
+                                          </p:spTgt>
+                                        </p:tgtEl>
+                                      </p:cBhvr>
+                                    </p:animEffect>
+                                  </p:childTnLst>
+                                </p:cTn>
+                              </p:par>
+                            </p:childTnLst>
+                          </p:cTn>
+                        </p:par>
+                      </p:childTnLst>
+                    </p:cTn>
+                  </p:par>
+                  <p:par>
+                    <p:cTn id="48" fill="hold">
+                      <p:stCondLst>
+                        <p:cond delay="indefinite"/>
+                      </p:stCondLst>
+                      <p:childTnLst>
+                        <p:par>
+                          <p:cTn id="49" fill="hold">
+                            <p:stCondLst>
+                              <p:cond delay="0"/>
+                            </p:stCondLst>
+                            <p:childTnLst>
+                              <p:par>
+                                <p:cTn id="50" presetID="10" presetClass="entr" presetSubtype="0" fill="hold" nodeType="clickEffect">
+                                  <p:stCondLst>
+                                    <p:cond delay="0"/>
+                                  </p:stCondLst>
+                                  <p:childTnLst>
+                                    <p:set>
+                                      <p:cBhvr>
+                                        <p:cTn id="51" dur="1" fill="hold">
+                                          <p:stCondLst>
+                                            <p:cond delay="0"/>
+                                          </p:stCondLst>
+                                        </p:cTn>
+                                        <p:tgtEl>
+                                          <p:spTgt spid="5">
+                                            <p:txEl>
+                                              <p:pRg st="9" end="9"/>
+                                            </p:txEl>
+                                          </p:spTgt>
+                                        </p:tgtEl>
+                                        <p:attrNameLst>
+                                          <p:attrName>style.visibility</p:attrName>
+                                        </p:attrNameLst>
+                                      </p:cBhvr>
+                                      <p:to>
+                                        <p:strVal val="visible"/>
+                                      </p:to>
+                                    </p:set>
+                                    <p:animEffect transition="in" filter="fade">
+                                      <p:cBhvr>
+                                        <p:cTn id="52" dur="500"/>
+                                        <p:tgtEl>
+                                          <p:spTgt spid="5">
+                                            <p:txEl>
+                                              <p:pRg st="9" end="9"/>
+                                            </p:txEl>
+                                          </p:spTgt>
+                                        </p:tgtEl>
+                                      </p:cBhvr>
+                                    </p:animEffect>
+                                  </p:childTnLst>
+                                </p:cTn>
+                              </p:par>
+                            </p:childTnLst>
+                          </p:cTn>
+                        </p:par>
+                      </p:childTnLst>
+                    </p:cTn>
+                  </p:par>
+                </p:childTnLst>
+              </p:cTn>
+              <p:prevCondLst>
+                <p:cond evt="onPrev" delay="0">
+                  <p:tgtEl>
+                    <p:sldTgt/>
+                  </p:tgtEl>
+                </p:cond>
+              </p:prevCondLst>
+              <p:nextCondLst>
+                <p:cond evt="onNext" delay="0">
+                  <p:tgtEl>
+                    <p:sldTgt/>
+                  </p:tgtEl>
+                </p:cond>
+              </p:nextCondLst>
+            </p:seq>
+          </p:childTnLst>
+        </p:cTn>
+      </p:par>
+    </p:tnLst>
+    <p:bldLst>
+      <p:bldP spid="15" grpId="0" animBg="1"/>
+      <p:bldP spid="4" grpId="0" build="p"/>
+    </p:bldLst>
+  </p:timing>
+</p:sld>
+</file>
+
+<file path=ppt/slides/slide15.xml><?xml version="1.0" encoding="utf-8"?>
+<p:sld xmlns:a="http://schemas.openxmlformats.org/drawingml/2006/main" xmlns:r="http://schemas.openxmlformats.org/officeDocument/2006/relationships" xmlns:p="http://schemas.openxmlformats.org/presentationml/2006/main">
+  <p:cSld>
+    <p:spTree>
+      <p:nvGrpSpPr>
+        <p:cNvPr id="1" name=""/>
+        <p:cNvGrpSpPr/>
+        <p:nvPr/>
+      </p:nvGrpSpPr>
+      <p:grpSpPr>
+        <a:xfrm>
+          <a:off x="0" y="0"/>
+          <a:ext cx="0" cy="0"/>
+          <a:chOff x="0" y="0"/>
+          <a:chExt cx="0" cy="0"/>
+        </a:xfrm>
+      </p:grpSpPr>
+      <p:sp>
+        <p:nvSpPr>
+          <p:cNvPr id="27" name="Text Placeholder 2"/>
+          <p:cNvSpPr txBox="1">
+            <a:spLocks/>
+          </p:cNvSpPr>
+          <p:nvPr/>
+        </p:nvSpPr>
+        <p:spPr>
+          <a:xfrm rot="5400000">
+            <a:off x="5682853" y="2939653"/>
+            <a:ext cx="6400800" cy="521494"/>
+          </a:xfrm>
+          <a:prstGeom prst="rect">
+            <a:avLst/>
+          </a:prstGeom>
+        </p:spPr>
+        <p:txBody>
+          <a:bodyPr>
+            <a:noAutofit/>
+          </a:bodyPr>
+          <a:lstStyle>
+            <a:lvl1pPr marL="342900" indent="-342900" algn="l" defTabSz="914400" rtl="0" eaLnBrk="1" latinLnBrk="0" hangingPunct="1">
+              <a:spcBef>
+                <a:spcPct val="20000"/>
+              </a:spcBef>
+              <a:buFont typeface="Arial" pitchFamily="34" charset="0"/>
+              <a:buChar char="•"/>
+              <a:defRPr sz="3200" kern="1200">
+                <a:solidFill>
+                  <a:schemeClr val="tx1"/>
+                </a:solidFill>
+                <a:latin typeface="+mn-lt"/>
+                <a:ea typeface="+mn-ea"/>
+                <a:cs typeface="+mn-cs"/>
+              </a:defRPr>
+            </a:lvl1pPr>
+            <a:lvl2pPr marL="742950" indent="-285750" algn="l" defTabSz="914400" rtl="0" eaLnBrk="1" latinLnBrk="0" hangingPunct="1">
+              <a:spcBef>
+                <a:spcPct val="20000"/>
+              </a:spcBef>
+              <a:buFont typeface="Arial" pitchFamily="34" charset="0"/>
+              <a:buChar char="–"/>
+              <a:defRPr sz="2800" kern="1200">
+                <a:solidFill>
+                  <a:schemeClr val="tx1"/>
+                </a:solidFill>
+                <a:latin typeface="+mn-lt"/>
+                <a:ea typeface="+mn-ea"/>
+                <a:cs typeface="+mn-cs"/>
+              </a:defRPr>
+            </a:lvl2pPr>
+            <a:lvl3pPr marL="1143000" indent="-228600" algn="l" defTabSz="914400" rtl="0" eaLnBrk="1" latinLnBrk="0" hangingPunct="1">
+              <a:spcBef>
+                <a:spcPct val="20000"/>
+              </a:spcBef>
+              <a:buFont typeface="Arial" pitchFamily="34" charset="0"/>
+              <a:buChar char="•"/>
+              <a:defRPr sz="2400" kern="1200">
+                <a:solidFill>
+                  <a:schemeClr val="tx1"/>
+                </a:solidFill>
+                <a:latin typeface="+mn-lt"/>
+                <a:ea typeface="+mn-ea"/>
+                <a:cs typeface="+mn-cs"/>
+              </a:defRPr>
+            </a:lvl3pPr>
+            <a:lvl4pPr marL="1600200" indent="-228600" algn="l" defTabSz="914400" rtl="0" eaLnBrk="1" latinLnBrk="0" hangingPunct="1">
+              <a:spcBef>
+                <a:spcPct val="20000"/>
+              </a:spcBef>
+              <a:buFont typeface="Arial" pitchFamily="34" charset="0"/>
+              <a:buChar char="–"/>
+              <a:defRPr sz="2000" kern="1200">
+                <a:solidFill>
+                  <a:schemeClr val="tx1"/>
+                </a:solidFill>
+                <a:latin typeface="+mn-lt"/>
+                <a:ea typeface="+mn-ea"/>
+                <a:cs typeface="+mn-cs"/>
+              </a:defRPr>
+            </a:lvl4pPr>
+            <a:lvl5pPr marL="2057400" indent="-228600" algn="l" defTabSz="914400" rtl="0" eaLnBrk="1" latinLnBrk="0" hangingPunct="1">
+              <a:spcBef>
+                <a:spcPct val="20000"/>
+              </a:spcBef>
+              <a:buFont typeface="Arial" pitchFamily="34" charset="0"/>
+              <a:buChar char="»"/>
+              <a:defRPr sz="2000" kern="1200">
+                <a:solidFill>
+                  <a:schemeClr val="tx1"/>
+                </a:solidFill>
+                <a:latin typeface="+mn-lt"/>
+                <a:ea typeface="+mn-ea"/>
+                <a:cs typeface="+mn-cs"/>
+              </a:defRPr>
+            </a:lvl5pPr>
+            <a:lvl6pPr marL="2514600" indent="-228600" algn="l" defTabSz="914400" rtl="0" eaLnBrk="1" latinLnBrk="0" hangingPunct="1">
+              <a:spcBef>
+                <a:spcPct val="20000"/>
+              </a:spcBef>
+              <a:buFont typeface="Arial" pitchFamily="34" charset="0"/>
+              <a:buChar char="•"/>
+              <a:defRPr sz="2000" kern="1200">
+                <a:solidFill>
+                  <a:schemeClr val="tx1"/>
+                </a:solidFill>
+                <a:latin typeface="+mn-lt"/>
+                <a:ea typeface="+mn-ea"/>
+                <a:cs typeface="+mn-cs"/>
+              </a:defRPr>
+            </a:lvl6pPr>
+            <a:lvl7pPr marL="2971800" indent="-228600" algn="l" defTabSz="914400" rtl="0" eaLnBrk="1" latinLnBrk="0" hangingPunct="1">
+              <a:spcBef>
+                <a:spcPct val="20000"/>
+              </a:spcBef>
+              <a:buFont typeface="Arial" pitchFamily="34" charset="0"/>
+              <a:buChar char="•"/>
+              <a:defRPr sz="2000" kern="1200">
+                <a:solidFill>
+                  <a:schemeClr val="tx1"/>
+                </a:solidFill>
+                <a:latin typeface="+mn-lt"/>
+                <a:ea typeface="+mn-ea"/>
+                <a:cs typeface="+mn-cs"/>
+              </a:defRPr>
+            </a:lvl7pPr>
+            <a:lvl8pPr marL="3429000" indent="-228600" algn="l" defTabSz="914400" rtl="0" eaLnBrk="1" latinLnBrk="0" hangingPunct="1">
+              <a:spcBef>
+                <a:spcPct val="20000"/>
+              </a:spcBef>
+              <a:buFont typeface="Arial" pitchFamily="34" charset="0"/>
+              <a:buChar char="•"/>
+              <a:defRPr sz="2000" kern="1200">
+                <a:solidFill>
+                  <a:schemeClr val="tx1"/>
+                </a:solidFill>
+                <a:latin typeface="+mn-lt"/>
+                <a:ea typeface="+mn-ea"/>
+                <a:cs typeface="+mn-cs"/>
+              </a:defRPr>
+            </a:lvl8pPr>
+            <a:lvl9pPr marL="3886200" indent="-228600" algn="l" defTabSz="914400" rtl="0" eaLnBrk="1" latinLnBrk="0" hangingPunct="1">
+              <a:spcBef>
+                <a:spcPct val="20000"/>
+              </a:spcBef>
+              <a:buFont typeface="Arial" pitchFamily="34" charset="0"/>
+              <a:buChar char="•"/>
+              <a:defRPr sz="2000" kern="1200">
+                <a:solidFill>
+                  <a:schemeClr val="tx1"/>
+                </a:solidFill>
+                <a:latin typeface="+mn-lt"/>
+                <a:ea typeface="+mn-ea"/>
+                <a:cs typeface="+mn-cs"/>
+              </a:defRPr>
+            </a:lvl9pPr>
+          </a:lstStyle>
+          <a:p>
+            <a:pPr>
+              <a:buFont typeface="Arial" pitchFamily="34" charset="0"/>
+              <a:buNone/>
+            </a:pPr>
+            <a:r>
+              <a:rPr lang="en-US" b="1" dirty="0" smtClean="0"/>
+              <a:t>Agenda</a:t>
+            </a:r>
+            <a:endParaRPr lang="en-US" b="1" dirty="0"/>
+          </a:p>
+        </p:txBody>
+      </p:sp>
+      <p:sp>
+        <p:nvSpPr>
+          <p:cNvPr id="2" name="TextBox 1"/>
+          <p:cNvSpPr txBox="1"/>
+          <p:nvPr/>
+        </p:nvSpPr>
+        <p:spPr>
+          <a:xfrm>
+            <a:off x="228600" y="381000"/>
+            <a:ext cx="8077200" cy="5755422"/>
+          </a:xfrm>
+          <a:prstGeom prst="rect">
+            <a:avLst/>
+          </a:prstGeom>
+          <a:noFill/>
+        </p:spPr>
+        <p:txBody>
+          <a:bodyPr wrap="square" rtlCol="0">
+            <a:spAutoFit/>
+          </a:bodyPr>
+          <a:lstStyle/>
+          <a:p>
+            <a:pPr marL="285750" indent="-285750">
+              <a:buFont typeface="Arial" panose="020B0604020202020204" pitchFamily="34" charset="0"/>
+              <a:buChar char="•"/>
+            </a:pPr>
+            <a:r>
+              <a:rPr lang="en-US" sz="3600" dirty="0"/>
+              <a:t>What is the </a:t>
+            </a:r>
+            <a:r>
+              <a:rPr lang="en-US" sz="3600" dirty="0" err="1"/>
+              <a:t>WebAPI</a:t>
+            </a:r>
+            <a:r>
+              <a:rPr lang="en-US" sz="3600" dirty="0"/>
+              <a:t>?</a:t>
+            </a:r>
+          </a:p>
+          <a:p>
+            <a:pPr marL="285750" indent="-285750">
+              <a:buFont typeface="Arial" panose="020B0604020202020204" pitchFamily="34" charset="0"/>
+              <a:buChar char="•"/>
+            </a:pPr>
+            <a:endParaRPr lang="en-US" dirty="0"/>
+          </a:p>
+          <a:p>
+            <a:pPr marL="285750" indent="-285750">
+              <a:buFont typeface="Arial" panose="020B0604020202020204" pitchFamily="34" charset="0"/>
+              <a:buChar char="•"/>
+            </a:pPr>
+            <a:r>
+              <a:rPr lang="en-US" sz="3600" dirty="0"/>
+              <a:t>How is this different from </a:t>
+            </a:r>
+          </a:p>
+          <a:p>
+            <a:pPr marL="742950" lvl="1" indent="-285750">
+              <a:buFont typeface="Arial" panose="020B0604020202020204" pitchFamily="34" charset="0"/>
+              <a:buChar char="•"/>
+            </a:pPr>
+            <a:r>
+              <a:rPr lang="en-US" sz="2800" dirty="0" err="1"/>
+              <a:t>Asp.Net</a:t>
+            </a:r>
+            <a:r>
+              <a:rPr lang="en-US" sz="2800" dirty="0"/>
+              <a:t> MVC</a:t>
+            </a:r>
+          </a:p>
+          <a:p>
+            <a:pPr marL="742950" lvl="1" indent="-285750">
+              <a:buFont typeface="Arial" panose="020B0604020202020204" pitchFamily="34" charset="0"/>
+              <a:buChar char="•"/>
+            </a:pPr>
+            <a:r>
+              <a:rPr lang="en-US" sz="2800" dirty="0"/>
+              <a:t>WCF</a:t>
+            </a:r>
+          </a:p>
+          <a:p>
+            <a:pPr lvl="1"/>
+            <a:endParaRPr lang="en-US" dirty="0"/>
+          </a:p>
+          <a:p>
+            <a:pPr marL="285750" indent="-285750">
+              <a:buFont typeface="Arial" panose="020B0604020202020204" pitchFamily="34" charset="0"/>
+              <a:buChar char="•"/>
+            </a:pPr>
+            <a:r>
+              <a:rPr lang="en-US" sz="3600" dirty="0">
+                <a:solidFill>
+                  <a:schemeClr val="accent6">
+                    <a:lumMod val="75000"/>
+                  </a:schemeClr>
+                </a:solidFill>
+              </a:rPr>
+              <a:t>How do I?</a:t>
+            </a:r>
+          </a:p>
+          <a:p>
+            <a:pPr marL="742950" lvl="1" indent="-285750">
+              <a:buFont typeface="Arial" panose="020B0604020202020204" pitchFamily="34" charset="0"/>
+              <a:buChar char="•"/>
+            </a:pPr>
+            <a:r>
+              <a:rPr lang="en-US" sz="2800" dirty="0"/>
+              <a:t>Hosting Options</a:t>
+            </a:r>
+          </a:p>
+          <a:p>
+            <a:pPr marL="742950" lvl="1" indent="-285750">
+              <a:buFont typeface="Arial" panose="020B0604020202020204" pitchFamily="34" charset="0"/>
+              <a:buChar char="•"/>
+            </a:pPr>
+            <a:r>
+              <a:rPr lang="en-US" sz="2800" dirty="0" smtClean="0"/>
+              <a:t>Actions</a:t>
+            </a:r>
+            <a:endParaRPr lang="en-US" sz="2800" dirty="0"/>
+          </a:p>
+          <a:p>
+            <a:pPr marL="742950" lvl="1" indent="-285750">
+              <a:buFont typeface="Arial" panose="020B0604020202020204" pitchFamily="34" charset="0"/>
+              <a:buChar char="•"/>
+            </a:pPr>
+            <a:r>
+              <a:rPr lang="en-US" sz="2800" dirty="0"/>
+              <a:t>Routing</a:t>
+            </a:r>
+          </a:p>
+          <a:p>
+            <a:pPr marL="742950" lvl="1" indent="-285750">
+              <a:buFont typeface="Arial" panose="020B0604020202020204" pitchFamily="34" charset="0"/>
+              <a:buChar char="•"/>
+            </a:pPr>
+            <a:r>
+              <a:rPr lang="en-US" sz="2800" u="sng" dirty="0" smtClean="0">
+                <a:solidFill>
+                  <a:schemeClr val="accent6">
+                    <a:lumMod val="75000"/>
+                  </a:schemeClr>
+                </a:solidFill>
+              </a:rPr>
+              <a:t>Filters</a:t>
+            </a:r>
+            <a:endParaRPr lang="en-US" sz="2800" u="sng" dirty="0">
+              <a:solidFill>
+                <a:schemeClr val="accent6">
+                  <a:lumMod val="75000"/>
+                </a:schemeClr>
+              </a:solidFill>
+            </a:endParaRPr>
+          </a:p>
+          <a:p>
+            <a:pPr marL="742950" lvl="1" indent="-285750">
+              <a:buFont typeface="Arial" panose="020B0604020202020204" pitchFamily="34" charset="0"/>
+              <a:buChar char="•"/>
+            </a:pPr>
+            <a:r>
+              <a:rPr lang="en-US" sz="2800" dirty="0" smtClean="0"/>
+              <a:t>Model Binding</a:t>
+            </a:r>
+          </a:p>
+          <a:p>
+            <a:pPr marL="742950" lvl="1" indent="-285750">
+              <a:buFont typeface="Arial" panose="020B0604020202020204" pitchFamily="34" charset="0"/>
+              <a:buChar char="•"/>
+            </a:pPr>
+            <a:r>
+              <a:rPr lang="en-US" sz="2800" dirty="0"/>
+              <a:t>Dependency Injection</a:t>
+            </a:r>
+          </a:p>
+        </p:txBody>
+      </p:sp>
+    </p:spTree>
+    <p:extLst>
+      <p:ext uri="{BB962C8B-B14F-4D97-AF65-F5344CB8AC3E}">
+        <p14:creationId xmlns:p14="http://schemas.microsoft.com/office/powerpoint/2010/main" val="2598737488"/>
+      </p:ext>
+    </p:extLst>
+  </p:cSld>
+  <p:clrMapOvr>
+    <a:masterClrMapping/>
+  </p:clrMapOvr>
+  <p:transition spd="slow">
+    <p:wipe/>
+  </p:transition>
+  <p:timing>
+    <p:tnLst>
+      <p:par>
+        <p:cTn id="1" dur="indefinite" restart="never" nodeType="tmRoot">
+          <p:childTnLst>
+            <p:seq concurrent="1" nextAc="seek">
+              <p:cTn id="2" dur="indefinite" nodeType="mainSeq">
+                <p:childTnLst>
+                  <p:par>
+                    <p:cTn id="3" fill="hold">
+                      <p:stCondLst>
+                        <p:cond delay="indefinite"/>
+                        <p:cond evt="onBegin" delay="0">
+                          <p:tn val="2"/>
+                        </p:cond>
+                      </p:stCondLst>
+                      <p:childTnLst>
+                        <p:par>
+                          <p:cTn id="4" fill="hold">
+                            <p:stCondLst>
+                              <p:cond delay="0"/>
+                            </p:stCondLst>
+                            <p:childTnLst>
+                              <p:par>
+                                <p:cTn id="5" presetID="10" presetClass="entr" presetSubtype="0" fill="hold" grpId="0" nodeType="afterEffect">
+                                  <p:stCondLst>
+                                    <p:cond delay="0"/>
+                                  </p:stCondLst>
+                                  <p:childTnLst>
+                                    <p:set>
+                                      <p:cBhvr>
+                                        <p:cTn id="6" dur="1" fill="hold">
+                                          <p:stCondLst>
+                                            <p:cond delay="0"/>
+                                          </p:stCondLst>
+                                        </p:cTn>
+                                        <p:tgtEl>
+                                          <p:spTgt spid="27">
+                                            <p:txEl>
+                                              <p:pRg st="0" end="0"/>
+                                            </p:txEl>
+                                          </p:spTgt>
+                                        </p:tgtEl>
+                                        <p:attrNameLst>
+                                          <p:attrName>style.visibility</p:attrName>
+                                        </p:attrNameLst>
+                                      </p:cBhvr>
+                                      <p:to>
+                                        <p:strVal val="visible"/>
+                                      </p:to>
+                                    </p:set>
+                                    <p:animEffect transition="in" filter="fade">
+                                      <p:cBhvr>
+                                        <p:cTn id="7" dur="1000"/>
+                                        <p:tgtEl>
+                                          <p:spTgt spid="27">
+                                            <p:txEl>
+                                              <p:pRg st="0" end="0"/>
+                                            </p:txEl>
+                                          </p:spTgt>
+                                        </p:tgtEl>
+                                      </p:cBhvr>
+                                    </p:animEffect>
+                                  </p:childTnLst>
+                                </p:cTn>
+                              </p:par>
+                            </p:childTnLst>
+                          </p:cTn>
+                        </p:par>
+                      </p:childTnLst>
+                    </p:cTn>
+                  </p:par>
+                </p:childTnLst>
+              </p:cTn>
+              <p:prevCondLst>
+                <p:cond evt="onPrev" delay="0">
+                  <p:tgtEl>
+                    <p:sldTgt/>
+                  </p:tgtEl>
+                </p:cond>
+              </p:prevCondLst>
+              <p:nextCondLst>
+                <p:cond evt="onNext" delay="0">
+                  <p:tgtEl>
+                    <p:sldTgt/>
+                  </p:tgtEl>
+                </p:cond>
+              </p:nextCondLst>
+            </p:seq>
+          </p:childTnLst>
+        </p:cTn>
+      </p:par>
+    </p:tnLst>
+    <p:bldLst>
+      <p:bldP spid="27" grpId="0" build="p"/>
+    </p:bldLst>
+  </p:timing>
+</p:sld>
+</file>
+
+<file path=ppt/slides/slide16.xml><?xml version="1.0" encoding="utf-8"?>
+<p:sld xmlns:a="http://schemas.openxmlformats.org/drawingml/2006/main" xmlns:r="http://schemas.openxmlformats.org/officeDocument/2006/relationships" xmlns:p="http://schemas.openxmlformats.org/presentationml/2006/main">
+  <p:cSld>
+    <p:spTree>
+      <p:nvGrpSpPr>
+        <p:cNvPr id="1" name=""/>
+        <p:cNvGrpSpPr/>
+        <p:nvPr/>
+      </p:nvGrpSpPr>
+      <p:grpSpPr>
+        <a:xfrm>
+          <a:off x="0" y="0"/>
+          <a:ext cx="0" cy="0"/>
+          <a:chOff x="0" y="0"/>
+          <a:chExt cx="0" cy="0"/>
+        </a:xfrm>
+      </p:grpSpPr>
+      <p:sp>
+        <p:nvSpPr>
+          <p:cNvPr id="15" name="TextBox 14"/>
+          <p:cNvSpPr txBox="1"/>
+          <p:nvPr/>
+        </p:nvSpPr>
+        <p:spPr>
+          <a:xfrm>
+            <a:off x="0" y="533400"/>
+            <a:ext cx="4343400" cy="461665"/>
+          </a:xfrm>
+          <a:prstGeom prst="rect">
+            <a:avLst/>
+          </a:prstGeom>
+          <a:solidFill>
+            <a:schemeClr val="tx1">
+              <a:lumMod val="95000"/>
+              <a:lumOff val="5000"/>
+              <a:alpha val="55000"/>
+            </a:schemeClr>
+          </a:solidFill>
+        </p:spPr>
+        <p:txBody>
+          <a:bodyPr wrap="square" rtlCol="0" anchor="ctr" anchorCtr="0">
+            <a:normAutofit/>
+          </a:bodyPr>
+          <a:lstStyle/>
+          <a:p>
+            <a:r>
+              <a:rPr lang="en-US" sz="2400" dirty="0" smtClean="0">
+                <a:solidFill>
+                  <a:schemeClr val="bg1"/>
+                </a:solidFill>
+              </a:rPr>
+              <a:t>Filters</a:t>
+            </a:r>
+            <a:endParaRPr lang="en-US" sz="2400" b="1" dirty="0">
+              <a:solidFill>
+                <a:schemeClr val="bg1"/>
+              </a:solidFill>
+            </a:endParaRPr>
+          </a:p>
+        </p:txBody>
+      </p:sp>
+      <p:sp>
+        <p:nvSpPr>
+          <p:cNvPr id="4" name="Text Placeholder 2"/>
+          <p:cNvSpPr txBox="1">
+            <a:spLocks/>
+          </p:cNvSpPr>
+          <p:nvPr/>
+        </p:nvSpPr>
+        <p:spPr>
+          <a:xfrm rot="5400000">
+            <a:off x="5682853" y="2939653"/>
+            <a:ext cx="6400800" cy="521494"/>
+          </a:xfrm>
+          <a:prstGeom prst="rect">
+            <a:avLst/>
+          </a:prstGeom>
+        </p:spPr>
+        <p:txBody>
+          <a:bodyPr>
+            <a:noAutofit/>
+          </a:bodyPr>
+          <a:lstStyle>
+            <a:lvl1pPr marL="342900" indent="-342900" algn="l" defTabSz="914400" rtl="0" eaLnBrk="1" latinLnBrk="0" hangingPunct="1">
+              <a:spcBef>
+                <a:spcPct val="20000"/>
+              </a:spcBef>
+              <a:buFont typeface="Arial" pitchFamily="34" charset="0"/>
+              <a:buChar char="•"/>
+              <a:defRPr sz="3200" kern="1200">
+                <a:solidFill>
+                  <a:schemeClr val="tx1"/>
+                </a:solidFill>
+                <a:latin typeface="+mn-lt"/>
+                <a:ea typeface="+mn-ea"/>
+                <a:cs typeface="+mn-cs"/>
+              </a:defRPr>
+            </a:lvl1pPr>
+            <a:lvl2pPr marL="742950" indent="-285750" algn="l" defTabSz="914400" rtl="0" eaLnBrk="1" latinLnBrk="0" hangingPunct="1">
+              <a:spcBef>
+                <a:spcPct val="20000"/>
+              </a:spcBef>
+              <a:buFont typeface="Arial" pitchFamily="34" charset="0"/>
+              <a:buChar char="–"/>
+              <a:defRPr sz="2800" kern="1200">
+                <a:solidFill>
+                  <a:schemeClr val="tx1"/>
+                </a:solidFill>
+                <a:latin typeface="+mn-lt"/>
+                <a:ea typeface="+mn-ea"/>
+                <a:cs typeface="+mn-cs"/>
+              </a:defRPr>
+            </a:lvl2pPr>
+            <a:lvl3pPr marL="1143000" indent="-228600" algn="l" defTabSz="914400" rtl="0" eaLnBrk="1" latinLnBrk="0" hangingPunct="1">
+              <a:spcBef>
+                <a:spcPct val="20000"/>
+              </a:spcBef>
+              <a:buFont typeface="Arial" pitchFamily="34" charset="0"/>
+              <a:buChar char="•"/>
+              <a:defRPr sz="2400" kern="1200">
+                <a:solidFill>
+                  <a:schemeClr val="tx1"/>
+                </a:solidFill>
+                <a:latin typeface="+mn-lt"/>
+                <a:ea typeface="+mn-ea"/>
+                <a:cs typeface="+mn-cs"/>
+              </a:defRPr>
+            </a:lvl3pPr>
+            <a:lvl4pPr marL="1600200" indent="-228600" algn="l" defTabSz="914400" rtl="0" eaLnBrk="1" latinLnBrk="0" hangingPunct="1">
+              <a:spcBef>
+                <a:spcPct val="20000"/>
+              </a:spcBef>
+              <a:buFont typeface="Arial" pitchFamily="34" charset="0"/>
+              <a:buChar char="–"/>
+              <a:defRPr sz="2000" kern="1200">
+                <a:solidFill>
+                  <a:schemeClr val="tx1"/>
+                </a:solidFill>
+                <a:latin typeface="+mn-lt"/>
+                <a:ea typeface="+mn-ea"/>
+                <a:cs typeface="+mn-cs"/>
+              </a:defRPr>
+            </a:lvl4pPr>
+            <a:lvl5pPr marL="2057400" indent="-228600" algn="l" defTabSz="914400" rtl="0" eaLnBrk="1" latinLnBrk="0" hangingPunct="1">
+              <a:spcBef>
+                <a:spcPct val="20000"/>
+              </a:spcBef>
+              <a:buFont typeface="Arial" pitchFamily="34" charset="0"/>
+              <a:buChar char="»"/>
+              <a:defRPr sz="2000" kern="1200">
+                <a:solidFill>
+                  <a:schemeClr val="tx1"/>
+                </a:solidFill>
+                <a:latin typeface="+mn-lt"/>
+                <a:ea typeface="+mn-ea"/>
+                <a:cs typeface="+mn-cs"/>
+              </a:defRPr>
+            </a:lvl5pPr>
+            <a:lvl6pPr marL="2514600" indent="-228600" algn="l" defTabSz="914400" rtl="0" eaLnBrk="1" latinLnBrk="0" hangingPunct="1">
+              <a:spcBef>
+                <a:spcPct val="20000"/>
+              </a:spcBef>
+              <a:buFont typeface="Arial" pitchFamily="34" charset="0"/>
+              <a:buChar char="•"/>
+              <a:defRPr sz="2000" kern="1200">
+                <a:solidFill>
+                  <a:schemeClr val="tx1"/>
+                </a:solidFill>
+                <a:latin typeface="+mn-lt"/>
+                <a:ea typeface="+mn-ea"/>
+                <a:cs typeface="+mn-cs"/>
+              </a:defRPr>
+            </a:lvl6pPr>
+            <a:lvl7pPr marL="2971800" indent="-228600" algn="l" defTabSz="914400" rtl="0" eaLnBrk="1" latinLnBrk="0" hangingPunct="1">
+              <a:spcBef>
+                <a:spcPct val="20000"/>
+              </a:spcBef>
+              <a:buFont typeface="Arial" pitchFamily="34" charset="0"/>
+              <a:buChar char="•"/>
+              <a:defRPr sz="2000" kern="1200">
+                <a:solidFill>
+                  <a:schemeClr val="tx1"/>
+                </a:solidFill>
+                <a:latin typeface="+mn-lt"/>
+                <a:ea typeface="+mn-ea"/>
+                <a:cs typeface="+mn-cs"/>
+              </a:defRPr>
+            </a:lvl7pPr>
+            <a:lvl8pPr marL="3429000" indent="-228600" algn="l" defTabSz="914400" rtl="0" eaLnBrk="1" latinLnBrk="0" hangingPunct="1">
+              <a:spcBef>
+                <a:spcPct val="20000"/>
+              </a:spcBef>
+              <a:buFont typeface="Arial" pitchFamily="34" charset="0"/>
+              <a:buChar char="•"/>
+              <a:defRPr sz="2000" kern="1200">
+                <a:solidFill>
+                  <a:schemeClr val="tx1"/>
+                </a:solidFill>
+                <a:latin typeface="+mn-lt"/>
+                <a:ea typeface="+mn-ea"/>
+                <a:cs typeface="+mn-cs"/>
+              </a:defRPr>
+            </a:lvl8pPr>
+            <a:lvl9pPr marL="3886200" indent="-228600" algn="l" defTabSz="914400" rtl="0" eaLnBrk="1" latinLnBrk="0" hangingPunct="1">
+              <a:spcBef>
+                <a:spcPct val="20000"/>
+              </a:spcBef>
+              <a:buFont typeface="Arial" pitchFamily="34" charset="0"/>
+              <a:buChar char="•"/>
+              <a:defRPr sz="2000" kern="1200">
+                <a:solidFill>
+                  <a:schemeClr val="tx1"/>
+                </a:solidFill>
+                <a:latin typeface="+mn-lt"/>
+                <a:ea typeface="+mn-ea"/>
+                <a:cs typeface="+mn-cs"/>
+              </a:defRPr>
+            </a:lvl9pPr>
+          </a:lstStyle>
+          <a:p>
+            <a:pPr>
+              <a:buFont typeface="Arial" pitchFamily="34" charset="0"/>
+              <a:buNone/>
+            </a:pPr>
+            <a:endParaRPr lang="en-US" b="1" dirty="0"/>
+          </a:p>
+        </p:txBody>
+      </p:sp>
+      <p:sp>
+        <p:nvSpPr>
+          <p:cNvPr id="5" name="TextBox 4"/>
+          <p:cNvSpPr txBox="1"/>
+          <p:nvPr/>
+        </p:nvSpPr>
+        <p:spPr>
+          <a:xfrm>
+            <a:off x="304800" y="1280279"/>
+            <a:ext cx="8001000" cy="3970318"/>
+          </a:xfrm>
+          <a:prstGeom prst="rect">
+            <a:avLst/>
+          </a:prstGeom>
+          <a:noFill/>
+        </p:spPr>
+        <p:txBody>
+          <a:bodyPr wrap="square" rtlCol="0">
+            <a:spAutoFit/>
+          </a:bodyPr>
+          <a:lstStyle/>
+          <a:p>
+            <a:pPr marL="571500" indent="-571500">
+              <a:buFont typeface="Arial" panose="020B0604020202020204" pitchFamily="34" charset="0"/>
+              <a:buChar char="•"/>
+            </a:pPr>
+            <a:r>
+              <a:rPr lang="en-US" sz="3600" dirty="0" smtClean="0"/>
+              <a:t>Act as a way to use AOP</a:t>
+            </a:r>
+          </a:p>
+          <a:p>
+            <a:pPr marL="571500" indent="-571500">
+              <a:buFont typeface="Arial" panose="020B0604020202020204" pitchFamily="34" charset="0"/>
+              <a:buChar char="•"/>
+            </a:pPr>
+            <a:r>
+              <a:rPr lang="en-US" sz="3600" dirty="0" smtClean="0"/>
+              <a:t>Can be applied to:</a:t>
+            </a:r>
+          </a:p>
+          <a:p>
+            <a:pPr marL="1028700" lvl="1" indent="-571500">
+              <a:buFont typeface="Arial" panose="020B0604020202020204" pitchFamily="34" charset="0"/>
+              <a:buChar char="•"/>
+            </a:pPr>
+            <a:r>
+              <a:rPr lang="en-US" sz="3600" dirty="0" smtClean="0"/>
+              <a:t>Globally</a:t>
+            </a:r>
+          </a:p>
+          <a:p>
+            <a:pPr marL="1028700" lvl="1" indent="-571500">
+              <a:buFont typeface="Arial" panose="020B0604020202020204" pitchFamily="34" charset="0"/>
+              <a:buChar char="•"/>
+            </a:pPr>
+            <a:r>
+              <a:rPr lang="en-US" sz="3600" dirty="0" smtClean="0"/>
+              <a:t>Controller</a:t>
+            </a:r>
+          </a:p>
+          <a:p>
+            <a:pPr marL="1028700" lvl="1" indent="-571500">
+              <a:buFont typeface="Arial" panose="020B0604020202020204" pitchFamily="34" charset="0"/>
+              <a:buChar char="•"/>
+            </a:pPr>
+            <a:r>
+              <a:rPr lang="en-US" sz="3600" dirty="0" smtClean="0"/>
+              <a:t>Action</a:t>
+            </a:r>
+            <a:endParaRPr lang="en-US" sz="3600" dirty="0"/>
+          </a:p>
+          <a:p>
+            <a:endParaRPr lang="en-US" sz="3600" dirty="0">
+              <a:solidFill>
+                <a:schemeClr val="accent6">
+                  <a:lumMod val="75000"/>
+                </a:schemeClr>
+              </a:solidFill>
+            </a:endParaRPr>
+          </a:p>
+          <a:p>
+            <a:r>
+              <a:rPr lang="en-US" sz="3600" dirty="0"/>
+              <a:t>Demo </a:t>
+            </a:r>
+            <a:r>
+              <a:rPr lang="en-US" sz="3600" dirty="0" smtClean="0"/>
+              <a:t>Time</a:t>
+            </a:r>
+            <a:endParaRPr lang="en-US" sz="3600" dirty="0"/>
+          </a:p>
+        </p:txBody>
+      </p:sp>
+    </p:spTree>
+    <p:extLst>
+      <p:ext uri="{BB962C8B-B14F-4D97-AF65-F5344CB8AC3E}">
+        <p14:creationId xmlns:p14="http://schemas.microsoft.com/office/powerpoint/2010/main" val="2923553973"/>
+      </p:ext>
+    </p:extLst>
+  </p:cSld>
+  <p:clrMapOvr>
+    <a:masterClrMapping/>
+  </p:clrMapOvr>
+  <p:transition spd="slow">
+    <p:wipe/>
+  </p:transition>
+  <p:timing>
+    <p:tnLst>
+      <p:par>
+        <p:cTn id="1" dur="indefinite" restart="never" nodeType="tmRoot">
+          <p:childTnLst>
+            <p:seq concurrent="1" nextAc="seek">
+              <p:cTn id="2" dur="indefinite" nodeType="mainSeq">
+                <p:childTnLst>
+                  <p:par>
+                    <p:cTn id="3" fill="hold">
+                      <p:stCondLst>
+                        <p:cond delay="indefinite"/>
+                        <p:cond evt="onBegin" delay="0">
+                          <p:tn val="2"/>
+                        </p:cond>
+                      </p:stCondLst>
+                      <p:childTnLst>
+                        <p:par>
+                          <p:cTn id="4" fill="hold">
+                            <p:stCondLst>
+                              <p:cond delay="0"/>
+                            </p:stCondLst>
+                            <p:childTnLst>
+                              <p:par>
+                                <p:cTn id="5" presetID="2" presetClass="entr" presetSubtype="8" fill="hold" grpId="0" nodeType="afterEffect">
+                                  <p:stCondLst>
+                                    <p:cond delay="100"/>
+                                  </p:stCondLst>
+                                  <p:childTnLst>
+                                    <p:set>
+                                      <p:cBhvr>
+                                        <p:cTn id="6" dur="1" fill="hold">
+                                          <p:stCondLst>
+                                            <p:cond delay="0"/>
+                                          </p:stCondLst>
+                                        </p:cTn>
+                                        <p:tgtEl>
+                                          <p:spTgt spid="15"/>
+                                        </p:tgtEl>
+                                        <p:attrNameLst>
+                                          <p:attrName>style.visibility</p:attrName>
+                                        </p:attrNameLst>
+                                      </p:cBhvr>
+                                      <p:to>
+                                        <p:strVal val="visible"/>
+                                      </p:to>
+                                    </p:set>
+                                    <p:anim calcmode="lin" valueType="num">
+                                      <p:cBhvr additive="base">
+                                        <p:cTn id="7" dur="500" fill="hold"/>
+                                        <p:tgtEl>
+                                          <p:spTgt spid="15"/>
+                                        </p:tgtEl>
+                                        <p:attrNameLst>
+                                          <p:attrName>ppt_x</p:attrName>
+                                        </p:attrNameLst>
+                                      </p:cBhvr>
+                                      <p:tavLst>
+                                        <p:tav tm="0">
+                                          <p:val>
+                                            <p:strVal val="0-#ppt_w/2"/>
+                                          </p:val>
+                                        </p:tav>
+                                        <p:tav tm="100000">
+                                          <p:val>
+                                            <p:strVal val="#ppt_x"/>
+                                          </p:val>
+                                        </p:tav>
+                                      </p:tavLst>
+                                    </p:anim>
+                                    <p:anim calcmode="lin" valueType="num">
+                                      <p:cBhvr additive="base">
+                                        <p:cTn id="8" dur="500" fill="hold"/>
+                                        <p:tgtEl>
+                                          <p:spTgt spid="15"/>
+                                        </p:tgtEl>
+                                        <p:attrNameLst>
+                                          <p:attrName>ppt_y</p:attrName>
+                                        </p:attrNameLst>
+                                      </p:cBhvr>
+                                      <p:tavLst>
+                                        <p:tav tm="0">
+                                          <p:val>
+                                            <p:strVal val="#ppt_y"/>
+                                          </p:val>
+                                        </p:tav>
+                                        <p:tav tm="100000">
+                                          <p:val>
+                                            <p:strVal val="#ppt_y"/>
+                                          </p:val>
+                                        </p:tav>
+                                      </p:tavLst>
+                                    </p:anim>
+                                  </p:childTnLst>
+                                </p:cTn>
+                              </p:par>
+                            </p:childTnLst>
+                          </p:cTn>
+                        </p:par>
+                        <p:par>
+                          <p:cTn id="9" fill="hold">
+                            <p:stCondLst>
+                              <p:cond delay="600"/>
+                            </p:stCondLst>
+                            <p:childTnLst>
+                              <p:par>
+                                <p:cTn id="10" presetID="10" presetClass="entr" presetSubtype="0" fill="hold" grpId="0" nodeType="afterEffect" nodePh="1">
+                                  <p:stCondLst>
+                                    <p:cond delay="0"/>
+                                  </p:stCondLst>
+                                  <p:endCondLst>
+                                    <p:cond evt="begin" delay="0">
+                                      <p:tn val="10"/>
+                                    </p:cond>
+                                  </p:endCondLst>
+                                  <p:childTnLst>
+                                    <p:set>
+                                      <p:cBhvr>
+                                        <p:cTn id="11" dur="1" fill="hold">
+                                          <p:stCondLst>
+                                            <p:cond delay="0"/>
+                                          </p:stCondLst>
+                                        </p:cTn>
+                                        <p:tgtEl>
+                                          <p:spTgt spid="4">
+                                            <p:txEl>
+                                              <p:pRg st="0" end="0"/>
+                                            </p:txEl>
+                                          </p:spTgt>
+                                        </p:tgtEl>
+                                        <p:attrNameLst>
+                                          <p:attrName>style.visibility</p:attrName>
+                                        </p:attrNameLst>
+                                      </p:cBhvr>
+                                      <p:to>
+                                        <p:strVal val="visible"/>
+                                      </p:to>
+                                    </p:set>
+                                    <p:animEffect transition="in" filter="fade">
+                                      <p:cBhvr>
+                                        <p:cTn id="12" dur="1000"/>
+                                        <p:tgtEl>
+                                          <p:spTgt spid="4">
+                                            <p:txEl>
+                                              <p:pRg st="0" end="0"/>
+                                            </p:txEl>
+                                          </p:spTgt>
+                                        </p:tgtEl>
+                                      </p:cBhvr>
+                                    </p:animEffect>
+                                  </p:childTnLst>
+                                </p:cTn>
+                              </p:par>
+                            </p:childTnLst>
+                          </p:cTn>
+                        </p:par>
+                      </p:childTnLst>
+                    </p:cTn>
+                  </p:par>
+                  <p:par>
+                    <p:cTn id="13" fill="hold">
+                      <p:stCondLst>
+                        <p:cond delay="indefinite"/>
+                      </p:stCondLst>
+                      <p:childTnLst>
+                        <p:par>
+                          <p:cTn id="14" fill="hold">
+                            <p:stCondLst>
+                              <p:cond delay="0"/>
+                            </p:stCondLst>
+                            <p:childTnLst>
+                              <p:par>
+                                <p:cTn id="15" presetID="10" presetClass="entr" presetSubtype="0" fill="hold" nodeType="clickEffect">
+                                  <p:stCondLst>
+                                    <p:cond delay="0"/>
+                                  </p:stCondLst>
+                                  <p:childTnLst>
+                                    <p:set>
+                                      <p:cBhvr>
+                                        <p:cTn id="16" dur="1" fill="hold">
+                                          <p:stCondLst>
+                                            <p:cond delay="0"/>
+                                          </p:stCondLst>
+                                        </p:cTn>
+                                        <p:tgtEl>
+                                          <p:spTgt spid="5">
+                                            <p:txEl>
+                                              <p:pRg st="6" end="6"/>
+                                            </p:txEl>
+                                          </p:spTgt>
+                                        </p:tgtEl>
+                                        <p:attrNameLst>
+                                          <p:attrName>style.visibility</p:attrName>
+                                        </p:attrNameLst>
+                                      </p:cBhvr>
+                                      <p:to>
+                                        <p:strVal val="visible"/>
+                                      </p:to>
+                                    </p:set>
+                                    <p:animEffect transition="in" filter="fade">
+                                      <p:cBhvr>
+                                        <p:cTn id="17" dur="500"/>
+                                        <p:tgtEl>
+                                          <p:spTgt spid="5">
+                                            <p:txEl>
+                                              <p:pRg st="6" end="6"/>
                                             </p:txEl>
                                           </p:spTgt>
                                         </p:tgtEl>
@@ -20458,9 +21273,10 @@
               <a:buChar char="•"/>
             </a:pPr>
             <a:r>
-              <a:rPr lang="en-US" sz="2800" dirty="0"/>
-              <a:t>Controllers</a:t>
-            </a:r>
+              <a:rPr lang="en-US" sz="2800" dirty="0" smtClean="0"/>
+              <a:t>Actions</a:t>
+            </a:r>
+            <a:endParaRPr lang="en-US" sz="2800" dirty="0"/>
           </a:p>
           <a:p>
             <a:pPr marL="742950" lvl="1" indent="-285750">
@@ -20469,7 +21285,7 @@
             </a:pPr>
             <a:r>
               <a:rPr lang="en-US" sz="2800" dirty="0"/>
-              <a:t>Actions</a:t>
+              <a:t>Routing</a:t>
             </a:r>
           </a:p>
           <a:p>
@@ -20478,8 +21294,8 @@
               <a:buChar char="•"/>
             </a:pPr>
             <a:r>
-              <a:rPr lang="en-US" sz="2800" dirty="0"/>
-              <a:t>Routing</a:t>
+              <a:rPr lang="en-US" sz="2800" dirty="0" smtClean="0"/>
+              <a:t>Filters</a:t>
             </a:r>
           </a:p>
           <a:p>
@@ -20495,8 +21311,25 @@
                   </a:schemeClr>
                 </a:solidFill>
               </a:rPr>
-              <a:t>Filters</a:t>
-            </a:r>
+              <a:t>Model </a:t>
+            </a:r>
+            <a:r>
+              <a:rPr lang="en-US" sz="2800" u="sng" dirty="0" smtClean="0">
+                <a:solidFill>
+                  <a:schemeClr val="accent6">
+                    <a:lumMod val="75000"/>
+                  </a:schemeClr>
+                </a:solidFill>
+              </a:rPr>
+              <a:t>Binding</a:t>
+            </a:r>
+            <a:endParaRPr lang="en-US" sz="2800" u="sng" dirty="0">
+              <a:solidFill>
+                <a:schemeClr val="accent6">
+                  <a:lumMod val="75000"/>
+                </a:schemeClr>
+              </a:solidFill>
+            </a:endParaRPr>
           </a:p>
           <a:p>
             <a:pPr marL="742950" lvl="1" indent="-285750">
@@ -20504,16 +21337,17 @@
               <a:buChar char="•"/>
             </a:pPr>
             <a:r>
-              <a:rPr lang="en-US" sz="2800" dirty="0"/>
-              <a:t>Extend It</a:t>
-            </a:r>
+              <a:rPr lang="en-US" sz="2800" dirty="0" smtClean="0"/>
+              <a:t>Dependency Injection</a:t>
+            </a:r>
+            <a:endParaRPr lang="en-US" sz="2800" dirty="0"/>
           </a:p>
         </p:txBody>
       </p:sp>
     </p:spTree>
     <p:extLst>
       <p:ext uri="{BB962C8B-B14F-4D97-AF65-F5344CB8AC3E}">
-        <p14:creationId xmlns:p14="http://schemas.microsoft.com/office/powerpoint/2010/main" val="2598737488"/>
+        <p14:creationId xmlns:p14="http://schemas.microsoft.com/office/powerpoint/2010/main" val="467979337"/>
       </p:ext>
     </p:extLst>
   </p:cSld>
@@ -20674,7 +21508,7 @@
                   <a:schemeClr val="bg1"/>
                 </a:solidFill>
               </a:rPr>
-              <a:t>Filters</a:t>
+              <a:t>Model Binding</a:t>
             </a:r>
             <a:endParaRPr lang="en-US" sz="2400" b="1" dirty="0">
               <a:solidFill>
@@ -20860,7 +21694,7 @@
         <p:spPr>
           <a:xfrm>
             <a:off x="304800" y="1280279"/>
-            <a:ext cx="8001000" cy="1754326"/>
+            <a:ext cx="8001000" cy="5139869"/>
           </a:xfrm>
           <a:prstGeom prst="rect">
             <a:avLst/>
@@ -20873,16 +21707,87 @@
           </a:bodyPr>
           <a:lstStyle/>
           <a:p>
-            <a:r>
-              <a:rPr lang="en-US" sz="3600" dirty="0" smtClean="0">
-                <a:solidFill>
-                  <a:schemeClr val="accent6">
-                    <a:lumMod val="75000"/>
-                  </a:schemeClr>
-                </a:solidFill>
-              </a:rPr>
-              <a:t>FILL THIS OUT</a:t>
-            </a:r>
+            <a:pPr marL="571500" indent="-571500">
+              <a:buFont typeface="Arial" panose="020B0604020202020204" pitchFamily="34" charset="0"/>
+              <a:buChar char="•"/>
+            </a:pPr>
+            <a:r>
+              <a:rPr lang="en-US" sz="3600" dirty="0" smtClean="0"/>
+              <a:t>Transforms </a:t>
+            </a:r>
+            <a:r>
+              <a:rPr lang="en-US" sz="3600" dirty="0" smtClean="0"/>
+              <a:t>to </a:t>
+            </a:r>
+            <a:r>
+              <a:rPr lang="en-US" sz="3600" dirty="0" smtClean="0"/>
+              <a:t>a underlying </a:t>
+            </a:r>
+            <a:r>
+              <a:rPr lang="en-US" sz="3600" dirty="0" smtClean="0"/>
+              <a:t>Type</a:t>
+            </a:r>
+          </a:p>
+          <a:p>
+            <a:pPr marL="1028700" lvl="1" indent="-571500">
+              <a:buFont typeface="Arial" panose="020B0604020202020204" pitchFamily="34" charset="0"/>
+              <a:buChar char="•"/>
+            </a:pPr>
+            <a:r>
+              <a:rPr lang="en-US" sz="2400" dirty="0" smtClean="0"/>
+              <a:t>Useful for form submission</a:t>
+            </a:r>
+            <a:endParaRPr lang="en-US" sz="2400" dirty="0"/>
+          </a:p>
+          <a:p>
+            <a:pPr marL="571500" indent="-571500">
+              <a:buFont typeface="Arial" panose="020B0604020202020204" pitchFamily="34" charset="0"/>
+              <a:buChar char="•"/>
+            </a:pPr>
+            <a:r>
+              <a:rPr lang="en-US" sz="3600" dirty="0" smtClean="0"/>
+              <a:t>Allows for validation on the Model</a:t>
+            </a:r>
+            <a:endParaRPr lang="en-US" sz="2800" dirty="0"/>
+          </a:p>
+          <a:p>
+            <a:pPr marL="571500" indent="-571500">
+              <a:buFont typeface="Arial" panose="020B0604020202020204" pitchFamily="34" charset="0"/>
+              <a:buChar char="•"/>
+            </a:pPr>
+            <a:r>
+              <a:rPr lang="en-US" sz="3600" dirty="0" smtClean="0"/>
+              <a:t>Allows for Under-Posting/Over-Posting</a:t>
+            </a:r>
+            <a:endParaRPr lang="en-US" sz="3600" dirty="0"/>
+          </a:p>
+          <a:p>
+            <a:pPr marL="571500" indent="-571500">
+              <a:buFont typeface="Arial" panose="020B0604020202020204" pitchFamily="34" charset="0"/>
+              <a:buChar char="•"/>
+            </a:pPr>
+            <a:endParaRPr lang="en-US" sz="2800" dirty="0" smtClean="0"/>
+          </a:p>
+          <a:p>
+            <a:pPr marL="571500" indent="-571500">
+              <a:buFont typeface="Arial" panose="020B0604020202020204" pitchFamily="34" charset="0"/>
+              <a:buChar char="•"/>
+            </a:pPr>
+            <a:endParaRPr lang="en-US" sz="2800" dirty="0"/>
+          </a:p>
+          <a:p>
+            <a:pPr marL="571500" indent="-571500">
+              <a:buFont typeface="Arial" panose="020B0604020202020204" pitchFamily="34" charset="0"/>
+              <a:buChar char="•"/>
+            </a:pPr>
+            <a:endParaRPr lang="en-US" sz="2800" dirty="0" smtClean="0"/>
+          </a:p>
+          <a:p>
+            <a:pPr marL="571500" indent="-571500">
+              <a:buFont typeface="Arial" panose="020B0604020202020204" pitchFamily="34" charset="0"/>
+              <a:buChar char="•"/>
+            </a:pPr>
+            <a:endParaRPr lang="en-US" sz="2800" dirty="0"/>
           </a:p>
           <a:p>
             <a:endParaRPr lang="en-US" sz="3600" dirty="0">
@@ -20896,20 +21801,15 @@
           <a:p>
             <a:r>
               <a:rPr lang="en-US" sz="3600" dirty="0"/>
-              <a:t>Demo </a:t>
-            </a:r>
-            <a:r>
-              <a:rPr lang="en-US" sz="3600" dirty="0" smtClean="0"/>
-              <a:t>Time</a:t>
-            </a:r>
-            <a:endParaRPr lang="en-US" sz="3600" dirty="0"/>
+              <a:t>Demo Time</a:t>
+            </a:r>
           </a:p>
         </p:txBody>
       </p:sp>
     </p:spTree>
     <p:extLst>
       <p:ext uri="{BB962C8B-B14F-4D97-AF65-F5344CB8AC3E}">
-        <p14:creationId xmlns:p14="http://schemas.microsoft.com/office/powerpoint/2010/main" val="2923553973"/>
+        <p14:creationId xmlns:p14="http://schemas.microsoft.com/office/powerpoint/2010/main" val="3092387920"/>
       </p:ext>
     </p:extLst>
   </p:cSld>
@@ -21167,7 +22067,7 @@
                                         <p:tgtEl>
                                           <p:spTgt spid="5">
                                             <p:txEl>
-                                              <p:pRg st="2" end="2"/>
+                                              <p:pRg st="1" end="1"/>
                                             </p:txEl>
                                           </p:spTgt>
                                         </p:tgtEl>
@@ -21185,7 +22085,190 @@
                                         <p:tgtEl>
                                           <p:spTgt spid="5">
                                             <p:txEl>
+                                              <p:pRg st="1" end="1"/>
+                                            </p:txEl>
+                                          </p:spTgt>
+                                        </p:tgtEl>
+                                      </p:cBhvr>
+                                    </p:animEffect>
+                                  </p:childTnLst>
+                                </p:cTn>
+                              </p:par>
+                            </p:childTnLst>
+                          </p:cTn>
+                        </p:par>
+                      </p:childTnLst>
+                    </p:cTn>
+                  </p:par>
+                  <p:par>
+                    <p:cTn id="23" fill="hold">
+                      <p:stCondLst>
+                        <p:cond delay="indefinite"/>
+                      </p:stCondLst>
+                      <p:childTnLst>
+                        <p:par>
+                          <p:cTn id="24" fill="hold">
+                            <p:stCondLst>
+                              <p:cond delay="0"/>
+                            </p:stCondLst>
+                            <p:childTnLst>
+                              <p:par>
+                                <p:cTn id="25" presetID="10" presetClass="entr" presetSubtype="0" fill="hold" nodeType="clickEffect">
+                                  <p:stCondLst>
+                                    <p:cond delay="0"/>
+                                  </p:stCondLst>
+                                  <p:childTnLst>
+                                    <p:set>
+                                      <p:cBhvr>
+                                        <p:cTn id="26" dur="1" fill="hold">
+                                          <p:stCondLst>
+                                            <p:cond delay="0"/>
+                                          </p:stCondLst>
+                                        </p:cTn>
+                                        <p:tgtEl>
+                                          <p:spTgt spid="5">
+                                            <p:txEl>
                                               <p:pRg st="2" end="2"/>
+                                            </p:txEl>
+                                          </p:spTgt>
+                                        </p:tgtEl>
+                                        <p:attrNameLst>
+                                          <p:attrName>style.visibility</p:attrName>
+                                        </p:attrNameLst>
+                                      </p:cBhvr>
+                                      <p:to>
+                                        <p:strVal val="visible"/>
+                                      </p:to>
+                                    </p:set>
+                                    <p:animEffect transition="in" filter="fade">
+                                      <p:cBhvr>
+                                        <p:cTn id="27" dur="500"/>
+                                        <p:tgtEl>
+                                          <p:spTgt spid="5">
+                                            <p:txEl>
+                                              <p:pRg st="2" end="2"/>
+                                            </p:txEl>
+                                          </p:spTgt>
+                                        </p:tgtEl>
+                                      </p:cBhvr>
+                                    </p:animEffect>
+                                  </p:childTnLst>
+                                </p:cTn>
+                              </p:par>
+                            </p:childTnLst>
+                          </p:cTn>
+                        </p:par>
+                      </p:childTnLst>
+                    </p:cTn>
+                  </p:par>
+                  <p:par>
+                    <p:cTn id="28" fill="hold">
+                      <p:stCondLst>
+                        <p:cond delay="indefinite"/>
+                      </p:stCondLst>
+                      <p:childTnLst>
+                        <p:par>
+                          <p:cTn id="29" fill="hold">
+                            <p:stCondLst>
+                              <p:cond delay="0"/>
+                            </p:stCondLst>
+                            <p:childTnLst>
+                              <p:par>
+                                <p:cTn id="30" presetID="10" presetClass="entr" presetSubtype="0" fill="hold" nodeType="clickEffect">
+                                  <p:stCondLst>
+                                    <p:cond delay="0"/>
+                                  </p:stCondLst>
+                                  <p:childTnLst>
+                                    <p:set>
+                                      <p:cBhvr>
+                                        <p:cTn id="31" dur="1" fill="hold">
+                                          <p:stCondLst>
+                                            <p:cond delay="0"/>
+                                          </p:stCondLst>
+                                        </p:cTn>
+                                        <p:tgtEl>
+                                          <p:spTgt spid="5">
+                                            <p:txEl>
+                                              <p:pRg st="3" end="3"/>
+                                            </p:txEl>
+                                          </p:spTgt>
+                                        </p:tgtEl>
+                                        <p:attrNameLst>
+                                          <p:attrName>style.visibility</p:attrName>
+                                        </p:attrNameLst>
+                                      </p:cBhvr>
+                                      <p:to>
+                                        <p:strVal val="visible"/>
+                                      </p:to>
+                                    </p:set>
+                                    <p:animEffect transition="in" filter="fade">
+                                      <p:cBhvr>
+                                        <p:cTn id="32" dur="500"/>
+                                        <p:tgtEl>
+                                          <p:spTgt spid="5">
+                                            <p:txEl>
+                                              <p:pRg st="3" end="3"/>
+                                            </p:txEl>
+                                          </p:spTgt>
+                                        </p:tgtEl>
+                                      </p:cBhvr>
+                                    </p:animEffect>
+                                  </p:childTnLst>
+                                </p:cTn>
+                              </p:par>
+                            </p:childTnLst>
+                          </p:cTn>
+                        </p:par>
+                      </p:childTnLst>
+                    </p:cTn>
+                  </p:par>
+                  <p:par>
+                    <p:cTn id="33" fill="hold">
+                      <p:stCondLst>
+                        <p:cond delay="indefinite"/>
+                      </p:stCondLst>
+                      <p:childTnLst>
+                        <p:par>
+                          <p:cTn id="34" fill="hold">
+                            <p:stCondLst>
+                              <p:cond delay="0"/>
+                            </p:stCondLst>
+                            <p:childTnLst>
+                              <p:par>
+                                <p:cTn id="35" presetID="10" presetClass="entr" presetSubtype="0" fill="hold" nodeType="clickEffect">
+                                  <p:stCondLst>
+                                    <p:cond delay="0"/>
+                                  </p:stCondLst>
+                                  <p:childTnLst>
+                                    <p:set>
+                                      <p:cBhvr>
+                                        <p:cTn id="36" dur="1" fill="hold">
+                                          <p:stCondLst>
+                                            <p:cond delay="0"/>
+                                          </p:stCondLst>
+                                        </p:cTn>
+                                        <p:tgtEl>
+                                          <p:spTgt spid="5">
+                                            <p:txEl>
+                                              <p:pRg st="9" end="9"/>
+                                            </p:txEl>
+                                          </p:spTgt>
+                                        </p:tgtEl>
+                                        <p:attrNameLst>
+                                          <p:attrName>style.visibility</p:attrName>
+                                        </p:attrNameLst>
+                                      </p:cBhvr>
+                                      <p:to>
+                                        <p:strVal val="visible"/>
+                                      </p:to>
+                                    </p:set>
+                                    <p:animEffect transition="in" filter="fade">
+                                      <p:cBhvr>
+                                        <p:cTn id="37" dur="500"/>
+                                        <p:tgtEl>
+                                          <p:spTgt spid="5">
+                                            <p:txEl>
+                                              <p:pRg st="9" end="9"/>
                                             </p:txEl>
                                           </p:spTgt>
                                         </p:tgtEl>
@@ -21533,9 +22616,10 @@
               <a:buChar char="•"/>
             </a:pPr>
             <a:r>
-              <a:rPr lang="en-US" sz="2800" dirty="0"/>
-              <a:t>Controllers</a:t>
-            </a:r>
+              <a:rPr lang="en-US" sz="2800" dirty="0" smtClean="0"/>
+              <a:t>Actions</a:t>
+            </a:r>
+            <a:endParaRPr lang="en-US" sz="2800" dirty="0"/>
           </a:p>
           <a:p>
             <a:pPr marL="742950" lvl="1" indent="-285750">
@@ -21544,7 +22628,7 @@
             </a:pPr>
             <a:r>
               <a:rPr lang="en-US" sz="2800" dirty="0"/>
-              <a:t>Actions</a:t>
+              <a:t>Routing</a:t>
             </a:r>
           </a:p>
           <a:p>
@@ -21553,8 +22637,8 @@
               <a:buChar char="•"/>
             </a:pPr>
             <a:r>
-              <a:rPr lang="en-US" sz="2800" dirty="0"/>
-              <a:t>Routing</a:t>
+              <a:rPr lang="en-US" sz="2800" dirty="0" smtClean="0"/>
+              <a:t>Filters</a:t>
             </a:r>
           </a:p>
           <a:p>
@@ -21564,8 +22648,13 @@
             </a:pPr>
             <a:r>
               <a:rPr lang="en-US" sz="2800" dirty="0"/>
-              <a:t>Filters</a:t>
-            </a:r>
+              <a:t>Model </a:t>
+            </a:r>
+            <a:r>
+              <a:rPr lang="en-US" sz="2800" dirty="0" smtClean="0"/>
+              <a:t>Binding</a:t>
+            </a:r>
+            <a:endParaRPr lang="en-US" sz="2800" dirty="0"/>
           </a:p>
           <a:p>
             <a:pPr marL="742950" lvl="1" indent="-285750">
@@ -21573,15 +22662,22 @@
               <a:buChar char="•"/>
             </a:pPr>
             <a:r>
-              <a:rPr lang="en-US" sz="2800" u="sng" dirty="0">
+              <a:rPr lang="en-US" sz="2800" u="sng" dirty="0" smtClean="0">
                 <a:solidFill>
                   <a:schemeClr val="accent6">
                     <a:lumMod val="75000"/>
                   </a:schemeClr>
                 </a:solidFill>
               </a:rPr>
-              <a:t>Extend It</a:t>
-            </a:r>
+              <a:t>Dependency Injection</a:t>
+            </a:r>
+            <a:endParaRPr lang="en-US" sz="2800" u="sng" dirty="0">
+              <a:solidFill>
+                <a:schemeClr val="accent6">
+                  <a:lumMod val="75000"/>
+                </a:schemeClr>
+              </a:solidFill>
+            </a:endParaRPr>
           </a:p>
         </p:txBody>
       </p:sp>
@@ -21895,7 +22991,7 @@
         <p:spPr>
           <a:xfrm>
             <a:off x="228600" y="381000"/>
-            <a:ext cx="8077200" cy="5755422"/>
+            <a:ext cx="8077200" cy="5324535"/>
           </a:xfrm>
           <a:prstGeom prst="rect">
             <a:avLst/>
@@ -21977,13 +23073,8 @@
             </a:pPr>
             <a:r>
               <a:rPr lang="en-US" sz="3600" dirty="0" smtClean="0"/>
-              <a:t>How </a:t>
-            </a:r>
-            <a:r>
-              <a:rPr lang="en-US" sz="3600" dirty="0" smtClean="0"/>
-              <a:t>do I?</a:t>
-            </a:r>
-            <a:endParaRPr lang="en-US" sz="3600" dirty="0" smtClean="0"/>
+              <a:t>How do I?</a:t>
+            </a:r>
           </a:p>
           <a:p>
             <a:pPr marL="742950" lvl="1" indent="-285750">
@@ -22002,7 +23093,7 @@
             </a:pPr>
             <a:r>
               <a:rPr lang="en-US" sz="2800" dirty="0" smtClean="0"/>
-              <a:t>Controllers</a:t>
+              <a:t>Actions</a:t>
             </a:r>
           </a:p>
           <a:p>
@@ -22012,7 +23103,7 @@
             </a:pPr>
             <a:r>
               <a:rPr lang="en-US" sz="2800" dirty="0" smtClean="0"/>
-              <a:t>Actions</a:t>
+              <a:t>Routing</a:t>
             </a:r>
           </a:p>
           <a:p>
@@ -22022,7 +23113,7 @@
             </a:pPr>
             <a:r>
               <a:rPr lang="en-US" sz="2800" dirty="0" smtClean="0"/>
-              <a:t>Routing</a:t>
+              <a:t>Model Binding</a:t>
             </a:r>
           </a:p>
           <a:p>
@@ -22031,20 +23122,9 @@
               <a:buChar char="•"/>
             </a:pPr>
             <a:r>
-              <a:rPr lang="en-US" sz="2800" dirty="0" smtClean="0"/>
-              <a:t>Filters</a:t>
-            </a:r>
-          </a:p>
-          <a:p>
-            <a:pPr marL="742950" lvl="1" indent="-285750">
-              <a:buFont typeface="Arial" panose="020B0604020202020204" pitchFamily="34" charset="0"/>
-              <a:buChar char="•"/>
-            </a:pPr>
-            <a:r>
-              <a:rPr lang="en-US" sz="2800" dirty="0" smtClean="0"/>
-              <a:t>Extend It</a:t>
-            </a:r>
-            <a:endParaRPr lang="en-US" sz="2800" dirty="0" smtClean="0"/>
+              <a:rPr lang="en-US" sz="2800" dirty="0"/>
+              <a:t>Dependency Injection</a:t>
+            </a:r>
           </a:p>
         </p:txBody>
       </p:sp>
@@ -22202,12 +23282,12 @@
           <a:lstStyle/>
           <a:p>
             <a:r>
-              <a:rPr lang="en-US" sz="2400" dirty="0" err="1" smtClean="0">
+              <a:rPr lang="en-US" sz="2400" dirty="0" smtClean="0">
                 <a:solidFill>
                   <a:schemeClr val="bg1"/>
                 </a:solidFill>
               </a:rPr>
-              <a:t>Extensiblity</a:t>
+              <a:t>Dependency Injection</a:t>
             </a:r>
             <a:endParaRPr lang="en-US" sz="2400" b="1" dirty="0">
               <a:solidFill>
@@ -22393,7 +23473,7 @@
         <p:spPr>
           <a:xfrm>
             <a:off x="304800" y="1280279"/>
-            <a:ext cx="8001000" cy="1754326"/>
+            <a:ext cx="8001000" cy="6063198"/>
           </a:xfrm>
           <a:prstGeom prst="rect">
             <a:avLst/>
@@ -22406,16 +23486,63 @@
           </a:bodyPr>
           <a:lstStyle/>
           <a:p>
-            <a:r>
-              <a:rPr lang="en-US" sz="3600" dirty="0" smtClean="0">
-                <a:solidFill>
-                  <a:schemeClr val="accent6">
-                    <a:lumMod val="75000"/>
-                  </a:schemeClr>
-                </a:solidFill>
-              </a:rPr>
-              <a:t>FILL THIS OUT</a:t>
-            </a:r>
+            <a:pPr marL="571500" indent="-571500">
+              <a:buFont typeface="Arial" panose="020B0604020202020204" pitchFamily="34" charset="0"/>
+              <a:buChar char="•"/>
+            </a:pPr>
+            <a:r>
+              <a:rPr lang="en-US" sz="3600" dirty="0" smtClean="0"/>
+              <a:t>Extensible points for Dependency Resolution</a:t>
+            </a:r>
+          </a:p>
+          <a:p>
+            <a:pPr marL="571500" indent="-571500">
+              <a:buFont typeface="Arial" panose="020B0604020202020204" pitchFamily="34" charset="0"/>
+              <a:buChar char="•"/>
+            </a:pPr>
+            <a:r>
+              <a:rPr lang="en-US" sz="3600" dirty="0" smtClean="0"/>
+              <a:t>Can use any </a:t>
+            </a:r>
+            <a:r>
+              <a:rPr lang="en-US" sz="3600" dirty="0" err="1" smtClean="0"/>
+              <a:t>IoC</a:t>
+            </a:r>
+            <a:r>
+              <a:rPr lang="en-US" sz="3600" dirty="0" smtClean="0"/>
+              <a:t> container</a:t>
+            </a:r>
+          </a:p>
+          <a:p>
+            <a:pPr marL="1028700" lvl="1" indent="-571500">
+              <a:buFont typeface="Arial" panose="020B0604020202020204" pitchFamily="34" charset="0"/>
+              <a:buChar char="•"/>
+            </a:pPr>
+            <a:r>
+              <a:rPr lang="en-US" sz="2800" dirty="0" smtClean="0"/>
+              <a:t>We will use </a:t>
+            </a:r>
+            <a:r>
+              <a:rPr lang="en-US" sz="2800" dirty="0" err="1" smtClean="0"/>
+              <a:t>ninject</a:t>
+            </a:r>
+            <a:endParaRPr lang="en-US" sz="2800" dirty="0" smtClean="0"/>
+          </a:p>
+          <a:p>
+            <a:pPr marL="571500" indent="-571500">
+              <a:buFont typeface="Arial" panose="020B0604020202020204" pitchFamily="34" charset="0"/>
+              <a:buChar char="•"/>
+            </a:pPr>
+            <a:endParaRPr lang="en-US" sz="2800" dirty="0"/>
+          </a:p>
+          <a:p>
+            <a:endParaRPr lang="en-US" sz="3600" dirty="0" smtClean="0">
+              <a:solidFill>
+                <a:schemeClr val="accent6">
+                  <a:lumMod val="75000"/>
+                </a:schemeClr>
+              </a:solidFill>
+            </a:endParaRPr>
           </a:p>
           <a:p>
             <a:endParaRPr lang="en-US" sz="3600" dirty="0">
@@ -22427,15 +23554,37 @@
             </a:endParaRPr>
           </a:p>
           <a:p>
+            <a:endParaRPr lang="en-US" sz="3600" dirty="0" smtClean="0">
+              <a:solidFill>
+                <a:schemeClr val="accent6">
+                  <a:lumMod val="75000"/>
+                </a:schemeClr>
+              </a:solidFill>
+            </a:endParaRPr>
+          </a:p>
+          <a:p>
+            <a:endParaRPr lang="en-US" sz="3600" dirty="0">
+              <a:solidFill>
+                <a:schemeClr val="accent6">
+                  <a:lumMod val="75000"/>
+                </a:schemeClr>
+              </a:solidFill>
+            </a:endParaRPr>
+          </a:p>
+          <a:p>
+            <a:endParaRPr lang="en-US" sz="3600" dirty="0">
+              <a:solidFill>
+                <a:schemeClr val="accent6">
+                  <a:lumMod val="75000"/>
+                </a:schemeClr>
+              </a:solidFill>
+            </a:endParaRPr>
+          </a:p>
+          <a:p>
             <a:r>
               <a:rPr lang="en-US" sz="3600" dirty="0"/>
-              <a:t>Demo </a:t>
-            </a:r>
-            <a:r>
-              <a:rPr lang="en-US" sz="3600" dirty="0" smtClean="0"/>
-              <a:t>Time</a:t>
-            </a:r>
-            <a:endParaRPr lang="en-US" sz="3600" dirty="0"/>
+              <a:t>Demo Time</a:t>
+            </a:r>
           </a:p>
         </p:txBody>
       </p:sp>
@@ -22700,7 +23849,7 @@
                                         <p:tgtEl>
                                           <p:spTgt spid="5">
                                             <p:txEl>
-                                              <p:pRg st="2" end="2"/>
+                                              <p:pRg st="1" end="1"/>
                                             </p:txEl>
                                           </p:spTgt>
                                         </p:tgtEl>
@@ -22718,7 +23867,129 @@
                                         <p:tgtEl>
                                           <p:spTgt spid="5">
                                             <p:txEl>
+                                              <p:pRg st="1" end="1"/>
+                                            </p:txEl>
+                                          </p:spTgt>
+                                        </p:tgtEl>
+                                      </p:cBhvr>
+                                    </p:animEffect>
+                                  </p:childTnLst>
+                                </p:cTn>
+                              </p:par>
+                            </p:childTnLst>
+                          </p:cTn>
+                        </p:par>
+                      </p:childTnLst>
+                    </p:cTn>
+                  </p:par>
+                  <p:par>
+                    <p:cTn id="23" fill="hold">
+                      <p:stCondLst>
+                        <p:cond delay="indefinite"/>
+                      </p:stCondLst>
+                      <p:childTnLst>
+                        <p:par>
+                          <p:cTn id="24" fill="hold">
+                            <p:stCondLst>
+                              <p:cond delay="0"/>
+                            </p:stCondLst>
+                            <p:childTnLst>
+                              <p:par>
+                                <p:cTn id="25" presetID="10" presetClass="entr" presetSubtype="0" fill="hold" nodeType="clickEffect">
+                                  <p:stCondLst>
+                                    <p:cond delay="0"/>
+                                  </p:stCondLst>
+                                  <p:childTnLst>
+                                    <p:set>
+                                      <p:cBhvr>
+                                        <p:cTn id="26" dur="1" fill="hold">
+                                          <p:stCondLst>
+                                            <p:cond delay="0"/>
+                                          </p:stCondLst>
+                                        </p:cTn>
+                                        <p:tgtEl>
+                                          <p:spTgt spid="5">
+                                            <p:txEl>
                                               <p:pRg st="2" end="2"/>
+                                            </p:txEl>
+                                          </p:spTgt>
+                                        </p:tgtEl>
+                                        <p:attrNameLst>
+                                          <p:attrName>style.visibility</p:attrName>
+                                        </p:attrNameLst>
+                                      </p:cBhvr>
+                                      <p:to>
+                                        <p:strVal val="visible"/>
+                                      </p:to>
+                                    </p:set>
+                                    <p:animEffect transition="in" filter="fade">
+                                      <p:cBhvr>
+                                        <p:cTn id="27" dur="500"/>
+                                        <p:tgtEl>
+                                          <p:spTgt spid="5">
+                                            <p:txEl>
+                                              <p:pRg st="2" end="2"/>
+                                            </p:txEl>
+                                          </p:spTgt>
+                                        </p:tgtEl>
+                                      </p:cBhvr>
+                                    </p:animEffect>
+                                  </p:childTnLst>
+                                </p:cTn>
+                              </p:par>
+                            </p:childTnLst>
+                          </p:cTn>
+                        </p:par>
+                      </p:childTnLst>
+                    </p:cTn>
+                  </p:par>
+                  <p:par>
+                    <p:cTn id="28" fill="hold">
+                      <p:stCondLst>
+                        <p:cond delay="indefinite"/>
+                      </p:stCondLst>
+                      <p:childTnLst>
+                        <p:par>
+                          <p:cTn id="29" fill="hold">
+                            <p:stCondLst>
+                              <p:cond delay="0"/>
+                            </p:stCondLst>
+                            <p:childTnLst>
+                              <p:par>
+                                <p:cTn id="30" presetID="10" presetClass="entr" presetSubtype="0" fill="hold" nodeType="clickEffect">
+                                  <p:stCondLst>
+                                    <p:cond delay="0"/>
+                                  </p:stCondLst>
+                                  <p:childTnLst>
+                                    <p:set>
+                                      <p:cBhvr>
+                                        <p:cTn id="31" dur="1" fill="hold">
+                                          <p:stCondLst>
+                                            <p:cond delay="0"/>
+                                          </p:stCondLst>
+                                        </p:cTn>
+                                        <p:tgtEl>
+                                          <p:spTgt spid="5">
+                                            <p:txEl>
+                                              <p:pRg st="9" end="9"/>
+                                            </p:txEl>
+                                          </p:spTgt>
+                                        </p:tgtEl>
+                                        <p:attrNameLst>
+                                          <p:attrName>style.visibility</p:attrName>
+                                        </p:attrNameLst>
+                                      </p:cBhvr>
+                                      <p:to>
+                                        <p:strVal val="visible"/>
+                                      </p:to>
+                                    </p:set>
+                                    <p:animEffect transition="in" filter="fade">
+                                      <p:cBhvr>
+                                        <p:cTn id="32" dur="500"/>
+                                        <p:tgtEl>
+                                          <p:spTgt spid="5">
+                                            <p:txEl>
+                                              <p:pRg st="9" end="9"/>
                                             </p:txEl>
                                           </p:spTgt>
                                         </p:tgtEl>
@@ -22864,7 +24135,7 @@
           <a:p>
             <a:r>
               <a:rPr lang="en-US" sz="2400" dirty="0" smtClean="0"/>
-              <a:t>It’s a framework which allows building HTTP services easy and pain free</a:t>
+              <a:t>It’s a framework which makes building HTTP services easy and pain free</a:t>
             </a:r>
           </a:p>
           <a:p>
@@ -25504,7 +26775,11 @@
             </a:pPr>
             <a:r>
               <a:rPr lang="en-US" sz="2800" dirty="0"/>
-              <a:t>Hosting Options</a:t>
+              <a:t>Hosting </a:t>
+            </a:r>
+            <a:r>
+              <a:rPr lang="en-US" sz="2800" dirty="0" smtClean="0"/>
+              <a:t>Options</a:t>
             </a:r>
           </a:p>
           <a:p>
@@ -25513,9 +26788,10 @@
               <a:buChar char="•"/>
             </a:pPr>
             <a:r>
-              <a:rPr lang="en-US" sz="2800" dirty="0"/>
-              <a:t>Controllers</a:t>
-            </a:r>
+              <a:rPr lang="en-US" sz="2800" dirty="0" smtClean="0"/>
+              <a:t>Actions</a:t>
+            </a:r>
+            <a:endParaRPr lang="en-US" sz="2800" dirty="0"/>
           </a:p>
           <a:p>
             <a:pPr marL="742950" lvl="1" indent="-285750">
@@ -25523,8 +26799,8 @@
               <a:buChar char="•"/>
             </a:pPr>
             <a:r>
-              <a:rPr lang="en-US" sz="2800" dirty="0"/>
-              <a:t>Actions</a:t>
+              <a:rPr lang="en-US" sz="2800" dirty="0" smtClean="0"/>
+              <a:t>Routing</a:t>
             </a:r>
           </a:p>
           <a:p>
@@ -25533,8 +26809,8 @@
               <a:buChar char="•"/>
             </a:pPr>
             <a:r>
-              <a:rPr lang="en-US" sz="2800" dirty="0"/>
-              <a:t>Routing</a:t>
+              <a:rPr lang="en-US" sz="2800" dirty="0" smtClean="0"/>
+              <a:t>Model Binding</a:t>
             </a:r>
           </a:p>
           <a:p>
@@ -25544,7 +26820,7 @@
             </a:pPr>
             <a:r>
               <a:rPr lang="en-US" sz="2800" dirty="0"/>
-              <a:t>Filters</a:t>
+              <a:t>Dependency Injection</a:t>
             </a:r>
           </a:p>
           <a:p>
@@ -25552,10 +26828,7 @@
               <a:buFont typeface="Arial" panose="020B0604020202020204" pitchFamily="34" charset="0"/>
               <a:buChar char="•"/>
             </a:pPr>
-            <a:r>
-              <a:rPr lang="en-US" sz="2800" dirty="0"/>
-              <a:t>Extend It</a:t>
-            </a:r>
+            <a:endParaRPr lang="en-US" sz="2800" dirty="0"/>
           </a:p>
         </p:txBody>
       </p:sp>
@@ -28375,9 +29648,10 @@
               <a:buChar char="•"/>
             </a:pPr>
             <a:r>
-              <a:rPr lang="en-US" sz="2800" dirty="0"/>
-              <a:t>Controllers</a:t>
-            </a:r>
+              <a:rPr lang="en-US" sz="2800" dirty="0" smtClean="0"/>
+              <a:t>Actions</a:t>
+            </a:r>
+            <a:endParaRPr lang="en-US" sz="2800" dirty="0"/>
           </a:p>
           <a:p>
             <a:pPr marL="742950" lvl="1" indent="-285750">
@@ -28386,7 +29660,7 @@
             </a:pPr>
             <a:r>
               <a:rPr lang="en-US" sz="2800" dirty="0"/>
-              <a:t>Actions</a:t>
+              <a:t>Routing</a:t>
             </a:r>
           </a:p>
           <a:p>
@@ -28395,8 +29669,8 @@
               <a:buChar char="•"/>
             </a:pPr>
             <a:r>
-              <a:rPr lang="en-US" sz="2800" dirty="0"/>
-              <a:t>Routing</a:t>
+              <a:rPr lang="en-US" sz="2800" dirty="0" smtClean="0"/>
+              <a:t>Filters</a:t>
             </a:r>
           </a:p>
           <a:p>
@@ -28406,7 +29680,7 @@
             </a:pPr>
             <a:r>
               <a:rPr lang="en-US" sz="2800" dirty="0"/>
-              <a:t>Filters</a:t>
+              <a:t>Model Binding</a:t>
             </a:r>
           </a:p>
           <a:p>
@@ -28416,7 +29690,7 @@
             </a:pPr>
             <a:r>
               <a:rPr lang="en-US" sz="2800" dirty="0"/>
-              <a:t>Extend It</a:t>
+              <a:t>Dependency Injection</a:t>
             </a:r>
           </a:p>
         </p:txBody>

--- a/Demo.WebApi.pptx
+++ b/Demo.WebApi.pptx
@@ -5,10 +5,10 @@
     <p:sldMasterId id="2147483648" r:id="rId1"/>
   </p:sldMasterIdLst>
   <p:notesMasterIdLst>
-    <p:notesMasterId r:id="rId22"/>
+    <p:notesMasterId r:id="rId25"/>
   </p:notesMasterIdLst>
   <p:handoutMasterIdLst>
-    <p:handoutMasterId r:id="rId23"/>
+    <p:handoutMasterId r:id="rId26"/>
   </p:handoutMasterIdLst>
   <p:sldIdLst>
     <p:sldId id="306" r:id="rId2"/>
@@ -16,24 +16,27 @@
     <p:sldId id="312" r:id="rId4"/>
     <p:sldId id="316" r:id="rId5"/>
     <p:sldId id="320" r:id="rId6"/>
-    <p:sldId id="319" r:id="rId7"/>
-    <p:sldId id="317" r:id="rId8"/>
-    <p:sldId id="321" r:id="rId9"/>
-    <p:sldId id="322" r:id="rId10"/>
-    <p:sldId id="323" r:id="rId11"/>
-    <p:sldId id="326" r:id="rId12"/>
-    <p:sldId id="327" r:id="rId13"/>
-    <p:sldId id="328" r:id="rId14"/>
-    <p:sldId id="331" r:id="rId15"/>
-    <p:sldId id="332" r:id="rId16"/>
-    <p:sldId id="333" r:id="rId17"/>
-    <p:sldId id="336" r:id="rId18"/>
-    <p:sldId id="337" r:id="rId19"/>
-    <p:sldId id="334" r:id="rId20"/>
-    <p:sldId id="335" r:id="rId21"/>
+    <p:sldId id="340" r:id="rId7"/>
+    <p:sldId id="319" r:id="rId8"/>
+    <p:sldId id="317" r:id="rId9"/>
+    <p:sldId id="338" r:id="rId10"/>
+    <p:sldId id="339" r:id="rId11"/>
+    <p:sldId id="321" r:id="rId12"/>
+    <p:sldId id="322" r:id="rId13"/>
+    <p:sldId id="323" r:id="rId14"/>
+    <p:sldId id="326" r:id="rId15"/>
+    <p:sldId id="327" r:id="rId16"/>
+    <p:sldId id="328" r:id="rId17"/>
+    <p:sldId id="331" r:id="rId18"/>
+    <p:sldId id="332" r:id="rId19"/>
+    <p:sldId id="333" r:id="rId20"/>
+    <p:sldId id="336" r:id="rId21"/>
+    <p:sldId id="337" r:id="rId22"/>
+    <p:sldId id="334" r:id="rId23"/>
+    <p:sldId id="335" r:id="rId24"/>
   </p:sldIdLst>
   <p:sldSz cx="9144000" cy="6858000" type="screen4x3"/>
-  <p:notesSz cx="6858000" cy="9144000"/>
+  <p:notesSz cx="7077075" cy="9363075"/>
   <p:defaultTextStyle>
     <a:defPPr>
       <a:defRPr lang="en-US"/>
@@ -146,12 +149,12 @@
     </p:ext>
     <p:ext uri="{2D200454-40CA-4A62-9FC3-DE9A4176ACB9}">
       <p15:notesGuideLst xmlns:p15="http://schemas.microsoft.com/office/powerpoint/2012/main">
-        <p15:guide id="1" orient="horz" pos="2880">
+        <p15:guide id="1" orient="horz" pos="2949" userDrawn="1">
           <p15:clr>
             <a:srgbClr val="A4A3A4"/>
           </p15:clr>
         </p15:guide>
-        <p15:guide id="2" pos="2160">
+        <p15:guide id="2" pos="2229" userDrawn="1">
           <p15:clr>
             <a:srgbClr val="A4A3A4"/>
           </p15:clr>
@@ -197,14 +200,14 @@
         <p:spPr>
           <a:xfrm>
             <a:off x="0" y="0"/>
-            <a:ext cx="2971800" cy="457200"/>
+            <a:ext cx="3066733" cy="468154"/>
           </a:xfrm>
           <a:prstGeom prst="rect">
             <a:avLst/>
           </a:prstGeom>
         </p:spPr>
         <p:txBody>
-          <a:bodyPr vert="horz" lIns="91440" tIns="45720" rIns="91440" bIns="45720" rtlCol="0"/>
+          <a:bodyPr vert="horz" lIns="93936" tIns="46968" rIns="93936" bIns="46968" rtlCol="0"/>
           <a:lstStyle>
             <a:lvl1pPr algn="l">
               <a:defRPr sz="1200"/>
@@ -227,15 +230,15 @@
         </p:nvSpPr>
         <p:spPr>
           <a:xfrm>
-            <a:off x="3884613" y="0"/>
-            <a:ext cx="2971800" cy="457200"/>
+            <a:off x="4008705" y="0"/>
+            <a:ext cx="3066733" cy="468154"/>
           </a:xfrm>
           <a:prstGeom prst="rect">
             <a:avLst/>
           </a:prstGeom>
         </p:spPr>
         <p:txBody>
-          <a:bodyPr vert="horz" lIns="91440" tIns="45720" rIns="91440" bIns="45720" rtlCol="0"/>
+          <a:bodyPr vert="horz" lIns="93936" tIns="46968" rIns="93936" bIns="46968" rtlCol="0"/>
           <a:lstStyle>
             <a:lvl1pPr algn="r">
               <a:defRPr sz="1200"/>
@@ -244,7 +247,7 @@
           <a:p>
             <a:fld id="{744D7EC3-CD50-4DA5-B722-330229C0073D}" type="datetimeFigureOut">
               <a:rPr lang="en-US" smtClean="0"/>
-              <a:t>3/11/2013</a:t>
+              <a:t>3/13/2013</a:t>
             </a:fld>
             <a:endParaRPr lang="en-US"/>
           </a:p>
@@ -262,15 +265,15 @@
         </p:nvSpPr>
         <p:spPr>
           <a:xfrm>
-            <a:off x="0" y="8685213"/>
-            <a:ext cx="2971800" cy="457200"/>
+            <a:off x="0" y="8893296"/>
+            <a:ext cx="3066733" cy="468154"/>
           </a:xfrm>
           <a:prstGeom prst="rect">
             <a:avLst/>
           </a:prstGeom>
         </p:spPr>
         <p:txBody>
-          <a:bodyPr vert="horz" lIns="91440" tIns="45720" rIns="91440" bIns="45720" rtlCol="0" anchor="b"/>
+          <a:bodyPr vert="horz" lIns="93936" tIns="46968" rIns="93936" bIns="46968" rtlCol="0" anchor="b"/>
           <a:lstStyle>
             <a:lvl1pPr algn="l">
               <a:defRPr sz="1200"/>
@@ -293,15 +296,15 @@
         </p:nvSpPr>
         <p:spPr>
           <a:xfrm>
-            <a:off x="3884613" y="8685213"/>
-            <a:ext cx="2971800" cy="457200"/>
+            <a:off x="4008705" y="8893296"/>
+            <a:ext cx="3066733" cy="468154"/>
           </a:xfrm>
           <a:prstGeom prst="rect">
             <a:avLst/>
           </a:prstGeom>
         </p:spPr>
         <p:txBody>
-          <a:bodyPr vert="horz" lIns="91440" tIns="45720" rIns="91440" bIns="45720" rtlCol="0" anchor="b"/>
+          <a:bodyPr vert="horz" lIns="93936" tIns="46968" rIns="93936" bIns="46968" rtlCol="0" anchor="b"/>
           <a:lstStyle>
             <a:lvl1pPr algn="r">
               <a:defRPr sz="1200"/>
@@ -362,14 +365,14 @@
         <p:spPr>
           <a:xfrm>
             <a:off x="0" y="0"/>
-            <a:ext cx="2971800" cy="457200"/>
+            <a:ext cx="3066733" cy="468154"/>
           </a:xfrm>
           <a:prstGeom prst="rect">
             <a:avLst/>
           </a:prstGeom>
         </p:spPr>
         <p:txBody>
-          <a:bodyPr vert="horz" lIns="91440" tIns="45720" rIns="91440" bIns="45720" rtlCol="0"/>
+          <a:bodyPr vert="horz" lIns="93936" tIns="46968" rIns="93936" bIns="46968" rtlCol="0"/>
           <a:lstStyle>
             <a:lvl1pPr algn="l">
               <a:defRPr sz="1200"/>
@@ -392,15 +395,15 @@
         </p:nvSpPr>
         <p:spPr>
           <a:xfrm>
-            <a:off x="3884613" y="0"/>
-            <a:ext cx="2971800" cy="457200"/>
+            <a:off x="4008705" y="0"/>
+            <a:ext cx="3066733" cy="468154"/>
           </a:xfrm>
           <a:prstGeom prst="rect">
             <a:avLst/>
           </a:prstGeom>
         </p:spPr>
         <p:txBody>
-          <a:bodyPr vert="horz" lIns="91440" tIns="45720" rIns="91440" bIns="45720" rtlCol="0"/>
+          <a:bodyPr vert="horz" lIns="93936" tIns="46968" rIns="93936" bIns="46968" rtlCol="0"/>
           <a:lstStyle>
             <a:lvl1pPr algn="r">
               <a:defRPr sz="1200"/>
@@ -409,7 +412,7 @@
           <a:p>
             <a:fld id="{85BE0011-04E0-4F3F-BFCE-633C944A425A}" type="datetimeFigureOut">
               <a:rPr lang="en-US" smtClean="0"/>
-              <a:t>3/11/2013</a:t>
+              <a:t>3/13/2013</a:t>
             </a:fld>
             <a:endParaRPr lang="en-US"/>
           </a:p>
@@ -427,8 +430,8 @@
         </p:nvSpPr>
         <p:spPr>
           <a:xfrm>
-            <a:off x="1143000" y="685800"/>
-            <a:ext cx="4572000" cy="3429000"/>
+            <a:off x="1196975" y="701675"/>
+            <a:ext cx="4683125" cy="3511550"/>
           </a:xfrm>
           <a:prstGeom prst="rect">
             <a:avLst/>
@@ -441,7 +444,7 @@
           </a:ln>
         </p:spPr>
         <p:txBody>
-          <a:bodyPr vert="horz" lIns="91440" tIns="45720" rIns="91440" bIns="45720" rtlCol="0" anchor="ctr"/>
+          <a:bodyPr vert="horz" lIns="93936" tIns="46968" rIns="93936" bIns="46968" rtlCol="0" anchor="ctr"/>
           <a:lstStyle/>
           <a:p>
             <a:endParaRPr lang="en-US"/>
@@ -460,15 +463,15 @@
         </p:nvSpPr>
         <p:spPr>
           <a:xfrm>
-            <a:off x="685800" y="4343400"/>
-            <a:ext cx="5486400" cy="4114800"/>
+            <a:off x="707708" y="4447461"/>
+            <a:ext cx="5661660" cy="4213384"/>
           </a:xfrm>
           <a:prstGeom prst="rect">
             <a:avLst/>
           </a:prstGeom>
         </p:spPr>
         <p:txBody>
-          <a:bodyPr vert="horz" lIns="91440" tIns="45720" rIns="91440" bIns="45720" rtlCol="0"/>
+          <a:bodyPr vert="horz" lIns="93936" tIns="46968" rIns="93936" bIns="46968" rtlCol="0"/>
           <a:lstStyle/>
           <a:p>
             <a:pPr lvl="0"/>
@@ -520,15 +523,15 @@
         </p:nvSpPr>
         <p:spPr>
           <a:xfrm>
-            <a:off x="0" y="8685213"/>
-            <a:ext cx="2971800" cy="457200"/>
+            <a:off x="0" y="8893296"/>
+            <a:ext cx="3066733" cy="468154"/>
           </a:xfrm>
           <a:prstGeom prst="rect">
             <a:avLst/>
           </a:prstGeom>
         </p:spPr>
         <p:txBody>
-          <a:bodyPr vert="horz" lIns="91440" tIns="45720" rIns="91440" bIns="45720" rtlCol="0" anchor="b"/>
+          <a:bodyPr vert="horz" lIns="93936" tIns="46968" rIns="93936" bIns="46968" rtlCol="0" anchor="b"/>
           <a:lstStyle>
             <a:lvl1pPr algn="l">
               <a:defRPr sz="1200"/>
@@ -551,15 +554,15 @@
         </p:nvSpPr>
         <p:spPr>
           <a:xfrm>
-            <a:off x="3884613" y="8685213"/>
-            <a:ext cx="2971800" cy="457200"/>
+            <a:off x="4008705" y="8893296"/>
+            <a:ext cx="3066733" cy="468154"/>
           </a:xfrm>
           <a:prstGeom prst="rect">
             <a:avLst/>
           </a:prstGeom>
         </p:spPr>
         <p:txBody>
-          <a:bodyPr vert="horz" lIns="91440" tIns="45720" rIns="91440" bIns="45720" rtlCol="0" anchor="b"/>
+          <a:bodyPr vert="horz" lIns="93936" tIns="46968" rIns="93936" bIns="46968" rtlCol="0" anchor="b"/>
           <a:lstStyle>
             <a:lvl1pPr algn="r">
               <a:defRPr sz="1200"/>
@@ -721,29 +724,6 @@
           <a:bodyPr/>
           <a:lstStyle/>
           <a:p>
-            <a:pPr marL="0" marR="0" indent="0" algn="l" defTabSz="914400" rtl="0" eaLnBrk="1" fontAlgn="auto" latinLnBrk="0" hangingPunct="1">
-              <a:lnSpc>
-                <a:spcPct val="100000"/>
-              </a:lnSpc>
-              <a:spcBef>
-                <a:spcPts val="0"/>
-              </a:spcBef>
-              <a:spcAft>
-                <a:spcPts val="0"/>
-              </a:spcAft>
-              <a:buClrTx/>
-              <a:buSzTx/>
-              <a:buFontTx/>
-              <a:buNone/>
-              <a:tabLst/>
-              <a:defRPr/>
-            </a:pPr>
-            <a:r>
-              <a:rPr lang="en-US" dirty="0" smtClean="0"/>
-              <a:t>This template can be used as a starter file for a photo album.</a:t>
-            </a:r>
-          </a:p>
-          <a:p>
             <a:endParaRPr lang="en-US" dirty="0"/>
           </a:p>
         </p:txBody>
@@ -849,7 +829,7 @@
           <a:p>
             <a:fld id="{DD7D2AD7-BD31-48B9-8C8A-7D4EAE7F6485}" type="slidenum">
               <a:rPr lang="en-US" smtClean="0"/>
-              <a:t>16</a:t>
+              <a:t>13</a:t>
             </a:fld>
             <a:endParaRPr lang="en-US"/>
           </a:p>
@@ -858,7 +838,7 @@
     </p:spTree>
     <p:extLst>
       <p:ext uri="{BB962C8B-B14F-4D97-AF65-F5344CB8AC3E}">
-        <p14:creationId xmlns:p14="http://schemas.microsoft.com/office/powerpoint/2010/main" val="2201091621"/>
+        <p14:creationId xmlns:p14="http://schemas.microsoft.com/office/powerpoint/2010/main" val="2933639292"/>
       </p:ext>
     </p:extLst>
   </p:cSld>
@@ -933,7 +913,7 @@
           <a:p>
             <a:fld id="{DD7D2AD7-BD31-48B9-8C8A-7D4EAE7F6485}" type="slidenum">
               <a:rPr lang="en-US" smtClean="0"/>
-              <a:t>18</a:t>
+              <a:t>15</a:t>
             </a:fld>
             <a:endParaRPr lang="en-US"/>
           </a:p>
@@ -942,7 +922,7 @@
     </p:spTree>
     <p:extLst>
       <p:ext uri="{BB962C8B-B14F-4D97-AF65-F5344CB8AC3E}">
-        <p14:creationId xmlns:p14="http://schemas.microsoft.com/office/powerpoint/2010/main" val="2016289632"/>
+        <p14:creationId xmlns:p14="http://schemas.microsoft.com/office/powerpoint/2010/main" val="2582844064"/>
       </p:ext>
     </p:extLst>
   </p:cSld>
@@ -996,10 +976,6 @@
           <a:bodyPr/>
           <a:lstStyle/>
           <a:p>
-            <a:r>
-              <a:rPr lang="en-US" dirty="0" smtClean="0"/>
-              <a:t>http://www.asp.net/web-api/overview/extensibility/using-the-web-api-dependency-resolver</a:t>
-            </a:r>
             <a:endParaRPr lang="en-US" dirty="0"/>
           </a:p>
         </p:txBody>
@@ -1021,7 +997,263 @@
           <a:p>
             <a:fld id="{DD7D2AD7-BD31-48B9-8C8A-7D4EAE7F6485}" type="slidenum">
               <a:rPr lang="en-US" smtClean="0"/>
-              <a:t>20</a:t>
+              <a:t>17</a:t>
+            </a:fld>
+            <a:endParaRPr lang="en-US"/>
+          </a:p>
+        </p:txBody>
+      </p:sp>
+    </p:spTree>
+    <p:extLst>
+      <p:ext uri="{BB962C8B-B14F-4D97-AF65-F5344CB8AC3E}">
+        <p14:creationId xmlns:p14="http://schemas.microsoft.com/office/powerpoint/2010/main" val="3692701654"/>
+      </p:ext>
+    </p:extLst>
+  </p:cSld>
+  <p:clrMapOvr>
+    <a:masterClrMapping/>
+  </p:clrMapOvr>
+</p:notes>
+</file>
+
+<file path=ppt/notesSlides/notesSlide13.xml><?xml version="1.0" encoding="utf-8"?>
+<p:notes xmlns:a="http://schemas.openxmlformats.org/drawingml/2006/main" xmlns:r="http://schemas.openxmlformats.org/officeDocument/2006/relationships" xmlns:p="http://schemas.openxmlformats.org/presentationml/2006/main">
+  <p:cSld>
+    <p:spTree>
+      <p:nvGrpSpPr>
+        <p:cNvPr id="1" name=""/>
+        <p:cNvGrpSpPr/>
+        <p:nvPr/>
+      </p:nvGrpSpPr>
+      <p:grpSpPr>
+        <a:xfrm>
+          <a:off x="0" y="0"/>
+          <a:ext cx="0" cy="0"/>
+          <a:chOff x="0" y="0"/>
+          <a:chExt cx="0" cy="0"/>
+        </a:xfrm>
+      </p:grpSpPr>
+      <p:sp>
+        <p:nvSpPr>
+          <p:cNvPr id="2" name="Slide Image Placeholder 1"/>
+          <p:cNvSpPr>
+            <a:spLocks noGrp="1" noRot="1" noChangeAspect="1"/>
+          </p:cNvSpPr>
+          <p:nvPr>
+            <p:ph type="sldImg"/>
+          </p:nvPr>
+        </p:nvSpPr>
+        <p:spPr/>
+      </p:sp>
+      <p:sp>
+        <p:nvSpPr>
+          <p:cNvPr id="3" name="Notes Placeholder 2"/>
+          <p:cNvSpPr>
+            <a:spLocks noGrp="1"/>
+          </p:cNvSpPr>
+          <p:nvPr>
+            <p:ph type="body" idx="1"/>
+          </p:nvPr>
+        </p:nvSpPr>
+        <p:spPr/>
+        <p:txBody>
+          <a:bodyPr/>
+          <a:lstStyle/>
+          <a:p>
+            <a:endParaRPr lang="en-US" dirty="0"/>
+          </a:p>
+        </p:txBody>
+      </p:sp>
+      <p:sp>
+        <p:nvSpPr>
+          <p:cNvPr id="4" name="Slide Number Placeholder 3"/>
+          <p:cNvSpPr>
+            <a:spLocks noGrp="1"/>
+          </p:cNvSpPr>
+          <p:nvPr>
+            <p:ph type="sldNum" sz="quarter" idx="10"/>
+          </p:nvPr>
+        </p:nvSpPr>
+        <p:spPr/>
+        <p:txBody>
+          <a:bodyPr/>
+          <a:lstStyle/>
+          <a:p>
+            <a:fld id="{DD7D2AD7-BD31-48B9-8C8A-7D4EAE7F6485}" type="slidenum">
+              <a:rPr lang="en-US" smtClean="0"/>
+              <a:t>19</a:t>
+            </a:fld>
+            <a:endParaRPr lang="en-US"/>
+          </a:p>
+        </p:txBody>
+      </p:sp>
+    </p:spTree>
+    <p:extLst>
+      <p:ext uri="{BB962C8B-B14F-4D97-AF65-F5344CB8AC3E}">
+        <p14:creationId xmlns:p14="http://schemas.microsoft.com/office/powerpoint/2010/main" val="2201091621"/>
+      </p:ext>
+    </p:extLst>
+  </p:cSld>
+  <p:clrMapOvr>
+    <a:masterClrMapping/>
+  </p:clrMapOvr>
+</p:notes>
+</file>
+
+<file path=ppt/notesSlides/notesSlide14.xml><?xml version="1.0" encoding="utf-8"?>
+<p:notes xmlns:a="http://schemas.openxmlformats.org/drawingml/2006/main" xmlns:r="http://schemas.openxmlformats.org/officeDocument/2006/relationships" xmlns:p="http://schemas.openxmlformats.org/presentationml/2006/main">
+  <p:cSld>
+    <p:spTree>
+      <p:nvGrpSpPr>
+        <p:cNvPr id="1" name=""/>
+        <p:cNvGrpSpPr/>
+        <p:nvPr/>
+      </p:nvGrpSpPr>
+      <p:grpSpPr>
+        <a:xfrm>
+          <a:off x="0" y="0"/>
+          <a:ext cx="0" cy="0"/>
+          <a:chOff x="0" y="0"/>
+          <a:chExt cx="0" cy="0"/>
+        </a:xfrm>
+      </p:grpSpPr>
+      <p:sp>
+        <p:nvSpPr>
+          <p:cNvPr id="2" name="Slide Image Placeholder 1"/>
+          <p:cNvSpPr>
+            <a:spLocks noGrp="1" noRot="1" noChangeAspect="1"/>
+          </p:cNvSpPr>
+          <p:nvPr>
+            <p:ph type="sldImg"/>
+          </p:nvPr>
+        </p:nvSpPr>
+        <p:spPr/>
+      </p:sp>
+      <p:sp>
+        <p:nvSpPr>
+          <p:cNvPr id="3" name="Notes Placeholder 2"/>
+          <p:cNvSpPr>
+            <a:spLocks noGrp="1"/>
+          </p:cNvSpPr>
+          <p:nvPr>
+            <p:ph type="body" idx="1"/>
+          </p:nvPr>
+        </p:nvSpPr>
+        <p:spPr/>
+        <p:txBody>
+          <a:bodyPr/>
+          <a:lstStyle/>
+          <a:p>
+            <a:endParaRPr lang="en-US" dirty="0"/>
+          </a:p>
+        </p:txBody>
+      </p:sp>
+      <p:sp>
+        <p:nvSpPr>
+          <p:cNvPr id="4" name="Slide Number Placeholder 3"/>
+          <p:cNvSpPr>
+            <a:spLocks noGrp="1"/>
+          </p:cNvSpPr>
+          <p:nvPr>
+            <p:ph type="sldNum" sz="quarter" idx="10"/>
+          </p:nvPr>
+        </p:nvSpPr>
+        <p:spPr/>
+        <p:txBody>
+          <a:bodyPr/>
+          <a:lstStyle/>
+          <a:p>
+            <a:fld id="{DD7D2AD7-BD31-48B9-8C8A-7D4EAE7F6485}" type="slidenum">
+              <a:rPr lang="en-US" smtClean="0"/>
+              <a:t>21</a:t>
+            </a:fld>
+            <a:endParaRPr lang="en-US"/>
+          </a:p>
+        </p:txBody>
+      </p:sp>
+    </p:spTree>
+    <p:extLst>
+      <p:ext uri="{BB962C8B-B14F-4D97-AF65-F5344CB8AC3E}">
+        <p14:creationId xmlns:p14="http://schemas.microsoft.com/office/powerpoint/2010/main" val="2016289632"/>
+      </p:ext>
+    </p:extLst>
+  </p:cSld>
+  <p:clrMapOvr>
+    <a:masterClrMapping/>
+  </p:clrMapOvr>
+</p:notes>
+</file>
+
+<file path=ppt/notesSlides/notesSlide15.xml><?xml version="1.0" encoding="utf-8"?>
+<p:notes xmlns:a="http://schemas.openxmlformats.org/drawingml/2006/main" xmlns:r="http://schemas.openxmlformats.org/officeDocument/2006/relationships" xmlns:p="http://schemas.openxmlformats.org/presentationml/2006/main">
+  <p:cSld>
+    <p:spTree>
+      <p:nvGrpSpPr>
+        <p:cNvPr id="1" name=""/>
+        <p:cNvGrpSpPr/>
+        <p:nvPr/>
+      </p:nvGrpSpPr>
+      <p:grpSpPr>
+        <a:xfrm>
+          <a:off x="0" y="0"/>
+          <a:ext cx="0" cy="0"/>
+          <a:chOff x="0" y="0"/>
+          <a:chExt cx="0" cy="0"/>
+        </a:xfrm>
+      </p:grpSpPr>
+      <p:sp>
+        <p:nvSpPr>
+          <p:cNvPr id="2" name="Slide Image Placeholder 1"/>
+          <p:cNvSpPr>
+            <a:spLocks noGrp="1" noRot="1" noChangeAspect="1"/>
+          </p:cNvSpPr>
+          <p:nvPr>
+            <p:ph type="sldImg"/>
+          </p:nvPr>
+        </p:nvSpPr>
+        <p:spPr/>
+      </p:sp>
+      <p:sp>
+        <p:nvSpPr>
+          <p:cNvPr id="3" name="Notes Placeholder 2"/>
+          <p:cNvSpPr>
+            <a:spLocks noGrp="1"/>
+          </p:cNvSpPr>
+          <p:nvPr>
+            <p:ph type="body" idx="1"/>
+          </p:nvPr>
+        </p:nvSpPr>
+        <p:spPr/>
+        <p:txBody>
+          <a:bodyPr/>
+          <a:lstStyle/>
+          <a:p>
+            <a:r>
+              <a:rPr lang="en-US" dirty="0" smtClean="0"/>
+              <a:t>http://www.asp.net/web-api/overview/extensibility/using-the-web-api-dependency-resolver</a:t>
+            </a:r>
+            <a:endParaRPr lang="en-US" dirty="0"/>
+          </a:p>
+        </p:txBody>
+      </p:sp>
+      <p:sp>
+        <p:nvSpPr>
+          <p:cNvPr id="4" name="Slide Number Placeholder 3"/>
+          <p:cNvSpPr>
+            <a:spLocks noGrp="1"/>
+          </p:cNvSpPr>
+          <p:nvPr>
+            <p:ph type="sldNum" sz="quarter" idx="10"/>
+          </p:nvPr>
+        </p:nvSpPr>
+        <p:spPr/>
+        <p:txBody>
+          <a:bodyPr/>
+          <a:lstStyle/>
+          <a:p>
+            <a:fld id="{DD7D2AD7-BD31-48B9-8C8A-7D4EAE7F6485}" type="slidenum">
+              <a:rPr lang="en-US" smtClean="0"/>
+              <a:t>23</a:t>
             </a:fld>
             <a:endParaRPr lang="en-US"/>
           </a:p>
@@ -1084,6 +1316,54 @@
           <a:bodyPr/>
           <a:lstStyle/>
           <a:p>
+            <a:r>
+              <a:rPr lang="en-US" dirty="0" smtClean="0"/>
+              <a:t>Ask people who has used web </a:t>
+            </a:r>
+            <a:r>
+              <a:rPr lang="en-US" dirty="0" err="1" smtClean="0"/>
+              <a:t>api</a:t>
+            </a:r>
+            <a:endParaRPr lang="en-US" dirty="0" smtClean="0"/>
+          </a:p>
+          <a:p>
+            <a:r>
+              <a:rPr lang="en-US" dirty="0" smtClean="0"/>
+              <a:t>Who has used</a:t>
+            </a:r>
+            <a:r>
+              <a:rPr lang="en-US" baseline="0" dirty="0" smtClean="0"/>
+              <a:t> </a:t>
+            </a:r>
+            <a:r>
+              <a:rPr lang="en-US" baseline="0" dirty="0" err="1" smtClean="0"/>
+              <a:t>mvc</a:t>
+            </a:r>
+            <a:endParaRPr lang="en-US" baseline="0" dirty="0" smtClean="0"/>
+          </a:p>
+          <a:p>
+            <a:r>
+              <a:rPr lang="en-US" baseline="0" dirty="0" smtClean="0"/>
+              <a:t>Who has used </a:t>
+            </a:r>
+            <a:r>
+              <a:rPr lang="en-US" baseline="0" dirty="0" err="1" smtClean="0"/>
+              <a:t>wcf</a:t>
+            </a:r>
+            <a:endParaRPr lang="en-US" baseline="0" dirty="0" smtClean="0"/>
+          </a:p>
+          <a:p>
+            <a:endParaRPr lang="en-US" baseline="0" dirty="0" smtClean="0"/>
+          </a:p>
+          <a:p>
+            <a:r>
+              <a:rPr lang="en-US" baseline="0" dirty="0" smtClean="0"/>
+              <a:t>Not fair to be mean to </a:t>
+            </a:r>
+            <a:r>
+              <a:rPr lang="en-US" baseline="0" dirty="0" err="1" smtClean="0"/>
+              <a:t>wcf</a:t>
+            </a:r>
             <a:endParaRPr lang="en-US" dirty="0"/>
           </a:p>
         </p:txBody>
@@ -1168,7 +1448,19 @@
           <a:bodyPr/>
           <a:lstStyle/>
           <a:p>
-            <a:endParaRPr lang="en-US" dirty="0"/>
+            <a:r>
+              <a:rPr lang="en-US" dirty="0" smtClean="0"/>
+              <a:t>After the YES</a:t>
+            </a:r>
+            <a:r>
+              <a:rPr lang="en-US" baseline="0" dirty="0"/>
+              <a:t> </a:t>
+            </a:r>
+            <a:r>
+              <a:rPr lang="en-US" baseline="0" dirty="0" smtClean="0"/>
+              <a:t>explore they WHY about this a bit more</a:t>
+            </a:r>
+            <a:endParaRPr lang="en-US" dirty="0" smtClean="0"/>
           </a:p>
         </p:txBody>
       </p:sp>
@@ -1336,53 +1628,6 @@
           <a:bodyPr/>
           <a:lstStyle/>
           <a:p>
-            <a:pPr marL="0" marR="0" indent="0" algn="l" defTabSz="914400" rtl="0" eaLnBrk="1" fontAlgn="auto" latinLnBrk="0" hangingPunct="1">
-              <a:lnSpc>
-                <a:spcPct val="100000"/>
-              </a:lnSpc>
-              <a:spcBef>
-                <a:spcPts val="0"/>
-              </a:spcBef>
-              <a:spcAft>
-                <a:spcPts val="0"/>
-              </a:spcAft>
-              <a:buClrTx/>
-              <a:buSzTx/>
-              <a:buFontTx/>
-              <a:buNone/>
-              <a:tabLst/>
-              <a:defRPr/>
-            </a:pPr>
-            <a:r>
-              <a:rPr lang="en-US" dirty="0" smtClean="0"/>
-              <a:t>Web </a:t>
-            </a:r>
-            <a:r>
-              <a:rPr lang="en-US" dirty="0" err="1" smtClean="0"/>
-              <a:t>Api</a:t>
-            </a:r>
-            <a:r>
-              <a:rPr lang="en-US" dirty="0" smtClean="0"/>
-              <a:t> Controllers are derived from </a:t>
-            </a:r>
-            <a:r>
-              <a:rPr lang="en-US" dirty="0" err="1" smtClean="0"/>
-              <a:t>Web.Http</a:t>
-            </a:r>
-            <a:r>
-              <a:rPr lang="en-US" dirty="0" smtClean="0"/>
-              <a:t> namespace. This is important because </a:t>
-            </a:r>
-            <a:r>
-              <a:rPr lang="en-US" dirty="0" err="1" smtClean="0"/>
-              <a:t>WebApi</a:t>
-            </a:r>
-            <a:r>
-              <a:rPr lang="en-US" dirty="0" smtClean="0"/>
-              <a:t> does not depend on anything in the asp.net stack</a:t>
-            </a:r>
-          </a:p>
-          <a:p>
             <a:endParaRPr lang="en-US" dirty="0"/>
           </a:p>
         </p:txBody>
@@ -1404,7 +1649,7 @@
           <a:p>
             <a:fld id="{DD7D2AD7-BD31-48B9-8C8A-7D4EAE7F6485}" type="slidenum">
               <a:rPr lang="en-US" smtClean="0"/>
-              <a:t>7</a:t>
+              <a:t>6</a:t>
             </a:fld>
             <a:endParaRPr lang="en-US"/>
           </a:p>
@@ -1413,7 +1658,7 @@
     </p:spTree>
     <p:extLst>
       <p:ext uri="{BB962C8B-B14F-4D97-AF65-F5344CB8AC3E}">
-        <p14:creationId xmlns:p14="http://schemas.microsoft.com/office/powerpoint/2010/main" val="4058398270"/>
+        <p14:creationId xmlns:p14="http://schemas.microsoft.com/office/powerpoint/2010/main" val="1528399709"/>
       </p:ext>
     </p:extLst>
   </p:cSld>
@@ -1467,6 +1712,39 @@
           <a:bodyPr/>
           <a:lstStyle/>
           <a:p>
+            <a:pPr defTabSz="939363">
+              <a:defRPr/>
+            </a:pPr>
+            <a:r>
+              <a:rPr lang="en-US" dirty="0" smtClean="0"/>
+              <a:t>Web </a:t>
+            </a:r>
+            <a:r>
+              <a:rPr lang="en-US" dirty="0" err="1" smtClean="0"/>
+              <a:t>Api</a:t>
+            </a:r>
+            <a:r>
+              <a:rPr lang="en-US" dirty="0" smtClean="0"/>
+              <a:t> Controllers are derived from </a:t>
+            </a:r>
+            <a:r>
+              <a:rPr lang="en-US" dirty="0" err="1" smtClean="0"/>
+              <a:t>Web.Http</a:t>
+            </a:r>
+            <a:r>
+              <a:rPr lang="en-US" dirty="0" smtClean="0"/>
+              <a:t> namespace. This is important because </a:t>
+            </a:r>
+            <a:r>
+              <a:rPr lang="en-US" dirty="0" err="1" smtClean="0"/>
+              <a:t>WebApi</a:t>
+            </a:r>
+            <a:r>
+              <a:rPr lang="en-US" dirty="0" smtClean="0"/>
+              <a:t> does not depend on anything in the asp.net stack</a:t>
+            </a:r>
+          </a:p>
+          <a:p>
             <a:endParaRPr lang="en-US" dirty="0"/>
           </a:p>
         </p:txBody>
@@ -1488,7 +1766,7 @@
           <a:p>
             <a:fld id="{DD7D2AD7-BD31-48B9-8C8A-7D4EAE7F6485}" type="slidenum">
               <a:rPr lang="en-US" smtClean="0"/>
-              <a:t>9</a:t>
+              <a:t>8</a:t>
             </a:fld>
             <a:endParaRPr lang="en-US"/>
           </a:p>
@@ -1497,7 +1775,7 @@
     </p:spTree>
     <p:extLst>
       <p:ext uri="{BB962C8B-B14F-4D97-AF65-F5344CB8AC3E}">
-        <p14:creationId xmlns:p14="http://schemas.microsoft.com/office/powerpoint/2010/main" val="783021107"/>
+        <p14:creationId xmlns:p14="http://schemas.microsoft.com/office/powerpoint/2010/main" val="4058398270"/>
       </p:ext>
     </p:extLst>
   </p:cSld>
@@ -1551,6 +1829,39 @@
           <a:bodyPr/>
           <a:lstStyle/>
           <a:p>
+            <a:pPr defTabSz="939363">
+              <a:defRPr/>
+            </a:pPr>
+            <a:r>
+              <a:rPr lang="en-US" dirty="0" smtClean="0"/>
+              <a:t>Web </a:t>
+            </a:r>
+            <a:r>
+              <a:rPr lang="en-US" dirty="0" err="1" smtClean="0"/>
+              <a:t>Api</a:t>
+            </a:r>
+            <a:r>
+              <a:rPr lang="en-US" dirty="0" smtClean="0"/>
+              <a:t> Controllers are derived from </a:t>
+            </a:r>
+            <a:r>
+              <a:rPr lang="en-US" dirty="0" err="1" smtClean="0"/>
+              <a:t>Web.Http</a:t>
+            </a:r>
+            <a:r>
+              <a:rPr lang="en-US" dirty="0" smtClean="0"/>
+              <a:t> namespace. This is important because </a:t>
+            </a:r>
+            <a:r>
+              <a:rPr lang="en-US" dirty="0" err="1" smtClean="0"/>
+              <a:t>WebApi</a:t>
+            </a:r>
+            <a:r>
+              <a:rPr lang="en-US" dirty="0" smtClean="0"/>
+              <a:t> does not depend on anything in the asp.net stack</a:t>
+            </a:r>
+          </a:p>
+          <a:p>
             <a:endParaRPr lang="en-US" dirty="0"/>
           </a:p>
         </p:txBody>
@@ -1572,7 +1883,7 @@
           <a:p>
             <a:fld id="{DD7D2AD7-BD31-48B9-8C8A-7D4EAE7F6485}" type="slidenum">
               <a:rPr lang="en-US" smtClean="0"/>
-              <a:t>10</a:t>
+              <a:t>9</a:t>
             </a:fld>
             <a:endParaRPr lang="en-US"/>
           </a:p>
@@ -1581,7 +1892,7 @@
     </p:spTree>
     <p:extLst>
       <p:ext uri="{BB962C8B-B14F-4D97-AF65-F5344CB8AC3E}">
-        <p14:creationId xmlns:p14="http://schemas.microsoft.com/office/powerpoint/2010/main" val="2933639292"/>
+        <p14:creationId xmlns:p14="http://schemas.microsoft.com/office/powerpoint/2010/main" val="2701468483"/>
       </p:ext>
     </p:extLst>
   </p:cSld>
@@ -1635,6 +1946,39 @@
           <a:bodyPr/>
           <a:lstStyle/>
           <a:p>
+            <a:pPr defTabSz="939363">
+              <a:defRPr/>
+            </a:pPr>
+            <a:r>
+              <a:rPr lang="en-US" dirty="0" smtClean="0"/>
+              <a:t>Web </a:t>
+            </a:r>
+            <a:r>
+              <a:rPr lang="en-US" dirty="0" err="1" smtClean="0"/>
+              <a:t>Api</a:t>
+            </a:r>
+            <a:r>
+              <a:rPr lang="en-US" dirty="0" smtClean="0"/>
+              <a:t> Controllers are derived from </a:t>
+            </a:r>
+            <a:r>
+              <a:rPr lang="en-US" dirty="0" err="1" smtClean="0"/>
+              <a:t>Web.Http</a:t>
+            </a:r>
+            <a:r>
+              <a:rPr lang="en-US" dirty="0" smtClean="0"/>
+              <a:t> namespace. This is important because </a:t>
+            </a:r>
+            <a:r>
+              <a:rPr lang="en-US" dirty="0" err="1" smtClean="0"/>
+              <a:t>WebApi</a:t>
+            </a:r>
+            <a:r>
+              <a:rPr lang="en-US" dirty="0" smtClean="0"/>
+              <a:t> does not depend on anything in the asp.net stack</a:t>
+            </a:r>
+          </a:p>
+          <a:p>
             <a:endParaRPr lang="en-US" dirty="0"/>
           </a:p>
         </p:txBody>
@@ -1656,7 +2000,7 @@
           <a:p>
             <a:fld id="{DD7D2AD7-BD31-48B9-8C8A-7D4EAE7F6485}" type="slidenum">
               <a:rPr lang="en-US" smtClean="0"/>
-              <a:t>12</a:t>
+              <a:t>10</a:t>
             </a:fld>
             <a:endParaRPr lang="en-US"/>
           </a:p>
@@ -1665,7 +2009,7 @@
     </p:spTree>
     <p:extLst>
       <p:ext uri="{BB962C8B-B14F-4D97-AF65-F5344CB8AC3E}">
-        <p14:creationId xmlns:p14="http://schemas.microsoft.com/office/powerpoint/2010/main" val="2582844064"/>
+        <p14:creationId xmlns:p14="http://schemas.microsoft.com/office/powerpoint/2010/main" val="3698551844"/>
       </p:ext>
     </p:extLst>
   </p:cSld>
@@ -1740,7 +2084,7 @@
           <a:p>
             <a:fld id="{DD7D2AD7-BD31-48B9-8C8A-7D4EAE7F6485}" type="slidenum">
               <a:rPr lang="en-US" smtClean="0"/>
-              <a:t>14</a:t>
+              <a:t>12</a:t>
             </a:fld>
             <a:endParaRPr lang="en-US"/>
           </a:p>
@@ -1749,7 +2093,7 @@
     </p:spTree>
     <p:extLst>
       <p:ext uri="{BB962C8B-B14F-4D97-AF65-F5344CB8AC3E}">
-        <p14:creationId xmlns:p14="http://schemas.microsoft.com/office/powerpoint/2010/main" val="3692701654"/>
+        <p14:creationId xmlns:p14="http://schemas.microsoft.com/office/powerpoint/2010/main" val="783021107"/>
       </p:ext>
     </p:extLst>
   </p:cSld>
@@ -2417,7 +2761,7 @@
             <a:fld id="{EFEED2B4-868F-4681-9E70-FF7ECCDC67D4}" type="datetimeFigureOut">
               <a:rPr lang="en-US" smtClean="0"/>
               <a:pPr/>
-              <a:t>3/11/2013</a:t>
+              <a:t>3/13/2013</a:t>
             </a:fld>
             <a:endParaRPr lang="en-US" dirty="0"/>
           </a:p>
@@ -2683,7 +3027,7 @@
           <a:p>
             <a:fld id="{EFEED2B4-868F-4681-9E70-FF7ECCDC67D4}" type="datetimeFigureOut">
               <a:rPr lang="en-US" smtClean="0"/>
-              <a:t>3/11/2013</a:t>
+              <a:t>3/13/2013</a:t>
             </a:fld>
             <a:endParaRPr lang="en-US"/>
           </a:p>
@@ -3393,7 +3737,7 @@
           <a:p>
             <a:fld id="{EFEED2B4-868F-4681-9E70-FF7ECCDC67D4}" type="datetimeFigureOut">
               <a:rPr lang="en-US" smtClean="0"/>
-              <a:t>3/11/2013</a:t>
+              <a:t>3/13/2013</a:t>
             </a:fld>
             <a:endParaRPr lang="en-US"/>
           </a:p>
@@ -4003,7 +4347,7 @@
             <a:fld id="{EFEED2B4-868F-4681-9E70-FF7ECCDC67D4}" type="datetimeFigureOut">
               <a:rPr lang="en-US" smtClean="0"/>
               <a:pPr/>
-              <a:t>3/11/2013</a:t>
+              <a:t>3/13/2013</a:t>
             </a:fld>
             <a:endParaRPr lang="en-US" dirty="0"/>
           </a:p>
@@ -4157,7 +4501,7 @@
           <a:p>
             <a:fld id="{EFEED2B4-868F-4681-9E70-FF7ECCDC67D4}" type="datetimeFigureOut">
               <a:rPr lang="en-US" smtClean="0"/>
-              <a:t>3/11/2013</a:t>
+              <a:t>3/13/2013</a:t>
             </a:fld>
             <a:endParaRPr lang="en-US"/>
           </a:p>
@@ -4676,7 +5020,7 @@
           <a:p>
             <a:fld id="{EFEED2B4-868F-4681-9E70-FF7ECCDC67D4}" type="datetimeFigureOut">
               <a:rPr lang="en-US" smtClean="0"/>
-              <a:t>3/11/2013</a:t>
+              <a:t>3/13/2013</a:t>
             </a:fld>
             <a:endParaRPr lang="en-US"/>
           </a:p>
@@ -5218,7 +5562,7 @@
           <a:p>
             <a:fld id="{EFEED2B4-868F-4681-9E70-FF7ECCDC67D4}" type="datetimeFigureOut">
               <a:rPr lang="en-US" smtClean="0"/>
-              <a:t>3/11/2013</a:t>
+              <a:t>3/13/2013</a:t>
             </a:fld>
             <a:endParaRPr lang="en-US"/>
           </a:p>
@@ -5786,7 +6130,7 @@
           <a:p>
             <a:fld id="{EFEED2B4-868F-4681-9E70-FF7ECCDC67D4}" type="datetimeFigureOut">
               <a:rPr lang="en-US" smtClean="0"/>
-              <a:t>3/11/2013</a:t>
+              <a:t>3/13/2013</a:t>
             </a:fld>
             <a:endParaRPr lang="en-US"/>
           </a:p>
@@ -6844,7 +7188,7 @@
             <a:fld id="{EFEED2B4-868F-4681-9E70-FF7ECCDC67D4}" type="datetimeFigureOut">
               <a:rPr lang="en-US" smtClean="0"/>
               <a:pPr/>
-              <a:t>3/11/2013</a:t>
+              <a:t>3/13/2013</a:t>
             </a:fld>
             <a:endParaRPr lang="en-US" dirty="0"/>
           </a:p>
@@ -7291,7 +7635,7 @@
           <a:p>
             <a:fld id="{EFEED2B4-868F-4681-9E70-FF7ECCDC67D4}" type="datetimeFigureOut">
               <a:rPr lang="en-US" smtClean="0"/>
-              <a:t>3/11/2013</a:t>
+              <a:t>3/13/2013</a:t>
             </a:fld>
             <a:endParaRPr lang="en-US"/>
           </a:p>
@@ -7676,7 +8020,7 @@
           <a:p>
             <a:fld id="{EFEED2B4-868F-4681-9E70-FF7ECCDC67D4}" type="datetimeFigureOut">
               <a:rPr lang="en-US" smtClean="0"/>
-              <a:t>3/11/2013</a:t>
+              <a:t>3/13/2013</a:t>
             </a:fld>
             <a:endParaRPr lang="en-US"/>
           </a:p>
@@ -8237,7 +8581,7 @@
           <a:p>
             <a:fld id="{EFEED2B4-868F-4681-9E70-FF7ECCDC67D4}" type="datetimeFigureOut">
               <a:rPr lang="en-US" smtClean="0"/>
-              <a:t>3/11/2013</a:t>
+              <a:t>3/13/2013</a:t>
             </a:fld>
             <a:endParaRPr lang="en-US"/>
           </a:p>
@@ -8354,7 +8698,7 @@
           <a:p>
             <a:fld id="{EFEED2B4-868F-4681-9E70-FF7ECCDC67D4}" type="datetimeFigureOut">
               <a:rPr lang="en-US" smtClean="0"/>
-              <a:t>3/11/2013</a:t>
+              <a:t>3/13/2013</a:t>
             </a:fld>
             <a:endParaRPr lang="en-US"/>
           </a:p>
@@ -9870,7 +10214,7 @@
           <a:p>
             <a:fld id="{EFEED2B4-868F-4681-9E70-FF7ECCDC67D4}" type="datetimeFigureOut">
               <a:rPr lang="en-US" smtClean="0"/>
-              <a:t>3/11/2013</a:t>
+              <a:t>3/13/2013</a:t>
             </a:fld>
             <a:endParaRPr lang="en-US"/>
           </a:p>
@@ -11032,7 +11376,7 @@
           <a:p>
             <a:fld id="{EFEED2B4-868F-4681-9E70-FF7ECCDC67D4}" type="datetimeFigureOut">
               <a:rPr lang="en-US" smtClean="0"/>
-              <a:t>3/11/2013</a:t>
+              <a:t>3/13/2013</a:t>
             </a:fld>
             <a:endParaRPr lang="en-US"/>
           </a:p>
@@ -11411,7 +11755,7 @@
             <a:fld id="{EFEED2B4-868F-4681-9E70-FF7ECCDC67D4}" type="datetimeFigureOut">
               <a:rPr lang="en-US" smtClean="0"/>
               <a:pPr/>
-              <a:t>3/11/2013</a:t>
+              <a:t>3/13/2013</a:t>
             </a:fld>
             <a:endParaRPr lang="en-US" dirty="0"/>
           </a:p>
@@ -11708,7 +12052,7 @@
             <a:fld id="{EFEED2B4-868F-4681-9E70-FF7ECCDC67D4}" type="datetimeFigureOut">
               <a:rPr lang="en-US" smtClean="0"/>
               <a:pPr/>
-              <a:t>3/11/2013</a:t>
+              <a:t>3/13/2013</a:t>
             </a:fld>
             <a:endParaRPr lang="en-US" dirty="0"/>
           </a:p>
@@ -12184,7 +12528,7 @@
             <a:fld id="{EFEED2B4-868F-4681-9E70-FF7ECCDC67D4}" type="datetimeFigureOut">
               <a:rPr lang="en-US" smtClean="0"/>
               <a:pPr/>
-              <a:t>3/11/2013</a:t>
+              <a:t>3/13/2013</a:t>
             </a:fld>
             <a:endParaRPr lang="en-US" dirty="0"/>
           </a:p>
@@ -12467,7 +12811,7 @@
           <a:p>
             <a:fld id="{EFEED2B4-868F-4681-9E70-FF7ECCDC67D4}" type="datetimeFigureOut">
               <a:rPr lang="en-US" smtClean="0"/>
-              <a:t>3/11/2013</a:t>
+              <a:t>3/13/2013</a:t>
             </a:fld>
             <a:endParaRPr lang="en-US"/>
           </a:p>
@@ -12681,7 +13025,7 @@
           <a:p>
             <a:fld id="{EFEED2B4-868F-4681-9E70-FF7ECCDC67D4}" type="datetimeFigureOut">
               <a:rPr lang="en-US" smtClean="0"/>
-              <a:t>3/11/2013</a:t>
+              <a:t>3/13/2013</a:t>
             </a:fld>
             <a:endParaRPr lang="en-US"/>
           </a:p>
@@ -13092,7 +13436,7 @@
           <a:p>
             <a:fld id="{EFEED2B4-868F-4681-9E70-FF7ECCDC67D4}" type="datetimeFigureOut">
               <a:rPr lang="en-US" smtClean="0"/>
-              <a:t>3/11/2013</a:t>
+              <a:t>3/13/2013</a:t>
             </a:fld>
             <a:endParaRPr lang="en-US"/>
           </a:p>
@@ -13368,7 +13712,7 @@
           <a:p>
             <a:fld id="{EFEED2B4-868F-4681-9E70-FF7ECCDC67D4}" type="datetimeFigureOut">
               <a:rPr lang="en-US" smtClean="0"/>
-              <a:t>3/11/2013</a:t>
+              <a:t>3/13/2013</a:t>
             </a:fld>
             <a:endParaRPr lang="en-US"/>
           </a:p>
@@ -13805,7 +14149,7 @@
           <a:p>
             <a:fld id="{EFEED2B4-868F-4681-9E70-FF7ECCDC67D4}" type="datetimeFigureOut">
               <a:rPr lang="en-US" smtClean="0"/>
-              <a:t>3/11/2013</a:t>
+              <a:t>3/13/2013</a:t>
             </a:fld>
             <a:endParaRPr lang="en-US"/>
           </a:p>
@@ -14026,7 +14370,7 @@
           <a:p>
             <a:fld id="{EFEED2B4-868F-4681-9E70-FF7ECCDC67D4}" type="datetimeFigureOut">
               <a:rPr lang="en-US" smtClean="0"/>
-              <a:t>3/11/2013</a:t>
+              <a:t>3/13/2013</a:t>
             </a:fld>
             <a:endParaRPr lang="en-US"/>
           </a:p>
@@ -14516,7 +14860,7 @@
           <a:p>
             <a:fld id="{EFEED2B4-868F-4681-9E70-FF7ECCDC67D4}" type="datetimeFigureOut">
               <a:rPr lang="en-US" smtClean="0"/>
-              <a:t>3/11/2013</a:t>
+              <a:t>3/13/2013</a:t>
             </a:fld>
             <a:endParaRPr lang="en-US"/>
           </a:p>
@@ -14670,7 +15014,7 @@
             <a:fld id="{EFEED2B4-868F-4681-9E70-FF7ECCDC67D4}" type="datetimeFigureOut">
               <a:rPr lang="en-US" smtClean="0"/>
               <a:pPr/>
-              <a:t>3/11/2013</a:t>
+              <a:t>3/13/2013</a:t>
             </a:fld>
             <a:endParaRPr lang="en-US" dirty="0"/>
           </a:p>
@@ -15163,7 +15507,7 @@
           <a:p>
             <a:fld id="{EFEED2B4-868F-4681-9E70-FF7ECCDC67D4}" type="datetimeFigureOut">
               <a:rPr lang="en-US" smtClean="0"/>
-              <a:t>3/11/2013</a:t>
+              <a:t>3/13/2013</a:t>
             </a:fld>
             <a:endParaRPr lang="en-US"/>
           </a:p>
@@ -15393,7 +15737,7 @@
           <a:p>
             <a:fld id="{EFEED2B4-868F-4681-9E70-FF7ECCDC67D4}" type="datetimeFigureOut">
               <a:rPr lang="en-US" smtClean="0"/>
-              <a:t>3/11/2013</a:t>
+              <a:t>3/13/2013</a:t>
             </a:fld>
             <a:endParaRPr lang="en-US"/>
           </a:p>
@@ -15999,18 +16343,47 @@
                   <a:schemeClr val="bg1"/>
                 </a:solidFill>
               </a:rPr>
-              <a:t>C# MVP / ASP Insider</a:t>
-            </a:r>
+              <a:t>C# MVP / ASP </a:t>
+            </a:r>
+            <a:r>
+              <a:rPr lang="en-US" sz="3600" b="1" dirty="0" smtClean="0">
+                <a:solidFill>
+                  <a:schemeClr val="bg1"/>
+                </a:solidFill>
+              </a:rPr>
+              <a:t>Insider / </a:t>
+            </a:r>
+            <a:r>
+              <a:rPr lang="en-US" sz="3600" b="1" dirty="0" err="1" smtClean="0">
+                <a:solidFill>
+                  <a:schemeClr val="bg1"/>
+                </a:solidFill>
+              </a:rPr>
+              <a:t>Pluralsight</a:t>
+            </a:r>
+            <a:endParaRPr lang="en-US" sz="3600" b="1" dirty="0" smtClean="0">
+              <a:solidFill>
+                <a:schemeClr val="bg1"/>
+              </a:solidFill>
+            </a:endParaRPr>
           </a:p>
           <a:p>
             <a:pPr algn="r"/>
             <a:r>
+              <a:rPr lang="en-US" sz="3600" b="1" dirty="0">
+                <a:solidFill>
+                  <a:schemeClr val="bg1"/>
+                </a:solidFill>
+              </a:rPr>
+              <a:t>d</a:t>
+            </a:r>
+            <a:r>
               <a:rPr lang="en-US" sz="3600" b="1" dirty="0" smtClean="0">
                 <a:solidFill>
                   <a:schemeClr val="bg1"/>
                 </a:solidFill>
               </a:rPr>
-              <a:t>Derik@Graudo.com</a:t>
+              <a:t>erik@graudo.com</a:t>
             </a:r>
             <a:endParaRPr lang="en-US" sz="3600" b="1" dirty="0">
               <a:solidFill>
@@ -16036,6 +16409,2102 @@
 </file>
 
 <file path=ppt/slides/slide10.xml><?xml version="1.0" encoding="utf-8"?>
+<p:sld xmlns:a="http://schemas.openxmlformats.org/drawingml/2006/main" xmlns:r="http://schemas.openxmlformats.org/officeDocument/2006/relationships" xmlns:p="http://schemas.openxmlformats.org/presentationml/2006/main">
+  <p:cSld>
+    <p:spTree>
+      <p:nvGrpSpPr>
+        <p:cNvPr id="1" name=""/>
+        <p:cNvGrpSpPr/>
+        <p:nvPr/>
+      </p:nvGrpSpPr>
+      <p:grpSpPr>
+        <a:xfrm>
+          <a:off x="0" y="0"/>
+          <a:ext cx="0" cy="0"/>
+          <a:chOff x="0" y="0"/>
+          <a:chExt cx="0" cy="0"/>
+        </a:xfrm>
+      </p:grpSpPr>
+      <p:sp>
+        <p:nvSpPr>
+          <p:cNvPr id="15" name="TextBox 14"/>
+          <p:cNvSpPr txBox="1"/>
+          <p:nvPr/>
+        </p:nvSpPr>
+        <p:spPr>
+          <a:xfrm>
+            <a:off x="0" y="533400"/>
+            <a:ext cx="4343400" cy="461665"/>
+          </a:xfrm>
+          <a:prstGeom prst="rect">
+            <a:avLst/>
+          </a:prstGeom>
+          <a:solidFill>
+            <a:schemeClr val="tx1">
+              <a:lumMod val="95000"/>
+              <a:lumOff val="5000"/>
+              <a:alpha val="55000"/>
+            </a:schemeClr>
+          </a:solidFill>
+        </p:spPr>
+        <p:txBody>
+          <a:bodyPr wrap="square" rtlCol="0" anchor="ctr" anchorCtr="0">
+            <a:normAutofit/>
+          </a:bodyPr>
+          <a:lstStyle/>
+          <a:p>
+            <a:r>
+              <a:rPr lang="en-US" sz="2200" dirty="0" smtClean="0">
+                <a:solidFill>
+                  <a:schemeClr val="bg1"/>
+                </a:solidFill>
+              </a:rPr>
+              <a:t>Core Difference – WCF </a:t>
+            </a:r>
+            <a:r>
+              <a:rPr lang="en-US" sz="2200" dirty="0" err="1" smtClean="0">
+                <a:solidFill>
+                  <a:schemeClr val="bg1"/>
+                </a:solidFill>
+              </a:rPr>
+              <a:t>vs</a:t>
+            </a:r>
+            <a:r>
+              <a:rPr lang="en-US" sz="2200" dirty="0" smtClean="0">
+                <a:solidFill>
+                  <a:schemeClr val="bg1"/>
+                </a:solidFill>
+              </a:rPr>
+              <a:t> </a:t>
+            </a:r>
+            <a:r>
+              <a:rPr lang="en-US" sz="2200" dirty="0" err="1" smtClean="0">
+                <a:solidFill>
+                  <a:schemeClr val="bg1"/>
+                </a:solidFill>
+              </a:rPr>
+              <a:t>WebApi</a:t>
+            </a:r>
+            <a:endParaRPr lang="en-US" sz="2200" b="1" dirty="0">
+              <a:solidFill>
+                <a:schemeClr val="bg1"/>
+              </a:solidFill>
+            </a:endParaRPr>
+          </a:p>
+        </p:txBody>
+      </p:sp>
+      <p:sp>
+        <p:nvSpPr>
+          <p:cNvPr id="4" name="Text Placeholder 2"/>
+          <p:cNvSpPr txBox="1">
+            <a:spLocks/>
+          </p:cNvSpPr>
+          <p:nvPr/>
+        </p:nvSpPr>
+        <p:spPr>
+          <a:xfrm rot="5400000">
+            <a:off x="5682853" y="2939653"/>
+            <a:ext cx="6400800" cy="521494"/>
+          </a:xfrm>
+          <a:prstGeom prst="rect">
+            <a:avLst/>
+          </a:prstGeom>
+        </p:spPr>
+        <p:txBody>
+          <a:bodyPr>
+            <a:noAutofit/>
+          </a:bodyPr>
+          <a:lstStyle>
+            <a:lvl1pPr marL="342900" indent="-342900" algn="l" defTabSz="914400" rtl="0" eaLnBrk="1" latinLnBrk="0" hangingPunct="1">
+              <a:spcBef>
+                <a:spcPct val="20000"/>
+              </a:spcBef>
+              <a:buFont typeface="Arial" pitchFamily="34" charset="0"/>
+              <a:buChar char="•"/>
+              <a:defRPr sz="3200" kern="1200">
+                <a:solidFill>
+                  <a:schemeClr val="tx1"/>
+                </a:solidFill>
+                <a:latin typeface="+mn-lt"/>
+                <a:ea typeface="+mn-ea"/>
+                <a:cs typeface="+mn-cs"/>
+              </a:defRPr>
+            </a:lvl1pPr>
+            <a:lvl2pPr marL="742950" indent="-285750" algn="l" defTabSz="914400" rtl="0" eaLnBrk="1" latinLnBrk="0" hangingPunct="1">
+              <a:spcBef>
+                <a:spcPct val="20000"/>
+              </a:spcBef>
+              <a:buFont typeface="Arial" pitchFamily="34" charset="0"/>
+              <a:buChar char="–"/>
+              <a:defRPr sz="2800" kern="1200">
+                <a:solidFill>
+                  <a:schemeClr val="tx1"/>
+                </a:solidFill>
+                <a:latin typeface="+mn-lt"/>
+                <a:ea typeface="+mn-ea"/>
+                <a:cs typeface="+mn-cs"/>
+              </a:defRPr>
+            </a:lvl2pPr>
+            <a:lvl3pPr marL="1143000" indent="-228600" algn="l" defTabSz="914400" rtl="0" eaLnBrk="1" latinLnBrk="0" hangingPunct="1">
+              <a:spcBef>
+                <a:spcPct val="20000"/>
+              </a:spcBef>
+              <a:buFont typeface="Arial" pitchFamily="34" charset="0"/>
+              <a:buChar char="•"/>
+              <a:defRPr sz="2400" kern="1200">
+                <a:solidFill>
+                  <a:schemeClr val="tx1"/>
+                </a:solidFill>
+                <a:latin typeface="+mn-lt"/>
+                <a:ea typeface="+mn-ea"/>
+                <a:cs typeface="+mn-cs"/>
+              </a:defRPr>
+            </a:lvl3pPr>
+            <a:lvl4pPr marL="1600200" indent="-228600" algn="l" defTabSz="914400" rtl="0" eaLnBrk="1" latinLnBrk="0" hangingPunct="1">
+              <a:spcBef>
+                <a:spcPct val="20000"/>
+              </a:spcBef>
+              <a:buFont typeface="Arial" pitchFamily="34" charset="0"/>
+              <a:buChar char="–"/>
+              <a:defRPr sz="2000" kern="1200">
+                <a:solidFill>
+                  <a:schemeClr val="tx1"/>
+                </a:solidFill>
+                <a:latin typeface="+mn-lt"/>
+                <a:ea typeface="+mn-ea"/>
+                <a:cs typeface="+mn-cs"/>
+              </a:defRPr>
+            </a:lvl4pPr>
+            <a:lvl5pPr marL="2057400" indent="-228600" algn="l" defTabSz="914400" rtl="0" eaLnBrk="1" latinLnBrk="0" hangingPunct="1">
+              <a:spcBef>
+                <a:spcPct val="20000"/>
+              </a:spcBef>
+              <a:buFont typeface="Arial" pitchFamily="34" charset="0"/>
+              <a:buChar char="»"/>
+              <a:defRPr sz="2000" kern="1200">
+                <a:solidFill>
+                  <a:schemeClr val="tx1"/>
+                </a:solidFill>
+                <a:latin typeface="+mn-lt"/>
+                <a:ea typeface="+mn-ea"/>
+                <a:cs typeface="+mn-cs"/>
+              </a:defRPr>
+            </a:lvl5pPr>
+            <a:lvl6pPr marL="2514600" indent="-228600" algn="l" defTabSz="914400" rtl="0" eaLnBrk="1" latinLnBrk="0" hangingPunct="1">
+              <a:spcBef>
+                <a:spcPct val="20000"/>
+              </a:spcBef>
+              <a:buFont typeface="Arial" pitchFamily="34" charset="0"/>
+              <a:buChar char="•"/>
+              <a:defRPr sz="2000" kern="1200">
+                <a:solidFill>
+                  <a:schemeClr val="tx1"/>
+                </a:solidFill>
+                <a:latin typeface="+mn-lt"/>
+                <a:ea typeface="+mn-ea"/>
+                <a:cs typeface="+mn-cs"/>
+              </a:defRPr>
+            </a:lvl6pPr>
+            <a:lvl7pPr marL="2971800" indent="-228600" algn="l" defTabSz="914400" rtl="0" eaLnBrk="1" latinLnBrk="0" hangingPunct="1">
+              <a:spcBef>
+                <a:spcPct val="20000"/>
+              </a:spcBef>
+              <a:buFont typeface="Arial" pitchFamily="34" charset="0"/>
+              <a:buChar char="•"/>
+              <a:defRPr sz="2000" kern="1200">
+                <a:solidFill>
+                  <a:schemeClr val="tx1"/>
+                </a:solidFill>
+                <a:latin typeface="+mn-lt"/>
+                <a:ea typeface="+mn-ea"/>
+                <a:cs typeface="+mn-cs"/>
+              </a:defRPr>
+            </a:lvl7pPr>
+            <a:lvl8pPr marL="3429000" indent="-228600" algn="l" defTabSz="914400" rtl="0" eaLnBrk="1" latinLnBrk="0" hangingPunct="1">
+              <a:spcBef>
+                <a:spcPct val="20000"/>
+              </a:spcBef>
+              <a:buFont typeface="Arial" pitchFamily="34" charset="0"/>
+              <a:buChar char="•"/>
+              <a:defRPr sz="2000" kern="1200">
+                <a:solidFill>
+                  <a:schemeClr val="tx1"/>
+                </a:solidFill>
+                <a:latin typeface="+mn-lt"/>
+                <a:ea typeface="+mn-ea"/>
+                <a:cs typeface="+mn-cs"/>
+              </a:defRPr>
+            </a:lvl8pPr>
+            <a:lvl9pPr marL="3886200" indent="-228600" algn="l" defTabSz="914400" rtl="0" eaLnBrk="1" latinLnBrk="0" hangingPunct="1">
+              <a:spcBef>
+                <a:spcPct val="20000"/>
+              </a:spcBef>
+              <a:buFont typeface="Arial" pitchFamily="34" charset="0"/>
+              <a:buChar char="•"/>
+              <a:defRPr sz="2000" kern="1200">
+                <a:solidFill>
+                  <a:schemeClr val="tx1"/>
+                </a:solidFill>
+                <a:latin typeface="+mn-lt"/>
+                <a:ea typeface="+mn-ea"/>
+                <a:cs typeface="+mn-cs"/>
+              </a:defRPr>
+            </a:lvl9pPr>
+          </a:lstStyle>
+          <a:p>
+            <a:pPr marL="0" indent="0">
+              <a:buNone/>
+            </a:pPr>
+            <a:endParaRPr lang="en-US" b="1" dirty="0">
+              <a:solidFill>
+                <a:schemeClr val="bg1"/>
+              </a:solidFill>
+            </a:endParaRPr>
+          </a:p>
+        </p:txBody>
+      </p:sp>
+      <p:sp>
+        <p:nvSpPr>
+          <p:cNvPr id="2" name="TextBox 1"/>
+          <p:cNvSpPr txBox="1"/>
+          <p:nvPr/>
+        </p:nvSpPr>
+        <p:spPr>
+          <a:xfrm>
+            <a:off x="381000" y="1371600"/>
+            <a:ext cx="7848600" cy="4616648"/>
+          </a:xfrm>
+          <a:prstGeom prst="rect">
+            <a:avLst/>
+          </a:prstGeom>
+          <a:noFill/>
+        </p:spPr>
+        <p:txBody>
+          <a:bodyPr wrap="square" rtlCol="0">
+            <a:spAutoFit/>
+          </a:bodyPr>
+          <a:lstStyle/>
+          <a:p>
+            <a:r>
+              <a:rPr lang="en-US" sz="3600" dirty="0" smtClean="0"/>
+              <a:t>Difference 3</a:t>
+            </a:r>
+            <a:endParaRPr lang="en-US" sz="3600" dirty="0"/>
+          </a:p>
+          <a:p>
+            <a:pPr lvl="1"/>
+            <a:r>
+              <a:rPr lang="en-US" sz="2800" dirty="0" smtClean="0"/>
+              <a:t>WCF  </a:t>
+            </a:r>
+            <a:r>
+              <a:rPr lang="en-US" sz="2800" dirty="0"/>
+              <a:t>- Supports </a:t>
+            </a:r>
+            <a:r>
+              <a:rPr lang="en-US" sz="2800" dirty="0" smtClean="0"/>
+              <a:t>Reliable Messaging, Message Security, Request-Replay</a:t>
+            </a:r>
+          </a:p>
+          <a:p>
+            <a:pPr lvl="1"/>
+            <a:r>
+              <a:rPr lang="en-US" sz="2800" dirty="0"/>
+              <a:t>Web API – Does not support high level protocols such as Reliable Messaging or Request-Replay</a:t>
+            </a:r>
+          </a:p>
+          <a:p>
+            <a:pPr marL="742950" lvl="1" indent="-285750">
+              <a:buFont typeface="Arial" panose="020B0604020202020204" pitchFamily="34" charset="0"/>
+              <a:buChar char="•"/>
+            </a:pPr>
+            <a:endParaRPr lang="en-US" dirty="0" smtClean="0"/>
+          </a:p>
+          <a:p>
+            <a:r>
+              <a:rPr lang="en-US" sz="3600" dirty="0"/>
+              <a:t>Difference </a:t>
+            </a:r>
+            <a:r>
+              <a:rPr lang="en-US" sz="3600" dirty="0" smtClean="0"/>
+              <a:t>4</a:t>
+            </a:r>
+            <a:endParaRPr lang="en-US" sz="3600" dirty="0"/>
+          </a:p>
+          <a:p>
+            <a:pPr lvl="1"/>
+            <a:r>
+              <a:rPr lang="en-US" sz="2800" dirty="0" smtClean="0"/>
+              <a:t>WCF  </a:t>
+            </a:r>
+            <a:r>
+              <a:rPr lang="en-US" sz="2800" dirty="0"/>
+              <a:t>- Supports HTTP, TCP/IP, UDP, </a:t>
+            </a:r>
+            <a:r>
+              <a:rPr lang="en-US" sz="2800" dirty="0" smtClean="0"/>
+              <a:t>Custom</a:t>
+            </a:r>
+          </a:p>
+          <a:p>
+            <a:pPr lvl="1"/>
+            <a:r>
+              <a:rPr lang="en-US" sz="2800" dirty="0"/>
+              <a:t>Web API – Supports HTTP transport only</a:t>
+            </a:r>
+          </a:p>
+          <a:p>
+            <a:pPr marL="742950" lvl="1" indent="-285750">
+              <a:buFont typeface="Arial" panose="020B0604020202020204" pitchFamily="34" charset="0"/>
+              <a:buChar char="•"/>
+            </a:pPr>
+            <a:endParaRPr lang="en-US" dirty="0"/>
+          </a:p>
+          <a:p>
+            <a:pPr marL="742950" lvl="1" indent="-285750">
+              <a:buFont typeface="Arial" panose="020B0604020202020204" pitchFamily="34" charset="0"/>
+              <a:buChar char="•"/>
+            </a:pPr>
+            <a:endParaRPr lang="en-US" dirty="0" smtClean="0"/>
+          </a:p>
+        </p:txBody>
+      </p:sp>
+    </p:spTree>
+    <p:extLst>
+      <p:ext uri="{BB962C8B-B14F-4D97-AF65-F5344CB8AC3E}">
+        <p14:creationId xmlns:p14="http://schemas.microsoft.com/office/powerpoint/2010/main" val="1467527910"/>
+      </p:ext>
+    </p:extLst>
+  </p:cSld>
+  <p:clrMapOvr>
+    <a:masterClrMapping/>
+  </p:clrMapOvr>
+  <p:transition spd="slow">
+    <p:wipe/>
+  </p:transition>
+  <p:timing>
+    <p:tnLst>
+      <p:par>
+        <p:cTn id="1" dur="indefinite" restart="never" nodeType="tmRoot">
+          <p:childTnLst>
+            <p:seq concurrent="1" nextAc="seek">
+              <p:cTn id="2" dur="indefinite" nodeType="mainSeq">
+                <p:childTnLst>
+                  <p:par>
+                    <p:cTn id="3" fill="hold">
+                      <p:stCondLst>
+                        <p:cond delay="indefinite"/>
+                        <p:cond evt="onBegin" delay="0">
+                          <p:tn val="2"/>
+                        </p:cond>
+                      </p:stCondLst>
+                      <p:childTnLst>
+                        <p:par>
+                          <p:cTn id="4" fill="hold">
+                            <p:stCondLst>
+                              <p:cond delay="0"/>
+                            </p:stCondLst>
+                            <p:childTnLst>
+                              <p:par>
+                                <p:cTn id="5" presetID="2" presetClass="entr" presetSubtype="8" fill="hold" grpId="0" nodeType="afterEffect">
+                                  <p:stCondLst>
+                                    <p:cond delay="100"/>
+                                  </p:stCondLst>
+                                  <p:childTnLst>
+                                    <p:set>
+                                      <p:cBhvr>
+                                        <p:cTn id="6" dur="1" fill="hold">
+                                          <p:stCondLst>
+                                            <p:cond delay="0"/>
+                                          </p:stCondLst>
+                                        </p:cTn>
+                                        <p:tgtEl>
+                                          <p:spTgt spid="15"/>
+                                        </p:tgtEl>
+                                        <p:attrNameLst>
+                                          <p:attrName>style.visibility</p:attrName>
+                                        </p:attrNameLst>
+                                      </p:cBhvr>
+                                      <p:to>
+                                        <p:strVal val="visible"/>
+                                      </p:to>
+                                    </p:set>
+                                    <p:anim calcmode="lin" valueType="num">
+                                      <p:cBhvr additive="base">
+                                        <p:cTn id="7" dur="500" fill="hold"/>
+                                        <p:tgtEl>
+                                          <p:spTgt spid="15"/>
+                                        </p:tgtEl>
+                                        <p:attrNameLst>
+                                          <p:attrName>ppt_x</p:attrName>
+                                        </p:attrNameLst>
+                                      </p:cBhvr>
+                                      <p:tavLst>
+                                        <p:tav tm="0">
+                                          <p:val>
+                                            <p:strVal val="0-#ppt_w/2"/>
+                                          </p:val>
+                                        </p:tav>
+                                        <p:tav tm="100000">
+                                          <p:val>
+                                            <p:strVal val="#ppt_x"/>
+                                          </p:val>
+                                        </p:tav>
+                                      </p:tavLst>
+                                    </p:anim>
+                                    <p:anim calcmode="lin" valueType="num">
+                                      <p:cBhvr additive="base">
+                                        <p:cTn id="8" dur="500" fill="hold"/>
+                                        <p:tgtEl>
+                                          <p:spTgt spid="15"/>
+                                        </p:tgtEl>
+                                        <p:attrNameLst>
+                                          <p:attrName>ppt_y</p:attrName>
+                                        </p:attrNameLst>
+                                      </p:cBhvr>
+                                      <p:tavLst>
+                                        <p:tav tm="0">
+                                          <p:val>
+                                            <p:strVal val="#ppt_y"/>
+                                          </p:val>
+                                        </p:tav>
+                                        <p:tav tm="100000">
+                                          <p:val>
+                                            <p:strVal val="#ppt_y"/>
+                                          </p:val>
+                                        </p:tav>
+                                      </p:tavLst>
+                                    </p:anim>
+                                  </p:childTnLst>
+                                </p:cTn>
+                              </p:par>
+                            </p:childTnLst>
+                          </p:cTn>
+                        </p:par>
+                        <p:par>
+                          <p:cTn id="9" fill="hold">
+                            <p:stCondLst>
+                              <p:cond delay="600"/>
+                            </p:stCondLst>
+                            <p:childTnLst>
+                              <p:par>
+                                <p:cTn id="10" presetID="10" presetClass="entr" presetSubtype="0" fill="hold" grpId="0" nodeType="afterEffect" nodePh="1">
+                                  <p:stCondLst>
+                                    <p:cond delay="0"/>
+                                  </p:stCondLst>
+                                  <p:endCondLst>
+                                    <p:cond evt="begin" delay="0">
+                                      <p:tn val="10"/>
+                                    </p:cond>
+                                  </p:endCondLst>
+                                  <p:childTnLst>
+                                    <p:set>
+                                      <p:cBhvr>
+                                        <p:cTn id="11" dur="1" fill="hold">
+                                          <p:stCondLst>
+                                            <p:cond delay="0"/>
+                                          </p:stCondLst>
+                                        </p:cTn>
+                                        <p:tgtEl>
+                                          <p:spTgt spid="4">
+                                            <p:txEl>
+                                              <p:pRg st="0" end="0"/>
+                                            </p:txEl>
+                                          </p:spTgt>
+                                        </p:tgtEl>
+                                        <p:attrNameLst>
+                                          <p:attrName>style.visibility</p:attrName>
+                                        </p:attrNameLst>
+                                      </p:cBhvr>
+                                      <p:to>
+                                        <p:strVal val="visible"/>
+                                      </p:to>
+                                    </p:set>
+                                    <p:animEffect transition="in" filter="fade">
+                                      <p:cBhvr>
+                                        <p:cTn id="12" dur="1000"/>
+                                        <p:tgtEl>
+                                          <p:spTgt spid="4">
+                                            <p:txEl>
+                                              <p:pRg st="0" end="0"/>
+                                            </p:txEl>
+                                          </p:spTgt>
+                                        </p:tgtEl>
+                                      </p:cBhvr>
+                                    </p:animEffect>
+                                  </p:childTnLst>
+                                </p:cTn>
+                              </p:par>
+                              <p:par>
+                                <p:cTn id="13" presetID="1" presetClass="entr" presetSubtype="0" fill="hold" nodeType="withEffect">
+                                  <p:stCondLst>
+                                    <p:cond delay="0"/>
+                                  </p:stCondLst>
+                                  <p:childTnLst>
+                                    <p:set>
+                                      <p:cBhvr>
+                                        <p:cTn id="14" dur="1" fill="hold">
+                                          <p:stCondLst>
+                                            <p:cond delay="0"/>
+                                          </p:stCondLst>
+                                        </p:cTn>
+                                        <p:tgtEl>
+                                          <p:spTgt spid="2">
+                                            <p:txEl>
+                                              <p:pRg st="0" end="0"/>
+                                            </p:txEl>
+                                          </p:spTgt>
+                                        </p:tgtEl>
+                                        <p:attrNameLst>
+                                          <p:attrName>style.visibility</p:attrName>
+                                        </p:attrNameLst>
+                                      </p:cBhvr>
+                                      <p:to>
+                                        <p:strVal val="visible"/>
+                                      </p:to>
+                                    </p:set>
+                                  </p:childTnLst>
+                                </p:cTn>
+                              </p:par>
+                              <p:par>
+                                <p:cTn id="15" presetID="1" presetClass="entr" presetSubtype="0" fill="hold" nodeType="withEffect">
+                                  <p:stCondLst>
+                                    <p:cond delay="0"/>
+                                  </p:stCondLst>
+                                  <p:childTnLst>
+                                    <p:set>
+                                      <p:cBhvr>
+                                        <p:cTn id="16" dur="1" fill="hold">
+                                          <p:stCondLst>
+                                            <p:cond delay="0"/>
+                                          </p:stCondLst>
+                                        </p:cTn>
+                                        <p:tgtEl>
+                                          <p:spTgt spid="2">
+                                            <p:txEl>
+                                              <p:pRg st="1" end="1"/>
+                                            </p:txEl>
+                                          </p:spTgt>
+                                        </p:tgtEl>
+                                        <p:attrNameLst>
+                                          <p:attrName>style.visibility</p:attrName>
+                                        </p:attrNameLst>
+                                      </p:cBhvr>
+                                      <p:to>
+                                        <p:strVal val="visible"/>
+                                      </p:to>
+                                    </p:set>
+                                  </p:childTnLst>
+                                </p:cTn>
+                              </p:par>
+                              <p:par>
+                                <p:cTn id="17" presetID="1" presetClass="entr" presetSubtype="0" fill="hold" nodeType="withEffect">
+                                  <p:stCondLst>
+                                    <p:cond delay="0"/>
+                                  </p:stCondLst>
+                                  <p:childTnLst>
+                                    <p:set>
+                                      <p:cBhvr>
+                                        <p:cTn id="18" dur="1" fill="hold">
+                                          <p:stCondLst>
+                                            <p:cond delay="0"/>
+                                          </p:stCondLst>
+                                        </p:cTn>
+                                        <p:tgtEl>
+                                          <p:spTgt spid="2">
+                                            <p:txEl>
+                                              <p:pRg st="2" end="2"/>
+                                            </p:txEl>
+                                          </p:spTgt>
+                                        </p:tgtEl>
+                                        <p:attrNameLst>
+                                          <p:attrName>style.visibility</p:attrName>
+                                        </p:attrNameLst>
+                                      </p:cBhvr>
+                                      <p:to>
+                                        <p:strVal val="visible"/>
+                                      </p:to>
+                                    </p:set>
+                                  </p:childTnLst>
+                                </p:cTn>
+                              </p:par>
+                            </p:childTnLst>
+                          </p:cTn>
+                        </p:par>
+                      </p:childTnLst>
+                    </p:cTn>
+                  </p:par>
+                  <p:par>
+                    <p:cTn id="19" fill="hold">
+                      <p:stCondLst>
+                        <p:cond delay="indefinite"/>
+                      </p:stCondLst>
+                      <p:childTnLst>
+                        <p:par>
+                          <p:cTn id="20" fill="hold">
+                            <p:stCondLst>
+                              <p:cond delay="0"/>
+                            </p:stCondLst>
+                            <p:childTnLst>
+                              <p:par>
+                                <p:cTn id="21" presetID="1" presetClass="entr" presetSubtype="0" fill="hold" nodeType="clickEffect">
+                                  <p:stCondLst>
+                                    <p:cond delay="0"/>
+                                  </p:stCondLst>
+                                  <p:childTnLst>
+                                    <p:set>
+                                      <p:cBhvr>
+                                        <p:cTn id="22" dur="1" fill="hold">
+                                          <p:stCondLst>
+                                            <p:cond delay="0"/>
+                                          </p:stCondLst>
+                                        </p:cTn>
+                                        <p:tgtEl>
+                                          <p:spTgt spid="2">
+                                            <p:txEl>
+                                              <p:pRg st="4" end="4"/>
+                                            </p:txEl>
+                                          </p:spTgt>
+                                        </p:tgtEl>
+                                        <p:attrNameLst>
+                                          <p:attrName>style.visibility</p:attrName>
+                                        </p:attrNameLst>
+                                      </p:cBhvr>
+                                      <p:to>
+                                        <p:strVal val="visible"/>
+                                      </p:to>
+                                    </p:set>
+                                  </p:childTnLst>
+                                </p:cTn>
+                              </p:par>
+                              <p:par>
+                                <p:cTn id="23" presetID="1" presetClass="entr" presetSubtype="0" fill="hold" nodeType="withEffect">
+                                  <p:stCondLst>
+                                    <p:cond delay="0"/>
+                                  </p:stCondLst>
+                                  <p:childTnLst>
+                                    <p:set>
+                                      <p:cBhvr>
+                                        <p:cTn id="24" dur="1" fill="hold">
+                                          <p:stCondLst>
+                                            <p:cond delay="0"/>
+                                          </p:stCondLst>
+                                        </p:cTn>
+                                        <p:tgtEl>
+                                          <p:spTgt spid="2">
+                                            <p:txEl>
+                                              <p:pRg st="5" end="5"/>
+                                            </p:txEl>
+                                          </p:spTgt>
+                                        </p:tgtEl>
+                                        <p:attrNameLst>
+                                          <p:attrName>style.visibility</p:attrName>
+                                        </p:attrNameLst>
+                                      </p:cBhvr>
+                                      <p:to>
+                                        <p:strVal val="visible"/>
+                                      </p:to>
+                                    </p:set>
+                                  </p:childTnLst>
+                                </p:cTn>
+                              </p:par>
+                              <p:par>
+                                <p:cTn id="25" presetID="1" presetClass="entr" presetSubtype="0" fill="hold" nodeType="withEffect">
+                                  <p:stCondLst>
+                                    <p:cond delay="0"/>
+                                  </p:stCondLst>
+                                  <p:childTnLst>
+                                    <p:set>
+                                      <p:cBhvr>
+                                        <p:cTn id="26" dur="1" fill="hold">
+                                          <p:stCondLst>
+                                            <p:cond delay="0"/>
+                                          </p:stCondLst>
+                                        </p:cTn>
+                                        <p:tgtEl>
+                                          <p:spTgt spid="2">
+                                            <p:txEl>
+                                              <p:pRg st="6" end="6"/>
+                                            </p:txEl>
+                                          </p:spTgt>
+                                        </p:tgtEl>
+                                        <p:attrNameLst>
+                                          <p:attrName>style.visibility</p:attrName>
+                                        </p:attrNameLst>
+                                      </p:cBhvr>
+                                      <p:to>
+                                        <p:strVal val="visible"/>
+                                      </p:to>
+                                    </p:set>
+                                  </p:childTnLst>
+                                </p:cTn>
+                              </p:par>
+                            </p:childTnLst>
+                          </p:cTn>
+                        </p:par>
+                      </p:childTnLst>
+                    </p:cTn>
+                  </p:par>
+                </p:childTnLst>
+              </p:cTn>
+              <p:prevCondLst>
+                <p:cond evt="onPrev" delay="0">
+                  <p:tgtEl>
+                    <p:sldTgt/>
+                  </p:tgtEl>
+                </p:cond>
+              </p:prevCondLst>
+              <p:nextCondLst>
+                <p:cond evt="onNext" delay="0">
+                  <p:tgtEl>
+                    <p:sldTgt/>
+                  </p:tgtEl>
+                </p:cond>
+              </p:nextCondLst>
+            </p:seq>
+          </p:childTnLst>
+        </p:cTn>
+      </p:par>
+    </p:tnLst>
+    <p:bldLst>
+      <p:bldP spid="15" grpId="0" animBg="1"/>
+      <p:bldP spid="4" grpId="0" build="p"/>
+    </p:bldLst>
+  </p:timing>
+</p:sld>
+</file>
+
+<file path=ppt/slides/slide11.xml><?xml version="1.0" encoding="utf-8"?>
+<p:sld xmlns:a="http://schemas.openxmlformats.org/drawingml/2006/main" xmlns:r="http://schemas.openxmlformats.org/officeDocument/2006/relationships" xmlns:p="http://schemas.openxmlformats.org/presentationml/2006/main">
+  <p:cSld>
+    <p:spTree>
+      <p:nvGrpSpPr>
+        <p:cNvPr id="1" name=""/>
+        <p:cNvGrpSpPr/>
+        <p:nvPr/>
+      </p:nvGrpSpPr>
+      <p:grpSpPr>
+        <a:xfrm>
+          <a:off x="0" y="0"/>
+          <a:ext cx="0" cy="0"/>
+          <a:chOff x="0" y="0"/>
+          <a:chExt cx="0" cy="0"/>
+        </a:xfrm>
+      </p:grpSpPr>
+      <p:sp>
+        <p:nvSpPr>
+          <p:cNvPr id="27" name="Text Placeholder 2"/>
+          <p:cNvSpPr txBox="1">
+            <a:spLocks/>
+          </p:cNvSpPr>
+          <p:nvPr/>
+        </p:nvSpPr>
+        <p:spPr>
+          <a:xfrm rot="5400000">
+            <a:off x="5682853" y="2939653"/>
+            <a:ext cx="6400800" cy="521494"/>
+          </a:xfrm>
+          <a:prstGeom prst="rect">
+            <a:avLst/>
+          </a:prstGeom>
+        </p:spPr>
+        <p:txBody>
+          <a:bodyPr>
+            <a:noAutofit/>
+          </a:bodyPr>
+          <a:lstStyle>
+            <a:lvl1pPr marL="342900" indent="-342900" algn="l" defTabSz="914400" rtl="0" eaLnBrk="1" latinLnBrk="0" hangingPunct="1">
+              <a:spcBef>
+                <a:spcPct val="20000"/>
+              </a:spcBef>
+              <a:buFont typeface="Arial" pitchFamily="34" charset="0"/>
+              <a:buChar char="•"/>
+              <a:defRPr sz="3200" kern="1200">
+                <a:solidFill>
+                  <a:schemeClr val="tx1"/>
+                </a:solidFill>
+                <a:latin typeface="+mn-lt"/>
+                <a:ea typeface="+mn-ea"/>
+                <a:cs typeface="+mn-cs"/>
+              </a:defRPr>
+            </a:lvl1pPr>
+            <a:lvl2pPr marL="742950" indent="-285750" algn="l" defTabSz="914400" rtl="0" eaLnBrk="1" latinLnBrk="0" hangingPunct="1">
+              <a:spcBef>
+                <a:spcPct val="20000"/>
+              </a:spcBef>
+              <a:buFont typeface="Arial" pitchFamily="34" charset="0"/>
+              <a:buChar char="–"/>
+              <a:defRPr sz="2800" kern="1200">
+                <a:solidFill>
+                  <a:schemeClr val="tx1"/>
+                </a:solidFill>
+                <a:latin typeface="+mn-lt"/>
+                <a:ea typeface="+mn-ea"/>
+                <a:cs typeface="+mn-cs"/>
+              </a:defRPr>
+            </a:lvl2pPr>
+            <a:lvl3pPr marL="1143000" indent="-228600" algn="l" defTabSz="914400" rtl="0" eaLnBrk="1" latinLnBrk="0" hangingPunct="1">
+              <a:spcBef>
+                <a:spcPct val="20000"/>
+              </a:spcBef>
+              <a:buFont typeface="Arial" pitchFamily="34" charset="0"/>
+              <a:buChar char="•"/>
+              <a:defRPr sz="2400" kern="1200">
+                <a:solidFill>
+                  <a:schemeClr val="tx1"/>
+                </a:solidFill>
+                <a:latin typeface="+mn-lt"/>
+                <a:ea typeface="+mn-ea"/>
+                <a:cs typeface="+mn-cs"/>
+              </a:defRPr>
+            </a:lvl3pPr>
+            <a:lvl4pPr marL="1600200" indent="-228600" algn="l" defTabSz="914400" rtl="0" eaLnBrk="1" latinLnBrk="0" hangingPunct="1">
+              <a:spcBef>
+                <a:spcPct val="20000"/>
+              </a:spcBef>
+              <a:buFont typeface="Arial" pitchFamily="34" charset="0"/>
+              <a:buChar char="–"/>
+              <a:defRPr sz="2000" kern="1200">
+                <a:solidFill>
+                  <a:schemeClr val="tx1"/>
+                </a:solidFill>
+                <a:latin typeface="+mn-lt"/>
+                <a:ea typeface="+mn-ea"/>
+                <a:cs typeface="+mn-cs"/>
+              </a:defRPr>
+            </a:lvl4pPr>
+            <a:lvl5pPr marL="2057400" indent="-228600" algn="l" defTabSz="914400" rtl="0" eaLnBrk="1" latinLnBrk="0" hangingPunct="1">
+              <a:spcBef>
+                <a:spcPct val="20000"/>
+              </a:spcBef>
+              <a:buFont typeface="Arial" pitchFamily="34" charset="0"/>
+              <a:buChar char="»"/>
+              <a:defRPr sz="2000" kern="1200">
+                <a:solidFill>
+                  <a:schemeClr val="tx1"/>
+                </a:solidFill>
+                <a:latin typeface="+mn-lt"/>
+                <a:ea typeface="+mn-ea"/>
+                <a:cs typeface="+mn-cs"/>
+              </a:defRPr>
+            </a:lvl5pPr>
+            <a:lvl6pPr marL="2514600" indent="-228600" algn="l" defTabSz="914400" rtl="0" eaLnBrk="1" latinLnBrk="0" hangingPunct="1">
+              <a:spcBef>
+                <a:spcPct val="20000"/>
+              </a:spcBef>
+              <a:buFont typeface="Arial" pitchFamily="34" charset="0"/>
+              <a:buChar char="•"/>
+              <a:defRPr sz="2000" kern="1200">
+                <a:solidFill>
+                  <a:schemeClr val="tx1"/>
+                </a:solidFill>
+                <a:latin typeface="+mn-lt"/>
+                <a:ea typeface="+mn-ea"/>
+                <a:cs typeface="+mn-cs"/>
+              </a:defRPr>
+            </a:lvl6pPr>
+            <a:lvl7pPr marL="2971800" indent="-228600" algn="l" defTabSz="914400" rtl="0" eaLnBrk="1" latinLnBrk="0" hangingPunct="1">
+              <a:spcBef>
+                <a:spcPct val="20000"/>
+              </a:spcBef>
+              <a:buFont typeface="Arial" pitchFamily="34" charset="0"/>
+              <a:buChar char="•"/>
+              <a:defRPr sz="2000" kern="1200">
+                <a:solidFill>
+                  <a:schemeClr val="tx1"/>
+                </a:solidFill>
+                <a:latin typeface="+mn-lt"/>
+                <a:ea typeface="+mn-ea"/>
+                <a:cs typeface="+mn-cs"/>
+              </a:defRPr>
+            </a:lvl7pPr>
+            <a:lvl8pPr marL="3429000" indent="-228600" algn="l" defTabSz="914400" rtl="0" eaLnBrk="1" latinLnBrk="0" hangingPunct="1">
+              <a:spcBef>
+                <a:spcPct val="20000"/>
+              </a:spcBef>
+              <a:buFont typeface="Arial" pitchFamily="34" charset="0"/>
+              <a:buChar char="•"/>
+              <a:defRPr sz="2000" kern="1200">
+                <a:solidFill>
+                  <a:schemeClr val="tx1"/>
+                </a:solidFill>
+                <a:latin typeface="+mn-lt"/>
+                <a:ea typeface="+mn-ea"/>
+                <a:cs typeface="+mn-cs"/>
+              </a:defRPr>
+            </a:lvl8pPr>
+            <a:lvl9pPr marL="3886200" indent="-228600" algn="l" defTabSz="914400" rtl="0" eaLnBrk="1" latinLnBrk="0" hangingPunct="1">
+              <a:spcBef>
+                <a:spcPct val="20000"/>
+              </a:spcBef>
+              <a:buFont typeface="Arial" pitchFamily="34" charset="0"/>
+              <a:buChar char="•"/>
+              <a:defRPr sz="2000" kern="1200">
+                <a:solidFill>
+                  <a:schemeClr val="tx1"/>
+                </a:solidFill>
+                <a:latin typeface="+mn-lt"/>
+                <a:ea typeface="+mn-ea"/>
+                <a:cs typeface="+mn-cs"/>
+              </a:defRPr>
+            </a:lvl9pPr>
+          </a:lstStyle>
+          <a:p>
+            <a:pPr>
+              <a:buFont typeface="Arial" pitchFamily="34" charset="0"/>
+              <a:buNone/>
+            </a:pPr>
+            <a:r>
+              <a:rPr lang="en-US" b="1" dirty="0" smtClean="0"/>
+              <a:t>Agenda</a:t>
+            </a:r>
+            <a:endParaRPr lang="en-US" b="1" dirty="0"/>
+          </a:p>
+        </p:txBody>
+      </p:sp>
+      <p:sp>
+        <p:nvSpPr>
+          <p:cNvPr id="2" name="TextBox 1"/>
+          <p:cNvSpPr txBox="1"/>
+          <p:nvPr/>
+        </p:nvSpPr>
+        <p:spPr>
+          <a:xfrm>
+            <a:off x="228600" y="381000"/>
+            <a:ext cx="8077200" cy="5755422"/>
+          </a:xfrm>
+          <a:prstGeom prst="rect">
+            <a:avLst/>
+          </a:prstGeom>
+          <a:noFill/>
+        </p:spPr>
+        <p:txBody>
+          <a:bodyPr wrap="square" rtlCol="0">
+            <a:spAutoFit/>
+          </a:bodyPr>
+          <a:lstStyle/>
+          <a:p>
+            <a:pPr marL="285750" indent="-285750">
+              <a:buFont typeface="Arial" panose="020B0604020202020204" pitchFamily="34" charset="0"/>
+              <a:buChar char="•"/>
+            </a:pPr>
+            <a:r>
+              <a:rPr lang="en-US" sz="3600" dirty="0"/>
+              <a:t>What is the </a:t>
+            </a:r>
+            <a:r>
+              <a:rPr lang="en-US" sz="3600" dirty="0" err="1"/>
+              <a:t>WebAPI</a:t>
+            </a:r>
+            <a:r>
+              <a:rPr lang="en-US" sz="3600" dirty="0"/>
+              <a:t>?</a:t>
+            </a:r>
+          </a:p>
+          <a:p>
+            <a:pPr marL="285750" indent="-285750">
+              <a:buFont typeface="Arial" panose="020B0604020202020204" pitchFamily="34" charset="0"/>
+              <a:buChar char="•"/>
+            </a:pPr>
+            <a:endParaRPr lang="en-US" dirty="0"/>
+          </a:p>
+          <a:p>
+            <a:pPr marL="285750" indent="-285750">
+              <a:buFont typeface="Arial" panose="020B0604020202020204" pitchFamily="34" charset="0"/>
+              <a:buChar char="•"/>
+            </a:pPr>
+            <a:r>
+              <a:rPr lang="en-US" sz="3600" dirty="0"/>
+              <a:t>How is this different from </a:t>
+            </a:r>
+          </a:p>
+          <a:p>
+            <a:pPr marL="742950" lvl="1" indent="-285750">
+              <a:buFont typeface="Arial" panose="020B0604020202020204" pitchFamily="34" charset="0"/>
+              <a:buChar char="•"/>
+            </a:pPr>
+            <a:r>
+              <a:rPr lang="en-US" sz="2800" dirty="0" err="1"/>
+              <a:t>Asp.Net</a:t>
+            </a:r>
+            <a:r>
+              <a:rPr lang="en-US" sz="2800" dirty="0"/>
+              <a:t> MVC</a:t>
+            </a:r>
+          </a:p>
+          <a:p>
+            <a:pPr marL="742950" lvl="1" indent="-285750">
+              <a:buFont typeface="Arial" panose="020B0604020202020204" pitchFamily="34" charset="0"/>
+              <a:buChar char="•"/>
+            </a:pPr>
+            <a:r>
+              <a:rPr lang="en-US" sz="2800" dirty="0"/>
+              <a:t>WCF</a:t>
+            </a:r>
+          </a:p>
+          <a:p>
+            <a:pPr lvl="1"/>
+            <a:endParaRPr lang="en-US" dirty="0"/>
+          </a:p>
+          <a:p>
+            <a:pPr marL="285750" indent="-285750">
+              <a:buFont typeface="Arial" panose="020B0604020202020204" pitchFamily="34" charset="0"/>
+              <a:buChar char="•"/>
+            </a:pPr>
+            <a:r>
+              <a:rPr lang="en-US" sz="3600" dirty="0">
+                <a:solidFill>
+                  <a:schemeClr val="accent6">
+                    <a:lumMod val="75000"/>
+                  </a:schemeClr>
+                </a:solidFill>
+              </a:rPr>
+              <a:t>How do I?</a:t>
+            </a:r>
+          </a:p>
+          <a:p>
+            <a:pPr marL="742950" lvl="1" indent="-285750">
+              <a:buFont typeface="Arial" panose="020B0604020202020204" pitchFamily="34" charset="0"/>
+              <a:buChar char="•"/>
+            </a:pPr>
+            <a:r>
+              <a:rPr lang="en-US" sz="2800" u="sng" dirty="0">
+                <a:solidFill>
+                  <a:schemeClr val="accent6">
+                    <a:lumMod val="75000"/>
+                  </a:schemeClr>
+                </a:solidFill>
+              </a:rPr>
+              <a:t>Hosting Options</a:t>
+            </a:r>
+          </a:p>
+          <a:p>
+            <a:pPr marL="742950" lvl="1" indent="-285750">
+              <a:buFont typeface="Arial" panose="020B0604020202020204" pitchFamily="34" charset="0"/>
+              <a:buChar char="•"/>
+            </a:pPr>
+            <a:r>
+              <a:rPr lang="en-US" sz="2800" dirty="0" smtClean="0"/>
+              <a:t>Actions</a:t>
+            </a:r>
+            <a:endParaRPr lang="en-US" sz="2800" dirty="0"/>
+          </a:p>
+          <a:p>
+            <a:pPr marL="742950" lvl="1" indent="-285750">
+              <a:buFont typeface="Arial" panose="020B0604020202020204" pitchFamily="34" charset="0"/>
+              <a:buChar char="•"/>
+            </a:pPr>
+            <a:r>
+              <a:rPr lang="en-US" sz="2800" dirty="0"/>
+              <a:t>Routing</a:t>
+            </a:r>
+          </a:p>
+          <a:p>
+            <a:pPr marL="742950" lvl="1" indent="-285750">
+              <a:buFont typeface="Arial" panose="020B0604020202020204" pitchFamily="34" charset="0"/>
+              <a:buChar char="•"/>
+            </a:pPr>
+            <a:r>
+              <a:rPr lang="en-US" sz="2800" dirty="0" smtClean="0"/>
+              <a:t>Filters</a:t>
+            </a:r>
+          </a:p>
+          <a:p>
+            <a:pPr marL="742950" lvl="1" indent="-285750">
+              <a:buFont typeface="Arial" panose="020B0604020202020204" pitchFamily="34" charset="0"/>
+              <a:buChar char="•"/>
+            </a:pPr>
+            <a:r>
+              <a:rPr lang="en-US" sz="2800" dirty="0"/>
+              <a:t>Model Binding</a:t>
+            </a:r>
+          </a:p>
+          <a:p>
+            <a:pPr marL="742950" lvl="1" indent="-285750">
+              <a:buFont typeface="Arial" panose="020B0604020202020204" pitchFamily="34" charset="0"/>
+              <a:buChar char="•"/>
+            </a:pPr>
+            <a:r>
+              <a:rPr lang="en-US" sz="2800" dirty="0"/>
+              <a:t>Dependency Injection</a:t>
+            </a:r>
+          </a:p>
+        </p:txBody>
+      </p:sp>
+    </p:spTree>
+    <p:extLst>
+      <p:ext uri="{BB962C8B-B14F-4D97-AF65-F5344CB8AC3E}">
+        <p14:creationId xmlns:p14="http://schemas.microsoft.com/office/powerpoint/2010/main" val="2464803294"/>
+      </p:ext>
+    </p:extLst>
+  </p:cSld>
+  <p:clrMapOvr>
+    <a:masterClrMapping/>
+  </p:clrMapOvr>
+  <p:transition spd="slow">
+    <p:wipe/>
+  </p:transition>
+  <p:timing>
+    <p:tnLst>
+      <p:par>
+        <p:cTn id="1" dur="indefinite" restart="never" nodeType="tmRoot">
+          <p:childTnLst>
+            <p:seq concurrent="1" nextAc="seek">
+              <p:cTn id="2" dur="indefinite" nodeType="mainSeq">
+                <p:childTnLst>
+                  <p:par>
+                    <p:cTn id="3" fill="hold">
+                      <p:stCondLst>
+                        <p:cond delay="indefinite"/>
+                        <p:cond evt="onBegin" delay="0">
+                          <p:tn val="2"/>
+                        </p:cond>
+                      </p:stCondLst>
+                      <p:childTnLst>
+                        <p:par>
+                          <p:cTn id="4" fill="hold">
+                            <p:stCondLst>
+                              <p:cond delay="0"/>
+                            </p:stCondLst>
+                            <p:childTnLst>
+                              <p:par>
+                                <p:cTn id="5" presetID="10" presetClass="entr" presetSubtype="0" fill="hold" grpId="0" nodeType="afterEffect">
+                                  <p:stCondLst>
+                                    <p:cond delay="0"/>
+                                  </p:stCondLst>
+                                  <p:childTnLst>
+                                    <p:set>
+                                      <p:cBhvr>
+                                        <p:cTn id="6" dur="1" fill="hold">
+                                          <p:stCondLst>
+                                            <p:cond delay="0"/>
+                                          </p:stCondLst>
+                                        </p:cTn>
+                                        <p:tgtEl>
+                                          <p:spTgt spid="27">
+                                            <p:txEl>
+                                              <p:pRg st="0" end="0"/>
+                                            </p:txEl>
+                                          </p:spTgt>
+                                        </p:tgtEl>
+                                        <p:attrNameLst>
+                                          <p:attrName>style.visibility</p:attrName>
+                                        </p:attrNameLst>
+                                      </p:cBhvr>
+                                      <p:to>
+                                        <p:strVal val="visible"/>
+                                      </p:to>
+                                    </p:set>
+                                    <p:animEffect transition="in" filter="fade">
+                                      <p:cBhvr>
+                                        <p:cTn id="7" dur="1000"/>
+                                        <p:tgtEl>
+                                          <p:spTgt spid="27">
+                                            <p:txEl>
+                                              <p:pRg st="0" end="0"/>
+                                            </p:txEl>
+                                          </p:spTgt>
+                                        </p:tgtEl>
+                                      </p:cBhvr>
+                                    </p:animEffect>
+                                  </p:childTnLst>
+                                </p:cTn>
+                              </p:par>
+                            </p:childTnLst>
+                          </p:cTn>
+                        </p:par>
+                      </p:childTnLst>
+                    </p:cTn>
+                  </p:par>
+                </p:childTnLst>
+              </p:cTn>
+              <p:prevCondLst>
+                <p:cond evt="onPrev" delay="0">
+                  <p:tgtEl>
+                    <p:sldTgt/>
+                  </p:tgtEl>
+                </p:cond>
+              </p:prevCondLst>
+              <p:nextCondLst>
+                <p:cond evt="onNext" delay="0">
+                  <p:tgtEl>
+                    <p:sldTgt/>
+                  </p:tgtEl>
+                </p:cond>
+              </p:nextCondLst>
+            </p:seq>
+          </p:childTnLst>
+        </p:cTn>
+      </p:par>
+    </p:tnLst>
+    <p:bldLst>
+      <p:bldP spid="27" grpId="0" build="p"/>
+    </p:bldLst>
+  </p:timing>
+</p:sld>
+</file>
+
+<file path=ppt/slides/slide12.xml><?xml version="1.0" encoding="utf-8"?>
+<p:sld xmlns:a="http://schemas.openxmlformats.org/drawingml/2006/main" xmlns:r="http://schemas.openxmlformats.org/officeDocument/2006/relationships" xmlns:p="http://schemas.openxmlformats.org/presentationml/2006/main">
+  <p:cSld>
+    <p:spTree>
+      <p:nvGrpSpPr>
+        <p:cNvPr id="1" name=""/>
+        <p:cNvGrpSpPr/>
+        <p:nvPr/>
+      </p:nvGrpSpPr>
+      <p:grpSpPr>
+        <a:xfrm>
+          <a:off x="0" y="0"/>
+          <a:ext cx="0" cy="0"/>
+          <a:chOff x="0" y="0"/>
+          <a:chExt cx="0" cy="0"/>
+        </a:xfrm>
+      </p:grpSpPr>
+      <p:sp>
+        <p:nvSpPr>
+          <p:cNvPr id="15" name="TextBox 14"/>
+          <p:cNvSpPr txBox="1"/>
+          <p:nvPr/>
+        </p:nvSpPr>
+        <p:spPr>
+          <a:xfrm>
+            <a:off x="0" y="533400"/>
+            <a:ext cx="4343400" cy="461665"/>
+          </a:xfrm>
+          <a:prstGeom prst="rect">
+            <a:avLst/>
+          </a:prstGeom>
+          <a:solidFill>
+            <a:schemeClr val="tx1">
+              <a:lumMod val="95000"/>
+              <a:lumOff val="5000"/>
+              <a:alpha val="55000"/>
+            </a:schemeClr>
+          </a:solidFill>
+        </p:spPr>
+        <p:txBody>
+          <a:bodyPr wrap="square" rtlCol="0" anchor="ctr" anchorCtr="0">
+            <a:normAutofit/>
+          </a:bodyPr>
+          <a:lstStyle/>
+          <a:p>
+            <a:r>
+              <a:rPr lang="en-US" sz="2400" dirty="0" smtClean="0">
+                <a:solidFill>
+                  <a:schemeClr val="bg1"/>
+                </a:solidFill>
+              </a:rPr>
+              <a:t>Hosting Option 1 – IIS Hosting</a:t>
+            </a:r>
+            <a:endParaRPr lang="en-US" sz="2400" b="1" dirty="0">
+              <a:solidFill>
+                <a:schemeClr val="bg1"/>
+              </a:solidFill>
+            </a:endParaRPr>
+          </a:p>
+        </p:txBody>
+      </p:sp>
+      <p:sp>
+        <p:nvSpPr>
+          <p:cNvPr id="2" name="TextBox 1"/>
+          <p:cNvSpPr txBox="1"/>
+          <p:nvPr/>
+        </p:nvSpPr>
+        <p:spPr>
+          <a:xfrm>
+            <a:off x="304800" y="1280279"/>
+            <a:ext cx="8001000" cy="3600986"/>
+          </a:xfrm>
+          <a:prstGeom prst="rect">
+            <a:avLst/>
+          </a:prstGeom>
+          <a:noFill/>
+        </p:spPr>
+        <p:txBody>
+          <a:bodyPr wrap="square" rtlCol="0">
+            <a:spAutoFit/>
+          </a:bodyPr>
+          <a:lstStyle/>
+          <a:p>
+            <a:r>
+              <a:rPr lang="en-US" sz="3600" dirty="0"/>
+              <a:t>Why </a:t>
+            </a:r>
+            <a:r>
+              <a:rPr lang="en-US" sz="3600" dirty="0" smtClean="0"/>
+              <a:t>IIS Host</a:t>
+            </a:r>
+            <a:r>
+              <a:rPr lang="en-US" sz="3600" dirty="0"/>
+              <a:t>?</a:t>
+            </a:r>
+          </a:p>
+          <a:p>
+            <a:r>
+              <a:rPr lang="en-US" dirty="0"/>
+              <a:t>	</a:t>
+            </a:r>
+            <a:r>
+              <a:rPr lang="en-US" sz="2800" dirty="0" smtClean="0"/>
+              <a:t>It’s the default</a:t>
+            </a:r>
+          </a:p>
+          <a:p>
+            <a:r>
+              <a:rPr lang="en-US" sz="2800" dirty="0" smtClean="0"/>
+              <a:t>	You get the built in scalability of IIS</a:t>
+            </a:r>
+          </a:p>
+          <a:p>
+            <a:endParaRPr lang="en-US" dirty="0"/>
+          </a:p>
+          <a:p>
+            <a:r>
+              <a:rPr lang="en-US" sz="3600" dirty="0" smtClean="0"/>
+              <a:t>Special Instructions </a:t>
+            </a:r>
+            <a:endParaRPr lang="en-US" sz="3600" dirty="0"/>
+          </a:p>
+          <a:p>
+            <a:r>
+              <a:rPr lang="en-US" dirty="0"/>
+              <a:t>	</a:t>
+            </a:r>
+            <a:r>
+              <a:rPr lang="en-US" sz="2800" dirty="0" smtClean="0"/>
+              <a:t>None – It pretty much just works</a:t>
+            </a:r>
+          </a:p>
+          <a:p>
+            <a:endParaRPr lang="en-US" dirty="0"/>
+          </a:p>
+          <a:p>
+            <a:r>
+              <a:rPr lang="en-US" sz="3600" dirty="0" smtClean="0"/>
+              <a:t>Demo Time</a:t>
+            </a:r>
+            <a:endParaRPr lang="en-US" sz="3600" dirty="0"/>
+          </a:p>
+        </p:txBody>
+      </p:sp>
+      <p:sp>
+        <p:nvSpPr>
+          <p:cNvPr id="4" name="Text Placeholder 2"/>
+          <p:cNvSpPr txBox="1">
+            <a:spLocks/>
+          </p:cNvSpPr>
+          <p:nvPr/>
+        </p:nvSpPr>
+        <p:spPr>
+          <a:xfrm rot="5400000">
+            <a:off x="5682853" y="2939653"/>
+            <a:ext cx="6400800" cy="521494"/>
+          </a:xfrm>
+          <a:prstGeom prst="rect">
+            <a:avLst/>
+          </a:prstGeom>
+        </p:spPr>
+        <p:txBody>
+          <a:bodyPr>
+            <a:noAutofit/>
+          </a:bodyPr>
+          <a:lstStyle>
+            <a:lvl1pPr marL="342900" indent="-342900" algn="l" defTabSz="914400" rtl="0" eaLnBrk="1" latinLnBrk="0" hangingPunct="1">
+              <a:spcBef>
+                <a:spcPct val="20000"/>
+              </a:spcBef>
+              <a:buFont typeface="Arial" pitchFamily="34" charset="0"/>
+              <a:buChar char="•"/>
+              <a:defRPr sz="3200" kern="1200">
+                <a:solidFill>
+                  <a:schemeClr val="tx1"/>
+                </a:solidFill>
+                <a:latin typeface="+mn-lt"/>
+                <a:ea typeface="+mn-ea"/>
+                <a:cs typeface="+mn-cs"/>
+              </a:defRPr>
+            </a:lvl1pPr>
+            <a:lvl2pPr marL="742950" indent="-285750" algn="l" defTabSz="914400" rtl="0" eaLnBrk="1" latinLnBrk="0" hangingPunct="1">
+              <a:spcBef>
+                <a:spcPct val="20000"/>
+              </a:spcBef>
+              <a:buFont typeface="Arial" pitchFamily="34" charset="0"/>
+              <a:buChar char="–"/>
+              <a:defRPr sz="2800" kern="1200">
+                <a:solidFill>
+                  <a:schemeClr val="tx1"/>
+                </a:solidFill>
+                <a:latin typeface="+mn-lt"/>
+                <a:ea typeface="+mn-ea"/>
+                <a:cs typeface="+mn-cs"/>
+              </a:defRPr>
+            </a:lvl2pPr>
+            <a:lvl3pPr marL="1143000" indent="-228600" algn="l" defTabSz="914400" rtl="0" eaLnBrk="1" latinLnBrk="0" hangingPunct="1">
+              <a:spcBef>
+                <a:spcPct val="20000"/>
+              </a:spcBef>
+              <a:buFont typeface="Arial" pitchFamily="34" charset="0"/>
+              <a:buChar char="•"/>
+              <a:defRPr sz="2400" kern="1200">
+                <a:solidFill>
+                  <a:schemeClr val="tx1"/>
+                </a:solidFill>
+                <a:latin typeface="+mn-lt"/>
+                <a:ea typeface="+mn-ea"/>
+                <a:cs typeface="+mn-cs"/>
+              </a:defRPr>
+            </a:lvl3pPr>
+            <a:lvl4pPr marL="1600200" indent="-228600" algn="l" defTabSz="914400" rtl="0" eaLnBrk="1" latinLnBrk="0" hangingPunct="1">
+              <a:spcBef>
+                <a:spcPct val="20000"/>
+              </a:spcBef>
+              <a:buFont typeface="Arial" pitchFamily="34" charset="0"/>
+              <a:buChar char="–"/>
+              <a:defRPr sz="2000" kern="1200">
+                <a:solidFill>
+                  <a:schemeClr val="tx1"/>
+                </a:solidFill>
+                <a:latin typeface="+mn-lt"/>
+                <a:ea typeface="+mn-ea"/>
+                <a:cs typeface="+mn-cs"/>
+              </a:defRPr>
+            </a:lvl4pPr>
+            <a:lvl5pPr marL="2057400" indent="-228600" algn="l" defTabSz="914400" rtl="0" eaLnBrk="1" latinLnBrk="0" hangingPunct="1">
+              <a:spcBef>
+                <a:spcPct val="20000"/>
+              </a:spcBef>
+              <a:buFont typeface="Arial" pitchFamily="34" charset="0"/>
+              <a:buChar char="»"/>
+              <a:defRPr sz="2000" kern="1200">
+                <a:solidFill>
+                  <a:schemeClr val="tx1"/>
+                </a:solidFill>
+                <a:latin typeface="+mn-lt"/>
+                <a:ea typeface="+mn-ea"/>
+                <a:cs typeface="+mn-cs"/>
+              </a:defRPr>
+            </a:lvl5pPr>
+            <a:lvl6pPr marL="2514600" indent="-228600" algn="l" defTabSz="914400" rtl="0" eaLnBrk="1" latinLnBrk="0" hangingPunct="1">
+              <a:spcBef>
+                <a:spcPct val="20000"/>
+              </a:spcBef>
+              <a:buFont typeface="Arial" pitchFamily="34" charset="0"/>
+              <a:buChar char="•"/>
+              <a:defRPr sz="2000" kern="1200">
+                <a:solidFill>
+                  <a:schemeClr val="tx1"/>
+                </a:solidFill>
+                <a:latin typeface="+mn-lt"/>
+                <a:ea typeface="+mn-ea"/>
+                <a:cs typeface="+mn-cs"/>
+              </a:defRPr>
+            </a:lvl6pPr>
+            <a:lvl7pPr marL="2971800" indent="-228600" algn="l" defTabSz="914400" rtl="0" eaLnBrk="1" latinLnBrk="0" hangingPunct="1">
+              <a:spcBef>
+                <a:spcPct val="20000"/>
+              </a:spcBef>
+              <a:buFont typeface="Arial" pitchFamily="34" charset="0"/>
+              <a:buChar char="•"/>
+              <a:defRPr sz="2000" kern="1200">
+                <a:solidFill>
+                  <a:schemeClr val="tx1"/>
+                </a:solidFill>
+                <a:latin typeface="+mn-lt"/>
+                <a:ea typeface="+mn-ea"/>
+                <a:cs typeface="+mn-cs"/>
+              </a:defRPr>
+            </a:lvl7pPr>
+            <a:lvl8pPr marL="3429000" indent="-228600" algn="l" defTabSz="914400" rtl="0" eaLnBrk="1" latinLnBrk="0" hangingPunct="1">
+              <a:spcBef>
+                <a:spcPct val="20000"/>
+              </a:spcBef>
+              <a:buFont typeface="Arial" pitchFamily="34" charset="0"/>
+              <a:buChar char="•"/>
+              <a:defRPr sz="2000" kern="1200">
+                <a:solidFill>
+                  <a:schemeClr val="tx1"/>
+                </a:solidFill>
+                <a:latin typeface="+mn-lt"/>
+                <a:ea typeface="+mn-ea"/>
+                <a:cs typeface="+mn-cs"/>
+              </a:defRPr>
+            </a:lvl8pPr>
+            <a:lvl9pPr marL="3886200" indent="-228600" algn="l" defTabSz="914400" rtl="0" eaLnBrk="1" latinLnBrk="0" hangingPunct="1">
+              <a:spcBef>
+                <a:spcPct val="20000"/>
+              </a:spcBef>
+              <a:buFont typeface="Arial" pitchFamily="34" charset="0"/>
+              <a:buChar char="•"/>
+              <a:defRPr sz="2000" kern="1200">
+                <a:solidFill>
+                  <a:schemeClr val="tx1"/>
+                </a:solidFill>
+                <a:latin typeface="+mn-lt"/>
+                <a:ea typeface="+mn-ea"/>
+                <a:cs typeface="+mn-cs"/>
+              </a:defRPr>
+            </a:lvl9pPr>
+          </a:lstStyle>
+          <a:p>
+            <a:pPr>
+              <a:buFont typeface="Arial" pitchFamily="34" charset="0"/>
+              <a:buNone/>
+            </a:pPr>
+            <a:endParaRPr lang="en-US" b="1" dirty="0"/>
+          </a:p>
+        </p:txBody>
+      </p:sp>
+    </p:spTree>
+    <p:extLst>
+      <p:ext uri="{BB962C8B-B14F-4D97-AF65-F5344CB8AC3E}">
+        <p14:creationId xmlns:p14="http://schemas.microsoft.com/office/powerpoint/2010/main" val="1523277164"/>
+      </p:ext>
+    </p:extLst>
+  </p:cSld>
+  <p:clrMapOvr>
+    <a:masterClrMapping/>
+  </p:clrMapOvr>
+  <p:transition spd="slow">
+    <p:wipe/>
+  </p:transition>
+  <p:timing>
+    <p:tnLst>
+      <p:par>
+        <p:cTn id="1" dur="indefinite" restart="never" nodeType="tmRoot">
+          <p:childTnLst>
+            <p:seq concurrent="1" nextAc="seek">
+              <p:cTn id="2" dur="indefinite" nodeType="mainSeq">
+                <p:childTnLst>
+                  <p:par>
+                    <p:cTn id="3" fill="hold">
+                      <p:stCondLst>
+                        <p:cond delay="indefinite"/>
+                        <p:cond evt="onBegin" delay="0">
+                          <p:tn val="2"/>
+                        </p:cond>
+                      </p:stCondLst>
+                      <p:childTnLst>
+                        <p:par>
+                          <p:cTn id="4" fill="hold">
+                            <p:stCondLst>
+                              <p:cond delay="0"/>
+                            </p:stCondLst>
+                            <p:childTnLst>
+                              <p:par>
+                                <p:cTn id="5" presetID="2" presetClass="entr" presetSubtype="8" fill="hold" grpId="0" nodeType="afterEffect">
+                                  <p:stCondLst>
+                                    <p:cond delay="100"/>
+                                  </p:stCondLst>
+                                  <p:childTnLst>
+                                    <p:set>
+                                      <p:cBhvr>
+                                        <p:cTn id="6" dur="1" fill="hold">
+                                          <p:stCondLst>
+                                            <p:cond delay="0"/>
+                                          </p:stCondLst>
+                                        </p:cTn>
+                                        <p:tgtEl>
+                                          <p:spTgt spid="15"/>
+                                        </p:tgtEl>
+                                        <p:attrNameLst>
+                                          <p:attrName>style.visibility</p:attrName>
+                                        </p:attrNameLst>
+                                      </p:cBhvr>
+                                      <p:to>
+                                        <p:strVal val="visible"/>
+                                      </p:to>
+                                    </p:set>
+                                    <p:anim calcmode="lin" valueType="num">
+                                      <p:cBhvr additive="base">
+                                        <p:cTn id="7" dur="500" fill="hold"/>
+                                        <p:tgtEl>
+                                          <p:spTgt spid="15"/>
+                                        </p:tgtEl>
+                                        <p:attrNameLst>
+                                          <p:attrName>ppt_x</p:attrName>
+                                        </p:attrNameLst>
+                                      </p:cBhvr>
+                                      <p:tavLst>
+                                        <p:tav tm="0">
+                                          <p:val>
+                                            <p:strVal val="0-#ppt_w/2"/>
+                                          </p:val>
+                                        </p:tav>
+                                        <p:tav tm="100000">
+                                          <p:val>
+                                            <p:strVal val="#ppt_x"/>
+                                          </p:val>
+                                        </p:tav>
+                                      </p:tavLst>
+                                    </p:anim>
+                                    <p:anim calcmode="lin" valueType="num">
+                                      <p:cBhvr additive="base">
+                                        <p:cTn id="8" dur="500" fill="hold"/>
+                                        <p:tgtEl>
+                                          <p:spTgt spid="15"/>
+                                        </p:tgtEl>
+                                        <p:attrNameLst>
+                                          <p:attrName>ppt_y</p:attrName>
+                                        </p:attrNameLst>
+                                      </p:cBhvr>
+                                      <p:tavLst>
+                                        <p:tav tm="0">
+                                          <p:val>
+                                            <p:strVal val="#ppt_y"/>
+                                          </p:val>
+                                        </p:tav>
+                                        <p:tav tm="100000">
+                                          <p:val>
+                                            <p:strVal val="#ppt_y"/>
+                                          </p:val>
+                                        </p:tav>
+                                      </p:tavLst>
+                                    </p:anim>
+                                  </p:childTnLst>
+                                </p:cTn>
+                              </p:par>
+                            </p:childTnLst>
+                          </p:cTn>
+                        </p:par>
+                        <p:par>
+                          <p:cTn id="9" fill="hold">
+                            <p:stCondLst>
+                              <p:cond delay="600"/>
+                            </p:stCondLst>
+                            <p:childTnLst>
+                              <p:par>
+                                <p:cTn id="10" presetID="10" presetClass="entr" presetSubtype="0" fill="hold" grpId="0" nodeType="afterEffect" nodePh="1">
+                                  <p:stCondLst>
+                                    <p:cond delay="0"/>
+                                  </p:stCondLst>
+                                  <p:endCondLst>
+                                    <p:cond evt="begin" delay="0">
+                                      <p:tn val="10"/>
+                                    </p:cond>
+                                  </p:endCondLst>
+                                  <p:childTnLst>
+                                    <p:set>
+                                      <p:cBhvr>
+                                        <p:cTn id="11" dur="1" fill="hold">
+                                          <p:stCondLst>
+                                            <p:cond delay="0"/>
+                                          </p:stCondLst>
+                                        </p:cTn>
+                                        <p:tgtEl>
+                                          <p:spTgt spid="4">
+                                            <p:txEl>
+                                              <p:pRg st="0" end="0"/>
+                                            </p:txEl>
+                                          </p:spTgt>
+                                        </p:tgtEl>
+                                        <p:attrNameLst>
+                                          <p:attrName>style.visibility</p:attrName>
+                                        </p:attrNameLst>
+                                      </p:cBhvr>
+                                      <p:to>
+                                        <p:strVal val="visible"/>
+                                      </p:to>
+                                    </p:set>
+                                    <p:animEffect transition="in" filter="fade">
+                                      <p:cBhvr>
+                                        <p:cTn id="12" dur="1000"/>
+                                        <p:tgtEl>
+                                          <p:spTgt spid="4">
+                                            <p:txEl>
+                                              <p:pRg st="0" end="0"/>
+                                            </p:txEl>
+                                          </p:spTgt>
+                                        </p:tgtEl>
+                                      </p:cBhvr>
+                                    </p:animEffect>
+                                  </p:childTnLst>
+                                </p:cTn>
+                              </p:par>
+                            </p:childTnLst>
+                          </p:cTn>
+                        </p:par>
+                      </p:childTnLst>
+                    </p:cTn>
+                  </p:par>
+                  <p:par>
+                    <p:cTn id="13" fill="hold">
+                      <p:stCondLst>
+                        <p:cond delay="indefinite"/>
+                      </p:stCondLst>
+                      <p:childTnLst>
+                        <p:par>
+                          <p:cTn id="14" fill="hold">
+                            <p:stCondLst>
+                              <p:cond delay="0"/>
+                            </p:stCondLst>
+                            <p:childTnLst>
+                              <p:par>
+                                <p:cTn id="15" presetID="10" presetClass="entr" presetSubtype="0" fill="hold" nodeType="clickEffect">
+                                  <p:stCondLst>
+                                    <p:cond delay="0"/>
+                                  </p:stCondLst>
+                                  <p:childTnLst>
+                                    <p:set>
+                                      <p:cBhvr>
+                                        <p:cTn id="16" dur="1" fill="hold">
+                                          <p:stCondLst>
+                                            <p:cond delay="0"/>
+                                          </p:stCondLst>
+                                        </p:cTn>
+                                        <p:tgtEl>
+                                          <p:spTgt spid="2">
+                                            <p:txEl>
+                                              <p:pRg st="0" end="0"/>
+                                            </p:txEl>
+                                          </p:spTgt>
+                                        </p:tgtEl>
+                                        <p:attrNameLst>
+                                          <p:attrName>style.visibility</p:attrName>
+                                        </p:attrNameLst>
+                                      </p:cBhvr>
+                                      <p:to>
+                                        <p:strVal val="visible"/>
+                                      </p:to>
+                                    </p:set>
+                                    <p:animEffect transition="in" filter="fade">
+                                      <p:cBhvr>
+                                        <p:cTn id="17" dur="500"/>
+                                        <p:tgtEl>
+                                          <p:spTgt spid="2">
+                                            <p:txEl>
+                                              <p:pRg st="0" end="0"/>
+                                            </p:txEl>
+                                          </p:spTgt>
+                                        </p:tgtEl>
+                                      </p:cBhvr>
+                                    </p:animEffect>
+                                  </p:childTnLst>
+                                </p:cTn>
+                              </p:par>
+                            </p:childTnLst>
+                          </p:cTn>
+                        </p:par>
+                      </p:childTnLst>
+                    </p:cTn>
+                  </p:par>
+                  <p:par>
+                    <p:cTn id="18" fill="hold">
+                      <p:stCondLst>
+                        <p:cond delay="indefinite"/>
+                      </p:stCondLst>
+                      <p:childTnLst>
+                        <p:par>
+                          <p:cTn id="19" fill="hold">
+                            <p:stCondLst>
+                              <p:cond delay="0"/>
+                            </p:stCondLst>
+                            <p:childTnLst>
+                              <p:par>
+                                <p:cTn id="20" presetID="10" presetClass="entr" presetSubtype="0" fill="hold" nodeType="clickEffect">
+                                  <p:stCondLst>
+                                    <p:cond delay="0"/>
+                                  </p:stCondLst>
+                                  <p:childTnLst>
+                                    <p:set>
+                                      <p:cBhvr>
+                                        <p:cTn id="21" dur="1" fill="hold">
+                                          <p:stCondLst>
+                                            <p:cond delay="0"/>
+                                          </p:stCondLst>
+                                        </p:cTn>
+                                        <p:tgtEl>
+                                          <p:spTgt spid="2">
+                                            <p:txEl>
+                                              <p:pRg st="1" end="1"/>
+                                            </p:txEl>
+                                          </p:spTgt>
+                                        </p:tgtEl>
+                                        <p:attrNameLst>
+                                          <p:attrName>style.visibility</p:attrName>
+                                        </p:attrNameLst>
+                                      </p:cBhvr>
+                                      <p:to>
+                                        <p:strVal val="visible"/>
+                                      </p:to>
+                                    </p:set>
+                                    <p:animEffect transition="in" filter="fade">
+                                      <p:cBhvr>
+                                        <p:cTn id="22" dur="500"/>
+                                        <p:tgtEl>
+                                          <p:spTgt spid="2">
+                                            <p:txEl>
+                                              <p:pRg st="1" end="1"/>
+                                            </p:txEl>
+                                          </p:spTgt>
+                                        </p:tgtEl>
+                                      </p:cBhvr>
+                                    </p:animEffect>
+                                  </p:childTnLst>
+                                </p:cTn>
+                              </p:par>
+                              <p:par>
+                                <p:cTn id="23" presetID="10" presetClass="entr" presetSubtype="0" fill="hold" nodeType="withEffect">
+                                  <p:stCondLst>
+                                    <p:cond delay="0"/>
+                                  </p:stCondLst>
+                                  <p:childTnLst>
+                                    <p:set>
+                                      <p:cBhvr>
+                                        <p:cTn id="24" dur="1" fill="hold">
+                                          <p:stCondLst>
+                                            <p:cond delay="0"/>
+                                          </p:stCondLst>
+                                        </p:cTn>
+                                        <p:tgtEl>
+                                          <p:spTgt spid="2">
+                                            <p:txEl>
+                                              <p:pRg st="2" end="2"/>
+                                            </p:txEl>
+                                          </p:spTgt>
+                                        </p:tgtEl>
+                                        <p:attrNameLst>
+                                          <p:attrName>style.visibility</p:attrName>
+                                        </p:attrNameLst>
+                                      </p:cBhvr>
+                                      <p:to>
+                                        <p:strVal val="visible"/>
+                                      </p:to>
+                                    </p:set>
+                                    <p:animEffect transition="in" filter="fade">
+                                      <p:cBhvr>
+                                        <p:cTn id="25" dur="500"/>
+                                        <p:tgtEl>
+                                          <p:spTgt spid="2">
+                                            <p:txEl>
+                                              <p:pRg st="2" end="2"/>
+                                            </p:txEl>
+                                          </p:spTgt>
+                                        </p:tgtEl>
+                                      </p:cBhvr>
+                                    </p:animEffect>
+                                  </p:childTnLst>
+                                </p:cTn>
+                              </p:par>
+                            </p:childTnLst>
+                          </p:cTn>
+                        </p:par>
+                      </p:childTnLst>
+                    </p:cTn>
+                  </p:par>
+                  <p:par>
+                    <p:cTn id="26" fill="hold">
+                      <p:stCondLst>
+                        <p:cond delay="indefinite"/>
+                      </p:stCondLst>
+                      <p:childTnLst>
+                        <p:par>
+                          <p:cTn id="27" fill="hold">
+                            <p:stCondLst>
+                              <p:cond delay="0"/>
+                            </p:stCondLst>
+                            <p:childTnLst>
+                              <p:par>
+                                <p:cTn id="28" presetID="10" presetClass="entr" presetSubtype="0" fill="hold" nodeType="clickEffect">
+                                  <p:stCondLst>
+                                    <p:cond delay="0"/>
+                                  </p:stCondLst>
+                                  <p:childTnLst>
+                                    <p:set>
+                                      <p:cBhvr>
+                                        <p:cTn id="29" dur="1" fill="hold">
+                                          <p:stCondLst>
+                                            <p:cond delay="0"/>
+                                          </p:stCondLst>
+                                        </p:cTn>
+                                        <p:tgtEl>
+                                          <p:spTgt spid="2">
+                                            <p:txEl>
+                                              <p:pRg st="4" end="4"/>
+                                            </p:txEl>
+                                          </p:spTgt>
+                                        </p:tgtEl>
+                                        <p:attrNameLst>
+                                          <p:attrName>style.visibility</p:attrName>
+                                        </p:attrNameLst>
+                                      </p:cBhvr>
+                                      <p:to>
+                                        <p:strVal val="visible"/>
+                                      </p:to>
+                                    </p:set>
+                                    <p:animEffect transition="in" filter="fade">
+                                      <p:cBhvr>
+                                        <p:cTn id="30" dur="500"/>
+                                        <p:tgtEl>
+                                          <p:spTgt spid="2">
+                                            <p:txEl>
+                                              <p:pRg st="4" end="4"/>
+                                            </p:txEl>
+                                          </p:spTgt>
+                                        </p:tgtEl>
+                                      </p:cBhvr>
+                                    </p:animEffect>
+                                  </p:childTnLst>
+                                </p:cTn>
+                              </p:par>
+                            </p:childTnLst>
+                          </p:cTn>
+                        </p:par>
+                      </p:childTnLst>
+                    </p:cTn>
+                  </p:par>
+                  <p:par>
+                    <p:cTn id="31" fill="hold">
+                      <p:stCondLst>
+                        <p:cond delay="indefinite"/>
+                      </p:stCondLst>
+                      <p:childTnLst>
+                        <p:par>
+                          <p:cTn id="32" fill="hold">
+                            <p:stCondLst>
+                              <p:cond delay="0"/>
+                            </p:stCondLst>
+                            <p:childTnLst>
+                              <p:par>
+                                <p:cTn id="33" presetID="10" presetClass="entr" presetSubtype="0" fill="hold" nodeType="clickEffect">
+                                  <p:stCondLst>
+                                    <p:cond delay="0"/>
+                                  </p:stCondLst>
+                                  <p:childTnLst>
+                                    <p:set>
+                                      <p:cBhvr>
+                                        <p:cTn id="34" dur="1" fill="hold">
+                                          <p:stCondLst>
+                                            <p:cond delay="0"/>
+                                          </p:stCondLst>
+                                        </p:cTn>
+                                        <p:tgtEl>
+                                          <p:spTgt spid="2">
+                                            <p:txEl>
+                                              <p:pRg st="5" end="5"/>
+                                            </p:txEl>
+                                          </p:spTgt>
+                                        </p:tgtEl>
+                                        <p:attrNameLst>
+                                          <p:attrName>style.visibility</p:attrName>
+                                        </p:attrNameLst>
+                                      </p:cBhvr>
+                                      <p:to>
+                                        <p:strVal val="visible"/>
+                                      </p:to>
+                                    </p:set>
+                                    <p:animEffect transition="in" filter="fade">
+                                      <p:cBhvr>
+                                        <p:cTn id="35" dur="500"/>
+                                        <p:tgtEl>
+                                          <p:spTgt spid="2">
+                                            <p:txEl>
+                                              <p:pRg st="5" end="5"/>
+                                            </p:txEl>
+                                          </p:spTgt>
+                                        </p:tgtEl>
+                                      </p:cBhvr>
+                                    </p:animEffect>
+                                  </p:childTnLst>
+                                </p:cTn>
+                              </p:par>
+                            </p:childTnLst>
+                          </p:cTn>
+                        </p:par>
+                      </p:childTnLst>
+                    </p:cTn>
+                  </p:par>
+                  <p:par>
+                    <p:cTn id="36" fill="hold">
+                      <p:stCondLst>
+                        <p:cond delay="indefinite"/>
+                      </p:stCondLst>
+                      <p:childTnLst>
+                        <p:par>
+                          <p:cTn id="37" fill="hold">
+                            <p:stCondLst>
+                              <p:cond delay="0"/>
+                            </p:stCondLst>
+                            <p:childTnLst>
+                              <p:par>
+                                <p:cTn id="38" presetID="10" presetClass="entr" presetSubtype="0" fill="hold" nodeType="clickEffect">
+                                  <p:stCondLst>
+                                    <p:cond delay="0"/>
+                                  </p:stCondLst>
+                                  <p:childTnLst>
+                                    <p:set>
+                                      <p:cBhvr>
+                                        <p:cTn id="39" dur="1" fill="hold">
+                                          <p:stCondLst>
+                                            <p:cond delay="0"/>
+                                          </p:stCondLst>
+                                        </p:cTn>
+                                        <p:tgtEl>
+                                          <p:spTgt spid="2">
+                                            <p:txEl>
+                                              <p:pRg st="7" end="7"/>
+                                            </p:txEl>
+                                          </p:spTgt>
+                                        </p:tgtEl>
+                                        <p:attrNameLst>
+                                          <p:attrName>style.visibility</p:attrName>
+                                        </p:attrNameLst>
+                                      </p:cBhvr>
+                                      <p:to>
+                                        <p:strVal val="visible"/>
+                                      </p:to>
+                                    </p:set>
+                                    <p:animEffect transition="in" filter="fade">
+                                      <p:cBhvr>
+                                        <p:cTn id="40" dur="500"/>
+                                        <p:tgtEl>
+                                          <p:spTgt spid="2">
+                                            <p:txEl>
+                                              <p:pRg st="7" end="7"/>
+                                            </p:txEl>
+                                          </p:spTgt>
+                                        </p:tgtEl>
+                                      </p:cBhvr>
+                                    </p:animEffect>
+                                  </p:childTnLst>
+                                </p:cTn>
+                              </p:par>
+                            </p:childTnLst>
+                          </p:cTn>
+                        </p:par>
+                      </p:childTnLst>
+                    </p:cTn>
+                  </p:par>
+                </p:childTnLst>
+              </p:cTn>
+              <p:prevCondLst>
+                <p:cond evt="onPrev" delay="0">
+                  <p:tgtEl>
+                    <p:sldTgt/>
+                  </p:tgtEl>
+                </p:cond>
+              </p:prevCondLst>
+              <p:nextCondLst>
+                <p:cond evt="onNext" delay="0">
+                  <p:tgtEl>
+                    <p:sldTgt/>
+                  </p:tgtEl>
+                </p:cond>
+              </p:nextCondLst>
+            </p:seq>
+          </p:childTnLst>
+        </p:cTn>
+      </p:par>
+    </p:tnLst>
+    <p:bldLst>
+      <p:bldP spid="15" grpId="0" animBg="1"/>
+      <p:bldP spid="4" grpId="0" build="p"/>
+    </p:bldLst>
+  </p:timing>
+</p:sld>
+</file>
+
+<file path=ppt/slides/slide13.xml><?xml version="1.0" encoding="utf-8"?>
 <p:sld xmlns:a="http://schemas.openxmlformats.org/drawingml/2006/main" xmlns:r="http://schemas.openxmlformats.org/officeDocument/2006/relationships" xmlns:p="http://schemas.openxmlformats.org/presentationml/2006/main">
   <p:cSld>
     <p:spTree>
@@ -16958,7 +19427,7 @@
 </p:sld>
 </file>
 
-<file path=ppt/slides/slide11.xml><?xml version="1.0" encoding="utf-8"?>
+<file path=ppt/slides/slide14.xml><?xml version="1.0" encoding="utf-8"?>
 <p:sld xmlns:a="http://schemas.openxmlformats.org/drawingml/2006/main" xmlns:r="http://schemas.openxmlformats.org/officeDocument/2006/relationships" xmlns:p="http://schemas.openxmlformats.org/presentationml/2006/main">
   <p:cSld>
     <p:spTree>
@@ -17424,7 +19893,7 @@
 </p:sld>
 </file>
 
-<file path=ppt/slides/slide12.xml><?xml version="1.0" encoding="utf-8"?>
+<file path=ppt/slides/slide15.xml><?xml version="1.0" encoding="utf-8"?>
 <p:sld xmlns:a="http://schemas.openxmlformats.org/drawingml/2006/main" xmlns:r="http://schemas.openxmlformats.org/officeDocument/2006/relationships" xmlns:p="http://schemas.openxmlformats.org/presentationml/2006/main">
   <p:cSld>
     <p:spTree>
@@ -17661,7 +20130,7 @@
         <p:spPr>
           <a:xfrm>
             <a:off x="304800" y="1280279"/>
-            <a:ext cx="8001000" cy="4401205"/>
+            <a:ext cx="8001000" cy="4832092"/>
           </a:xfrm>
           <a:prstGeom prst="rect">
             <a:avLst/>
@@ -17692,10 +20161,7 @@
             </a:r>
           </a:p>
           <a:p>
-            <a:pPr marL="1028700" lvl="1" indent="-571500">
-              <a:buFont typeface="Arial" panose="020B0604020202020204" pitchFamily="34" charset="0"/>
-              <a:buChar char="•"/>
-            </a:pPr>
+            <a:pPr lvl="1"/>
             <a:r>
               <a:rPr lang="en-US" sz="2800" dirty="0" smtClean="0"/>
               <a:t>Get, Post, Put, Delete, </a:t>
@@ -17704,6 +20170,10 @@
               <a:rPr lang="en-US" sz="2800" dirty="0" err="1" smtClean="0"/>
               <a:t>etc</a:t>
             </a:r>
+            <a:endParaRPr lang="en-US" sz="2800" dirty="0" smtClean="0"/>
+          </a:p>
+          <a:p>
+            <a:pPr lvl="1"/>
             <a:endParaRPr lang="en-US" sz="2800" dirty="0"/>
           </a:p>
           <a:p>
@@ -18080,7 +20550,7 @@
                                         <p:tgtEl>
                                           <p:spTgt spid="5">
                                             <p:txEl>
-                                              <p:pRg st="2" end="2"/>
+                                              <p:pRg st="3" end="3"/>
                                             </p:txEl>
                                           </p:spTgt>
                                         </p:tgtEl>
@@ -18098,7 +20568,7 @@
                                         <p:tgtEl>
                                           <p:spTgt spid="5">
                                             <p:txEl>
-                                              <p:pRg st="2" end="2"/>
+                                              <p:pRg st="3" end="3"/>
                                             </p:txEl>
                                           </p:spTgt>
                                         </p:tgtEl>
@@ -18141,7 +20611,7 @@
                                         <p:tgtEl>
                                           <p:spTgt spid="5">
                                             <p:txEl>
-                                              <p:pRg st="3" end="3"/>
+                                              <p:pRg st="4" end="4"/>
                                             </p:txEl>
                                           </p:spTgt>
                                         </p:tgtEl>
@@ -18159,7 +20629,7 @@
                                         <p:tgtEl>
                                           <p:spTgt spid="5">
                                             <p:txEl>
-                                              <p:pRg st="3" end="3"/>
+                                              <p:pRg st="4" end="4"/>
                                             </p:txEl>
                                           </p:spTgt>
                                         </p:tgtEl>
@@ -18202,7 +20672,7 @@
                                         <p:tgtEl>
                                           <p:spTgt spid="5">
                                             <p:txEl>
-                                              <p:pRg st="4" end="4"/>
+                                              <p:pRg st="5" end="5"/>
                                             </p:txEl>
                                           </p:spTgt>
                                         </p:tgtEl>
@@ -18220,7 +20690,7 @@
                                         <p:tgtEl>
                                           <p:spTgt spid="5">
                                             <p:txEl>
-                                              <p:pRg st="4" end="4"/>
+                                              <p:pRg st="5" end="5"/>
                                             </p:txEl>
                                           </p:spTgt>
                                         </p:tgtEl>
@@ -18263,7 +20733,7 @@
                                         <p:tgtEl>
                                           <p:spTgt spid="5">
                                             <p:txEl>
-                                              <p:pRg st="5" end="5"/>
+                                              <p:pRg st="6" end="6"/>
                                             </p:txEl>
                                           </p:spTgt>
                                         </p:tgtEl>
@@ -18281,7 +20751,7 @@
                                         <p:tgtEl>
                                           <p:spTgt spid="5">
                                             <p:txEl>
-                                              <p:pRg st="5" end="5"/>
+                                              <p:pRg st="6" end="6"/>
                                             </p:txEl>
                                           </p:spTgt>
                                         </p:tgtEl>
@@ -18324,7 +20794,7 @@
                                         <p:tgtEl>
                                           <p:spTgt spid="5">
                                             <p:txEl>
-                                              <p:pRg st="7" end="7"/>
+                                              <p:pRg st="8" end="8"/>
                                             </p:txEl>
                                           </p:spTgt>
                                         </p:tgtEl>
@@ -18342,7 +20812,7 @@
                                         <p:tgtEl>
                                           <p:spTgt spid="5">
                                             <p:txEl>
-                                              <p:pRg st="7" end="7"/>
+                                              <p:pRg st="8" end="8"/>
                                             </p:txEl>
                                           </p:spTgt>
                                         </p:tgtEl>
@@ -18386,7 +20856,7 @@
 </p:sld>
 </file>
 
-<file path=ppt/slides/slide13.xml><?xml version="1.0" encoding="utf-8"?>
+<file path=ppt/slides/slide16.xml><?xml version="1.0" encoding="utf-8"?>
 <p:sld xmlns:a="http://schemas.openxmlformats.org/drawingml/2006/main" xmlns:r="http://schemas.openxmlformats.org/officeDocument/2006/relationships" xmlns:p="http://schemas.openxmlformats.org/presentationml/2006/main">
   <p:cSld>
     <p:spTree>
@@ -18863,7 +21333,7 @@
 </p:sld>
 </file>
 
-<file path=ppt/slides/slide14.xml><?xml version="1.0" encoding="utf-8"?>
+<file path=ppt/slides/slide17.xml><?xml version="1.0" encoding="utf-8"?>
 <p:sld xmlns:a="http://schemas.openxmlformats.org/drawingml/2006/main" xmlns:r="http://schemas.openxmlformats.org/officeDocument/2006/relationships" xmlns:p="http://schemas.openxmlformats.org/presentationml/2006/main">
   <p:cSld>
     <p:spTree>
@@ -19133,47 +21603,35 @@
             </a:r>
           </a:p>
           <a:p>
-            <a:pPr marL="1028700" lvl="1" indent="-571500">
-              <a:buFont typeface="Arial" panose="020B0604020202020204" pitchFamily="34" charset="0"/>
-              <a:buChar char="•"/>
-            </a:pPr>
+            <a:pPr lvl="2"/>
             <a:r>
               <a:rPr lang="en-US" sz="2800" dirty="0" smtClean="0"/>
               <a:t>Matching URI to route</a:t>
             </a:r>
           </a:p>
           <a:p>
-            <a:pPr marL="1028700" lvl="1" indent="-571500">
-              <a:buFont typeface="Arial" panose="020B0604020202020204" pitchFamily="34" charset="0"/>
-              <a:buChar char="•"/>
-            </a:pPr>
+            <a:pPr lvl="2"/>
             <a:r>
               <a:rPr lang="en-US" sz="2800" dirty="0" smtClean="0"/>
               <a:t>Selecting Controller</a:t>
             </a:r>
           </a:p>
           <a:p>
-            <a:pPr marL="1028700" lvl="1" indent="-571500">
-              <a:buFont typeface="Arial" panose="020B0604020202020204" pitchFamily="34" charset="0"/>
-              <a:buChar char="•"/>
-            </a:pPr>
+            <a:pPr lvl="2"/>
             <a:r>
               <a:rPr lang="en-US" sz="2800" dirty="0" smtClean="0"/>
               <a:t>Selecting Action</a:t>
             </a:r>
           </a:p>
           <a:p>
-            <a:pPr marL="1028700" lvl="1" indent="-571500">
-              <a:buFont typeface="Arial" panose="020B0604020202020204" pitchFamily="34" charset="0"/>
-              <a:buChar char="•"/>
-            </a:pPr>
-            <a:r>
-              <a:rPr lang="en-US" sz="2800" dirty="0" err="1"/>
-              <a:t>a</a:t>
+            <a:pPr lvl="1"/>
+            <a:r>
+              <a:rPr lang="en-US" sz="2800" dirty="0" smtClean="0"/>
+              <a:t>	</a:t>
             </a:r>
             <a:r>
               <a:rPr lang="en-US" sz="2800" dirty="0" err="1" smtClean="0"/>
-              <a:t>pi</a:t>
+              <a:t>api</a:t>
             </a:r>
             <a:r>
               <a:rPr lang="en-US" sz="2800" dirty="0" smtClean="0"/>
@@ -19908,7 +22366,7 @@
 </p:sld>
 </file>
 
-<file path=ppt/slides/slide15.xml><?xml version="1.0" encoding="utf-8"?>
+<file path=ppt/slides/slide18.xml><?xml version="1.0" encoding="utf-8"?>
 <p:sld xmlns:a="http://schemas.openxmlformats.org/drawingml/2006/main" xmlns:r="http://schemas.openxmlformats.org/officeDocument/2006/relationships" xmlns:p="http://schemas.openxmlformats.org/presentationml/2006/main">
   <p:cSld>
     <p:spTree>
@@ -20385,7 +22843,7 @@
 </p:sld>
 </file>
 
-<file path=ppt/slides/slide16.xml><?xml version="1.0" encoding="utf-8"?>
+<file path=ppt/slides/slide19.xml><?xml version="1.0" encoding="utf-8"?>
 <p:sld xmlns:a="http://schemas.openxmlformats.org/drawingml/2006/main" xmlns:r="http://schemas.openxmlformats.org/officeDocument/2006/relationships" xmlns:p="http://schemas.openxmlformats.org/presentationml/2006/main">
   <p:cSld>
     <p:spTree>
@@ -20622,7 +23080,7 @@
         <p:spPr>
           <a:xfrm>
             <a:off x="304800" y="1280279"/>
-            <a:ext cx="8001000" cy="3970318"/>
+            <a:ext cx="8001000" cy="4708981"/>
           </a:xfrm>
           <a:prstGeom prst="rect">
             <a:avLst/>
@@ -20655,35 +23113,44 @@
             </a:r>
           </a:p>
           <a:p>
-            <a:pPr marL="1028700" lvl="1" indent="-571500">
-              <a:buFont typeface="Arial" panose="020B0604020202020204" pitchFamily="34" charset="0"/>
-              <a:buChar char="•"/>
-            </a:pPr>
-            <a:r>
-              <a:rPr lang="en-US" sz="3600" dirty="0" smtClean="0"/>
-              <a:t>Globally</a:t>
-            </a:r>
-          </a:p>
-          <a:p>
-            <a:pPr marL="1028700" lvl="1" indent="-571500">
-              <a:buFont typeface="Arial" panose="020B0604020202020204" pitchFamily="34" charset="0"/>
-              <a:buChar char="•"/>
-            </a:pPr>
-            <a:r>
-              <a:rPr lang="en-US" sz="3600" dirty="0" smtClean="0"/>
-              <a:t>Controller</a:t>
-            </a:r>
-          </a:p>
-          <a:p>
-            <a:pPr marL="1028700" lvl="1" indent="-571500">
-              <a:buFont typeface="Arial" panose="020B0604020202020204" pitchFamily="34" charset="0"/>
-              <a:buChar char="•"/>
-            </a:pPr>
-            <a:r>
-              <a:rPr lang="en-US" sz="3600" dirty="0" smtClean="0"/>
-              <a:t>Action</a:t>
-            </a:r>
-            <a:endParaRPr lang="en-US" sz="3600" dirty="0"/>
+            <a:pPr lvl="1"/>
+            <a:r>
+              <a:rPr lang="en-US" sz="2800" dirty="0" smtClean="0"/>
+              <a:t>	Globally</a:t>
+            </a:r>
+          </a:p>
+          <a:p>
+            <a:pPr lvl="1"/>
+            <a:r>
+              <a:rPr lang="en-US" sz="2800" dirty="0" smtClean="0"/>
+              <a:t>	Controller</a:t>
+            </a:r>
+          </a:p>
+          <a:p>
+            <a:pPr lvl="1"/>
+            <a:r>
+              <a:rPr lang="en-US" sz="2800" dirty="0" smtClean="0"/>
+              <a:t>	Action</a:t>
+            </a:r>
+            <a:endParaRPr lang="en-US" sz="2800" dirty="0"/>
+          </a:p>
+          <a:p>
+            <a:endParaRPr lang="en-US" sz="3600" dirty="0" smtClean="0">
+              <a:solidFill>
+                <a:schemeClr val="accent6">
+                  <a:lumMod val="75000"/>
+                </a:schemeClr>
+              </a:solidFill>
+            </a:endParaRPr>
+          </a:p>
+          <a:p>
+            <a:endParaRPr lang="en-US" sz="3600" dirty="0" smtClean="0">
+              <a:solidFill>
+                <a:schemeClr val="accent6">
+                  <a:lumMod val="75000"/>
+                </a:schemeClr>
+              </a:solidFill>
+            </a:endParaRPr>
           </a:p>
           <a:p>
             <a:endParaRPr lang="en-US" sz="3600" dirty="0">
@@ -20907,7 +23374,7 @@
                                         <p:tgtEl>
                                           <p:spTgt spid="5">
                                             <p:txEl>
-                                              <p:pRg st="6" end="6"/>
+                                              <p:pRg st="8" end="8"/>
                                             </p:txEl>
                                           </p:spTgt>
                                         </p:tgtEl>
@@ -20925,7 +23392,7 @@
                                         <p:tgtEl>
                                           <p:spTgt spid="5">
                                             <p:txEl>
-                                              <p:pRg st="6" end="6"/>
+                                              <p:pRg st="8" end="8"/>
                                             </p:txEl>
                                           </p:spTgt>
                                         </p:tgtEl>
@@ -20969,7 +23436,449 @@
 </p:sld>
 </file>
 
-<file path=ppt/slides/slide17.xml><?xml version="1.0" encoding="utf-8"?>
+<file path=ppt/slides/slide2.xml><?xml version="1.0" encoding="utf-8"?>
+<p:sld xmlns:a="http://schemas.openxmlformats.org/drawingml/2006/main" xmlns:r="http://schemas.openxmlformats.org/officeDocument/2006/relationships" xmlns:p="http://schemas.openxmlformats.org/presentationml/2006/main">
+  <p:cSld>
+    <p:spTree>
+      <p:nvGrpSpPr>
+        <p:cNvPr id="1" name=""/>
+        <p:cNvGrpSpPr/>
+        <p:nvPr/>
+      </p:nvGrpSpPr>
+      <p:grpSpPr>
+        <a:xfrm>
+          <a:off x="0" y="0"/>
+          <a:ext cx="0" cy="0"/>
+          <a:chOff x="0" y="0"/>
+          <a:chExt cx="0" cy="0"/>
+        </a:xfrm>
+      </p:grpSpPr>
+      <p:sp>
+        <p:nvSpPr>
+          <p:cNvPr id="27" name="Text Placeholder 2"/>
+          <p:cNvSpPr txBox="1">
+            <a:spLocks/>
+          </p:cNvSpPr>
+          <p:nvPr/>
+        </p:nvSpPr>
+        <p:spPr>
+          <a:xfrm rot="5400000">
+            <a:off x="5682853" y="2939653"/>
+            <a:ext cx="6400800" cy="521494"/>
+          </a:xfrm>
+          <a:prstGeom prst="rect">
+            <a:avLst/>
+          </a:prstGeom>
+        </p:spPr>
+        <p:txBody>
+          <a:bodyPr>
+            <a:noAutofit/>
+          </a:bodyPr>
+          <a:lstStyle>
+            <a:lvl1pPr marL="342900" indent="-342900" algn="l" defTabSz="914400" rtl="0" eaLnBrk="1" latinLnBrk="0" hangingPunct="1">
+              <a:spcBef>
+                <a:spcPct val="20000"/>
+              </a:spcBef>
+              <a:buFont typeface="Arial" pitchFamily="34" charset="0"/>
+              <a:buChar char="•"/>
+              <a:defRPr sz="3200" kern="1200">
+                <a:solidFill>
+                  <a:schemeClr val="tx1"/>
+                </a:solidFill>
+                <a:latin typeface="+mn-lt"/>
+                <a:ea typeface="+mn-ea"/>
+                <a:cs typeface="+mn-cs"/>
+              </a:defRPr>
+            </a:lvl1pPr>
+            <a:lvl2pPr marL="742950" indent="-285750" algn="l" defTabSz="914400" rtl="0" eaLnBrk="1" latinLnBrk="0" hangingPunct="1">
+              <a:spcBef>
+                <a:spcPct val="20000"/>
+              </a:spcBef>
+              <a:buFont typeface="Arial" pitchFamily="34" charset="0"/>
+              <a:buChar char="–"/>
+              <a:defRPr sz="2800" kern="1200">
+                <a:solidFill>
+                  <a:schemeClr val="tx1"/>
+                </a:solidFill>
+                <a:latin typeface="+mn-lt"/>
+                <a:ea typeface="+mn-ea"/>
+                <a:cs typeface="+mn-cs"/>
+              </a:defRPr>
+            </a:lvl2pPr>
+            <a:lvl3pPr marL="1143000" indent="-228600" algn="l" defTabSz="914400" rtl="0" eaLnBrk="1" latinLnBrk="0" hangingPunct="1">
+              <a:spcBef>
+                <a:spcPct val="20000"/>
+              </a:spcBef>
+              <a:buFont typeface="Arial" pitchFamily="34" charset="0"/>
+              <a:buChar char="•"/>
+              <a:defRPr sz="2400" kern="1200">
+                <a:solidFill>
+                  <a:schemeClr val="tx1"/>
+                </a:solidFill>
+                <a:latin typeface="+mn-lt"/>
+                <a:ea typeface="+mn-ea"/>
+                <a:cs typeface="+mn-cs"/>
+              </a:defRPr>
+            </a:lvl3pPr>
+            <a:lvl4pPr marL="1600200" indent="-228600" algn="l" defTabSz="914400" rtl="0" eaLnBrk="1" latinLnBrk="0" hangingPunct="1">
+              <a:spcBef>
+                <a:spcPct val="20000"/>
+              </a:spcBef>
+              <a:buFont typeface="Arial" pitchFamily="34" charset="0"/>
+              <a:buChar char="–"/>
+              <a:defRPr sz="2000" kern="1200">
+                <a:solidFill>
+                  <a:schemeClr val="tx1"/>
+                </a:solidFill>
+                <a:latin typeface="+mn-lt"/>
+                <a:ea typeface="+mn-ea"/>
+                <a:cs typeface="+mn-cs"/>
+              </a:defRPr>
+            </a:lvl4pPr>
+            <a:lvl5pPr marL="2057400" indent="-228600" algn="l" defTabSz="914400" rtl="0" eaLnBrk="1" latinLnBrk="0" hangingPunct="1">
+              <a:spcBef>
+                <a:spcPct val="20000"/>
+              </a:spcBef>
+              <a:buFont typeface="Arial" pitchFamily="34" charset="0"/>
+              <a:buChar char="»"/>
+              <a:defRPr sz="2000" kern="1200">
+                <a:solidFill>
+                  <a:schemeClr val="tx1"/>
+                </a:solidFill>
+                <a:latin typeface="+mn-lt"/>
+                <a:ea typeface="+mn-ea"/>
+                <a:cs typeface="+mn-cs"/>
+              </a:defRPr>
+            </a:lvl5pPr>
+            <a:lvl6pPr marL="2514600" indent="-228600" algn="l" defTabSz="914400" rtl="0" eaLnBrk="1" latinLnBrk="0" hangingPunct="1">
+              <a:spcBef>
+                <a:spcPct val="20000"/>
+              </a:spcBef>
+              <a:buFont typeface="Arial" pitchFamily="34" charset="0"/>
+              <a:buChar char="•"/>
+              <a:defRPr sz="2000" kern="1200">
+                <a:solidFill>
+                  <a:schemeClr val="tx1"/>
+                </a:solidFill>
+                <a:latin typeface="+mn-lt"/>
+                <a:ea typeface="+mn-ea"/>
+                <a:cs typeface="+mn-cs"/>
+              </a:defRPr>
+            </a:lvl6pPr>
+            <a:lvl7pPr marL="2971800" indent="-228600" algn="l" defTabSz="914400" rtl="0" eaLnBrk="1" latinLnBrk="0" hangingPunct="1">
+              <a:spcBef>
+                <a:spcPct val="20000"/>
+              </a:spcBef>
+              <a:buFont typeface="Arial" pitchFamily="34" charset="0"/>
+              <a:buChar char="•"/>
+              <a:defRPr sz="2000" kern="1200">
+                <a:solidFill>
+                  <a:schemeClr val="tx1"/>
+                </a:solidFill>
+                <a:latin typeface="+mn-lt"/>
+                <a:ea typeface="+mn-ea"/>
+                <a:cs typeface="+mn-cs"/>
+              </a:defRPr>
+            </a:lvl7pPr>
+            <a:lvl8pPr marL="3429000" indent="-228600" algn="l" defTabSz="914400" rtl="0" eaLnBrk="1" latinLnBrk="0" hangingPunct="1">
+              <a:spcBef>
+                <a:spcPct val="20000"/>
+              </a:spcBef>
+              <a:buFont typeface="Arial" pitchFamily="34" charset="0"/>
+              <a:buChar char="•"/>
+              <a:defRPr sz="2000" kern="1200">
+                <a:solidFill>
+                  <a:schemeClr val="tx1"/>
+                </a:solidFill>
+                <a:latin typeface="+mn-lt"/>
+                <a:ea typeface="+mn-ea"/>
+                <a:cs typeface="+mn-cs"/>
+              </a:defRPr>
+            </a:lvl8pPr>
+            <a:lvl9pPr marL="3886200" indent="-228600" algn="l" defTabSz="914400" rtl="0" eaLnBrk="1" latinLnBrk="0" hangingPunct="1">
+              <a:spcBef>
+                <a:spcPct val="20000"/>
+              </a:spcBef>
+              <a:buFont typeface="Arial" pitchFamily="34" charset="0"/>
+              <a:buChar char="•"/>
+              <a:defRPr sz="2000" kern="1200">
+                <a:solidFill>
+                  <a:schemeClr val="tx1"/>
+                </a:solidFill>
+                <a:latin typeface="+mn-lt"/>
+                <a:ea typeface="+mn-ea"/>
+                <a:cs typeface="+mn-cs"/>
+              </a:defRPr>
+            </a:lvl9pPr>
+          </a:lstStyle>
+          <a:p>
+            <a:pPr>
+              <a:buFont typeface="Arial" pitchFamily="34" charset="0"/>
+              <a:buNone/>
+            </a:pPr>
+            <a:r>
+              <a:rPr lang="en-US" b="1" dirty="0" smtClean="0"/>
+              <a:t>Agenda</a:t>
+            </a:r>
+            <a:endParaRPr lang="en-US" b="1" dirty="0"/>
+          </a:p>
+        </p:txBody>
+      </p:sp>
+      <p:sp>
+        <p:nvSpPr>
+          <p:cNvPr id="2" name="TextBox 1"/>
+          <p:cNvSpPr txBox="1"/>
+          <p:nvPr/>
+        </p:nvSpPr>
+        <p:spPr>
+          <a:xfrm>
+            <a:off x="228600" y="381000"/>
+            <a:ext cx="8077200" cy="5324535"/>
+          </a:xfrm>
+          <a:prstGeom prst="rect">
+            <a:avLst/>
+          </a:prstGeom>
+          <a:noFill/>
+        </p:spPr>
+        <p:txBody>
+          <a:bodyPr wrap="square" rtlCol="0">
+            <a:spAutoFit/>
+          </a:bodyPr>
+          <a:lstStyle/>
+          <a:p>
+            <a:pPr marL="285750" indent="-285750">
+              <a:buFont typeface="Arial" panose="020B0604020202020204" pitchFamily="34" charset="0"/>
+              <a:buChar char="•"/>
+            </a:pPr>
+            <a:r>
+              <a:rPr lang="en-US" sz="3600" dirty="0" smtClean="0"/>
+              <a:t>What is the </a:t>
+            </a:r>
+            <a:r>
+              <a:rPr lang="en-US" sz="3600" dirty="0" err="1" smtClean="0"/>
+              <a:t>WebAPI</a:t>
+            </a:r>
+            <a:r>
+              <a:rPr lang="en-US" sz="3600" dirty="0" smtClean="0"/>
+              <a:t>?</a:t>
+            </a:r>
+          </a:p>
+          <a:p>
+            <a:pPr marL="285750" indent="-285750">
+              <a:buFont typeface="Arial" panose="020B0604020202020204" pitchFamily="34" charset="0"/>
+              <a:buChar char="•"/>
+            </a:pPr>
+            <a:endParaRPr lang="en-US" dirty="0"/>
+          </a:p>
+          <a:p>
+            <a:pPr marL="285750" indent="-285750">
+              <a:buFont typeface="Arial" panose="020B0604020202020204" pitchFamily="34" charset="0"/>
+              <a:buChar char="•"/>
+            </a:pPr>
+            <a:r>
+              <a:rPr lang="en-US" sz="3600" dirty="0" smtClean="0"/>
+              <a:t>How is this different from </a:t>
+            </a:r>
+          </a:p>
+          <a:p>
+            <a:pPr marL="742950" lvl="1" indent="-285750">
+              <a:buFont typeface="Arial" panose="020B0604020202020204" pitchFamily="34" charset="0"/>
+              <a:buChar char="•"/>
+            </a:pPr>
+            <a:r>
+              <a:rPr lang="en-US" sz="2800" dirty="0" err="1" smtClean="0"/>
+              <a:t>Asp.Net</a:t>
+            </a:r>
+            <a:r>
+              <a:rPr lang="en-US" sz="2800" dirty="0" smtClean="0"/>
+              <a:t> MVC</a:t>
+            </a:r>
+          </a:p>
+          <a:p>
+            <a:pPr marL="742950" lvl="1" indent="-285750">
+              <a:buFont typeface="Arial" panose="020B0604020202020204" pitchFamily="34" charset="0"/>
+              <a:buChar char="•"/>
+            </a:pPr>
+            <a:r>
+              <a:rPr lang="en-US" sz="2800" dirty="0" smtClean="0"/>
+              <a:t>WCF</a:t>
+            </a:r>
+          </a:p>
+          <a:p>
+            <a:pPr lvl="1"/>
+            <a:endParaRPr lang="en-US" dirty="0" smtClean="0"/>
+          </a:p>
+          <a:p>
+            <a:pPr marL="285750" indent="-285750">
+              <a:buFont typeface="Arial" panose="020B0604020202020204" pitchFamily="34" charset="0"/>
+              <a:buChar char="•"/>
+            </a:pPr>
+            <a:r>
+              <a:rPr lang="en-US" sz="3600" dirty="0" smtClean="0"/>
+              <a:t>How do I?</a:t>
+            </a:r>
+          </a:p>
+          <a:p>
+            <a:pPr marL="742950" lvl="1" indent="-285750">
+              <a:buFont typeface="Arial" panose="020B0604020202020204" pitchFamily="34" charset="0"/>
+              <a:buChar char="•"/>
+            </a:pPr>
+            <a:r>
+              <a:rPr lang="en-US" sz="2800" dirty="0" smtClean="0"/>
+              <a:t>Hosting Options</a:t>
+            </a:r>
+          </a:p>
+          <a:p>
+            <a:pPr marL="742950" lvl="1" indent="-285750">
+              <a:buFont typeface="Arial" panose="020B0604020202020204" pitchFamily="34" charset="0"/>
+              <a:buChar char="•"/>
+            </a:pPr>
+            <a:r>
+              <a:rPr lang="en-US" sz="2800" dirty="0" smtClean="0"/>
+              <a:t>Actions</a:t>
+            </a:r>
+          </a:p>
+          <a:p>
+            <a:pPr marL="742950" lvl="1" indent="-285750">
+              <a:buFont typeface="Arial" panose="020B0604020202020204" pitchFamily="34" charset="0"/>
+              <a:buChar char="•"/>
+            </a:pPr>
+            <a:r>
+              <a:rPr lang="en-US" sz="2800" dirty="0" smtClean="0"/>
+              <a:t>Routing</a:t>
+            </a:r>
+          </a:p>
+          <a:p>
+            <a:pPr marL="742950" lvl="1" indent="-285750">
+              <a:buFont typeface="Arial" panose="020B0604020202020204" pitchFamily="34" charset="0"/>
+              <a:buChar char="•"/>
+            </a:pPr>
+            <a:r>
+              <a:rPr lang="en-US" sz="2800" dirty="0" smtClean="0"/>
+              <a:t>Model Binding</a:t>
+            </a:r>
+          </a:p>
+          <a:p>
+            <a:pPr marL="742950" lvl="1" indent="-285750">
+              <a:buFont typeface="Arial" panose="020B0604020202020204" pitchFamily="34" charset="0"/>
+              <a:buChar char="•"/>
+            </a:pPr>
+            <a:r>
+              <a:rPr lang="en-US" sz="2800" dirty="0"/>
+              <a:t>Dependency Injection</a:t>
+            </a:r>
+          </a:p>
+        </p:txBody>
+      </p:sp>
+    </p:spTree>
+  </p:cSld>
+  <p:clrMapOvr>
+    <a:masterClrMapping/>
+  </p:clrMapOvr>
+  <p:transition spd="slow">
+    <p:wipe/>
+  </p:transition>
+  <p:timing>
+    <p:tnLst>
+      <p:par>
+        <p:cTn id="1" dur="indefinite" restart="never" nodeType="tmRoot">
+          <p:childTnLst>
+            <p:seq concurrent="1" nextAc="seek">
+              <p:cTn id="2" dur="indefinite" nodeType="mainSeq">
+                <p:childTnLst>
+                  <p:par>
+                    <p:cTn id="3" fill="hold">
+                      <p:stCondLst>
+                        <p:cond delay="indefinite"/>
+                        <p:cond evt="onBegin" delay="0">
+                          <p:tn val="2"/>
+                        </p:cond>
+                      </p:stCondLst>
+                      <p:childTnLst>
+                        <p:par>
+                          <p:cTn id="4" fill="hold">
+                            <p:stCondLst>
+                              <p:cond delay="0"/>
+                            </p:stCondLst>
+                            <p:childTnLst>
+                              <p:par>
+                                <p:cTn id="5" presetID="10" presetClass="entr" presetSubtype="0" fill="hold" grpId="0" nodeType="afterEffect">
+                                  <p:stCondLst>
+                                    <p:cond delay="0"/>
+                                  </p:stCondLst>
+                                  <p:childTnLst>
+                                    <p:set>
+                                      <p:cBhvr>
+                                        <p:cTn id="6" dur="1" fill="hold">
+                                          <p:stCondLst>
+                                            <p:cond delay="0"/>
+                                          </p:stCondLst>
+                                        </p:cTn>
+                                        <p:tgtEl>
+                                          <p:spTgt spid="27">
+                                            <p:txEl>
+                                              <p:pRg st="0" end="0"/>
+                                            </p:txEl>
+                                          </p:spTgt>
+                                        </p:tgtEl>
+                                        <p:attrNameLst>
+                                          <p:attrName>style.visibility</p:attrName>
+                                        </p:attrNameLst>
+                                      </p:cBhvr>
+                                      <p:to>
+                                        <p:strVal val="visible"/>
+                                      </p:to>
+                                    </p:set>
+                                    <p:animEffect transition="in" filter="fade">
+                                      <p:cBhvr>
+                                        <p:cTn id="7" dur="1000"/>
+                                        <p:tgtEl>
+                                          <p:spTgt spid="27">
+                                            <p:txEl>
+                                              <p:pRg st="0" end="0"/>
+                                            </p:txEl>
+                                          </p:spTgt>
+                                        </p:tgtEl>
+                                      </p:cBhvr>
+                                    </p:animEffect>
+                                  </p:childTnLst>
+                                </p:cTn>
+                              </p:par>
+                            </p:childTnLst>
+                          </p:cTn>
+                        </p:par>
+                      </p:childTnLst>
+                    </p:cTn>
+                  </p:par>
+                </p:childTnLst>
+              </p:cTn>
+              <p:prevCondLst>
+                <p:cond evt="onPrev" delay="0">
+                  <p:tgtEl>
+                    <p:sldTgt/>
+                  </p:tgtEl>
+                </p:cond>
+              </p:prevCondLst>
+              <p:nextCondLst>
+                <p:cond evt="onNext" delay="0">
+                  <p:tgtEl>
+                    <p:sldTgt/>
+                  </p:tgtEl>
+                </p:cond>
+              </p:nextCondLst>
+            </p:seq>
+          </p:childTnLst>
+        </p:cTn>
+      </p:par>
+    </p:tnLst>
+    <p:bldLst>
+      <p:bldP spid="27" grpId="0" build="p"/>
+    </p:bldLst>
+  </p:timing>
+</p:sld>
+</file>
+
+<file path=ppt/slides/slide20.xml><?xml version="1.0" encoding="utf-8"?>
 <p:sld xmlns:a="http://schemas.openxmlformats.org/drawingml/2006/main" xmlns:r="http://schemas.openxmlformats.org/officeDocument/2006/relationships" xmlns:p="http://schemas.openxmlformats.org/presentationml/2006/main">
   <p:cSld>
     <p:spTree>
@@ -21457,7 +24366,7 @@
 </p:sld>
 </file>
 
-<file path=ppt/slides/slide18.xml><?xml version="1.0" encoding="utf-8"?>
+<file path=ppt/slides/slide21.xml><?xml version="1.0" encoding="utf-8"?>
 <p:sld xmlns:a="http://schemas.openxmlformats.org/drawingml/2006/main" xmlns:r="http://schemas.openxmlformats.org/officeDocument/2006/relationships" xmlns:p="http://schemas.openxmlformats.org/presentationml/2006/main">
   <p:cSld>
     <p:spTree>
@@ -21694,7 +24603,7 @@
         <p:spPr>
           <a:xfrm>
             <a:off x="304800" y="1280279"/>
-            <a:ext cx="8001000" cy="5139869"/>
+            <a:ext cx="8001000" cy="5447645"/>
           </a:xfrm>
           <a:prstGeom prst="rect">
             <a:avLst/>
@@ -21713,31 +24622,19 @@
             </a:pPr>
             <a:r>
               <a:rPr lang="en-US" sz="3600" dirty="0" smtClean="0"/>
-              <a:t>Transforms </a:t>
-            </a:r>
-            <a:r>
-              <a:rPr lang="en-US" sz="3600" dirty="0" smtClean="0"/>
-              <a:t>to </a:t>
-            </a:r>
-            <a:r>
-              <a:rPr lang="en-US" sz="3600" dirty="0" smtClean="0"/>
-              <a:t>a underlying </a:t>
-            </a:r>
-            <a:r>
-              <a:rPr lang="en-US" sz="3600" dirty="0" smtClean="0"/>
-              <a:t>Type</a:t>
-            </a:r>
-          </a:p>
-          <a:p>
-            <a:pPr marL="1028700" lvl="1" indent="-571500">
-              <a:buFont typeface="Arial" panose="020B0604020202020204" pitchFamily="34" charset="0"/>
-              <a:buChar char="•"/>
-            </a:pPr>
-            <a:r>
-              <a:rPr lang="en-US" sz="2400" dirty="0" smtClean="0"/>
-              <a:t>Useful for form submission</a:t>
-            </a:r>
-            <a:endParaRPr lang="en-US" sz="2400" dirty="0"/>
+              <a:t>Transforms to a underlying Type</a:t>
+            </a:r>
+          </a:p>
+          <a:p>
+            <a:pPr lvl="1"/>
+            <a:r>
+              <a:rPr lang="en-US" sz="2800" dirty="0" smtClean="0"/>
+              <a:t>	Useful for form submission</a:t>
+            </a:r>
+          </a:p>
+          <a:p>
+            <a:pPr lvl="1"/>
+            <a:endParaRPr lang="en-US" sz="2800" dirty="0"/>
           </a:p>
           <a:p>
             <a:pPr marL="571500" indent="-571500">
@@ -22128,7 +25025,7 @@
                                         <p:tgtEl>
                                           <p:spTgt spid="5">
                                             <p:txEl>
-                                              <p:pRg st="2" end="2"/>
+                                              <p:pRg st="3" end="3"/>
                                             </p:txEl>
                                           </p:spTgt>
                                         </p:tgtEl>
@@ -22146,7 +25043,7 @@
                                         <p:tgtEl>
                                           <p:spTgt spid="5">
                                             <p:txEl>
-                                              <p:pRg st="2" end="2"/>
+                                              <p:pRg st="3" end="3"/>
                                             </p:txEl>
                                           </p:spTgt>
                                         </p:tgtEl>
@@ -22189,7 +25086,7 @@
                                         <p:tgtEl>
                                           <p:spTgt spid="5">
                                             <p:txEl>
-                                              <p:pRg st="3" end="3"/>
+                                              <p:pRg st="4" end="4"/>
                                             </p:txEl>
                                           </p:spTgt>
                                         </p:tgtEl>
@@ -22207,7 +25104,7 @@
                                         <p:tgtEl>
                                           <p:spTgt spid="5">
                                             <p:txEl>
-                                              <p:pRg st="3" end="3"/>
+                                              <p:pRg st="4" end="4"/>
                                             </p:txEl>
                                           </p:spTgt>
                                         </p:tgtEl>
@@ -22250,7 +25147,7 @@
                                         <p:tgtEl>
                                           <p:spTgt spid="5">
                                             <p:txEl>
-                                              <p:pRg st="9" end="9"/>
+                                              <p:pRg st="10" end="10"/>
                                             </p:txEl>
                                           </p:spTgt>
                                         </p:tgtEl>
@@ -22268,7 +25165,7 @@
                                         <p:tgtEl>
                                           <p:spTgt spid="5">
                                             <p:txEl>
-                                              <p:pRg st="9" end="9"/>
+                                              <p:pRg st="10" end="10"/>
                                             </p:txEl>
                                           </p:spTgt>
                                         </p:tgtEl>
@@ -22312,7 +25209,7 @@
 </p:sld>
 </file>
 
-<file path=ppt/slides/slide19.xml><?xml version="1.0" encoding="utf-8"?>
+<file path=ppt/slides/slide22.xml><?xml version="1.0" encoding="utf-8"?>
 <p:sld xmlns:a="http://schemas.openxmlformats.org/drawingml/2006/main" xmlns:r="http://schemas.openxmlformats.org/officeDocument/2006/relationships" xmlns:p="http://schemas.openxmlformats.org/presentationml/2006/main">
   <p:cSld>
     <p:spTree>
@@ -22794,7 +25691,7 @@
 </p:sld>
 </file>
 
-<file path=ppt/slides/slide2.xml><?xml version="1.0" encoding="utf-8"?>
+<file path=ppt/slides/slide23.xml><?xml version="1.0" encoding="utf-8"?>
 <p:sld xmlns:a="http://schemas.openxmlformats.org/drawingml/2006/main" xmlns:r="http://schemas.openxmlformats.org/officeDocument/2006/relationships" xmlns:p="http://schemas.openxmlformats.org/presentationml/2006/main">
   <p:cSld>
     <p:spTree>
@@ -22813,448 +25710,6 @@
       </p:grpSpPr>
       <p:sp>
         <p:nvSpPr>
-          <p:cNvPr id="27" name="Text Placeholder 2"/>
-          <p:cNvSpPr txBox="1">
-            <a:spLocks/>
-          </p:cNvSpPr>
-          <p:nvPr/>
-        </p:nvSpPr>
-        <p:spPr>
-          <a:xfrm rot="5400000">
-            <a:off x="5682853" y="2939653"/>
-            <a:ext cx="6400800" cy="521494"/>
-          </a:xfrm>
-          <a:prstGeom prst="rect">
-            <a:avLst/>
-          </a:prstGeom>
-        </p:spPr>
-        <p:txBody>
-          <a:bodyPr>
-            <a:noAutofit/>
-          </a:bodyPr>
-          <a:lstStyle>
-            <a:lvl1pPr marL="342900" indent="-342900" algn="l" defTabSz="914400" rtl="0" eaLnBrk="1" latinLnBrk="0" hangingPunct="1">
-              <a:spcBef>
-                <a:spcPct val="20000"/>
-              </a:spcBef>
-              <a:buFont typeface="Arial" pitchFamily="34" charset="0"/>
-              <a:buChar char="•"/>
-              <a:defRPr sz="3200" kern="1200">
-                <a:solidFill>
-                  <a:schemeClr val="tx1"/>
-                </a:solidFill>
-                <a:latin typeface="+mn-lt"/>
-                <a:ea typeface="+mn-ea"/>
-                <a:cs typeface="+mn-cs"/>
-              </a:defRPr>
-            </a:lvl1pPr>
-            <a:lvl2pPr marL="742950" indent="-285750" algn="l" defTabSz="914400" rtl="0" eaLnBrk="1" latinLnBrk="0" hangingPunct="1">
-              <a:spcBef>
-                <a:spcPct val="20000"/>
-              </a:spcBef>
-              <a:buFont typeface="Arial" pitchFamily="34" charset="0"/>
-              <a:buChar char="–"/>
-              <a:defRPr sz="2800" kern="1200">
-                <a:solidFill>
-                  <a:schemeClr val="tx1"/>
-                </a:solidFill>
-                <a:latin typeface="+mn-lt"/>
-                <a:ea typeface="+mn-ea"/>
-                <a:cs typeface="+mn-cs"/>
-              </a:defRPr>
-            </a:lvl2pPr>
-            <a:lvl3pPr marL="1143000" indent="-228600" algn="l" defTabSz="914400" rtl="0" eaLnBrk="1" latinLnBrk="0" hangingPunct="1">
-              <a:spcBef>
-                <a:spcPct val="20000"/>
-              </a:spcBef>
-              <a:buFont typeface="Arial" pitchFamily="34" charset="0"/>
-              <a:buChar char="•"/>
-              <a:defRPr sz="2400" kern="1200">
-                <a:solidFill>
-                  <a:schemeClr val="tx1"/>
-                </a:solidFill>
-                <a:latin typeface="+mn-lt"/>
-                <a:ea typeface="+mn-ea"/>
-                <a:cs typeface="+mn-cs"/>
-              </a:defRPr>
-            </a:lvl3pPr>
-            <a:lvl4pPr marL="1600200" indent="-228600" algn="l" defTabSz="914400" rtl="0" eaLnBrk="1" latinLnBrk="0" hangingPunct="1">
-              <a:spcBef>
-                <a:spcPct val="20000"/>
-              </a:spcBef>
-              <a:buFont typeface="Arial" pitchFamily="34" charset="0"/>
-              <a:buChar char="–"/>
-              <a:defRPr sz="2000" kern="1200">
-                <a:solidFill>
-                  <a:schemeClr val="tx1"/>
-                </a:solidFill>
-                <a:latin typeface="+mn-lt"/>
-                <a:ea typeface="+mn-ea"/>
-                <a:cs typeface="+mn-cs"/>
-              </a:defRPr>
-            </a:lvl4pPr>
-            <a:lvl5pPr marL="2057400" indent="-228600" algn="l" defTabSz="914400" rtl="0" eaLnBrk="1" latinLnBrk="0" hangingPunct="1">
-              <a:spcBef>
-                <a:spcPct val="20000"/>
-              </a:spcBef>
-              <a:buFont typeface="Arial" pitchFamily="34" charset="0"/>
-              <a:buChar char="»"/>
-              <a:defRPr sz="2000" kern="1200">
-                <a:solidFill>
-                  <a:schemeClr val="tx1"/>
-                </a:solidFill>
-                <a:latin typeface="+mn-lt"/>
-                <a:ea typeface="+mn-ea"/>
-                <a:cs typeface="+mn-cs"/>
-              </a:defRPr>
-            </a:lvl5pPr>
-            <a:lvl6pPr marL="2514600" indent="-228600" algn="l" defTabSz="914400" rtl="0" eaLnBrk="1" latinLnBrk="0" hangingPunct="1">
-              <a:spcBef>
-                <a:spcPct val="20000"/>
-              </a:spcBef>
-              <a:buFont typeface="Arial" pitchFamily="34" charset="0"/>
-              <a:buChar char="•"/>
-              <a:defRPr sz="2000" kern="1200">
-                <a:solidFill>
-                  <a:schemeClr val="tx1"/>
-                </a:solidFill>
-                <a:latin typeface="+mn-lt"/>
-                <a:ea typeface="+mn-ea"/>
-                <a:cs typeface="+mn-cs"/>
-              </a:defRPr>
-            </a:lvl6pPr>
-            <a:lvl7pPr marL="2971800" indent="-228600" algn="l" defTabSz="914400" rtl="0" eaLnBrk="1" latinLnBrk="0" hangingPunct="1">
-              <a:spcBef>
-                <a:spcPct val="20000"/>
-              </a:spcBef>
-              <a:buFont typeface="Arial" pitchFamily="34" charset="0"/>
-              <a:buChar char="•"/>
-              <a:defRPr sz="2000" kern="1200">
-                <a:solidFill>
-                  <a:schemeClr val="tx1"/>
-                </a:solidFill>
-                <a:latin typeface="+mn-lt"/>
-                <a:ea typeface="+mn-ea"/>
-                <a:cs typeface="+mn-cs"/>
-              </a:defRPr>
-            </a:lvl7pPr>
-            <a:lvl8pPr marL="3429000" indent="-228600" algn="l" defTabSz="914400" rtl="0" eaLnBrk="1" latinLnBrk="0" hangingPunct="1">
-              <a:spcBef>
-                <a:spcPct val="20000"/>
-              </a:spcBef>
-              <a:buFont typeface="Arial" pitchFamily="34" charset="0"/>
-              <a:buChar char="•"/>
-              <a:defRPr sz="2000" kern="1200">
-                <a:solidFill>
-                  <a:schemeClr val="tx1"/>
-                </a:solidFill>
-                <a:latin typeface="+mn-lt"/>
-                <a:ea typeface="+mn-ea"/>
-                <a:cs typeface="+mn-cs"/>
-              </a:defRPr>
-            </a:lvl8pPr>
-            <a:lvl9pPr marL="3886200" indent="-228600" algn="l" defTabSz="914400" rtl="0" eaLnBrk="1" latinLnBrk="0" hangingPunct="1">
-              <a:spcBef>
-                <a:spcPct val="20000"/>
-              </a:spcBef>
-              <a:buFont typeface="Arial" pitchFamily="34" charset="0"/>
-              <a:buChar char="•"/>
-              <a:defRPr sz="2000" kern="1200">
-                <a:solidFill>
-                  <a:schemeClr val="tx1"/>
-                </a:solidFill>
-                <a:latin typeface="+mn-lt"/>
-                <a:ea typeface="+mn-ea"/>
-                <a:cs typeface="+mn-cs"/>
-              </a:defRPr>
-            </a:lvl9pPr>
-          </a:lstStyle>
-          <a:p>
-            <a:pPr>
-              <a:buFont typeface="Arial" pitchFamily="34" charset="0"/>
-              <a:buNone/>
-            </a:pPr>
-            <a:r>
-              <a:rPr lang="en-US" b="1" dirty="0" smtClean="0"/>
-              <a:t>Agenda</a:t>
-            </a:r>
-            <a:endParaRPr lang="en-US" b="1" dirty="0"/>
-          </a:p>
-        </p:txBody>
-      </p:sp>
-      <p:sp>
-        <p:nvSpPr>
-          <p:cNvPr id="2" name="TextBox 1"/>
-          <p:cNvSpPr txBox="1"/>
-          <p:nvPr/>
-        </p:nvSpPr>
-        <p:spPr>
-          <a:xfrm>
-            <a:off x="228600" y="381000"/>
-            <a:ext cx="8077200" cy="5324535"/>
-          </a:xfrm>
-          <a:prstGeom prst="rect">
-            <a:avLst/>
-          </a:prstGeom>
-          <a:noFill/>
-        </p:spPr>
-        <p:txBody>
-          <a:bodyPr wrap="square" rtlCol="0">
-            <a:spAutoFit/>
-          </a:bodyPr>
-          <a:lstStyle/>
-          <a:p>
-            <a:pPr marL="285750" indent="-285750">
-              <a:buFont typeface="Arial" panose="020B0604020202020204" pitchFamily="34" charset="0"/>
-              <a:buChar char="•"/>
-            </a:pPr>
-            <a:r>
-              <a:rPr lang="en-US" sz="3600" dirty="0" smtClean="0"/>
-              <a:t>What is the </a:t>
-            </a:r>
-            <a:r>
-              <a:rPr lang="en-US" sz="3600" dirty="0" err="1" smtClean="0"/>
-              <a:t>WebAPI</a:t>
-            </a:r>
-            <a:r>
-              <a:rPr lang="en-US" sz="3600" dirty="0" smtClean="0"/>
-              <a:t>?</a:t>
-            </a:r>
-          </a:p>
-          <a:p>
-            <a:pPr marL="285750" indent="-285750">
-              <a:buFont typeface="Arial" panose="020B0604020202020204" pitchFamily="34" charset="0"/>
-              <a:buChar char="•"/>
-            </a:pPr>
-            <a:endParaRPr lang="en-US" dirty="0"/>
-          </a:p>
-          <a:p>
-            <a:pPr marL="285750" indent="-285750">
-              <a:buFont typeface="Arial" panose="020B0604020202020204" pitchFamily="34" charset="0"/>
-              <a:buChar char="•"/>
-            </a:pPr>
-            <a:r>
-              <a:rPr lang="en-US" sz="3600" dirty="0" smtClean="0"/>
-              <a:t>How is this different from </a:t>
-            </a:r>
-          </a:p>
-          <a:p>
-            <a:pPr marL="742950" lvl="1" indent="-285750">
-              <a:buFont typeface="Arial" panose="020B0604020202020204" pitchFamily="34" charset="0"/>
-              <a:buChar char="•"/>
-            </a:pPr>
-            <a:r>
-              <a:rPr lang="en-US" sz="2800" dirty="0" err="1" smtClean="0"/>
-              <a:t>Asp.Net</a:t>
-            </a:r>
-            <a:r>
-              <a:rPr lang="en-US" sz="2800" dirty="0" smtClean="0"/>
-              <a:t> MVC</a:t>
-            </a:r>
-          </a:p>
-          <a:p>
-            <a:pPr marL="742950" lvl="1" indent="-285750">
-              <a:buFont typeface="Arial" panose="020B0604020202020204" pitchFamily="34" charset="0"/>
-              <a:buChar char="•"/>
-            </a:pPr>
-            <a:r>
-              <a:rPr lang="en-US" sz="2800" dirty="0" smtClean="0"/>
-              <a:t>WCF</a:t>
-            </a:r>
-          </a:p>
-          <a:p>
-            <a:pPr lvl="1"/>
-            <a:endParaRPr lang="en-US" dirty="0" smtClean="0"/>
-          </a:p>
-          <a:p>
-            <a:pPr marL="285750" indent="-285750">
-              <a:buFont typeface="Arial" panose="020B0604020202020204" pitchFamily="34" charset="0"/>
-              <a:buChar char="•"/>
-            </a:pPr>
-            <a:r>
-              <a:rPr lang="en-US" sz="3600" dirty="0" smtClean="0"/>
-              <a:t>How do I?</a:t>
-            </a:r>
-          </a:p>
-          <a:p>
-            <a:pPr marL="742950" lvl="1" indent="-285750">
-              <a:buFont typeface="Arial" panose="020B0604020202020204" pitchFamily="34" charset="0"/>
-              <a:buChar char="•"/>
-            </a:pPr>
-            <a:r>
-              <a:rPr lang="en-US" sz="2800" dirty="0" smtClean="0"/>
-              <a:t>Hosting Options</a:t>
-            </a:r>
-          </a:p>
-          <a:p>
-            <a:pPr marL="742950" lvl="1" indent="-285750">
-              <a:buFont typeface="Arial" panose="020B0604020202020204" pitchFamily="34" charset="0"/>
-              <a:buChar char="•"/>
-            </a:pPr>
-            <a:r>
-              <a:rPr lang="en-US" sz="2800" dirty="0" smtClean="0"/>
-              <a:t>Actions</a:t>
-            </a:r>
-          </a:p>
-          <a:p>
-            <a:pPr marL="742950" lvl="1" indent="-285750">
-              <a:buFont typeface="Arial" panose="020B0604020202020204" pitchFamily="34" charset="0"/>
-              <a:buChar char="•"/>
-            </a:pPr>
-            <a:r>
-              <a:rPr lang="en-US" sz="2800" dirty="0" smtClean="0"/>
-              <a:t>Routing</a:t>
-            </a:r>
-          </a:p>
-          <a:p>
-            <a:pPr marL="742950" lvl="1" indent="-285750">
-              <a:buFont typeface="Arial" panose="020B0604020202020204" pitchFamily="34" charset="0"/>
-              <a:buChar char="•"/>
-            </a:pPr>
-            <a:r>
-              <a:rPr lang="en-US" sz="2800" dirty="0" smtClean="0"/>
-              <a:t>Model Binding</a:t>
-            </a:r>
-          </a:p>
-          <a:p>
-            <a:pPr marL="742950" lvl="1" indent="-285750">
-              <a:buFont typeface="Arial" panose="020B0604020202020204" pitchFamily="34" charset="0"/>
-              <a:buChar char="•"/>
-            </a:pPr>
-            <a:r>
-              <a:rPr lang="en-US" sz="2800" dirty="0"/>
-              <a:t>Dependency Injection</a:t>
-            </a:r>
-          </a:p>
-        </p:txBody>
-      </p:sp>
-    </p:spTree>
-  </p:cSld>
-  <p:clrMapOvr>
-    <a:masterClrMapping/>
-  </p:clrMapOvr>
-  <p:transition spd="slow">
-    <p:wipe/>
-  </p:transition>
-  <p:timing>
-    <p:tnLst>
-      <p:par>
-        <p:cTn id="1" dur="indefinite" restart="never" nodeType="tmRoot">
-          <p:childTnLst>
-            <p:seq concurrent="1" nextAc="seek">
-              <p:cTn id="2" dur="indefinite" nodeType="mainSeq">
-                <p:childTnLst>
-                  <p:par>
-                    <p:cTn id="3" fill="hold">
-                      <p:stCondLst>
-                        <p:cond delay="indefinite"/>
-                        <p:cond evt="onBegin" delay="0">
-                          <p:tn val="2"/>
-                        </p:cond>
-                      </p:stCondLst>
-                      <p:childTnLst>
-                        <p:par>
-                          <p:cTn id="4" fill="hold">
-                            <p:stCondLst>
-                              <p:cond delay="0"/>
-                            </p:stCondLst>
-                            <p:childTnLst>
-                              <p:par>
-                                <p:cTn id="5" presetID="10" presetClass="entr" presetSubtype="0" fill="hold" grpId="0" nodeType="afterEffect">
-                                  <p:stCondLst>
-                                    <p:cond delay="0"/>
-                                  </p:stCondLst>
-                                  <p:childTnLst>
-                                    <p:set>
-                                      <p:cBhvr>
-                                        <p:cTn id="6" dur="1" fill="hold">
-                                          <p:stCondLst>
-                                            <p:cond delay="0"/>
-                                          </p:stCondLst>
-                                        </p:cTn>
-                                        <p:tgtEl>
-                                          <p:spTgt spid="27">
-                                            <p:txEl>
-                                              <p:pRg st="0" end="0"/>
-                                            </p:txEl>
-                                          </p:spTgt>
-                                        </p:tgtEl>
-                                        <p:attrNameLst>
-                                          <p:attrName>style.visibility</p:attrName>
-                                        </p:attrNameLst>
-                                      </p:cBhvr>
-                                      <p:to>
-                                        <p:strVal val="visible"/>
-                                      </p:to>
-                                    </p:set>
-                                    <p:animEffect transition="in" filter="fade">
-                                      <p:cBhvr>
-                                        <p:cTn id="7" dur="1000"/>
-                                        <p:tgtEl>
-                                          <p:spTgt spid="27">
-                                            <p:txEl>
-                                              <p:pRg st="0" end="0"/>
-                                            </p:txEl>
-                                          </p:spTgt>
-                                        </p:tgtEl>
-                                      </p:cBhvr>
-                                    </p:animEffect>
-                                  </p:childTnLst>
-                                </p:cTn>
-                              </p:par>
-                            </p:childTnLst>
-                          </p:cTn>
-                        </p:par>
-                      </p:childTnLst>
-                    </p:cTn>
-                  </p:par>
-                </p:childTnLst>
-              </p:cTn>
-              <p:prevCondLst>
-                <p:cond evt="onPrev" delay="0">
-                  <p:tgtEl>
-                    <p:sldTgt/>
-                  </p:tgtEl>
-                </p:cond>
-              </p:prevCondLst>
-              <p:nextCondLst>
-                <p:cond evt="onNext" delay="0">
-                  <p:tgtEl>
-                    <p:sldTgt/>
-                  </p:tgtEl>
-                </p:cond>
-              </p:nextCondLst>
-            </p:seq>
-          </p:childTnLst>
-        </p:cTn>
-      </p:par>
-    </p:tnLst>
-    <p:bldLst>
-      <p:bldP spid="27" grpId="0" build="p"/>
-    </p:bldLst>
-  </p:timing>
-</p:sld>
-</file>
-
-<file path=ppt/slides/slide20.xml><?xml version="1.0" encoding="utf-8"?>
-<p:sld xmlns:a="http://schemas.openxmlformats.org/drawingml/2006/main" xmlns:r="http://schemas.openxmlformats.org/officeDocument/2006/relationships" xmlns:p="http://schemas.openxmlformats.org/presentationml/2006/main">
-  <p:cSld>
-    <p:spTree>
-      <p:nvGrpSpPr>
-        <p:cNvPr id="1" name=""/>
-        <p:cNvGrpSpPr/>
-        <p:nvPr/>
-      </p:nvGrpSpPr>
-      <p:grpSpPr>
-        <a:xfrm>
-          <a:off x="0" y="0"/>
-          <a:ext cx="0" cy="0"/>
-          <a:chOff x="0" y="0"/>
-          <a:chExt cx="0" cy="0"/>
-        </a:xfrm>
-      </p:grpSpPr>
-      <p:sp>
-        <p:nvSpPr>
           <p:cNvPr id="15" name="TextBox 14"/>
           <p:cNvSpPr txBox="1"/>
           <p:nvPr/>
@@ -23473,7 +25928,7 @@
         <p:spPr>
           <a:xfrm>
             <a:off x="304800" y="1280279"/>
-            <a:ext cx="8001000" cy="6063198"/>
+            <a:ext cx="8001000" cy="4832092"/>
           </a:xfrm>
           <a:prstGeom prst="rect">
             <a:avLst/>
@@ -23514,13 +25969,10 @@
             </a:r>
           </a:p>
           <a:p>
-            <a:pPr marL="1028700" lvl="1" indent="-571500">
-              <a:buFont typeface="Arial" panose="020B0604020202020204" pitchFamily="34" charset="0"/>
-              <a:buChar char="•"/>
-            </a:pPr>
+            <a:pPr lvl="1"/>
             <a:r>
               <a:rPr lang="en-US" sz="2800" dirty="0" smtClean="0"/>
-              <a:t>We will use </a:t>
+              <a:t>	We will use </a:t>
             </a:r>
             <a:r>
               <a:rPr lang="en-US" sz="2800" dirty="0" err="1" smtClean="0"/>
@@ -23534,24 +25986,6 @@
               <a:buChar char="•"/>
             </a:pPr>
             <a:endParaRPr lang="en-US" sz="2800" dirty="0"/>
-          </a:p>
-          <a:p>
-            <a:endParaRPr lang="en-US" sz="3600" dirty="0" smtClean="0">
-              <a:solidFill>
-                <a:schemeClr val="accent6">
-                  <a:lumMod val="75000"/>
-                </a:schemeClr>
-              </a:solidFill>
-            </a:endParaRPr>
-          </a:p>
-          <a:p>
-            <a:endParaRPr lang="en-US" sz="3600" dirty="0">
-              <a:solidFill>
-                <a:schemeClr val="accent6">
-                  <a:lumMod val="75000"/>
-                </a:schemeClr>
-              </a:solidFill>
-            </a:endParaRPr>
           </a:p>
           <a:p>
             <a:endParaRPr lang="en-US" sz="3600" dirty="0" smtClean="0">
@@ -23971,7 +26405,7 @@
                                         <p:tgtEl>
                                           <p:spTgt spid="5">
                                             <p:txEl>
-                                              <p:pRg st="9" end="9"/>
+                                              <p:pRg st="7" end="7"/>
                                             </p:txEl>
                                           </p:spTgt>
                                         </p:tgtEl>
@@ -23989,7 +26423,7 @@
                                         <p:tgtEl>
                                           <p:spTgt spid="5">
                                             <p:txEl>
-                                              <p:pRg st="9" end="9"/>
+                                              <p:pRg st="7" end="7"/>
                                             </p:txEl>
                                           </p:spTgt>
                                         </p:tgtEl>
@@ -24111,7 +26545,7 @@
         <p:spPr>
           <a:xfrm>
             <a:off x="304800" y="1314271"/>
-            <a:ext cx="8000999" cy="2308324"/>
+            <a:ext cx="8000999" cy="4154984"/>
           </a:xfrm>
           <a:prstGeom prst="rect">
             <a:avLst/>
@@ -24125,8 +26559,21 @@
           <a:lstStyle/>
           <a:p>
             <a:r>
-              <a:rPr lang="en-US" sz="2400" dirty="0" smtClean="0"/>
-              <a:t>Quite simply it is WCF done right!</a:t>
+              <a:rPr lang="en-US" sz="3600" dirty="0" smtClean="0"/>
+              <a:t>It is Web Services done right!</a:t>
+            </a:r>
+          </a:p>
+          <a:p>
+            <a:endParaRPr lang="en-US" sz="3600" dirty="0" smtClean="0"/>
+          </a:p>
+          <a:p>
+            <a:r>
+              <a:rPr lang="en-US" sz="3600" dirty="0" smtClean="0"/>
+              <a:t>Or better yet </a:t>
+            </a:r>
+            <a:r>
+              <a:rPr lang="en-US" sz="3600" dirty="0" smtClean="0"/>
+              <a:t>it is WCF done right!</a:t>
             </a:r>
           </a:p>
           <a:p>
@@ -24134,8 +26581,12 @@
           </a:p>
           <a:p>
             <a:r>
-              <a:rPr lang="en-US" sz="2400" dirty="0" smtClean="0"/>
-              <a:t>It’s a framework which makes building HTTP services easy and pain free</a:t>
+              <a:rPr lang="en-US" sz="3600" dirty="0"/>
+              <a:t>F</a:t>
+            </a:r>
+            <a:r>
+              <a:rPr lang="en-US" sz="3600" dirty="0" smtClean="0"/>
+              <a:t>ramework that makes building HTTP services easy and pain free</a:t>
             </a:r>
           </a:p>
           <a:p>
@@ -24143,10 +26594,10 @@
           </a:p>
           <a:p>
             <a:r>
-              <a:rPr lang="en-US" sz="2400" dirty="0" smtClean="0"/>
+              <a:rPr lang="en-US" sz="3600" dirty="0" smtClean="0"/>
               <a:t>It just works</a:t>
             </a:r>
-            <a:endParaRPr lang="en-US" sz="2400" dirty="0"/>
+            <a:endParaRPr lang="en-US" sz="3600" dirty="0"/>
           </a:p>
         </p:txBody>
       </p:sp>
@@ -24448,6 +26899,67 @@
                       </p:childTnLst>
                     </p:cTn>
                   </p:par>
+                  <p:par>
+                    <p:cTn id="24" fill="hold">
+                      <p:stCondLst>
+                        <p:cond delay="indefinite"/>
+                      </p:stCondLst>
+                      <p:childTnLst>
+                        <p:par>
+                          <p:cTn id="25" fill="hold">
+                            <p:stCondLst>
+                              <p:cond delay="0"/>
+                            </p:stCondLst>
+                            <p:childTnLst>
+                              <p:par>
+                                <p:cTn id="26" presetID="10" presetClass="entr" presetSubtype="0" fill="hold" nodeType="clickEffect">
+                                  <p:stCondLst>
+                                    <p:cond delay="0"/>
+                                  </p:stCondLst>
+                                  <p:childTnLst>
+                                    <p:set>
+                                      <p:cBhvr>
+                                        <p:cTn id="27" dur="1" fill="hold">
+                                          <p:stCondLst>
+                                            <p:cond delay="0"/>
+                                          </p:stCondLst>
+                                        </p:cTn>
+                                        <p:tgtEl>
+                                          <p:spTgt spid="2">
+                                            <p:txEl>
+                                              <p:pRg st="6" end="6"/>
+                                            </p:txEl>
+                                          </p:spTgt>
+                                        </p:tgtEl>
+                                        <p:attrNameLst>
+                                          <p:attrName>style.visibility</p:attrName>
+                                        </p:attrNameLst>
+                                      </p:cBhvr>
+                                      <p:to>
+                                        <p:strVal val="visible"/>
+                                      </p:to>
+                                    </p:set>
+                                    <p:animEffect transition="in" filter="fade">
+                                      <p:cBhvr>
+                                        <p:cTn id="28" dur="500"/>
+                                        <p:tgtEl>
+                                          <p:spTgt spid="2">
+                                            <p:txEl>
+                                              <p:pRg st="6" end="6"/>
+                                            </p:txEl>
+                                          </p:spTgt>
+                                        </p:tgtEl>
+                                      </p:cBhvr>
+                                    </p:animEffect>
+                                  </p:childTnLst>
+                                </p:cTn>
+                              </p:par>
+                            </p:childTnLst>
+                          </p:cTn>
+                        </p:par>
+                      </p:childTnLst>
+                    </p:cTn>
+                  </p:par>
                 </p:childTnLst>
               </p:cTn>
               <p:prevCondLst>
@@ -24562,7 +27074,7 @@
         <p:spPr>
           <a:xfrm>
             <a:off x="304800" y="1280279"/>
-            <a:ext cx="8001000" cy="2585323"/>
+            <a:ext cx="8001000" cy="4339650"/>
           </a:xfrm>
           <a:prstGeom prst="rect">
             <a:avLst/>
@@ -24576,7 +27088,7 @@
           <a:lstStyle/>
           <a:p>
             <a:r>
-              <a:rPr lang="en-US" dirty="0" smtClean="0"/>
+              <a:rPr lang="en-US" sz="3600" dirty="0" smtClean="0"/>
               <a:t>In a word…. NO!</a:t>
             </a:r>
           </a:p>
@@ -24585,25 +27097,31 @@
           </a:p>
           <a:p>
             <a:r>
-              <a:rPr lang="en-US" dirty="0" smtClean="0"/>
-              <a:t>MVC and </a:t>
-            </a:r>
-            <a:r>
-              <a:rPr lang="en-US" dirty="0" err="1" smtClean="0"/>
-              <a:t>WebApi</a:t>
-            </a:r>
-            <a:r>
-              <a:rPr lang="en-US" dirty="0" smtClean="0"/>
-              <a:t> have different goals and usages.</a:t>
-            </a:r>
-          </a:p>
-          <a:p>
+              <a:rPr lang="en-US" sz="3600" dirty="0" smtClean="0"/>
+              <a:t>Have different goals and usages.</a:t>
+            </a:r>
             <a:endParaRPr lang="en-US" dirty="0"/>
           </a:p>
           <a:p>
-            <a:r>
-              <a:rPr lang="en-US" dirty="0" smtClean="0"/>
-              <a:t>	MVC is a framework for building dynamic websites in a pattern based way</a:t>
+            <a:pPr lvl="1"/>
+            <a:r>
+              <a:rPr lang="en-US" sz="2800" dirty="0" smtClean="0"/>
+              <a:t>MVC is a framework for building dynamic websites in a pattern based way</a:t>
+            </a:r>
+          </a:p>
+          <a:p>
+            <a:pPr lvl="1"/>
+            <a:r>
+              <a:rPr lang="en-US" sz="2800" dirty="0" smtClean="0"/>
+              <a:t>Web </a:t>
+            </a:r>
+            <a:r>
+              <a:rPr lang="en-US" sz="2800" dirty="0" err="1" smtClean="0"/>
+              <a:t>Api</a:t>
+            </a:r>
+            <a:r>
+              <a:rPr lang="en-US" sz="2800" dirty="0" smtClean="0"/>
+              <a:t> is for hosting data rich service endpoints</a:t>
             </a:r>
           </a:p>
           <a:p>
@@ -24611,25 +27129,19 @@
           </a:p>
           <a:p>
             <a:r>
-              <a:rPr lang="en-US" dirty="0" smtClean="0"/>
-              <a:t>	Web </a:t>
-            </a:r>
-            <a:r>
-              <a:rPr lang="en-US" dirty="0" err="1" smtClean="0"/>
-              <a:t>Api</a:t>
-            </a:r>
-            <a:r>
-              <a:rPr lang="en-US" dirty="0" smtClean="0"/>
-              <a:t> is for hosting data rich service endpoints</a:t>
-            </a:r>
-          </a:p>
-          <a:p>
-            <a:endParaRPr lang="en-US" dirty="0"/>
-          </a:p>
-          <a:p>
-            <a:r>
-              <a:rPr lang="en-US" dirty="0" smtClean="0"/>
-              <a:t>Can they co-exist in the same project?   YES</a:t>
+              <a:rPr lang="en-US" sz="3600" dirty="0" smtClean="0"/>
+              <a:t>Can they co-exist in the same project?</a:t>
+            </a:r>
+          </a:p>
+          <a:p>
+            <a:pPr algn="ctr"/>
+            <a:r>
+              <a:rPr lang="en-US" sz="4800" dirty="0" smtClean="0">
+                <a:solidFill>
+                  <a:srgbClr val="FF0000"/>
+                </a:solidFill>
+              </a:rPr>
+              <a:t>YES</a:t>
             </a:r>
           </a:p>
         </p:txBody>
@@ -25105,7 +27617,7 @@
                                         <p:tgtEl>
                                           <p:spTgt spid="2">
                                             <p:txEl>
-                                              <p:pRg st="4" end="4"/>
+                                              <p:pRg st="3" end="3"/>
                                             </p:txEl>
                                           </p:spTgt>
                                         </p:tgtEl>
@@ -25123,7 +27635,7 @@
                                         <p:tgtEl>
                                           <p:spTgt spid="2">
                                             <p:txEl>
-                                              <p:pRg st="4" end="4"/>
+                                              <p:pRg st="3" end="3"/>
                                             </p:txEl>
                                           </p:spTgt>
                                         </p:tgtEl>
@@ -25148,7 +27660,7 @@
                                         <p:tgtEl>
                                           <p:spTgt spid="2">
                                             <p:txEl>
-                                              <p:pRg st="6" end="6"/>
+                                              <p:pRg st="4" end="4"/>
                                             </p:txEl>
                                           </p:spTgt>
                                         </p:tgtEl>
@@ -25166,7 +27678,7 @@
                                         <p:tgtEl>
                                           <p:spTgt spid="2">
                                             <p:txEl>
-                                              <p:pRg st="6" end="6"/>
+                                              <p:pRg st="4" end="4"/>
                                             </p:txEl>
                                           </p:spTgt>
                                         </p:tgtEl>
@@ -25194,7 +27706,7 @@
                             </p:stCondLst>
                             <p:childTnLst>
                               <p:par>
-                                <p:cTn id="31" presetID="10" presetClass="entr" presetSubtype="0" fill="hold" nodeType="clickEffect">
+                                <p:cTn id="31" presetID="1" presetClass="entr" presetSubtype="0" fill="hold" nodeType="clickEffect">
                                   <p:stCondLst>
                                     <p:cond delay="0"/>
                                   </p:stCondLst>
@@ -25209,7 +27721,7 @@
                                         <p:tgtEl>
                                           <p:spTgt spid="2">
                                             <p:txEl>
-                                              <p:pRg st="8" end="8"/>
+                                              <p:pRg st="6" end="6"/>
                                             </p:txEl>
                                           </p:spTgt>
                                         </p:tgtEl>
@@ -25221,18 +27733,55 @@
                                         <p:strVal val="visible"/>
                                       </p:to>
                                     </p:set>
-                                    <p:animEffect transition="in" filter="fade">
+                                  </p:childTnLst>
+                                </p:cTn>
+                              </p:par>
+                            </p:childTnLst>
+                          </p:cTn>
+                        </p:par>
+                      </p:childTnLst>
+                    </p:cTn>
+                  </p:par>
+                  <p:par>
+                    <p:cTn id="33" fill="hold">
+                      <p:stCondLst>
+                        <p:cond delay="indefinite"/>
+                      </p:stCondLst>
+                      <p:childTnLst>
+                        <p:par>
+                          <p:cTn id="34" fill="hold">
+                            <p:stCondLst>
+                              <p:cond delay="0"/>
+                            </p:stCondLst>
+                            <p:childTnLst>
+                              <p:par>
+                                <p:cTn id="35" presetID="1" presetClass="entr" presetSubtype="0" fill="hold" nodeType="clickEffect">
+                                  <p:stCondLst>
+                                    <p:cond delay="0"/>
+                                  </p:stCondLst>
+                                  <p:childTnLst>
+                                    <p:set>
                                       <p:cBhvr>
-                                        <p:cTn id="33" dur="500"/>
+                                        <p:cTn id="36" dur="1" fill="hold">
+                                          <p:stCondLst>
+                                            <p:cond delay="0"/>
+                                          </p:stCondLst>
+                                        </p:cTn>
                                         <p:tgtEl>
                                           <p:spTgt spid="2">
                                             <p:txEl>
-                                              <p:pRg st="8" end="8"/>
+                                              <p:pRg st="7" end="7"/>
                                             </p:txEl>
                                           </p:spTgt>
                                         </p:tgtEl>
+                                        <p:attrNameLst>
+                                          <p:attrName>style.visibility</p:attrName>
+                                        </p:attrNameLst>
                                       </p:cBhvr>
-                                    </p:animEffect>
+                                      <p:to>
+                                        <p:strVal val="visible"/>
+                                      </p:to>
+                                    </p:set>
                                   </p:childTnLst>
                                 </p:cTn>
                               </p:par>
@@ -25357,7 +27906,7 @@
         <p:spPr>
           <a:xfrm>
             <a:off x="304800" y="1280279"/>
-            <a:ext cx="8001000" cy="4247317"/>
+            <a:ext cx="8153400" cy="4308872"/>
           </a:xfrm>
           <a:prstGeom prst="rect">
             <a:avLst/>
@@ -25371,8 +27920,22 @@
           <a:lstStyle/>
           <a:p>
             <a:r>
-              <a:rPr lang="en-US" dirty="0" smtClean="0"/>
-              <a:t>In a word…. Maybe!</a:t>
+              <a:rPr lang="en-US" sz="3600" dirty="0" smtClean="0"/>
+              <a:t>In a word…. </a:t>
+            </a:r>
+            <a:r>
+              <a:rPr lang="en-US" sz="3600" dirty="0" smtClean="0">
+                <a:solidFill>
+                  <a:schemeClr val="accent6">
+                    <a:lumMod val="75000"/>
+                  </a:schemeClr>
+                </a:solidFill>
+              </a:rPr>
+              <a:t>Maybe</a:t>
+            </a:r>
+            <a:r>
+              <a:rPr lang="en-US" sz="3600" dirty="0" smtClean="0"/>
+              <a:t>!</a:t>
             </a:r>
           </a:p>
           <a:p>
@@ -25380,7 +27943,7 @@
           </a:p>
           <a:p>
             <a:r>
-              <a:rPr lang="en-US" dirty="0" smtClean="0"/>
+              <a:rPr lang="en-US" sz="3600" dirty="0" smtClean="0"/>
               <a:t>Do you need to expose SOAP endpoints?</a:t>
             </a:r>
           </a:p>
@@ -25390,13 +27953,13 @@
               <a:t>	</a:t>
             </a:r>
             <a:r>
-              <a:rPr lang="en-US" dirty="0" smtClean="0"/>
+              <a:rPr lang="en-US" sz="2800" dirty="0" smtClean="0"/>
               <a:t>Yes – Use WCF</a:t>
             </a:r>
           </a:p>
           <a:p>
             <a:r>
-              <a:rPr lang="en-US" dirty="0" smtClean="0"/>
+              <a:rPr lang="en-US" sz="2800" dirty="0" smtClean="0"/>
               <a:t>	No – Use Web API</a:t>
             </a:r>
           </a:p>
@@ -25405,8 +27968,8 @@
           </a:p>
           <a:p>
             <a:r>
-              <a:rPr lang="en-US" dirty="0" smtClean="0"/>
-              <a:t>Do you need to support multiple transport protocols?</a:t>
+              <a:rPr lang="en-US" sz="3600" dirty="0" smtClean="0"/>
+              <a:t>Do you need multiple transport protocols?</a:t>
             </a:r>
           </a:p>
           <a:p>
@@ -25415,65 +27978,22 @@
               <a:t>	</a:t>
             </a:r>
             <a:r>
-              <a:rPr lang="en-US" dirty="0" smtClean="0"/>
+              <a:rPr lang="en-US" sz="2800" dirty="0" smtClean="0"/>
               <a:t>Yes – Use WCF</a:t>
             </a:r>
           </a:p>
           <a:p>
             <a:r>
-              <a:rPr lang="en-US" dirty="0"/>
+              <a:rPr lang="en-US" sz="2800" dirty="0"/>
               <a:t>	</a:t>
             </a:r>
             <a:r>
-              <a:rPr lang="en-US" dirty="0" smtClean="0"/>
+              <a:rPr lang="en-US" sz="2800" dirty="0" smtClean="0"/>
               <a:t>No – Use Web API</a:t>
             </a:r>
           </a:p>
           <a:p>
             <a:endParaRPr lang="en-US" dirty="0" smtClean="0"/>
-          </a:p>
-          <a:p>
-            <a:r>
-              <a:rPr lang="en-US" dirty="0" smtClean="0"/>
-              <a:t>Do you enjoy xml based configuration?</a:t>
-            </a:r>
-          </a:p>
-          <a:p>
-            <a:r>
-              <a:rPr lang="en-US" dirty="0"/>
-              <a:t>	</a:t>
-            </a:r>
-            <a:r>
-              <a:rPr lang="en-US" dirty="0" smtClean="0"/>
-              <a:t>Yes – Use WCF </a:t>
-            </a:r>
-            <a:r>
-              <a:rPr lang="en-US" dirty="0" smtClean="0">
-                <a:solidFill>
-                  <a:srgbClr val="FF0000"/>
-                </a:solidFill>
-              </a:rPr>
-              <a:t>{may want to see a shrink as well}</a:t>
-            </a:r>
-          </a:p>
-          <a:p>
-            <a:r>
-              <a:rPr lang="en-US" dirty="0"/>
-              <a:t>	</a:t>
-            </a:r>
-            <a:r>
-              <a:rPr lang="en-US" dirty="0" smtClean="0"/>
-              <a:t>No – Use Web API</a:t>
-            </a:r>
-          </a:p>
-          <a:p>
-            <a:endParaRPr lang="en-US" dirty="0"/>
-          </a:p>
-          <a:p>
-            <a:r>
-              <a:rPr lang="en-US" dirty="0" smtClean="0"/>
-              <a:t>Can they co-exist in the same project?   YES</a:t>
-            </a:r>
           </a:p>
         </p:txBody>
       </p:sp>
@@ -26207,35 +28727,522 @@
                       </p:childTnLst>
                     </p:cTn>
                   </p:par>
+                </p:childTnLst>
+              </p:cTn>
+              <p:prevCondLst>
+                <p:cond evt="onPrev" delay="0">
+                  <p:tgtEl>
+                    <p:sldTgt/>
+                  </p:tgtEl>
+                </p:cond>
+              </p:prevCondLst>
+              <p:nextCondLst>
+                <p:cond evt="onNext" delay="0">
+                  <p:tgtEl>
+                    <p:sldTgt/>
+                  </p:tgtEl>
+                </p:cond>
+              </p:nextCondLst>
+            </p:seq>
+          </p:childTnLst>
+        </p:cTn>
+      </p:par>
+    </p:tnLst>
+    <p:bldLst>
+      <p:bldP spid="15" grpId="0" animBg="1"/>
+      <p:bldP spid="4" grpId="0" build="p"/>
+    </p:bldLst>
+  </p:timing>
+</p:sld>
+</file>
+
+<file path=ppt/slides/slide6.xml><?xml version="1.0" encoding="utf-8"?>
+<p:sld xmlns:a="http://schemas.openxmlformats.org/drawingml/2006/main" xmlns:r="http://schemas.openxmlformats.org/officeDocument/2006/relationships" xmlns:p="http://schemas.openxmlformats.org/presentationml/2006/main">
+  <p:cSld>
+    <p:spTree>
+      <p:nvGrpSpPr>
+        <p:cNvPr id="1" name=""/>
+        <p:cNvGrpSpPr/>
+        <p:nvPr/>
+      </p:nvGrpSpPr>
+      <p:grpSpPr>
+        <a:xfrm>
+          <a:off x="0" y="0"/>
+          <a:ext cx="0" cy="0"/>
+          <a:chOff x="0" y="0"/>
+          <a:chExt cx="0" cy="0"/>
+        </a:xfrm>
+      </p:grpSpPr>
+      <p:sp>
+        <p:nvSpPr>
+          <p:cNvPr id="15" name="TextBox 14"/>
+          <p:cNvSpPr txBox="1"/>
+          <p:nvPr/>
+        </p:nvSpPr>
+        <p:spPr>
+          <a:xfrm>
+            <a:off x="0" y="533400"/>
+            <a:ext cx="4343400" cy="461665"/>
+          </a:xfrm>
+          <a:prstGeom prst="rect">
+            <a:avLst/>
+          </a:prstGeom>
+          <a:solidFill>
+            <a:schemeClr val="tx1">
+              <a:lumMod val="95000"/>
+              <a:lumOff val="5000"/>
+              <a:alpha val="55000"/>
+            </a:schemeClr>
+          </a:solidFill>
+        </p:spPr>
+        <p:txBody>
+          <a:bodyPr wrap="square" rtlCol="0" anchor="ctr" anchorCtr="0">
+            <a:normAutofit fontScale="92500"/>
+          </a:bodyPr>
+          <a:lstStyle/>
+          <a:p>
+            <a:r>
+              <a:rPr lang="en-US" sz="2400" dirty="0" smtClean="0">
+                <a:solidFill>
+                  <a:schemeClr val="bg1"/>
+                </a:solidFill>
+              </a:rPr>
+              <a:t>Is Web </a:t>
+            </a:r>
+            <a:r>
+              <a:rPr lang="en-US" sz="2400" dirty="0" err="1" smtClean="0">
+                <a:solidFill>
+                  <a:schemeClr val="bg1"/>
+                </a:solidFill>
+              </a:rPr>
+              <a:t>Api</a:t>
+            </a:r>
+            <a:r>
+              <a:rPr lang="en-US" sz="2400" dirty="0" smtClean="0">
+                <a:solidFill>
+                  <a:schemeClr val="bg1"/>
+                </a:solidFill>
+              </a:rPr>
+              <a:t> a replacement for WCF</a:t>
+            </a:r>
+            <a:endParaRPr lang="en-US" sz="2400" b="1" dirty="0">
+              <a:solidFill>
+                <a:schemeClr val="bg1"/>
+              </a:solidFill>
+            </a:endParaRPr>
+          </a:p>
+        </p:txBody>
+      </p:sp>
+      <p:sp>
+        <p:nvSpPr>
+          <p:cNvPr id="2" name="TextBox 1"/>
+          <p:cNvSpPr txBox="1"/>
+          <p:nvPr/>
+        </p:nvSpPr>
+        <p:spPr>
+          <a:xfrm>
+            <a:off x="304800" y="1280279"/>
+            <a:ext cx="8001000" cy="4770537"/>
+          </a:xfrm>
+          <a:prstGeom prst="rect">
+            <a:avLst/>
+          </a:prstGeom>
+          <a:noFill/>
+        </p:spPr>
+        <p:txBody>
+          <a:bodyPr wrap="square" rtlCol="0">
+            <a:spAutoFit/>
+          </a:bodyPr>
+          <a:lstStyle/>
+          <a:p>
+            <a:r>
+              <a:rPr lang="en-US" sz="3600" dirty="0" smtClean="0"/>
+              <a:t>Do you enjoy xml based configuration?</a:t>
+            </a:r>
+          </a:p>
+          <a:p>
+            <a:r>
+              <a:rPr lang="en-US" dirty="0"/>
+              <a:t>	</a:t>
+            </a:r>
+            <a:r>
+              <a:rPr lang="en-US" sz="2800" dirty="0" smtClean="0"/>
+              <a:t>Yes – Use WCF </a:t>
+            </a:r>
+            <a:r>
+              <a:rPr lang="en-US" sz="2400" dirty="0" smtClean="0">
+                <a:solidFill>
+                  <a:srgbClr val="FF0000"/>
+                </a:solidFill>
+              </a:rPr>
+              <a:t>{may want to see a shrink as well}</a:t>
+            </a:r>
+          </a:p>
+          <a:p>
+            <a:r>
+              <a:rPr lang="en-US" sz="2800" dirty="0"/>
+              <a:t>	</a:t>
+            </a:r>
+            <a:r>
+              <a:rPr lang="en-US" sz="2800" dirty="0" smtClean="0"/>
+              <a:t>No – Use Web API</a:t>
+            </a:r>
+          </a:p>
+          <a:p>
+            <a:endParaRPr lang="en-US" dirty="0" smtClean="0"/>
+          </a:p>
+          <a:p>
+            <a:r>
+              <a:rPr lang="en-US" sz="3600" dirty="0" smtClean="0"/>
+              <a:t>Do you need RPC Style Requests?</a:t>
+            </a:r>
+          </a:p>
+          <a:p>
+            <a:r>
+              <a:rPr lang="en-US" dirty="0"/>
+              <a:t>	</a:t>
+            </a:r>
+            <a:r>
+              <a:rPr lang="en-US" sz="2800" dirty="0" smtClean="0"/>
+              <a:t>Yes – Use WCF</a:t>
+            </a:r>
+          </a:p>
+          <a:p>
+            <a:r>
+              <a:rPr lang="en-US" sz="2800" dirty="0" smtClean="0"/>
+              <a:t>	No – Use Web API</a:t>
+            </a:r>
+          </a:p>
+          <a:p>
+            <a:endParaRPr lang="en-US" dirty="0"/>
+          </a:p>
+          <a:p>
+            <a:r>
+              <a:rPr lang="en-US" sz="3600" dirty="0" smtClean="0"/>
+              <a:t>Can they co-exist in the same project?   </a:t>
+            </a:r>
+          </a:p>
+          <a:p>
+            <a:pPr algn="ctr"/>
+            <a:r>
+              <a:rPr lang="en-US" sz="4800" dirty="0">
+                <a:solidFill>
+                  <a:srgbClr val="FF0000"/>
+                </a:solidFill>
+              </a:rPr>
+              <a:t>YES</a:t>
+            </a:r>
+            <a:endParaRPr lang="en-US" sz="4800" dirty="0" smtClean="0"/>
+          </a:p>
+        </p:txBody>
+      </p:sp>
+      <p:sp>
+        <p:nvSpPr>
+          <p:cNvPr id="4" name="Text Placeholder 2"/>
+          <p:cNvSpPr txBox="1">
+            <a:spLocks/>
+          </p:cNvSpPr>
+          <p:nvPr/>
+        </p:nvSpPr>
+        <p:spPr>
+          <a:xfrm rot="5400000">
+            <a:off x="5682853" y="2939653"/>
+            <a:ext cx="6400800" cy="521494"/>
+          </a:xfrm>
+          <a:prstGeom prst="rect">
+            <a:avLst/>
+          </a:prstGeom>
+        </p:spPr>
+        <p:txBody>
+          <a:bodyPr>
+            <a:noAutofit/>
+          </a:bodyPr>
+          <a:lstStyle>
+            <a:lvl1pPr marL="342900" indent="-342900" algn="l" defTabSz="914400" rtl="0" eaLnBrk="1" latinLnBrk="0" hangingPunct="1">
+              <a:spcBef>
+                <a:spcPct val="20000"/>
+              </a:spcBef>
+              <a:buFont typeface="Arial" pitchFamily="34" charset="0"/>
+              <a:buChar char="•"/>
+              <a:defRPr sz="3200" kern="1200">
+                <a:solidFill>
+                  <a:schemeClr val="tx1"/>
+                </a:solidFill>
+                <a:latin typeface="+mn-lt"/>
+                <a:ea typeface="+mn-ea"/>
+                <a:cs typeface="+mn-cs"/>
+              </a:defRPr>
+            </a:lvl1pPr>
+            <a:lvl2pPr marL="742950" indent="-285750" algn="l" defTabSz="914400" rtl="0" eaLnBrk="1" latinLnBrk="0" hangingPunct="1">
+              <a:spcBef>
+                <a:spcPct val="20000"/>
+              </a:spcBef>
+              <a:buFont typeface="Arial" pitchFamily="34" charset="0"/>
+              <a:buChar char="–"/>
+              <a:defRPr sz="2800" kern="1200">
+                <a:solidFill>
+                  <a:schemeClr val="tx1"/>
+                </a:solidFill>
+                <a:latin typeface="+mn-lt"/>
+                <a:ea typeface="+mn-ea"/>
+                <a:cs typeface="+mn-cs"/>
+              </a:defRPr>
+            </a:lvl2pPr>
+            <a:lvl3pPr marL="1143000" indent="-228600" algn="l" defTabSz="914400" rtl="0" eaLnBrk="1" latinLnBrk="0" hangingPunct="1">
+              <a:spcBef>
+                <a:spcPct val="20000"/>
+              </a:spcBef>
+              <a:buFont typeface="Arial" pitchFamily="34" charset="0"/>
+              <a:buChar char="•"/>
+              <a:defRPr sz="2400" kern="1200">
+                <a:solidFill>
+                  <a:schemeClr val="tx1"/>
+                </a:solidFill>
+                <a:latin typeface="+mn-lt"/>
+                <a:ea typeface="+mn-ea"/>
+                <a:cs typeface="+mn-cs"/>
+              </a:defRPr>
+            </a:lvl3pPr>
+            <a:lvl4pPr marL="1600200" indent="-228600" algn="l" defTabSz="914400" rtl="0" eaLnBrk="1" latinLnBrk="0" hangingPunct="1">
+              <a:spcBef>
+                <a:spcPct val="20000"/>
+              </a:spcBef>
+              <a:buFont typeface="Arial" pitchFamily="34" charset="0"/>
+              <a:buChar char="–"/>
+              <a:defRPr sz="2000" kern="1200">
+                <a:solidFill>
+                  <a:schemeClr val="tx1"/>
+                </a:solidFill>
+                <a:latin typeface="+mn-lt"/>
+                <a:ea typeface="+mn-ea"/>
+                <a:cs typeface="+mn-cs"/>
+              </a:defRPr>
+            </a:lvl4pPr>
+            <a:lvl5pPr marL="2057400" indent="-228600" algn="l" defTabSz="914400" rtl="0" eaLnBrk="1" latinLnBrk="0" hangingPunct="1">
+              <a:spcBef>
+                <a:spcPct val="20000"/>
+              </a:spcBef>
+              <a:buFont typeface="Arial" pitchFamily="34" charset="0"/>
+              <a:buChar char="»"/>
+              <a:defRPr sz="2000" kern="1200">
+                <a:solidFill>
+                  <a:schemeClr val="tx1"/>
+                </a:solidFill>
+                <a:latin typeface="+mn-lt"/>
+                <a:ea typeface="+mn-ea"/>
+                <a:cs typeface="+mn-cs"/>
+              </a:defRPr>
+            </a:lvl5pPr>
+            <a:lvl6pPr marL="2514600" indent="-228600" algn="l" defTabSz="914400" rtl="0" eaLnBrk="1" latinLnBrk="0" hangingPunct="1">
+              <a:spcBef>
+                <a:spcPct val="20000"/>
+              </a:spcBef>
+              <a:buFont typeface="Arial" pitchFamily="34" charset="0"/>
+              <a:buChar char="•"/>
+              <a:defRPr sz="2000" kern="1200">
+                <a:solidFill>
+                  <a:schemeClr val="tx1"/>
+                </a:solidFill>
+                <a:latin typeface="+mn-lt"/>
+                <a:ea typeface="+mn-ea"/>
+                <a:cs typeface="+mn-cs"/>
+              </a:defRPr>
+            </a:lvl6pPr>
+            <a:lvl7pPr marL="2971800" indent="-228600" algn="l" defTabSz="914400" rtl="0" eaLnBrk="1" latinLnBrk="0" hangingPunct="1">
+              <a:spcBef>
+                <a:spcPct val="20000"/>
+              </a:spcBef>
+              <a:buFont typeface="Arial" pitchFamily="34" charset="0"/>
+              <a:buChar char="•"/>
+              <a:defRPr sz="2000" kern="1200">
+                <a:solidFill>
+                  <a:schemeClr val="tx1"/>
+                </a:solidFill>
+                <a:latin typeface="+mn-lt"/>
+                <a:ea typeface="+mn-ea"/>
+                <a:cs typeface="+mn-cs"/>
+              </a:defRPr>
+            </a:lvl7pPr>
+            <a:lvl8pPr marL="3429000" indent="-228600" algn="l" defTabSz="914400" rtl="0" eaLnBrk="1" latinLnBrk="0" hangingPunct="1">
+              <a:spcBef>
+                <a:spcPct val="20000"/>
+              </a:spcBef>
+              <a:buFont typeface="Arial" pitchFamily="34" charset="0"/>
+              <a:buChar char="•"/>
+              <a:defRPr sz="2000" kern="1200">
+                <a:solidFill>
+                  <a:schemeClr val="tx1"/>
+                </a:solidFill>
+                <a:latin typeface="+mn-lt"/>
+                <a:ea typeface="+mn-ea"/>
+                <a:cs typeface="+mn-cs"/>
+              </a:defRPr>
+            </a:lvl8pPr>
+            <a:lvl9pPr marL="3886200" indent="-228600" algn="l" defTabSz="914400" rtl="0" eaLnBrk="1" latinLnBrk="0" hangingPunct="1">
+              <a:spcBef>
+                <a:spcPct val="20000"/>
+              </a:spcBef>
+              <a:buFont typeface="Arial" pitchFamily="34" charset="0"/>
+              <a:buChar char="•"/>
+              <a:defRPr sz="2000" kern="1200">
+                <a:solidFill>
+                  <a:schemeClr val="tx1"/>
+                </a:solidFill>
+                <a:latin typeface="+mn-lt"/>
+                <a:ea typeface="+mn-ea"/>
+                <a:cs typeface="+mn-cs"/>
+              </a:defRPr>
+            </a:lvl9pPr>
+          </a:lstStyle>
+          <a:p>
+            <a:pPr>
+              <a:buFont typeface="Arial" pitchFamily="34" charset="0"/>
+              <a:buNone/>
+            </a:pPr>
+            <a:endParaRPr lang="en-US" b="1" dirty="0"/>
+          </a:p>
+        </p:txBody>
+      </p:sp>
+    </p:spTree>
+    <p:extLst>
+      <p:ext uri="{BB962C8B-B14F-4D97-AF65-F5344CB8AC3E}">
+        <p14:creationId xmlns:p14="http://schemas.microsoft.com/office/powerpoint/2010/main" val="2054453782"/>
+      </p:ext>
+    </p:extLst>
+  </p:cSld>
+  <p:clrMapOvr>
+    <a:masterClrMapping/>
+  </p:clrMapOvr>
+  <p:transition spd="slow">
+    <p:wipe/>
+  </p:transition>
+  <p:timing>
+    <p:tnLst>
+      <p:par>
+        <p:cTn id="1" dur="indefinite" restart="never" nodeType="tmRoot">
+          <p:childTnLst>
+            <p:seq concurrent="1" nextAc="seek">
+              <p:cTn id="2" dur="indefinite" nodeType="mainSeq">
+                <p:childTnLst>
                   <p:par>
-                    <p:cTn id="44" fill="hold">
+                    <p:cTn id="3" fill="hold">
                       <p:stCondLst>
                         <p:cond delay="indefinite"/>
+                        <p:cond evt="onBegin" delay="0">
+                          <p:tn val="2"/>
+                        </p:cond>
                       </p:stCondLst>
                       <p:childTnLst>
                         <p:par>
-                          <p:cTn id="45" fill="hold">
+                          <p:cTn id="4" fill="hold">
                             <p:stCondLst>
                               <p:cond delay="0"/>
                             </p:stCondLst>
                             <p:childTnLst>
                               <p:par>
-                                <p:cTn id="46" presetID="10" presetClass="entr" presetSubtype="0" fill="hold" nodeType="clickEffect">
+                                <p:cTn id="5" presetID="2" presetClass="entr" presetSubtype="8" fill="hold" grpId="0" nodeType="afterEffect">
                                   <p:stCondLst>
-                                    <p:cond delay="0"/>
+                                    <p:cond delay="100"/>
                                   </p:stCondLst>
                                   <p:childTnLst>
                                     <p:set>
                                       <p:cBhvr>
-                                        <p:cTn id="47" dur="1" fill="hold">
+                                        <p:cTn id="6" dur="1" fill="hold">
                                           <p:stCondLst>
                                             <p:cond delay="0"/>
                                           </p:stCondLst>
                                         </p:cTn>
                                         <p:tgtEl>
-                                          <p:spTgt spid="2">
+                                          <p:spTgt spid="15"/>
+                                        </p:tgtEl>
+                                        <p:attrNameLst>
+                                          <p:attrName>style.visibility</p:attrName>
+                                        </p:attrNameLst>
+                                      </p:cBhvr>
+                                      <p:to>
+                                        <p:strVal val="visible"/>
+                                      </p:to>
+                                    </p:set>
+                                    <p:anim calcmode="lin" valueType="num">
+                                      <p:cBhvr additive="base">
+                                        <p:cTn id="7" dur="500" fill="hold"/>
+                                        <p:tgtEl>
+                                          <p:spTgt spid="15"/>
+                                        </p:tgtEl>
+                                        <p:attrNameLst>
+                                          <p:attrName>ppt_x</p:attrName>
+                                        </p:attrNameLst>
+                                      </p:cBhvr>
+                                      <p:tavLst>
+                                        <p:tav tm="0">
+                                          <p:val>
+                                            <p:strVal val="0-#ppt_w/2"/>
+                                          </p:val>
+                                        </p:tav>
+                                        <p:tav tm="100000">
+                                          <p:val>
+                                            <p:strVal val="#ppt_x"/>
+                                          </p:val>
+                                        </p:tav>
+                                      </p:tavLst>
+                                    </p:anim>
+                                    <p:anim calcmode="lin" valueType="num">
+                                      <p:cBhvr additive="base">
+                                        <p:cTn id="8" dur="500" fill="hold"/>
+                                        <p:tgtEl>
+                                          <p:spTgt spid="15"/>
+                                        </p:tgtEl>
+                                        <p:attrNameLst>
+                                          <p:attrName>ppt_y</p:attrName>
+                                        </p:attrNameLst>
+                                      </p:cBhvr>
+                                      <p:tavLst>
+                                        <p:tav tm="0">
+                                          <p:val>
+                                            <p:strVal val="#ppt_y"/>
+                                          </p:val>
+                                        </p:tav>
+                                        <p:tav tm="100000">
+                                          <p:val>
+                                            <p:strVal val="#ppt_y"/>
+                                          </p:val>
+                                        </p:tav>
+                                      </p:tavLst>
+                                    </p:anim>
+                                  </p:childTnLst>
+                                </p:cTn>
+                              </p:par>
+                            </p:childTnLst>
+                          </p:cTn>
+                        </p:par>
+                        <p:par>
+                          <p:cTn id="9" fill="hold">
+                            <p:stCondLst>
+                              <p:cond delay="600"/>
+                            </p:stCondLst>
+                            <p:childTnLst>
+                              <p:par>
+                                <p:cTn id="10" presetID="10" presetClass="entr" presetSubtype="0" fill="hold" grpId="0" nodeType="afterEffect" nodePh="1">
+                                  <p:stCondLst>
+                                    <p:cond delay="0"/>
+                                  </p:stCondLst>
+                                  <p:endCondLst>
+                                    <p:cond evt="begin" delay="0">
+                                      <p:tn val="10"/>
+                                    </p:cond>
+                                  </p:endCondLst>
+                                  <p:childTnLst>
+                                    <p:set>
+                                      <p:cBhvr>
+                                        <p:cTn id="11" dur="1" fill="hold">
+                                          <p:stCondLst>
+                                            <p:cond delay="0"/>
+                                          </p:stCondLst>
+                                        </p:cTn>
+                                        <p:tgtEl>
+                                          <p:spTgt spid="4">
                                             <p:txEl>
-                                              <p:pRg st="10" end="10"/>
+                                              <p:pRg st="0" end="0"/>
                                             </p:txEl>
                                           </p:spTgt>
                                         </p:tgtEl>
@@ -26249,11 +29256,11 @@
                                     </p:set>
                                     <p:animEffect transition="in" filter="fade">
                                       <p:cBhvr>
-                                        <p:cTn id="48" dur="500"/>
+                                        <p:cTn id="12" dur="1000"/>
                                         <p:tgtEl>
-                                          <p:spTgt spid="2">
+                                          <p:spTgt spid="4">
                                             <p:txEl>
-                                              <p:pRg st="10" end="10"/>
+                                              <p:pRg st="0" end="0"/>
                                             </p:txEl>
                                           </p:spTgt>
                                         </p:tgtEl>
@@ -26269,26 +29276,26 @@
                     </p:cTn>
                   </p:par>
                   <p:par>
-                    <p:cTn id="49" fill="hold">
+                    <p:cTn id="13" fill="hold">
                       <p:stCondLst>
                         <p:cond delay="indefinite"/>
                       </p:stCondLst>
                       <p:childTnLst>
                         <p:par>
-                          <p:cTn id="50" fill="hold">
+                          <p:cTn id="14" fill="hold">
                             <p:stCondLst>
                               <p:cond delay="0"/>
                             </p:stCondLst>
                             <p:childTnLst>
                               <p:par>
-                                <p:cTn id="51" presetID="10" presetClass="entr" presetSubtype="0" fill="hold" nodeType="clickEffect">
+                                <p:cTn id="15" presetID="10" presetClass="entr" presetSubtype="0" fill="hold" nodeType="clickEffect">
                                   <p:stCondLst>
                                     <p:cond delay="0"/>
                                   </p:stCondLst>
                                   <p:childTnLst>
                                     <p:set>
                                       <p:cBhvr>
-                                        <p:cTn id="52" dur="1" fill="hold">
+                                        <p:cTn id="16" dur="1" fill="hold">
                                           <p:stCondLst>
                                             <p:cond delay="0"/>
                                           </p:stCondLst>
@@ -26296,7 +29303,7 @@
                                         <p:tgtEl>
                                           <p:spTgt spid="2">
                                             <p:txEl>
-                                              <p:pRg st="11" end="11"/>
+                                              <p:pRg st="0" end="0"/>
                                             </p:txEl>
                                           </p:spTgt>
                                         </p:tgtEl>
@@ -26310,54 +29317,11 @@
                                     </p:set>
                                     <p:animEffect transition="in" filter="fade">
                                       <p:cBhvr>
-                                        <p:cTn id="53" dur="500"/>
+                                        <p:cTn id="17" dur="500"/>
                                         <p:tgtEl>
                                           <p:spTgt spid="2">
                                             <p:txEl>
-                                              <p:pRg st="11" end="11"/>
-                                            </p:txEl>
-                                          </p:spTgt>
-                                        </p:tgtEl>
-                                      </p:cBhvr>
-                                    </p:animEffect>
-                                  </p:childTnLst>
-                                </p:cTn>
-                              </p:par>
-                              <p:par>
-                                <p:cTn id="54" presetID="10" presetClass="entr" presetSubtype="0" fill="hold" nodeType="withEffect">
-                                  <p:stCondLst>
-                                    <p:cond delay="0"/>
-                                  </p:stCondLst>
-                                  <p:childTnLst>
-                                    <p:set>
-                                      <p:cBhvr>
-                                        <p:cTn id="55" dur="1" fill="hold">
-                                          <p:stCondLst>
-                                            <p:cond delay="0"/>
-                                          </p:stCondLst>
-                                        </p:cTn>
-                                        <p:tgtEl>
-                                          <p:spTgt spid="2">
-                                            <p:txEl>
-                                              <p:pRg st="12" end="12"/>
-                                            </p:txEl>
-                                          </p:spTgt>
-                                        </p:tgtEl>
-                                        <p:attrNameLst>
-                                          <p:attrName>style.visibility</p:attrName>
-                                        </p:attrNameLst>
-                                      </p:cBhvr>
-                                      <p:to>
-                                        <p:strVal val="visible"/>
-                                      </p:to>
-                                    </p:set>
-                                    <p:animEffect transition="in" filter="fade">
-                                      <p:cBhvr>
-                                        <p:cTn id="56" dur="500"/>
-                                        <p:tgtEl>
-                                          <p:spTgt spid="2">
-                                            <p:txEl>
-                                              <p:pRg st="12" end="12"/>
+                                              <p:pRg st="0" end="0"/>
                                             </p:txEl>
                                           </p:spTgt>
                                         </p:tgtEl>
@@ -26373,26 +29337,26 @@
                     </p:cTn>
                   </p:par>
                   <p:par>
-                    <p:cTn id="57" fill="hold">
+                    <p:cTn id="18" fill="hold">
                       <p:stCondLst>
                         <p:cond delay="indefinite"/>
                       </p:stCondLst>
                       <p:childTnLst>
                         <p:par>
-                          <p:cTn id="58" fill="hold">
+                          <p:cTn id="19" fill="hold">
                             <p:stCondLst>
                               <p:cond delay="0"/>
                             </p:stCondLst>
                             <p:childTnLst>
                               <p:par>
-                                <p:cTn id="59" presetID="10" presetClass="entr" presetSubtype="0" fill="hold" nodeType="clickEffect">
+                                <p:cTn id="20" presetID="10" presetClass="entr" presetSubtype="0" fill="hold" nodeType="clickEffect">
                                   <p:stCondLst>
                                     <p:cond delay="0"/>
                                   </p:stCondLst>
                                   <p:childTnLst>
                                     <p:set>
                                       <p:cBhvr>
-                                        <p:cTn id="60" dur="1" fill="hold">
+                                        <p:cTn id="21" dur="1" fill="hold">
                                           <p:stCondLst>
                                             <p:cond delay="0"/>
                                           </p:stCondLst>
@@ -26400,7 +29364,7 @@
                                         <p:tgtEl>
                                           <p:spTgt spid="2">
                                             <p:txEl>
-                                              <p:pRg st="14" end="14"/>
+                                              <p:pRg st="1" end="1"/>
                                             </p:txEl>
                                           </p:spTgt>
                                         </p:tgtEl>
@@ -26414,11 +29378,323 @@
                                     </p:set>
                                     <p:animEffect transition="in" filter="fade">
                                       <p:cBhvr>
-                                        <p:cTn id="61" dur="500"/>
+                                        <p:cTn id="22" dur="500"/>
                                         <p:tgtEl>
                                           <p:spTgt spid="2">
                                             <p:txEl>
-                                              <p:pRg st="14" end="14"/>
+                                              <p:pRg st="1" end="1"/>
+                                            </p:txEl>
+                                          </p:spTgt>
+                                        </p:tgtEl>
+                                      </p:cBhvr>
+                                    </p:animEffect>
+                                  </p:childTnLst>
+                                </p:cTn>
+                              </p:par>
+                              <p:par>
+                                <p:cTn id="23" presetID="10" presetClass="entr" presetSubtype="0" fill="hold" nodeType="withEffect">
+                                  <p:stCondLst>
+                                    <p:cond delay="0"/>
+                                  </p:stCondLst>
+                                  <p:childTnLst>
+                                    <p:set>
+                                      <p:cBhvr>
+                                        <p:cTn id="24" dur="1" fill="hold">
+                                          <p:stCondLst>
+                                            <p:cond delay="0"/>
+                                          </p:stCondLst>
+                                        </p:cTn>
+                                        <p:tgtEl>
+                                          <p:spTgt spid="2">
+                                            <p:txEl>
+                                              <p:pRg st="2" end="2"/>
+                                            </p:txEl>
+                                          </p:spTgt>
+                                        </p:tgtEl>
+                                        <p:attrNameLst>
+                                          <p:attrName>style.visibility</p:attrName>
+                                        </p:attrNameLst>
+                                      </p:cBhvr>
+                                      <p:to>
+                                        <p:strVal val="visible"/>
+                                      </p:to>
+                                    </p:set>
+                                    <p:animEffect transition="in" filter="fade">
+                                      <p:cBhvr>
+                                        <p:cTn id="25" dur="500"/>
+                                        <p:tgtEl>
+                                          <p:spTgt spid="2">
+                                            <p:txEl>
+                                              <p:pRg st="2" end="2"/>
+                                            </p:txEl>
+                                          </p:spTgt>
+                                        </p:tgtEl>
+                                      </p:cBhvr>
+                                    </p:animEffect>
+                                  </p:childTnLst>
+                                </p:cTn>
+                              </p:par>
+                            </p:childTnLst>
+                          </p:cTn>
+                        </p:par>
+                      </p:childTnLst>
+                    </p:cTn>
+                  </p:par>
+                  <p:par>
+                    <p:cTn id="26" fill="hold">
+                      <p:stCondLst>
+                        <p:cond delay="indefinite"/>
+                      </p:stCondLst>
+                      <p:childTnLst>
+                        <p:par>
+                          <p:cTn id="27" fill="hold">
+                            <p:stCondLst>
+                              <p:cond delay="0"/>
+                            </p:stCondLst>
+                            <p:childTnLst>
+                              <p:par>
+                                <p:cTn id="28" presetID="10" presetClass="entr" presetSubtype="0" fill="hold" nodeType="clickEffect">
+                                  <p:stCondLst>
+                                    <p:cond delay="0"/>
+                                  </p:stCondLst>
+                                  <p:childTnLst>
+                                    <p:set>
+                                      <p:cBhvr>
+                                        <p:cTn id="29" dur="1" fill="hold">
+                                          <p:stCondLst>
+                                            <p:cond delay="0"/>
+                                          </p:stCondLst>
+                                        </p:cTn>
+                                        <p:tgtEl>
+                                          <p:spTgt spid="2">
+                                            <p:txEl>
+                                              <p:pRg st="4" end="4"/>
+                                            </p:txEl>
+                                          </p:spTgt>
+                                        </p:tgtEl>
+                                        <p:attrNameLst>
+                                          <p:attrName>style.visibility</p:attrName>
+                                        </p:attrNameLst>
+                                      </p:cBhvr>
+                                      <p:to>
+                                        <p:strVal val="visible"/>
+                                      </p:to>
+                                    </p:set>
+                                    <p:animEffect transition="in" filter="fade">
+                                      <p:cBhvr>
+                                        <p:cTn id="30" dur="500"/>
+                                        <p:tgtEl>
+                                          <p:spTgt spid="2">
+                                            <p:txEl>
+                                              <p:pRg st="4" end="4"/>
+                                            </p:txEl>
+                                          </p:spTgt>
+                                        </p:tgtEl>
+                                      </p:cBhvr>
+                                    </p:animEffect>
+                                  </p:childTnLst>
+                                </p:cTn>
+                              </p:par>
+                              <p:par>
+                                <p:cTn id="31" presetID="10" presetClass="entr" presetSubtype="0" fill="hold" nodeType="withEffect">
+                                  <p:stCondLst>
+                                    <p:cond delay="0"/>
+                                  </p:stCondLst>
+                                  <p:childTnLst>
+                                    <p:set>
+                                      <p:cBhvr>
+                                        <p:cTn id="32" dur="1" fill="hold">
+                                          <p:stCondLst>
+                                            <p:cond delay="0"/>
+                                          </p:stCondLst>
+                                        </p:cTn>
+                                        <p:tgtEl>
+                                          <p:spTgt spid="2">
+                                            <p:txEl>
+                                              <p:pRg st="5" end="5"/>
+                                            </p:txEl>
+                                          </p:spTgt>
+                                        </p:tgtEl>
+                                        <p:attrNameLst>
+                                          <p:attrName>style.visibility</p:attrName>
+                                        </p:attrNameLst>
+                                      </p:cBhvr>
+                                      <p:to>
+                                        <p:strVal val="visible"/>
+                                      </p:to>
+                                    </p:set>
+                                    <p:animEffect transition="in" filter="fade">
+                                      <p:cBhvr>
+                                        <p:cTn id="33" dur="500"/>
+                                        <p:tgtEl>
+                                          <p:spTgt spid="2">
+                                            <p:txEl>
+                                              <p:pRg st="5" end="5"/>
+                                            </p:txEl>
+                                          </p:spTgt>
+                                        </p:tgtEl>
+                                      </p:cBhvr>
+                                    </p:animEffect>
+                                  </p:childTnLst>
+                                </p:cTn>
+                              </p:par>
+                              <p:par>
+                                <p:cTn id="34" presetID="10" presetClass="entr" presetSubtype="0" fill="hold" nodeType="withEffect">
+                                  <p:stCondLst>
+                                    <p:cond delay="0"/>
+                                  </p:stCondLst>
+                                  <p:childTnLst>
+                                    <p:set>
+                                      <p:cBhvr>
+                                        <p:cTn id="35" dur="1" fill="hold">
+                                          <p:stCondLst>
+                                            <p:cond delay="0"/>
+                                          </p:stCondLst>
+                                        </p:cTn>
+                                        <p:tgtEl>
+                                          <p:spTgt spid="2">
+                                            <p:txEl>
+                                              <p:pRg st="6" end="6"/>
+                                            </p:txEl>
+                                          </p:spTgt>
+                                        </p:tgtEl>
+                                        <p:attrNameLst>
+                                          <p:attrName>style.visibility</p:attrName>
+                                        </p:attrNameLst>
+                                      </p:cBhvr>
+                                      <p:to>
+                                        <p:strVal val="visible"/>
+                                      </p:to>
+                                    </p:set>
+                                    <p:animEffect transition="in" filter="fade">
+                                      <p:cBhvr>
+                                        <p:cTn id="36" dur="500"/>
+                                        <p:tgtEl>
+                                          <p:spTgt spid="2">
+                                            <p:txEl>
+                                              <p:pRg st="6" end="6"/>
+                                            </p:txEl>
+                                          </p:spTgt>
+                                        </p:tgtEl>
+                                      </p:cBhvr>
+                                    </p:animEffect>
+                                  </p:childTnLst>
+                                </p:cTn>
+                              </p:par>
+                            </p:childTnLst>
+                          </p:cTn>
+                        </p:par>
+                      </p:childTnLst>
+                    </p:cTn>
+                  </p:par>
+                  <p:par>
+                    <p:cTn id="37" fill="hold">
+                      <p:stCondLst>
+                        <p:cond delay="indefinite"/>
+                      </p:stCondLst>
+                      <p:childTnLst>
+                        <p:par>
+                          <p:cTn id="38" fill="hold">
+                            <p:stCondLst>
+                              <p:cond delay="0"/>
+                            </p:stCondLst>
+                            <p:childTnLst>
+                              <p:par>
+                                <p:cTn id="39" presetID="10" presetClass="entr" presetSubtype="0" fill="hold" nodeType="clickEffect">
+                                  <p:stCondLst>
+                                    <p:cond delay="0"/>
+                                  </p:stCondLst>
+                                  <p:childTnLst>
+                                    <p:set>
+                                      <p:cBhvr>
+                                        <p:cTn id="40" dur="1" fill="hold">
+                                          <p:stCondLst>
+                                            <p:cond delay="0"/>
+                                          </p:stCondLst>
+                                        </p:cTn>
+                                        <p:tgtEl>
+                                          <p:spTgt spid="2">
+                                            <p:txEl>
+                                              <p:pRg st="8" end="8"/>
+                                            </p:txEl>
+                                          </p:spTgt>
+                                        </p:tgtEl>
+                                        <p:attrNameLst>
+                                          <p:attrName>style.visibility</p:attrName>
+                                        </p:attrNameLst>
+                                      </p:cBhvr>
+                                      <p:to>
+                                        <p:strVal val="visible"/>
+                                      </p:to>
+                                    </p:set>
+                                    <p:animEffect transition="in" filter="fade">
+                                      <p:cBhvr>
+                                        <p:cTn id="41" dur="500"/>
+                                        <p:tgtEl>
+                                          <p:spTgt spid="2">
+                                            <p:txEl>
+                                              <p:pRg st="8" end="8"/>
+                                            </p:txEl>
+                                          </p:spTgt>
+                                        </p:tgtEl>
+                                      </p:cBhvr>
+                                    </p:animEffect>
+                                  </p:childTnLst>
+                                </p:cTn>
+                              </p:par>
+                            </p:childTnLst>
+                          </p:cTn>
+                        </p:par>
+                      </p:childTnLst>
+                    </p:cTn>
+                  </p:par>
+                  <p:par>
+                    <p:cTn id="42" fill="hold">
+                      <p:stCondLst>
+                        <p:cond delay="indefinite"/>
+                      </p:stCondLst>
+                      <p:childTnLst>
+                        <p:par>
+                          <p:cTn id="43" fill="hold">
+                            <p:stCondLst>
+                              <p:cond delay="0"/>
+                            </p:stCondLst>
+                            <p:childTnLst>
+                              <p:par>
+                                <p:cTn id="44" presetID="10" presetClass="entr" presetSubtype="0" fill="hold" nodeType="clickEffect">
+                                  <p:stCondLst>
+                                    <p:cond delay="0"/>
+                                  </p:stCondLst>
+                                  <p:childTnLst>
+                                    <p:set>
+                                      <p:cBhvr>
+                                        <p:cTn id="45" dur="1" fill="hold">
+                                          <p:stCondLst>
+                                            <p:cond delay="0"/>
+                                          </p:stCondLst>
+                                        </p:cTn>
+                                        <p:tgtEl>
+                                          <p:spTgt spid="2">
+                                            <p:txEl>
+                                              <p:pRg st="9" end="9"/>
+                                            </p:txEl>
+                                          </p:spTgt>
+                                        </p:tgtEl>
+                                        <p:attrNameLst>
+                                          <p:attrName>style.visibility</p:attrName>
+                                        </p:attrNameLst>
+                                      </p:cBhvr>
+                                      <p:to>
+                                        <p:strVal val="visible"/>
+                                      </p:to>
+                                    </p:set>
+                                    <p:animEffect transition="in" filter="fade">
+                                      <p:cBhvr>
+                                        <p:cTn id="46" dur="500"/>
+                                        <p:tgtEl>
+                                          <p:spTgt spid="2">
+                                            <p:txEl>
+                                              <p:pRg st="9" end="9"/>
                                             </p:txEl>
                                           </p:spTgt>
                                         </p:tgtEl>
@@ -26462,7 +29738,7 @@
 </p:sld>
 </file>
 
-<file path=ppt/slides/slide6.xml><?xml version="1.0" encoding="utf-8"?>
+<file path=ppt/slides/slide7.xml><?xml version="1.0" encoding="utf-8"?>
 <p:sld xmlns:a="http://schemas.openxmlformats.org/drawingml/2006/main" xmlns:r="http://schemas.openxmlformats.org/officeDocument/2006/relationships" xmlns:p="http://schemas.openxmlformats.org/presentationml/2006/main">
   <p:cSld>
     <p:spTree>
@@ -26945,7 +30221,7 @@
 </p:sld>
 </file>
 
-<file path=ppt/slides/slide7.xml><?xml version="1.0" encoding="utf-8"?>
+<file path=ppt/slides/slide8.xml><?xml version="1.0" encoding="utf-8"?>
 <p:sld xmlns:a="http://schemas.openxmlformats.org/drawingml/2006/main" xmlns:r="http://schemas.openxmlformats.org/officeDocument/2006/relationships" xmlns:p="http://schemas.openxmlformats.org/presentationml/2006/main">
   <p:cSld>
     <p:spTree>
@@ -27786,30 +31062,6 @@
             <a:pPr marL="0" indent="0">
               <a:buNone/>
             </a:pPr>
-            <a:r>
-              <a:rPr lang="en-US" dirty="0" smtClean="0">
-                <a:solidFill>
-                  <a:schemeClr val="bg1"/>
-                </a:solidFill>
-              </a:rPr>
-              <a:t>Replacement </a:t>
-            </a:r>
-            <a:r>
-              <a:rPr lang="en-US" dirty="0">
-                <a:solidFill>
-                  <a:schemeClr val="bg1"/>
-                </a:solidFill>
-              </a:rPr>
-              <a:t>for </a:t>
-            </a:r>
-            <a:r>
-              <a:rPr lang="en-US" dirty="0" smtClean="0">
-                <a:solidFill>
-                  <a:schemeClr val="bg1"/>
-                </a:solidFill>
-              </a:rPr>
-              <a:t>MVC?</a:t>
-            </a:r>
             <a:endParaRPr lang="en-US" b="1" dirty="0">
               <a:solidFill>
                 <a:schemeClr val="bg1"/>
@@ -28753,10 +32005,15 @@
                             </p:stCondLst>
                             <p:childTnLst>
                               <p:par>
-                                <p:cTn id="10" presetID="10" presetClass="entr" presetSubtype="0" fill="hold" grpId="0" nodeType="afterEffect">
+                                <p:cTn id="10" presetID="10" presetClass="entr" presetSubtype="0" fill="hold" grpId="0" nodeType="afterEffect" nodePh="1">
                                   <p:stCondLst>
                                     <p:cond delay="0"/>
                                   </p:stCondLst>
+                                  <p:endCondLst>
+                                    <p:cond evt="begin" delay="0">
+                                      <p:tn val="10"/>
+                                    </p:cond>
+                                  </p:endCondLst>
                                   <p:childTnLst>
                                     <p:set>
                                       <p:cBhvr>
@@ -29338,476 +32595,6 @@
 </p:sld>
 </file>
 
-<file path=ppt/slides/slide8.xml><?xml version="1.0" encoding="utf-8"?>
-<p:sld xmlns:a="http://schemas.openxmlformats.org/drawingml/2006/main" xmlns:r="http://schemas.openxmlformats.org/officeDocument/2006/relationships" xmlns:p="http://schemas.openxmlformats.org/presentationml/2006/main">
-  <p:cSld>
-    <p:spTree>
-      <p:nvGrpSpPr>
-        <p:cNvPr id="1" name=""/>
-        <p:cNvGrpSpPr/>
-        <p:nvPr/>
-      </p:nvGrpSpPr>
-      <p:grpSpPr>
-        <a:xfrm>
-          <a:off x="0" y="0"/>
-          <a:ext cx="0" cy="0"/>
-          <a:chOff x="0" y="0"/>
-          <a:chExt cx="0" cy="0"/>
-        </a:xfrm>
-      </p:grpSpPr>
-      <p:sp>
-        <p:nvSpPr>
-          <p:cNvPr id="27" name="Text Placeholder 2"/>
-          <p:cNvSpPr txBox="1">
-            <a:spLocks/>
-          </p:cNvSpPr>
-          <p:nvPr/>
-        </p:nvSpPr>
-        <p:spPr>
-          <a:xfrm rot="5400000">
-            <a:off x="5682853" y="2939653"/>
-            <a:ext cx="6400800" cy="521494"/>
-          </a:xfrm>
-          <a:prstGeom prst="rect">
-            <a:avLst/>
-          </a:prstGeom>
-        </p:spPr>
-        <p:txBody>
-          <a:bodyPr>
-            <a:noAutofit/>
-          </a:bodyPr>
-          <a:lstStyle>
-            <a:lvl1pPr marL="342900" indent="-342900" algn="l" defTabSz="914400" rtl="0" eaLnBrk="1" latinLnBrk="0" hangingPunct="1">
-              <a:spcBef>
-                <a:spcPct val="20000"/>
-              </a:spcBef>
-              <a:buFont typeface="Arial" pitchFamily="34" charset="0"/>
-              <a:buChar char="•"/>
-              <a:defRPr sz="3200" kern="1200">
-                <a:solidFill>
-                  <a:schemeClr val="tx1"/>
-                </a:solidFill>
-                <a:latin typeface="+mn-lt"/>
-                <a:ea typeface="+mn-ea"/>
-                <a:cs typeface="+mn-cs"/>
-              </a:defRPr>
-            </a:lvl1pPr>
-            <a:lvl2pPr marL="742950" indent="-285750" algn="l" defTabSz="914400" rtl="0" eaLnBrk="1" latinLnBrk="0" hangingPunct="1">
-              <a:spcBef>
-                <a:spcPct val="20000"/>
-              </a:spcBef>
-              <a:buFont typeface="Arial" pitchFamily="34" charset="0"/>
-              <a:buChar char="–"/>
-              <a:defRPr sz="2800" kern="1200">
-                <a:solidFill>
-                  <a:schemeClr val="tx1"/>
-                </a:solidFill>
-                <a:latin typeface="+mn-lt"/>
-                <a:ea typeface="+mn-ea"/>
-                <a:cs typeface="+mn-cs"/>
-              </a:defRPr>
-            </a:lvl2pPr>
-            <a:lvl3pPr marL="1143000" indent="-228600" algn="l" defTabSz="914400" rtl="0" eaLnBrk="1" latinLnBrk="0" hangingPunct="1">
-              <a:spcBef>
-                <a:spcPct val="20000"/>
-              </a:spcBef>
-              <a:buFont typeface="Arial" pitchFamily="34" charset="0"/>
-              <a:buChar char="•"/>
-              <a:defRPr sz="2400" kern="1200">
-                <a:solidFill>
-                  <a:schemeClr val="tx1"/>
-                </a:solidFill>
-                <a:latin typeface="+mn-lt"/>
-                <a:ea typeface="+mn-ea"/>
-                <a:cs typeface="+mn-cs"/>
-              </a:defRPr>
-            </a:lvl3pPr>
-            <a:lvl4pPr marL="1600200" indent="-228600" algn="l" defTabSz="914400" rtl="0" eaLnBrk="1" latinLnBrk="0" hangingPunct="1">
-              <a:spcBef>
-                <a:spcPct val="20000"/>
-              </a:spcBef>
-              <a:buFont typeface="Arial" pitchFamily="34" charset="0"/>
-              <a:buChar char="–"/>
-              <a:defRPr sz="2000" kern="1200">
-                <a:solidFill>
-                  <a:schemeClr val="tx1"/>
-                </a:solidFill>
-                <a:latin typeface="+mn-lt"/>
-                <a:ea typeface="+mn-ea"/>
-                <a:cs typeface="+mn-cs"/>
-              </a:defRPr>
-            </a:lvl4pPr>
-            <a:lvl5pPr marL="2057400" indent="-228600" algn="l" defTabSz="914400" rtl="0" eaLnBrk="1" latinLnBrk="0" hangingPunct="1">
-              <a:spcBef>
-                <a:spcPct val="20000"/>
-              </a:spcBef>
-              <a:buFont typeface="Arial" pitchFamily="34" charset="0"/>
-              <a:buChar char="»"/>
-              <a:defRPr sz="2000" kern="1200">
-                <a:solidFill>
-                  <a:schemeClr val="tx1"/>
-                </a:solidFill>
-                <a:latin typeface="+mn-lt"/>
-                <a:ea typeface="+mn-ea"/>
-                <a:cs typeface="+mn-cs"/>
-              </a:defRPr>
-            </a:lvl5pPr>
-            <a:lvl6pPr marL="2514600" indent="-228600" algn="l" defTabSz="914400" rtl="0" eaLnBrk="1" latinLnBrk="0" hangingPunct="1">
-              <a:spcBef>
-                <a:spcPct val="20000"/>
-              </a:spcBef>
-              <a:buFont typeface="Arial" pitchFamily="34" charset="0"/>
-              <a:buChar char="•"/>
-              <a:defRPr sz="2000" kern="1200">
-                <a:solidFill>
-                  <a:schemeClr val="tx1"/>
-                </a:solidFill>
-                <a:latin typeface="+mn-lt"/>
-                <a:ea typeface="+mn-ea"/>
-                <a:cs typeface="+mn-cs"/>
-              </a:defRPr>
-            </a:lvl6pPr>
-            <a:lvl7pPr marL="2971800" indent="-228600" algn="l" defTabSz="914400" rtl="0" eaLnBrk="1" latinLnBrk="0" hangingPunct="1">
-              <a:spcBef>
-                <a:spcPct val="20000"/>
-              </a:spcBef>
-              <a:buFont typeface="Arial" pitchFamily="34" charset="0"/>
-              <a:buChar char="•"/>
-              <a:defRPr sz="2000" kern="1200">
-                <a:solidFill>
-                  <a:schemeClr val="tx1"/>
-                </a:solidFill>
-                <a:latin typeface="+mn-lt"/>
-                <a:ea typeface="+mn-ea"/>
-                <a:cs typeface="+mn-cs"/>
-              </a:defRPr>
-            </a:lvl7pPr>
-            <a:lvl8pPr marL="3429000" indent="-228600" algn="l" defTabSz="914400" rtl="0" eaLnBrk="1" latinLnBrk="0" hangingPunct="1">
-              <a:spcBef>
-                <a:spcPct val="20000"/>
-              </a:spcBef>
-              <a:buFont typeface="Arial" pitchFamily="34" charset="0"/>
-              <a:buChar char="•"/>
-              <a:defRPr sz="2000" kern="1200">
-                <a:solidFill>
-                  <a:schemeClr val="tx1"/>
-                </a:solidFill>
-                <a:latin typeface="+mn-lt"/>
-                <a:ea typeface="+mn-ea"/>
-                <a:cs typeface="+mn-cs"/>
-              </a:defRPr>
-            </a:lvl8pPr>
-            <a:lvl9pPr marL="3886200" indent="-228600" algn="l" defTabSz="914400" rtl="0" eaLnBrk="1" latinLnBrk="0" hangingPunct="1">
-              <a:spcBef>
-                <a:spcPct val="20000"/>
-              </a:spcBef>
-              <a:buFont typeface="Arial" pitchFamily="34" charset="0"/>
-              <a:buChar char="•"/>
-              <a:defRPr sz="2000" kern="1200">
-                <a:solidFill>
-                  <a:schemeClr val="tx1"/>
-                </a:solidFill>
-                <a:latin typeface="+mn-lt"/>
-                <a:ea typeface="+mn-ea"/>
-                <a:cs typeface="+mn-cs"/>
-              </a:defRPr>
-            </a:lvl9pPr>
-          </a:lstStyle>
-          <a:p>
-            <a:pPr>
-              <a:buFont typeface="Arial" pitchFamily="34" charset="0"/>
-              <a:buNone/>
-            </a:pPr>
-            <a:r>
-              <a:rPr lang="en-US" b="1" dirty="0" smtClean="0"/>
-              <a:t>Agenda</a:t>
-            </a:r>
-            <a:endParaRPr lang="en-US" b="1" dirty="0"/>
-          </a:p>
-        </p:txBody>
-      </p:sp>
-      <p:sp>
-        <p:nvSpPr>
-          <p:cNvPr id="2" name="TextBox 1"/>
-          <p:cNvSpPr txBox="1"/>
-          <p:nvPr/>
-        </p:nvSpPr>
-        <p:spPr>
-          <a:xfrm>
-            <a:off x="228600" y="381000"/>
-            <a:ext cx="8077200" cy="5755422"/>
-          </a:xfrm>
-          <a:prstGeom prst="rect">
-            <a:avLst/>
-          </a:prstGeom>
-          <a:noFill/>
-        </p:spPr>
-        <p:txBody>
-          <a:bodyPr wrap="square" rtlCol="0">
-            <a:spAutoFit/>
-          </a:bodyPr>
-          <a:lstStyle/>
-          <a:p>
-            <a:pPr marL="285750" indent="-285750">
-              <a:buFont typeface="Arial" panose="020B0604020202020204" pitchFamily="34" charset="0"/>
-              <a:buChar char="•"/>
-            </a:pPr>
-            <a:r>
-              <a:rPr lang="en-US" sz="3600" dirty="0"/>
-              <a:t>What is the </a:t>
-            </a:r>
-            <a:r>
-              <a:rPr lang="en-US" sz="3600" dirty="0" err="1"/>
-              <a:t>WebAPI</a:t>
-            </a:r>
-            <a:r>
-              <a:rPr lang="en-US" sz="3600" dirty="0"/>
-              <a:t>?</a:t>
-            </a:r>
-          </a:p>
-          <a:p>
-            <a:pPr marL="285750" indent="-285750">
-              <a:buFont typeface="Arial" panose="020B0604020202020204" pitchFamily="34" charset="0"/>
-              <a:buChar char="•"/>
-            </a:pPr>
-            <a:endParaRPr lang="en-US" dirty="0"/>
-          </a:p>
-          <a:p>
-            <a:pPr marL="285750" indent="-285750">
-              <a:buFont typeface="Arial" panose="020B0604020202020204" pitchFamily="34" charset="0"/>
-              <a:buChar char="•"/>
-            </a:pPr>
-            <a:r>
-              <a:rPr lang="en-US" sz="3600" dirty="0"/>
-              <a:t>How is this different from </a:t>
-            </a:r>
-          </a:p>
-          <a:p>
-            <a:pPr marL="742950" lvl="1" indent="-285750">
-              <a:buFont typeface="Arial" panose="020B0604020202020204" pitchFamily="34" charset="0"/>
-              <a:buChar char="•"/>
-            </a:pPr>
-            <a:r>
-              <a:rPr lang="en-US" sz="2800" dirty="0" err="1"/>
-              <a:t>Asp.Net</a:t>
-            </a:r>
-            <a:r>
-              <a:rPr lang="en-US" sz="2800" dirty="0"/>
-              <a:t> MVC</a:t>
-            </a:r>
-          </a:p>
-          <a:p>
-            <a:pPr marL="742950" lvl="1" indent="-285750">
-              <a:buFont typeface="Arial" panose="020B0604020202020204" pitchFamily="34" charset="0"/>
-              <a:buChar char="•"/>
-            </a:pPr>
-            <a:r>
-              <a:rPr lang="en-US" sz="2800" dirty="0"/>
-              <a:t>WCF</a:t>
-            </a:r>
-          </a:p>
-          <a:p>
-            <a:pPr lvl="1"/>
-            <a:endParaRPr lang="en-US" dirty="0"/>
-          </a:p>
-          <a:p>
-            <a:pPr marL="285750" indent="-285750">
-              <a:buFont typeface="Arial" panose="020B0604020202020204" pitchFamily="34" charset="0"/>
-              <a:buChar char="•"/>
-            </a:pPr>
-            <a:r>
-              <a:rPr lang="en-US" sz="3600" dirty="0">
-                <a:solidFill>
-                  <a:schemeClr val="accent6">
-                    <a:lumMod val="75000"/>
-                  </a:schemeClr>
-                </a:solidFill>
-              </a:rPr>
-              <a:t>How do I?</a:t>
-            </a:r>
-          </a:p>
-          <a:p>
-            <a:pPr marL="742950" lvl="1" indent="-285750">
-              <a:buFont typeface="Arial" panose="020B0604020202020204" pitchFamily="34" charset="0"/>
-              <a:buChar char="•"/>
-            </a:pPr>
-            <a:r>
-              <a:rPr lang="en-US" sz="2800" u="sng" dirty="0">
-                <a:solidFill>
-                  <a:schemeClr val="accent6">
-                    <a:lumMod val="75000"/>
-                  </a:schemeClr>
-                </a:solidFill>
-              </a:rPr>
-              <a:t>Hosting Options</a:t>
-            </a:r>
-          </a:p>
-          <a:p>
-            <a:pPr marL="742950" lvl="1" indent="-285750">
-              <a:buFont typeface="Arial" panose="020B0604020202020204" pitchFamily="34" charset="0"/>
-              <a:buChar char="•"/>
-            </a:pPr>
-            <a:r>
-              <a:rPr lang="en-US" sz="2800" dirty="0" smtClean="0"/>
-              <a:t>Actions</a:t>
-            </a:r>
-            <a:endParaRPr lang="en-US" sz="2800" dirty="0"/>
-          </a:p>
-          <a:p>
-            <a:pPr marL="742950" lvl="1" indent="-285750">
-              <a:buFont typeface="Arial" panose="020B0604020202020204" pitchFamily="34" charset="0"/>
-              <a:buChar char="•"/>
-            </a:pPr>
-            <a:r>
-              <a:rPr lang="en-US" sz="2800" dirty="0"/>
-              <a:t>Routing</a:t>
-            </a:r>
-          </a:p>
-          <a:p>
-            <a:pPr marL="742950" lvl="1" indent="-285750">
-              <a:buFont typeface="Arial" panose="020B0604020202020204" pitchFamily="34" charset="0"/>
-              <a:buChar char="•"/>
-            </a:pPr>
-            <a:r>
-              <a:rPr lang="en-US" sz="2800" dirty="0" smtClean="0"/>
-              <a:t>Filters</a:t>
-            </a:r>
-          </a:p>
-          <a:p>
-            <a:pPr marL="742950" lvl="1" indent="-285750">
-              <a:buFont typeface="Arial" panose="020B0604020202020204" pitchFamily="34" charset="0"/>
-              <a:buChar char="•"/>
-            </a:pPr>
-            <a:r>
-              <a:rPr lang="en-US" sz="2800" dirty="0"/>
-              <a:t>Model Binding</a:t>
-            </a:r>
-          </a:p>
-          <a:p>
-            <a:pPr marL="742950" lvl="1" indent="-285750">
-              <a:buFont typeface="Arial" panose="020B0604020202020204" pitchFamily="34" charset="0"/>
-              <a:buChar char="•"/>
-            </a:pPr>
-            <a:r>
-              <a:rPr lang="en-US" sz="2800" dirty="0"/>
-              <a:t>Dependency Injection</a:t>
-            </a:r>
-          </a:p>
-        </p:txBody>
-      </p:sp>
-    </p:spTree>
-    <p:extLst>
-      <p:ext uri="{BB962C8B-B14F-4D97-AF65-F5344CB8AC3E}">
-        <p14:creationId xmlns:p14="http://schemas.microsoft.com/office/powerpoint/2010/main" val="2464803294"/>
-      </p:ext>
-    </p:extLst>
-  </p:cSld>
-  <p:clrMapOvr>
-    <a:masterClrMapping/>
-  </p:clrMapOvr>
-  <p:transition spd="slow">
-    <p:wipe/>
-  </p:transition>
-  <p:timing>
-    <p:tnLst>
-      <p:par>
-        <p:cTn id="1" dur="indefinite" restart="never" nodeType="tmRoot">
-          <p:childTnLst>
-            <p:seq concurrent="1" nextAc="seek">
-              <p:cTn id="2" dur="indefinite" nodeType="mainSeq">
-                <p:childTnLst>
-                  <p:par>
-                    <p:cTn id="3" fill="hold">
-                      <p:stCondLst>
-                        <p:cond delay="indefinite"/>
-                        <p:cond evt="onBegin" delay="0">
-                          <p:tn val="2"/>
-                        </p:cond>
-                      </p:stCondLst>
-                      <p:childTnLst>
-                        <p:par>
-                          <p:cTn id="4" fill="hold">
-                            <p:stCondLst>
-                              <p:cond delay="0"/>
-                            </p:stCondLst>
-                            <p:childTnLst>
-                              <p:par>
-                                <p:cTn id="5" presetID="10" presetClass="entr" presetSubtype="0" fill="hold" grpId="0" nodeType="afterEffect">
-                                  <p:stCondLst>
-                                    <p:cond delay="0"/>
-                                  </p:stCondLst>
-                                  <p:childTnLst>
-                                    <p:set>
-                                      <p:cBhvr>
-                                        <p:cTn id="6" dur="1" fill="hold">
-                                          <p:stCondLst>
-                                            <p:cond delay="0"/>
-                                          </p:stCondLst>
-                                        </p:cTn>
-                                        <p:tgtEl>
-                                          <p:spTgt spid="27">
-                                            <p:txEl>
-                                              <p:pRg st="0" end="0"/>
-                                            </p:txEl>
-                                          </p:spTgt>
-                                        </p:tgtEl>
-                                        <p:attrNameLst>
-                                          <p:attrName>style.visibility</p:attrName>
-                                        </p:attrNameLst>
-                                      </p:cBhvr>
-                                      <p:to>
-                                        <p:strVal val="visible"/>
-                                      </p:to>
-                                    </p:set>
-                                    <p:animEffect transition="in" filter="fade">
-                                      <p:cBhvr>
-                                        <p:cTn id="7" dur="1000"/>
-                                        <p:tgtEl>
-                                          <p:spTgt spid="27">
-                                            <p:txEl>
-                                              <p:pRg st="0" end="0"/>
-                                            </p:txEl>
-                                          </p:spTgt>
-                                        </p:tgtEl>
-                                      </p:cBhvr>
-                                    </p:animEffect>
-                                  </p:childTnLst>
-                                </p:cTn>
-                              </p:par>
-                            </p:childTnLst>
-                          </p:cTn>
-                        </p:par>
-                      </p:childTnLst>
-                    </p:cTn>
-                  </p:par>
-                </p:childTnLst>
-              </p:cTn>
-              <p:prevCondLst>
-                <p:cond evt="onPrev" delay="0">
-                  <p:tgtEl>
-                    <p:sldTgt/>
-                  </p:tgtEl>
-                </p:cond>
-              </p:prevCondLst>
-              <p:nextCondLst>
-                <p:cond evt="onNext" delay="0">
-                  <p:tgtEl>
-                    <p:sldTgt/>
-                  </p:tgtEl>
-                </p:cond>
-              </p:nextCondLst>
-            </p:seq>
-          </p:childTnLst>
-        </p:cTn>
-      </p:par>
-    </p:tnLst>
-    <p:bldLst>
-      <p:bldP spid="27" grpId="0" build="p"/>
-    </p:bldLst>
-  </p:timing>
-</p:sld>
-</file>
-
 <file path=ppt/slides/slide9.xml><?xml version="1.0" encoding="utf-8"?>
 <p:sld xmlns:a="http://schemas.openxmlformats.org/drawingml/2006/main" xmlns:r="http://schemas.openxmlformats.org/officeDocument/2006/relationships" xmlns:p="http://schemas.openxmlformats.org/presentationml/2006/main">
   <p:cSld>
@@ -29854,101 +32641,42 @@
           <a:lstStyle/>
           <a:p>
             <a:r>
-              <a:rPr lang="en-US" sz="2400" dirty="0" smtClean="0">
+              <a:rPr lang="en-US" sz="2200" dirty="0" smtClean="0">
                 <a:solidFill>
                   <a:schemeClr val="bg1"/>
                 </a:solidFill>
               </a:rPr>
-              <a:t>Hosting Option 1 – IIS Hosting</a:t>
-            </a:r>
-            <a:endParaRPr lang="en-US" sz="2400" b="1" dirty="0">
+              <a:t>Core Difference – WCF </a:t>
+            </a:r>
+            <a:r>
+              <a:rPr lang="en-US" sz="2200" dirty="0" err="1" smtClean="0">
+                <a:solidFill>
+                  <a:schemeClr val="bg1"/>
+                </a:solidFill>
+              </a:rPr>
+              <a:t>vs</a:t>
+            </a:r>
+            <a:r>
+              <a:rPr lang="en-US" sz="2200" dirty="0" smtClean="0">
+                <a:solidFill>
+                  <a:schemeClr val="bg1"/>
+                </a:solidFill>
+              </a:rPr>
+              <a:t> </a:t>
+            </a:r>
+            <a:r>
+              <a:rPr lang="en-US" sz="2200" dirty="0" err="1" smtClean="0">
+                <a:solidFill>
+                  <a:schemeClr val="bg1"/>
+                </a:solidFill>
+              </a:rPr>
+              <a:t>WebApi</a:t>
+            </a:r>
+            <a:endParaRPr lang="en-US" sz="2200" b="1" dirty="0">
               <a:solidFill>
                 <a:schemeClr val="bg1"/>
               </a:solidFill>
             </a:endParaRPr>
-          </a:p>
-        </p:txBody>
-      </p:sp>
-      <p:sp>
-        <p:nvSpPr>
-          <p:cNvPr id="2" name="TextBox 1"/>
-          <p:cNvSpPr txBox="1"/>
-          <p:nvPr/>
-        </p:nvSpPr>
-        <p:spPr>
-          <a:xfrm>
-            <a:off x="304800" y="1280279"/>
-            <a:ext cx="8001000" cy="3600986"/>
-          </a:xfrm>
-          <a:prstGeom prst="rect">
-            <a:avLst/>
-          </a:prstGeom>
-          <a:noFill/>
-        </p:spPr>
-        <p:txBody>
-          <a:bodyPr wrap="square" rtlCol="0">
-            <a:spAutoFit/>
-          </a:bodyPr>
-          <a:lstStyle/>
-          <a:p>
-            <a:r>
-              <a:rPr lang="en-US" sz="3600" dirty="0"/>
-              <a:t>Why </a:t>
-            </a:r>
-            <a:r>
-              <a:rPr lang="en-US" sz="3600" dirty="0" smtClean="0"/>
-              <a:t>IIS Host</a:t>
-            </a:r>
-            <a:r>
-              <a:rPr lang="en-US" sz="3600" dirty="0"/>
-              <a:t>?</a:t>
-            </a:r>
-          </a:p>
-          <a:p>
-            <a:r>
-              <a:rPr lang="en-US" dirty="0"/>
-              <a:t>	</a:t>
-            </a:r>
-            <a:r>
-              <a:rPr lang="en-US" sz="2800" dirty="0" smtClean="0"/>
-              <a:t>It’s the default</a:t>
-            </a:r>
-          </a:p>
-          <a:p>
-            <a:r>
-              <a:rPr lang="en-US" sz="2800" dirty="0" smtClean="0"/>
-              <a:t>	You get the built in scalability of IIS</a:t>
-            </a:r>
-          </a:p>
-          <a:p>
-            <a:endParaRPr lang="en-US" dirty="0"/>
-          </a:p>
-          <a:p>
-            <a:r>
-              <a:rPr lang="en-US" sz="3600" dirty="0" smtClean="0"/>
-              <a:t>Special Instructions </a:t>
-            </a:r>
-            <a:endParaRPr lang="en-US" sz="3600" dirty="0"/>
-          </a:p>
-          <a:p>
-            <a:r>
-              <a:rPr lang="en-US" dirty="0"/>
-              <a:t>	</a:t>
-            </a:r>
-            <a:r>
-              <a:rPr lang="en-US" sz="2800" dirty="0" smtClean="0"/>
-              <a:t>None – It pretty much just works</a:t>
-            </a:r>
-          </a:p>
-          <a:p>
-            <a:endParaRPr lang="en-US" dirty="0"/>
-          </a:p>
-          <a:p>
-            <a:r>
-              <a:rPr lang="en-US" sz="3600" dirty="0" smtClean="0"/>
-              <a:t>Demo Time</a:t>
-            </a:r>
-            <a:endParaRPr lang="en-US" sz="3600" dirty="0"/>
           </a:p>
         </p:txBody>
       </p:sp>
@@ -30111,18 +32839,98 @@
             </a:lvl9pPr>
           </a:lstStyle>
           <a:p>
-            <a:pPr>
-              <a:buFont typeface="Arial" pitchFamily="34" charset="0"/>
+            <a:pPr marL="0" indent="0">
               <a:buNone/>
             </a:pPr>
-            <a:endParaRPr lang="en-US" b="1" dirty="0"/>
+            <a:endParaRPr lang="en-US" b="1" dirty="0">
+              <a:solidFill>
+                <a:schemeClr val="bg1"/>
+              </a:solidFill>
+            </a:endParaRPr>
+          </a:p>
+        </p:txBody>
+      </p:sp>
+      <p:sp>
+        <p:nvSpPr>
+          <p:cNvPr id="2" name="TextBox 1"/>
+          <p:cNvSpPr txBox="1"/>
+          <p:nvPr/>
+        </p:nvSpPr>
+        <p:spPr>
+          <a:xfrm>
+            <a:off x="381000" y="1371600"/>
+            <a:ext cx="7848600" cy="3477875"/>
+          </a:xfrm>
+          <a:prstGeom prst="rect">
+            <a:avLst/>
+          </a:prstGeom>
+          <a:noFill/>
+        </p:spPr>
+        <p:txBody>
+          <a:bodyPr wrap="square" rtlCol="0">
+            <a:spAutoFit/>
+          </a:bodyPr>
+          <a:lstStyle/>
+          <a:p>
+            <a:r>
+              <a:rPr lang="en-US" sz="3600" dirty="0" smtClean="0"/>
+              <a:t>Difference 1</a:t>
+            </a:r>
+          </a:p>
+          <a:p>
+            <a:pPr lvl="1"/>
+            <a:r>
+              <a:rPr lang="en-US" sz="2800" dirty="0"/>
+              <a:t>WCF – High Configuration</a:t>
+            </a:r>
+          </a:p>
+          <a:p>
+            <a:pPr lvl="1"/>
+            <a:r>
+              <a:rPr lang="en-US" sz="2800" dirty="0" smtClean="0"/>
+              <a:t>Web API – Low configuration</a:t>
+            </a:r>
+          </a:p>
+          <a:p>
+            <a:pPr marL="742950" lvl="1" indent="-285750">
+              <a:buFont typeface="Arial" panose="020B0604020202020204" pitchFamily="34" charset="0"/>
+              <a:buChar char="•"/>
+            </a:pPr>
+            <a:endParaRPr lang="en-US" dirty="0"/>
+          </a:p>
+          <a:p>
+            <a:r>
+              <a:rPr lang="en-US" sz="3600" dirty="0" smtClean="0"/>
+              <a:t>Difference 2</a:t>
+            </a:r>
+          </a:p>
+          <a:p>
+            <a:pPr lvl="1"/>
+            <a:r>
+              <a:rPr lang="en-US" sz="2800" dirty="0" smtClean="0"/>
+              <a:t>WCF  - Supports HTTP, TCP/IP, UDP, Custom</a:t>
+            </a:r>
+          </a:p>
+          <a:p>
+            <a:pPr lvl="1"/>
+            <a:r>
+              <a:rPr lang="en-US" sz="2800" dirty="0"/>
+              <a:t>Web API – Supports HTTP transport only</a:t>
+            </a:r>
+          </a:p>
+          <a:p>
+            <a:pPr marL="742950" lvl="1" indent="-285750">
+              <a:buFont typeface="Arial" panose="020B0604020202020204" pitchFamily="34" charset="0"/>
+              <a:buChar char="•"/>
+            </a:pPr>
+            <a:endParaRPr lang="en-US" dirty="0"/>
           </a:p>
         </p:txBody>
       </p:sp>
     </p:spTree>
     <p:extLst>
       <p:ext uri="{BB962C8B-B14F-4D97-AF65-F5344CB8AC3E}">
-        <p14:creationId xmlns:p14="http://schemas.microsoft.com/office/powerpoint/2010/main" val="1523277164"/>
+        <p14:creationId xmlns:p14="http://schemas.microsoft.com/office/powerpoint/2010/main" val="3169186760"/>
       </p:ext>
     </p:extLst>
   </p:cSld>
@@ -30304,7 +33112,7 @@
                             </p:stCondLst>
                             <p:childTnLst>
                               <p:par>
-                                <p:cTn id="15" presetID="10" presetClass="entr" presetSubtype="0" fill="hold" nodeType="clickEffect">
+                                <p:cTn id="15" presetID="1" presetClass="entr" presetSubtype="0" fill="hold" nodeType="clickEffect">
                                   <p:stCondLst>
                                     <p:cond delay="0"/>
                                   </p:stCondLst>
@@ -30331,48 +33139,18 @@
                                         <p:strVal val="visible"/>
                                       </p:to>
                                     </p:set>
-                                    <p:animEffect transition="in" filter="fade">
-                                      <p:cBhvr>
-                                        <p:cTn id="17" dur="500"/>
-                                        <p:tgtEl>
-                                          <p:spTgt spid="2">
-                                            <p:txEl>
-                                              <p:pRg st="0" end="0"/>
-                                            </p:txEl>
-                                          </p:spTgt>
-                                        </p:tgtEl>
-                                      </p:cBhvr>
-                                    </p:animEffect>
                                   </p:childTnLst>
                                 </p:cTn>
                               </p:par>
-                            </p:childTnLst>
-                          </p:cTn>
-                        </p:par>
-                      </p:childTnLst>
-                    </p:cTn>
-                  </p:par>
-                  <p:par>
-                    <p:cTn id="18" fill="hold">
-                      <p:stCondLst>
-                        <p:cond delay="indefinite"/>
-                      </p:stCondLst>
-                      <p:childTnLst>
-                        <p:par>
-                          <p:cTn id="19" fill="hold">
-                            <p:stCondLst>
-                              <p:cond delay="0"/>
-                            </p:stCondLst>
-                            <p:childTnLst>
                               <p:par>
-                                <p:cTn id="20" presetID="10" presetClass="entr" presetSubtype="0" fill="hold" nodeType="clickEffect">
+                                <p:cTn id="17" presetID="1" presetClass="entr" presetSubtype="0" fill="hold" nodeType="withEffect">
                                   <p:stCondLst>
                                     <p:cond delay="0"/>
                                   </p:stCondLst>
                                   <p:childTnLst>
                                     <p:set>
                                       <p:cBhvr>
-                                        <p:cTn id="21" dur="1" fill="hold">
+                                        <p:cTn id="18" dur="1" fill="hold">
                                           <p:stCondLst>
                                             <p:cond delay="0"/>
                                           </p:stCondLst>
@@ -30392,30 +33170,18 @@
                                         <p:strVal val="visible"/>
                                       </p:to>
                                     </p:set>
-                                    <p:animEffect transition="in" filter="fade">
-                                      <p:cBhvr>
-                                        <p:cTn id="22" dur="500"/>
-                                        <p:tgtEl>
-                                          <p:spTgt spid="2">
-                                            <p:txEl>
-                                              <p:pRg st="1" end="1"/>
-                                            </p:txEl>
-                                          </p:spTgt>
-                                        </p:tgtEl>
-                                      </p:cBhvr>
-                                    </p:animEffect>
                                   </p:childTnLst>
                                 </p:cTn>
                               </p:par>
                               <p:par>
-                                <p:cTn id="23" presetID="10" presetClass="entr" presetSubtype="0" fill="hold" nodeType="withEffect">
+                                <p:cTn id="19" presetID="1" presetClass="entr" presetSubtype="0" fill="hold" nodeType="withEffect">
                                   <p:stCondLst>
                                     <p:cond delay="0"/>
                                   </p:stCondLst>
                                   <p:childTnLst>
                                     <p:set>
                                       <p:cBhvr>
-                                        <p:cTn id="24" dur="1" fill="hold">
+                                        <p:cTn id="20" dur="1" fill="hold">
                                           <p:stCondLst>
                                             <p:cond delay="0"/>
                                           </p:stCondLst>
@@ -30435,18 +33201,6 @@
                                         <p:strVal val="visible"/>
                                       </p:to>
                                     </p:set>
-                                    <p:animEffect transition="in" filter="fade">
-                                      <p:cBhvr>
-                                        <p:cTn id="25" dur="500"/>
-                                        <p:tgtEl>
-                                          <p:spTgt spid="2">
-                                            <p:txEl>
-                                              <p:pRg st="2" end="2"/>
-                                            </p:txEl>
-                                          </p:spTgt>
-                                        </p:tgtEl>
-                                      </p:cBhvr>
-                                    </p:animEffect>
                                   </p:childTnLst>
                                 </p:cTn>
                               </p:par>
@@ -30457,26 +33211,26 @@
                     </p:cTn>
                   </p:par>
                   <p:par>
-                    <p:cTn id="26" fill="hold">
+                    <p:cTn id="21" fill="hold">
                       <p:stCondLst>
                         <p:cond delay="indefinite"/>
                       </p:stCondLst>
                       <p:childTnLst>
                         <p:par>
-                          <p:cTn id="27" fill="hold">
+                          <p:cTn id="22" fill="hold">
                             <p:stCondLst>
                               <p:cond delay="0"/>
                             </p:stCondLst>
                             <p:childTnLst>
                               <p:par>
-                                <p:cTn id="28" presetID="10" presetClass="entr" presetSubtype="0" fill="hold" nodeType="clickEffect">
+                                <p:cTn id="23" presetID="1" presetClass="entr" presetSubtype="0" fill="hold" nodeType="clickEffect">
                                   <p:stCondLst>
                                     <p:cond delay="0"/>
                                   </p:stCondLst>
                                   <p:childTnLst>
                                     <p:set>
                                       <p:cBhvr>
-                                        <p:cTn id="29" dur="1" fill="hold">
+                                        <p:cTn id="24" dur="1" fill="hold">
                                           <p:stCondLst>
                                             <p:cond delay="0"/>
                                           </p:stCondLst>
@@ -30496,48 +33250,18 @@
                                         <p:strVal val="visible"/>
                                       </p:to>
                                     </p:set>
-                                    <p:animEffect transition="in" filter="fade">
-                                      <p:cBhvr>
-                                        <p:cTn id="30" dur="500"/>
-                                        <p:tgtEl>
-                                          <p:spTgt spid="2">
-                                            <p:txEl>
-                                              <p:pRg st="4" end="4"/>
-                                            </p:txEl>
-                                          </p:spTgt>
-                                        </p:tgtEl>
-                                      </p:cBhvr>
-                                    </p:animEffect>
                                   </p:childTnLst>
                                 </p:cTn>
                               </p:par>
-                            </p:childTnLst>
-                          </p:cTn>
-                        </p:par>
-                      </p:childTnLst>
-                    </p:cTn>
-                  </p:par>
-                  <p:par>
-                    <p:cTn id="31" fill="hold">
-                      <p:stCondLst>
-                        <p:cond delay="indefinite"/>
-                      </p:stCondLst>
-                      <p:childTnLst>
-                        <p:par>
-                          <p:cTn id="32" fill="hold">
-                            <p:stCondLst>
-                              <p:cond delay="0"/>
-                            </p:stCondLst>
-                            <p:childTnLst>
                               <p:par>
-                                <p:cTn id="33" presetID="10" presetClass="entr" presetSubtype="0" fill="hold" nodeType="clickEffect">
+                                <p:cTn id="25" presetID="1" presetClass="entr" presetSubtype="0" fill="hold" nodeType="withEffect">
                                   <p:stCondLst>
                                     <p:cond delay="0"/>
                                   </p:stCondLst>
                                   <p:childTnLst>
                                     <p:set>
                                       <p:cBhvr>
-                                        <p:cTn id="34" dur="1" fill="hold">
+                                        <p:cTn id="26" dur="1" fill="hold">
                                           <p:stCondLst>
                                             <p:cond delay="0"/>
                                           </p:stCondLst>
@@ -30557,48 +33281,18 @@
                                         <p:strVal val="visible"/>
                                       </p:to>
                                     </p:set>
-                                    <p:animEffect transition="in" filter="fade">
-                                      <p:cBhvr>
-                                        <p:cTn id="35" dur="500"/>
-                                        <p:tgtEl>
-                                          <p:spTgt spid="2">
-                                            <p:txEl>
-                                              <p:pRg st="5" end="5"/>
-                                            </p:txEl>
-                                          </p:spTgt>
-                                        </p:tgtEl>
-                                      </p:cBhvr>
-                                    </p:animEffect>
                                   </p:childTnLst>
                                 </p:cTn>
                               </p:par>
-                            </p:childTnLst>
-                          </p:cTn>
-                        </p:par>
-                      </p:childTnLst>
-                    </p:cTn>
-                  </p:par>
-                  <p:par>
-                    <p:cTn id="36" fill="hold">
-                      <p:stCondLst>
-                        <p:cond delay="indefinite"/>
-                      </p:stCondLst>
-                      <p:childTnLst>
-                        <p:par>
-                          <p:cTn id="37" fill="hold">
-                            <p:stCondLst>
-                              <p:cond delay="0"/>
-                            </p:stCondLst>
-                            <p:childTnLst>
                               <p:par>
-                                <p:cTn id="38" presetID="10" presetClass="entr" presetSubtype="0" fill="hold" nodeType="clickEffect">
+                                <p:cTn id="27" presetID="1" presetClass="entr" presetSubtype="0" fill="hold" nodeType="withEffect">
                                   <p:stCondLst>
                                     <p:cond delay="0"/>
                                   </p:stCondLst>
                                   <p:childTnLst>
                                     <p:set>
                                       <p:cBhvr>
-                                        <p:cTn id="39" dur="1" fill="hold">
+                                        <p:cTn id="28" dur="1" fill="hold">
                                           <p:stCondLst>
                                             <p:cond delay="0"/>
                                           </p:stCondLst>
@@ -30606,7 +33300,7 @@
                                         <p:tgtEl>
                                           <p:spTgt spid="2">
                                             <p:txEl>
-                                              <p:pRg st="7" end="7"/>
+                                              <p:pRg st="6" end="6"/>
                                             </p:txEl>
                                           </p:spTgt>
                                         </p:tgtEl>
@@ -30618,18 +33312,6 @@
                                         <p:strVal val="visible"/>
                                       </p:to>
                                     </p:set>
-                                    <p:animEffect transition="in" filter="fade">
-                                      <p:cBhvr>
-                                        <p:cTn id="40" dur="500"/>
-                                        <p:tgtEl>
-                                          <p:spTgt spid="2">
-                                            <p:txEl>
-                                              <p:pRg st="7" end="7"/>
-                                            </p:txEl>
-                                          </p:spTgt>
-                                        </p:tgtEl>
-                                      </p:cBhvr>
-                                    </p:animEffect>
                                   </p:childTnLst>
                                 </p:cTn>
                               </p:par>
